--- a/Track - Machine Learning/Tree-Based-Models-in-R/Tree-Based Model in R.pptx
+++ b/Track - Machine Learning/Tree-Based-Models-in-R/Tree-Based Model in R.pptx
@@ -11,6 +11,7 @@
     <p:sldId id="258" r:id="rId5"/>
     <p:sldId id="265" r:id="rId6"/>
     <p:sldId id="266" r:id="rId7"/>
+    <p:sldId id="267" r:id="rId8"/>
   </p:sldIdLst>
   <p:sldSz cx="9144000" cy="6858000" type="screen4x3"/>
   <p:notesSz cx="7010400" cy="9296400"/>
@@ -260,7 +261,7 @@
             <a:fld id="{B61BEF0D-F0BB-DE4B-95CE-6DB70DBA9567}" type="datetimeFigureOut">
               <a:rPr lang="en-US" smtClean="0"/>
               <a:pPr/>
-              <a:t>6/4/2019</a:t>
+              <a:t>6/5/2019</a:t>
             </a:fld>
             <a:endParaRPr lang="en-US" dirty="0"/>
           </a:p>
@@ -432,7 +433,7 @@
             <a:fld id="{B61BEF0D-F0BB-DE4B-95CE-6DB70DBA9567}" type="datetimeFigureOut">
               <a:rPr lang="en-US" smtClean="0"/>
               <a:pPr/>
-              <a:t>6/4/2019</a:t>
+              <a:t>6/5/2019</a:t>
             </a:fld>
             <a:endParaRPr lang="en-US" dirty="0"/>
           </a:p>
@@ -614,7 +615,7 @@
             <a:fld id="{B61BEF0D-F0BB-DE4B-95CE-6DB70DBA9567}" type="datetimeFigureOut">
               <a:rPr lang="en-US" smtClean="0"/>
               <a:pPr/>
-              <a:t>6/4/2019</a:t>
+              <a:t>6/5/2019</a:t>
             </a:fld>
             <a:endParaRPr lang="en-US" dirty="0"/>
           </a:p>
@@ -786,7 +787,7 @@
             <a:fld id="{B61BEF0D-F0BB-DE4B-95CE-6DB70DBA9567}" type="datetimeFigureOut">
               <a:rPr lang="en-US" smtClean="0"/>
               <a:pPr/>
-              <a:t>6/4/2019</a:t>
+              <a:t>6/5/2019</a:t>
             </a:fld>
             <a:endParaRPr lang="en-US" dirty="0"/>
           </a:p>
@@ -1032,7 +1033,7 @@
             <a:fld id="{B61BEF0D-F0BB-DE4B-95CE-6DB70DBA9567}" type="datetimeFigureOut">
               <a:rPr lang="en-US" smtClean="0"/>
               <a:pPr/>
-              <a:t>6/4/2019</a:t>
+              <a:t>6/5/2019</a:t>
             </a:fld>
             <a:endParaRPr lang="en-US" dirty="0"/>
           </a:p>
@@ -1266,7 +1267,7 @@
             <a:fld id="{B61BEF0D-F0BB-DE4B-95CE-6DB70DBA9567}" type="datetimeFigureOut">
               <a:rPr lang="en-US" smtClean="0"/>
               <a:pPr/>
-              <a:t>6/4/2019</a:t>
+              <a:t>6/5/2019</a:t>
             </a:fld>
             <a:endParaRPr lang="en-US" dirty="0"/>
           </a:p>
@@ -1635,7 +1636,7 @@
             <a:fld id="{B61BEF0D-F0BB-DE4B-95CE-6DB70DBA9567}" type="datetimeFigureOut">
               <a:rPr lang="en-US" smtClean="0"/>
               <a:pPr/>
-              <a:t>6/4/2019</a:t>
+              <a:t>6/5/2019</a:t>
             </a:fld>
             <a:endParaRPr lang="en-US" dirty="0"/>
           </a:p>
@@ -1755,7 +1756,7 @@
             <a:fld id="{B61BEF0D-F0BB-DE4B-95CE-6DB70DBA9567}" type="datetimeFigureOut">
               <a:rPr lang="en-US" smtClean="0"/>
               <a:pPr/>
-              <a:t>6/4/2019</a:t>
+              <a:t>6/5/2019</a:t>
             </a:fld>
             <a:endParaRPr lang="en-US" dirty="0"/>
           </a:p>
@@ -1852,7 +1853,7 @@
             <a:fld id="{B61BEF0D-F0BB-DE4B-95CE-6DB70DBA9567}" type="datetimeFigureOut">
               <a:rPr lang="en-US" smtClean="0"/>
               <a:pPr/>
-              <a:t>6/4/2019</a:t>
+              <a:t>6/5/2019</a:t>
             </a:fld>
             <a:endParaRPr lang="en-US" dirty="0"/>
           </a:p>
@@ -2131,7 +2132,7 @@
             <a:fld id="{B61BEF0D-F0BB-DE4B-95CE-6DB70DBA9567}" type="datetimeFigureOut">
               <a:rPr lang="en-US" smtClean="0"/>
               <a:pPr/>
-              <a:t>6/4/2019</a:t>
+              <a:t>6/5/2019</a:t>
             </a:fld>
             <a:endParaRPr lang="en-US" dirty="0"/>
           </a:p>
@@ -2390,7 +2391,7 @@
             <a:fld id="{B61BEF0D-F0BB-DE4B-95CE-6DB70DBA9567}" type="datetimeFigureOut">
               <a:rPr lang="en-US" smtClean="0"/>
               <a:pPr/>
-              <a:t>6/4/2019</a:t>
+              <a:t>6/5/2019</a:t>
             </a:fld>
             <a:endParaRPr lang="en-US" dirty="0"/>
           </a:p>
@@ -2605,7 +2606,7 @@
             <a:fld id="{B61BEF0D-F0BB-DE4B-95CE-6DB70DBA9567}" type="datetimeFigureOut">
               <a:rPr lang="en-US" smtClean="0"/>
               <a:pPr/>
-              <a:t>6/4/2019</a:t>
+              <a:t>6/5/2019</a:t>
             </a:fld>
             <a:endParaRPr lang="en-US" dirty="0"/>
           </a:p>
@@ -3544,7 +3545,11 @@
             </a:pPr>
             <a:r>
               <a:rPr lang="en-US" sz="1050" smtClean="0"/>
-              <a:t>Predic on a test set and compute AUC</a:t>
+              <a:t>Predict </a:t>
+            </a:r>
+            <a:r>
+              <a:rPr lang="en-US" sz="1050" smtClean="0"/>
+              <a:t>on a test set and compute AUC</a:t>
             </a:r>
             <a:endParaRPr lang="en-US" sz="1050" dirty="0"/>
           </a:p>
@@ -4893,17 +4898,7 @@
                   </a:schemeClr>
                 </a:solidFill>
               </a:rPr>
-              <a:t>grade </a:t>
-            </a:r>
-            <a:r>
-              <a:rPr lang="en-US" sz="1050" b="1" smtClean="0">
-                <a:solidFill>
-                  <a:schemeClr val="accent2">
-                    <a:lumMod val="75000"/>
-                  </a:schemeClr>
-                </a:solidFill>
-              </a:rPr>
-              <a:t>is a data frame</a:t>
+              <a:t>grade is a data frame</a:t>
             </a:r>
           </a:p>
           <a:p>
@@ -4983,9 +4978,6 @@
               </a:rPr>
               <a:t>grade_valid &lt;- grade[assignment == 2, ]</a:t>
             </a:r>
-            <a:endParaRPr lang="en-US" sz="1050" smtClean="0">
-              <a:latin typeface="Consolas" panose="020B0609020204030204" pitchFamily="49" charset="0"/>
-            </a:endParaRPr>
           </a:p>
           <a:p>
             <a:r>
@@ -4998,13 +4990,7 @@
               <a:rPr lang="en-US" sz="1050">
                 <a:latin typeface="Consolas" panose="020B0609020204030204" pitchFamily="49" charset="0"/>
               </a:rPr>
-              <a:t>&lt;- grade[assignment </a:t>
-            </a:r>
-            <a:r>
-              <a:rPr lang="en-US" sz="1050">
-                <a:latin typeface="Consolas" panose="020B0609020204030204" pitchFamily="49" charset="0"/>
-              </a:rPr>
-              <a:t>== </a:t>
+              <a:t>&lt;- grade[assignment == </a:t>
             </a:r>
             <a:r>
               <a:rPr lang="en-US" sz="1050" smtClean="0">
@@ -5029,25 +5015,7 @@
               <a:rPr lang="en-US" sz="1050" smtClean="0">
                 <a:latin typeface="Consolas" panose="020B0609020204030204" pitchFamily="49" charset="0"/>
               </a:rPr>
-              <a:t>grade_model </a:t>
-            </a:r>
-            <a:r>
-              <a:rPr lang="en-US" sz="1050" smtClean="0">
-                <a:latin typeface="Consolas" panose="020B0609020204030204" pitchFamily="49" charset="0"/>
-              </a:rPr>
-              <a:t>&lt;- rpart(formula = </a:t>
-            </a:r>
-            <a:r>
-              <a:rPr lang="en-US" sz="1050" smtClean="0">
-                <a:latin typeface="Consolas" panose="020B0609020204030204" pitchFamily="49" charset="0"/>
-              </a:rPr>
-              <a:t>final_grade </a:t>
-            </a:r>
-            <a:r>
-              <a:rPr lang="en-US" sz="1050" smtClean="0">
-                <a:latin typeface="Consolas" panose="020B0609020204030204" pitchFamily="49" charset="0"/>
-              </a:rPr>
-              <a:t>~ .,</a:t>
+              <a:t>grade_model &lt;- rpart(formula = final_grade ~ .,</a:t>
             </a:r>
           </a:p>
           <a:p>
@@ -5061,17 +5029,8 @@
               <a:rPr lang="en-US" sz="1050" smtClean="0">
                 <a:latin typeface="Consolas" panose="020B0609020204030204" pitchFamily="49" charset="0"/>
               </a:rPr>
-              <a:t>		   data = </a:t>
-            </a:r>
-            <a:r>
-              <a:rPr lang="en-US" sz="1050" smtClean="0">
-                <a:latin typeface="Consolas" panose="020B0609020204030204" pitchFamily="49" charset="0"/>
-              </a:rPr>
-              <a:t>grade_train,</a:t>
-            </a:r>
-            <a:endParaRPr lang="en-US" sz="1050" smtClean="0">
-              <a:latin typeface="Consolas" panose="020B0609020204030204" pitchFamily="49" charset="0"/>
-            </a:endParaRPr>
+              <a:t>		   data = grade_train,</a:t>
+            </a:r>
           </a:p>
           <a:p>
             <a:r>
@@ -5084,17 +5043,8 @@
               <a:rPr lang="en-US" sz="1050" smtClean="0">
                 <a:latin typeface="Consolas" panose="020B0609020204030204" pitchFamily="49" charset="0"/>
               </a:rPr>
-              <a:t>		   method = </a:t>
-            </a:r>
-            <a:r>
-              <a:rPr lang="en-US" sz="1050" smtClean="0">
-                <a:latin typeface="Consolas" panose="020B0609020204030204" pitchFamily="49" charset="0"/>
-              </a:rPr>
-              <a:t>“anova”)</a:t>
-            </a:r>
-            <a:endParaRPr lang="en-US" sz="1050" smtClean="0">
-              <a:latin typeface="Consolas" panose="020B0609020204030204" pitchFamily="49" charset="0"/>
-            </a:endParaRPr>
+              <a:t>		   method = “anova”)</a:t>
+            </a:r>
           </a:p>
           <a:p>
             <a:endParaRPr lang="en-US" sz="1050">
@@ -5118,13 +5068,7 @@
               <a:rPr lang="en-US" sz="1050" smtClean="0">
                 <a:latin typeface="Consolas" panose="020B0609020204030204" pitchFamily="49" charset="0"/>
               </a:rPr>
-              <a:t>yesno = 2, type = 0, extra = 0</a:t>
-            </a:r>
-            <a:r>
-              <a:rPr lang="en-US" sz="1050" smtClean="0">
-                <a:latin typeface="Consolas" panose="020B0609020204030204" pitchFamily="49" charset="0"/>
-              </a:rPr>
-              <a:t>)</a:t>
+              <a:t>yesno = 2, type = 0, extra = 0)</a:t>
             </a:r>
           </a:p>
           <a:p>
@@ -5275,19 +5219,7 @@
                 </a:solidFill>
                 <a:latin typeface="Consolas" panose="020B0609020204030204" pitchFamily="49" charset="0"/>
               </a:rPr>
-              <a:t>Regression </a:t>
-            </a:r>
-            <a:r>
-              <a:rPr lang="en-US" sz="800" smtClean="0">
-                <a:solidFill>
-                  <a:schemeClr val="accent1">
-                    <a:lumMod val="60000"/>
-                    <a:lumOff val="40000"/>
-                  </a:schemeClr>
-                </a:solidFill>
-                <a:latin typeface="Consolas" panose="020B0609020204030204" pitchFamily="49" charset="0"/>
-              </a:rPr>
-              <a:t>Trees</a:t>
+              <a:t>Regression Trees</a:t>
             </a:r>
             <a:endParaRPr lang="en-US" sz="800" dirty="0">
               <a:solidFill>
@@ -5357,13 +5289,6 @@
               </a:rPr>
               <a:t>Metrics</a:t>
             </a:r>
-            <a:endParaRPr lang="en-US" sz="1000" b="1" smtClean="0">
-              <a:solidFill>
-                <a:schemeClr val="accent2">
-                  <a:lumMod val="75000"/>
-                </a:schemeClr>
-              </a:solidFill>
-            </a:endParaRPr>
           </a:p>
         </p:txBody>
       </p:sp>
@@ -5400,25 +5325,8 @@
                   </a:schemeClr>
                 </a:solidFill>
               </a:rPr>
-              <a:t>you can </a:t>
-            </a:r>
-            <a:r>
-              <a:rPr lang="en-US" sz="1000" b="1" smtClean="0">
-                <a:solidFill>
-                  <a:schemeClr val="accent2">
-                    <a:lumMod val="75000"/>
-                  </a:schemeClr>
-                </a:solidFill>
-              </a:rPr>
-              <a:t>see this model using print(grade_model)</a:t>
-            </a:r>
-            <a:endParaRPr lang="en-US" sz="1000" b="1" smtClean="0">
-              <a:solidFill>
-                <a:schemeClr val="accent2">
-                  <a:lumMod val="75000"/>
-                </a:schemeClr>
-              </a:solidFill>
-            </a:endParaRPr>
+              <a:t>you can see this model using print(grade_model)</a:t>
+            </a:r>
           </a:p>
         </p:txBody>
       </p:sp>
@@ -5932,19 +5840,7 @@
                 </a:solidFill>
                 <a:latin typeface="Consolas" panose="020B0609020204030204" pitchFamily="49" charset="0"/>
               </a:rPr>
-              <a:t>Regression </a:t>
-            </a:r>
-            <a:r>
-              <a:rPr lang="en-US" sz="800" smtClean="0">
-                <a:solidFill>
-                  <a:schemeClr val="accent1">
-                    <a:lumMod val="60000"/>
-                    <a:lumOff val="40000"/>
-                  </a:schemeClr>
-                </a:solidFill>
-                <a:latin typeface="Consolas" panose="020B0609020204030204" pitchFamily="49" charset="0"/>
-              </a:rPr>
-              <a:t>Trees</a:t>
+              <a:t>Regression Trees</a:t>
             </a:r>
             <a:endParaRPr lang="en-US" sz="800" dirty="0">
               <a:solidFill>
@@ -6126,6 +6022,985 @@
     <p:extLst>
       <p:ext uri="{BB962C8B-B14F-4D97-AF65-F5344CB8AC3E}">
         <p14:creationId xmlns:p14="http://schemas.microsoft.com/office/powerpoint/2010/main" val="1595928824"/>
+      </p:ext>
+    </p:extLst>
+  </p:cSld>
+  <p:clrMapOvr>
+    <a:masterClrMapping/>
+  </p:clrMapOvr>
+</p:sld>
+</file>
+
+<file path=ppt/slides/slide7.xml><?xml version="1.0" encoding="utf-8"?>
+<p:sld xmlns:a="http://schemas.openxmlformats.org/drawingml/2006/main" xmlns:r="http://schemas.openxmlformats.org/officeDocument/2006/relationships" xmlns:p="http://schemas.openxmlformats.org/presentationml/2006/main">
+  <p:cSld>
+    <p:spTree>
+      <p:nvGrpSpPr>
+        <p:cNvPr id="1" name=""/>
+        <p:cNvGrpSpPr/>
+        <p:nvPr/>
+      </p:nvGrpSpPr>
+      <p:grpSpPr>
+        <a:xfrm>
+          <a:off x="0" y="0"/>
+          <a:ext cx="0" cy="0"/>
+          <a:chOff x="0" y="0"/>
+          <a:chExt cx="0" cy="0"/>
+        </a:xfrm>
+      </p:grpSpPr>
+      <p:sp>
+        <p:nvSpPr>
+          <p:cNvPr id="4" name="Content Placeholder 3"/>
+          <p:cNvSpPr>
+            <a:spLocks noGrp="1"/>
+          </p:cNvSpPr>
+          <p:nvPr>
+            <p:ph sz="half" idx="1"/>
+          </p:nvPr>
+        </p:nvSpPr>
+        <p:spPr>
+          <a:xfrm>
+            <a:off x="411873" y="500654"/>
+            <a:ext cx="2749680" cy="284405"/>
+          </a:xfrm>
+        </p:spPr>
+        <p:txBody>
+          <a:bodyPr>
+            <a:normAutofit/>
+          </a:bodyPr>
+          <a:lstStyle/>
+          <a:p>
+            <a:pPr marL="0" indent="0">
+              <a:buNone/>
+            </a:pPr>
+            <a:r>
+              <a:rPr lang="en-US" sz="1050" b="1" smtClean="0">
+                <a:solidFill>
+                  <a:schemeClr val="accent2">
+                    <a:lumMod val="75000"/>
+                  </a:schemeClr>
+                </a:solidFill>
+              </a:rPr>
+              <a:t>creditsub </a:t>
+            </a:r>
+            <a:r>
+              <a:rPr lang="en-US" sz="1050" b="1" smtClean="0">
+                <a:solidFill>
+                  <a:schemeClr val="accent2">
+                    <a:lumMod val="75000"/>
+                  </a:schemeClr>
+                </a:solidFill>
+              </a:rPr>
+              <a:t>is a data frame</a:t>
+            </a:r>
+          </a:p>
+          <a:p>
+            <a:pPr marL="0" indent="0">
+              <a:buNone/>
+            </a:pPr>
+            <a:endParaRPr lang="en-US" sz="1050" b="1">
+              <a:solidFill>
+                <a:schemeClr val="accent2">
+                  <a:lumMod val="75000"/>
+                </a:schemeClr>
+              </a:solidFill>
+            </a:endParaRPr>
+          </a:p>
+        </p:txBody>
+      </p:sp>
+      <p:sp>
+        <p:nvSpPr>
+          <p:cNvPr id="11" name="TextBox 10">
+            <a:extLst>
+              <a:ext uri="{FF2B5EF4-FFF2-40B4-BE49-F238E27FC236}">
+                <a16:creationId xmlns:a16="http://schemas.microsoft.com/office/drawing/2014/main" id="{8FA4E600-36BF-419F-B739-8B99F6702248}"/>
+              </a:ext>
+            </a:extLst>
+          </p:cNvPr>
+          <p:cNvSpPr txBox="1"/>
+          <p:nvPr/>
+        </p:nvSpPr>
+        <p:spPr>
+          <a:xfrm>
+            <a:off x="411872" y="1333566"/>
+            <a:ext cx="5032693" cy="4939814"/>
+          </a:xfrm>
+          <a:prstGeom prst="rect">
+            <a:avLst/>
+          </a:prstGeom>
+          <a:noFill/>
+        </p:spPr>
+        <p:txBody>
+          <a:bodyPr wrap="square" rtlCol="0">
+            <a:spAutoFit/>
+          </a:bodyPr>
+          <a:lstStyle/>
+          <a:p>
+            <a:r>
+              <a:rPr lang="en-US" sz="1050" smtClean="0">
+                <a:latin typeface="Consolas" panose="020B0609020204030204" pitchFamily="49" charset="0"/>
+              </a:rPr>
+              <a:t>set.seed(123)</a:t>
+            </a:r>
+            <a:endParaRPr lang="en-US" sz="1050" smtClean="0">
+              <a:latin typeface="Consolas" panose="020B0609020204030204" pitchFamily="49" charset="0"/>
+            </a:endParaRPr>
+          </a:p>
+          <a:p>
+            <a:r>
+              <a:rPr lang="en-US" sz="1050" smtClean="0">
+                <a:latin typeface="Consolas" panose="020B0609020204030204" pitchFamily="49" charset="0"/>
+              </a:rPr>
+              <a:t>credit_model &lt;- bagging(formula = default ~ .,</a:t>
+            </a:r>
+          </a:p>
+          <a:p>
+            <a:r>
+              <a:rPr lang="en-US" sz="1050">
+                <a:latin typeface="Consolas" panose="020B0609020204030204" pitchFamily="49" charset="0"/>
+              </a:rPr>
+              <a:t>	</a:t>
+            </a:r>
+            <a:r>
+              <a:rPr lang="en-US" sz="1050" smtClean="0">
+                <a:latin typeface="Consolas" panose="020B0609020204030204" pitchFamily="49" charset="0"/>
+              </a:rPr>
+              <a:t>		      data = credit_train,  coob = TRUE)</a:t>
+            </a:r>
+          </a:p>
+          <a:p>
+            <a:endParaRPr lang="en-US" sz="1050">
+              <a:latin typeface="Consolas" panose="020B0609020204030204" pitchFamily="49" charset="0"/>
+            </a:endParaRPr>
+          </a:p>
+          <a:p>
+            <a:r>
+              <a:rPr lang="en-US" sz="1050" smtClean="0">
+                <a:latin typeface="Consolas" panose="020B0609020204030204" pitchFamily="49" charset="0"/>
+              </a:rPr>
+              <a:t>credit_pred &lt;- predict(object = credit_model,</a:t>
+            </a:r>
+          </a:p>
+          <a:p>
+            <a:r>
+              <a:rPr lang="en-US" sz="1050">
+                <a:latin typeface="Consolas" panose="020B0609020204030204" pitchFamily="49" charset="0"/>
+              </a:rPr>
+              <a:t>	</a:t>
+            </a:r>
+            <a:r>
+              <a:rPr lang="en-US" sz="1050" smtClean="0">
+                <a:latin typeface="Consolas" panose="020B0609020204030204" pitchFamily="49" charset="0"/>
+              </a:rPr>
+              <a:t>		     newdata = credit_test,</a:t>
+            </a:r>
+            <a:r>
+              <a:rPr lang="en-US" sz="1050" smtClean="0">
+                <a:latin typeface="Consolas" panose="020B0609020204030204" pitchFamily="49" charset="0"/>
+              </a:rPr>
+              <a:t>  type = “class”)</a:t>
+            </a:r>
+          </a:p>
+          <a:p>
+            <a:endParaRPr lang="en-US" sz="1050">
+              <a:latin typeface="Consolas" panose="020B0609020204030204" pitchFamily="49" charset="0"/>
+            </a:endParaRPr>
+          </a:p>
+          <a:p>
+            <a:r>
+              <a:rPr lang="en-US" sz="1050" smtClean="0">
+                <a:latin typeface="Consolas" panose="020B0609020204030204" pitchFamily="49" charset="0"/>
+              </a:rPr>
+              <a:t>auc(actual = ifelse(credit_test$default == “yes”, 1, 0),</a:t>
+            </a:r>
+          </a:p>
+          <a:p>
+            <a:r>
+              <a:rPr lang="en-US" sz="1050">
+                <a:latin typeface="Consolas" panose="020B0609020204030204" pitchFamily="49" charset="0"/>
+              </a:rPr>
+              <a:t>	</a:t>
+            </a:r>
+            <a:r>
+              <a:rPr lang="en-US" sz="1050" smtClean="0">
+                <a:latin typeface="Consolas" panose="020B0609020204030204" pitchFamily="49" charset="0"/>
+              </a:rPr>
+              <a:t>predict = pred[ , “yes”])</a:t>
+            </a:r>
+          </a:p>
+          <a:p>
+            <a:endParaRPr lang="en-US" sz="1050">
+              <a:latin typeface="Consolas" panose="020B0609020204030204" pitchFamily="49" charset="0"/>
+            </a:endParaRPr>
+          </a:p>
+          <a:p>
+            <a:r>
+              <a:rPr lang="en-US" sz="1050" smtClean="0">
+                <a:latin typeface="Consolas" panose="020B0609020204030204" pitchFamily="49" charset="0"/>
+              </a:rPr>
+              <a:t>ctrl &lt;- trainControl(method = “cv”,</a:t>
+            </a:r>
+          </a:p>
+          <a:p>
+            <a:r>
+              <a:rPr lang="en-US" sz="1050">
+                <a:latin typeface="Consolas" panose="020B0609020204030204" pitchFamily="49" charset="0"/>
+              </a:rPr>
+              <a:t>	</a:t>
+            </a:r>
+            <a:r>
+              <a:rPr lang="en-US" sz="1050" smtClean="0">
+                <a:latin typeface="Consolas" panose="020B0609020204030204" pitchFamily="49" charset="0"/>
+              </a:rPr>
+              <a:t>		   number = 5,</a:t>
+            </a:r>
+          </a:p>
+          <a:p>
+            <a:r>
+              <a:rPr lang="en-US" sz="1050">
+                <a:latin typeface="Consolas" panose="020B0609020204030204" pitchFamily="49" charset="0"/>
+              </a:rPr>
+              <a:t>	</a:t>
+            </a:r>
+            <a:r>
+              <a:rPr lang="en-US" sz="1050" smtClean="0">
+                <a:latin typeface="Consolas" panose="020B0609020204030204" pitchFamily="49" charset="0"/>
+              </a:rPr>
+              <a:t>		   clasasProbs = TRUE,</a:t>
+            </a:r>
+          </a:p>
+          <a:p>
+            <a:r>
+              <a:rPr lang="en-US" sz="1050">
+                <a:latin typeface="Consolas" panose="020B0609020204030204" pitchFamily="49" charset="0"/>
+              </a:rPr>
+              <a:t>	</a:t>
+            </a:r>
+            <a:r>
+              <a:rPr lang="en-US" sz="1050" smtClean="0">
+                <a:latin typeface="Consolas" panose="020B0609020204030204" pitchFamily="49" charset="0"/>
+              </a:rPr>
+              <a:t>		   summaryFunction = twoClassSummary)</a:t>
+            </a:r>
+          </a:p>
+          <a:p>
+            <a:endParaRPr lang="en-US" sz="1050">
+              <a:latin typeface="Consolas" panose="020B0609020204030204" pitchFamily="49" charset="0"/>
+            </a:endParaRPr>
+          </a:p>
+          <a:p>
+            <a:r>
+              <a:rPr lang="en-US" sz="1050" smtClean="0">
+                <a:latin typeface="Consolas" panose="020B0609020204030204" pitchFamily="49" charset="0"/>
+              </a:rPr>
+              <a:t>set.seed(1)</a:t>
+            </a:r>
+          </a:p>
+          <a:p>
+            <a:r>
+              <a:rPr lang="en-US" sz="1050" smtClean="0">
+                <a:latin typeface="Consolas" panose="020B0609020204030204" pitchFamily="49" charset="0"/>
+              </a:rPr>
+              <a:t>credit_caret_model &lt;- train(default ~ .,</a:t>
+            </a:r>
+          </a:p>
+          <a:p>
+            <a:r>
+              <a:rPr lang="en-US" sz="1050">
+                <a:latin typeface="Consolas" panose="020B0609020204030204" pitchFamily="49" charset="0"/>
+              </a:rPr>
+              <a:t>	</a:t>
+            </a:r>
+            <a:r>
+              <a:rPr lang="en-US" sz="1050" smtClean="0">
+                <a:latin typeface="Consolas" panose="020B0609020204030204" pitchFamily="49" charset="0"/>
+              </a:rPr>
+              <a:t>			    data = credit_train,</a:t>
+            </a:r>
+          </a:p>
+          <a:p>
+            <a:r>
+              <a:rPr lang="en-US" sz="1050">
+                <a:latin typeface="Consolas" panose="020B0609020204030204" pitchFamily="49" charset="0"/>
+              </a:rPr>
+              <a:t>	</a:t>
+            </a:r>
+            <a:r>
+              <a:rPr lang="en-US" sz="1050" smtClean="0">
+                <a:latin typeface="Consolas" panose="020B0609020204030204" pitchFamily="49" charset="0"/>
+              </a:rPr>
+              <a:t>			    method = “treebag”,</a:t>
+            </a:r>
+          </a:p>
+          <a:p>
+            <a:r>
+              <a:rPr lang="en-US" sz="1050">
+                <a:latin typeface="Consolas" panose="020B0609020204030204" pitchFamily="49" charset="0"/>
+              </a:rPr>
+              <a:t>	</a:t>
+            </a:r>
+            <a:r>
+              <a:rPr lang="en-US" sz="1050" smtClean="0">
+                <a:latin typeface="Consolas" panose="020B0609020204030204" pitchFamily="49" charset="0"/>
+              </a:rPr>
+              <a:t>			    metric = “ROC”,</a:t>
+            </a:r>
+          </a:p>
+          <a:p>
+            <a:r>
+              <a:rPr lang="en-US" sz="1050">
+                <a:latin typeface="Consolas" panose="020B0609020204030204" pitchFamily="49" charset="0"/>
+              </a:rPr>
+              <a:t>	</a:t>
+            </a:r>
+            <a:r>
+              <a:rPr lang="en-US" sz="1050" smtClean="0">
+                <a:latin typeface="Consolas" panose="020B0609020204030204" pitchFamily="49" charset="0"/>
+              </a:rPr>
+              <a:t>			    trControl = ctrl)</a:t>
+            </a:r>
+          </a:p>
+          <a:p>
+            <a:endParaRPr lang="en-US" sz="1050">
+              <a:latin typeface="Consolas" panose="020B0609020204030204" pitchFamily="49" charset="0"/>
+            </a:endParaRPr>
+          </a:p>
+          <a:p>
+            <a:r>
+              <a:rPr lang="en-US" sz="1050" smtClean="0">
+                <a:latin typeface="Consolas" panose="020B0609020204030204" pitchFamily="49" charset="0"/>
+              </a:rPr>
+              <a:t>credit_caret_model$results[ , “ROC”]</a:t>
+            </a:r>
+          </a:p>
+          <a:p>
+            <a:endParaRPr lang="en-US" sz="1050">
+              <a:latin typeface="Consolas" panose="020B0609020204030204" pitchFamily="49" charset="0"/>
+            </a:endParaRPr>
+          </a:p>
+          <a:p>
+            <a:r>
+              <a:rPr lang="en-US" sz="1050">
+                <a:latin typeface="Consolas" panose="020B0609020204030204" pitchFamily="49" charset="0"/>
+              </a:rPr>
+              <a:t>credit_pred &lt;- predict(object = credit_caret_model,</a:t>
+            </a:r>
+          </a:p>
+          <a:p>
+            <a:r>
+              <a:rPr lang="en-US" sz="1050">
+                <a:latin typeface="Consolas" panose="020B0609020204030204" pitchFamily="49" charset="0"/>
+              </a:rPr>
+              <a:t>			     newdata </a:t>
+            </a:r>
+            <a:r>
+              <a:rPr lang="en-US" sz="1050">
+                <a:latin typeface="Consolas" panose="020B0609020204030204" pitchFamily="49" charset="0"/>
+              </a:rPr>
+              <a:t>= </a:t>
+            </a:r>
+            <a:r>
+              <a:rPr lang="en-US" sz="1050" smtClean="0">
+                <a:latin typeface="Consolas" panose="020B0609020204030204" pitchFamily="49" charset="0"/>
+              </a:rPr>
+              <a:t>credit_test, type </a:t>
+            </a:r>
+            <a:r>
+              <a:rPr lang="en-US" sz="1050">
+                <a:latin typeface="Consolas" panose="020B0609020204030204" pitchFamily="49" charset="0"/>
+              </a:rPr>
+              <a:t>= “prob”)</a:t>
+            </a:r>
+          </a:p>
+          <a:p>
+            <a:endParaRPr lang="en-US" sz="1050">
+              <a:latin typeface="Consolas" panose="020B0609020204030204" pitchFamily="49" charset="0"/>
+            </a:endParaRPr>
+          </a:p>
+          <a:p>
+            <a:r>
+              <a:rPr lang="en-US" sz="1050">
+                <a:latin typeface="Consolas" panose="020B0609020204030204" pitchFamily="49" charset="0"/>
+              </a:rPr>
+              <a:t>auc(actual = ifelse(credit_test$default == “yes”, 1, 0),</a:t>
+            </a:r>
+          </a:p>
+          <a:p>
+            <a:r>
+              <a:rPr lang="en-US" sz="1050">
+                <a:latin typeface="Consolas" panose="020B0609020204030204" pitchFamily="49" charset="0"/>
+              </a:rPr>
+              <a:t>	predict = pred[ , “</a:t>
+            </a:r>
+            <a:r>
+              <a:rPr lang="en-US" sz="1050">
+                <a:latin typeface="Consolas" panose="020B0609020204030204" pitchFamily="49" charset="0"/>
+              </a:rPr>
+              <a:t>yes</a:t>
+            </a:r>
+            <a:r>
+              <a:rPr lang="en-US" sz="1050" smtClean="0">
+                <a:latin typeface="Consolas" panose="020B0609020204030204" pitchFamily="49" charset="0"/>
+              </a:rPr>
+              <a:t>”])</a:t>
+            </a:r>
+          </a:p>
+        </p:txBody>
+      </p:sp>
+      <p:sp>
+        <p:nvSpPr>
+          <p:cNvPr id="25" name="TextBox 24">
+            <a:extLst>
+              <a:ext uri="{FF2B5EF4-FFF2-40B4-BE49-F238E27FC236}">
+                <a16:creationId xmlns:a16="http://schemas.microsoft.com/office/drawing/2014/main" id="{8FA4E600-36BF-419F-B739-8B99F6702248}"/>
+              </a:ext>
+            </a:extLst>
+          </p:cNvPr>
+          <p:cNvSpPr txBox="1"/>
+          <p:nvPr/>
+        </p:nvSpPr>
+        <p:spPr>
+          <a:xfrm>
+            <a:off x="8208378" y="6535791"/>
+            <a:ext cx="857928" cy="215444"/>
+          </a:xfrm>
+          <a:prstGeom prst="rect">
+            <a:avLst/>
+          </a:prstGeom>
+          <a:noFill/>
+        </p:spPr>
+        <p:txBody>
+          <a:bodyPr wrap="none" rtlCol="0">
+            <a:spAutoFit/>
+          </a:bodyPr>
+          <a:lstStyle/>
+          <a:p>
+            <a:pPr algn="r"/>
+            <a:r>
+              <a:rPr lang="en-US" sz="800" smtClean="0">
+                <a:solidFill>
+                  <a:schemeClr val="accent1">
+                    <a:lumMod val="60000"/>
+                    <a:lumOff val="40000"/>
+                  </a:schemeClr>
+                </a:solidFill>
+                <a:latin typeface="Consolas" panose="020B0609020204030204" pitchFamily="49" charset="0"/>
+              </a:rPr>
+              <a:t>Bagged Trees</a:t>
+            </a:r>
+            <a:endParaRPr lang="en-US" sz="800" dirty="0">
+              <a:solidFill>
+                <a:schemeClr val="accent1">
+                  <a:lumMod val="60000"/>
+                  <a:lumOff val="40000"/>
+                </a:schemeClr>
+              </a:solidFill>
+              <a:latin typeface="Consolas" panose="020B0609020204030204" pitchFamily="49" charset="0"/>
+            </a:endParaRPr>
+          </a:p>
+        </p:txBody>
+      </p:sp>
+      <p:sp>
+        <p:nvSpPr>
+          <p:cNvPr id="27" name="Content Placeholder 3"/>
+          <p:cNvSpPr>
+            <a:spLocks noGrp="1"/>
+          </p:cNvSpPr>
+          <p:nvPr>
+            <p:ph sz="half" idx="1"/>
+          </p:nvPr>
+        </p:nvSpPr>
+        <p:spPr>
+          <a:xfrm>
+            <a:off x="6502400" y="500654"/>
+            <a:ext cx="2311761" cy="274594"/>
+          </a:xfrm>
+        </p:spPr>
+        <p:txBody>
+          <a:bodyPr>
+            <a:normAutofit/>
+          </a:bodyPr>
+          <a:lstStyle/>
+          <a:p>
+            <a:pPr marL="0" indent="0">
+              <a:buNone/>
+            </a:pPr>
+            <a:r>
+              <a:rPr lang="en-US" sz="1000" b="1" smtClean="0">
+                <a:solidFill>
+                  <a:schemeClr val="accent2">
+                    <a:lumMod val="75000"/>
+                  </a:schemeClr>
+                </a:solidFill>
+              </a:rPr>
+              <a:t>libraries </a:t>
+            </a:r>
+            <a:r>
+              <a:rPr lang="en-US" sz="1000" b="1" smtClean="0">
+                <a:solidFill>
+                  <a:schemeClr val="accent2">
+                    <a:lumMod val="75000"/>
+                  </a:schemeClr>
+                </a:solidFill>
+                <a:sym typeface="Wingdings" panose="05000000000000000000" pitchFamily="2" charset="2"/>
+              </a:rPr>
+              <a:t> </a:t>
+            </a:r>
+            <a:r>
+              <a:rPr lang="en-US" sz="1000" b="1" smtClean="0">
+                <a:solidFill>
+                  <a:schemeClr val="accent2">
+                    <a:lumMod val="75000"/>
+                  </a:schemeClr>
+                </a:solidFill>
+              </a:rPr>
+              <a:t>ipred, Metrics, caret</a:t>
+            </a:r>
+            <a:endParaRPr lang="en-US" sz="1000" b="1" smtClean="0">
+              <a:solidFill>
+                <a:schemeClr val="accent2">
+                  <a:lumMod val="75000"/>
+                </a:schemeClr>
+              </a:solidFill>
+            </a:endParaRPr>
+          </a:p>
+        </p:txBody>
+      </p:sp>
+      <p:sp>
+        <p:nvSpPr>
+          <p:cNvPr id="3" name="TextBox 2"/>
+          <p:cNvSpPr txBox="1"/>
+          <p:nvPr/>
+        </p:nvSpPr>
+        <p:spPr>
+          <a:xfrm>
+            <a:off x="411873" y="828480"/>
+            <a:ext cx="4557017" cy="461665"/>
+          </a:xfrm>
+          <a:prstGeom prst="rect">
+            <a:avLst/>
+          </a:prstGeom>
+          <a:noFill/>
+        </p:spPr>
+        <p:txBody>
+          <a:bodyPr wrap="none" rtlCol="0">
+            <a:spAutoFit/>
+          </a:bodyPr>
+          <a:lstStyle/>
+          <a:p>
+            <a:r>
+              <a:rPr lang="en-US" sz="1200" smtClean="0"/>
+              <a:t>Bagged trees combines many trees with the goal of reducing variance.</a:t>
+            </a:r>
+          </a:p>
+          <a:p>
+            <a:r>
+              <a:rPr lang="en-US" sz="1200" smtClean="0"/>
+              <a:t>Bagging </a:t>
+            </a:r>
+            <a:r>
+              <a:rPr lang="en-US" sz="1200" smtClean="0">
+                <a:sym typeface="Wingdings" panose="05000000000000000000" pitchFamily="2" charset="2"/>
+              </a:rPr>
+              <a:t> Bootstrap Aggregating</a:t>
+            </a:r>
+            <a:endParaRPr lang="en-US" sz="1200"/>
+          </a:p>
+        </p:txBody>
+      </p:sp>
+      <p:pic>
+        <p:nvPicPr>
+          <p:cNvPr id="5" name="Picture 4"/>
+          <p:cNvPicPr>
+            <a:picLocks noChangeAspect="1"/>
+          </p:cNvPicPr>
+          <p:nvPr/>
+        </p:nvPicPr>
+        <p:blipFill>
+          <a:blip r:embed="rId2"/>
+          <a:stretch>
+            <a:fillRect/>
+          </a:stretch>
+        </p:blipFill>
+        <p:spPr>
+          <a:xfrm>
+            <a:off x="5646364" y="1010024"/>
+            <a:ext cx="3100646" cy="2265502"/>
+          </a:xfrm>
+          <a:prstGeom prst="rect">
+            <a:avLst/>
+          </a:prstGeom>
+        </p:spPr>
+      </p:pic>
+      <p:sp>
+        <p:nvSpPr>
+          <p:cNvPr id="14" name="Content Placeholder 3"/>
+          <p:cNvSpPr>
+            <a:spLocks noGrp="1"/>
+          </p:cNvSpPr>
+          <p:nvPr>
+            <p:ph sz="half" idx="1"/>
+          </p:nvPr>
+        </p:nvSpPr>
+        <p:spPr>
+          <a:xfrm>
+            <a:off x="6335059" y="3589319"/>
+            <a:ext cx="2600781" cy="1690745"/>
+          </a:xfrm>
+        </p:spPr>
+        <p:txBody>
+          <a:bodyPr>
+            <a:normAutofit/>
+          </a:bodyPr>
+          <a:lstStyle/>
+          <a:p>
+            <a:pPr marL="0" indent="0">
+              <a:buNone/>
+            </a:pPr>
+            <a:r>
+              <a:rPr lang="en-US" sz="1050" smtClean="0"/>
+              <a:t>In binary classification, we can predict numeric values instead of class labels. In fact, class labels are created only after you use the model to predict a raw, numeric, predicted value for a test point.</a:t>
+            </a:r>
+          </a:p>
+          <a:p>
+            <a:pPr marL="0" indent="0">
+              <a:buNone/>
+            </a:pPr>
+            <a:r>
+              <a:rPr lang="en-US" sz="1050" smtClean="0"/>
+              <a:t>The predicted label is generated by applying a threshold to the predicted value, such that all test points with predicted value greater than the threshold get a label of “1” and points below get a label of “0”.</a:t>
+            </a:r>
+            <a:endParaRPr lang="en-US" sz="800" smtClean="0"/>
+          </a:p>
+        </p:txBody>
+      </p:sp>
+      <p:sp>
+        <p:nvSpPr>
+          <p:cNvPr id="15" name="Content Placeholder 3"/>
+          <p:cNvSpPr>
+            <a:spLocks noGrp="1"/>
+          </p:cNvSpPr>
+          <p:nvPr>
+            <p:ph sz="half" idx="1"/>
+          </p:nvPr>
+        </p:nvSpPr>
+        <p:spPr>
+          <a:xfrm>
+            <a:off x="4344602" y="2946497"/>
+            <a:ext cx="1541964" cy="423273"/>
+          </a:xfrm>
+        </p:spPr>
+        <p:txBody>
+          <a:bodyPr>
+            <a:normAutofit fontScale="92500" lnSpcReduction="10000"/>
+          </a:bodyPr>
+          <a:lstStyle/>
+          <a:p>
+            <a:pPr marL="0" indent="0">
+              <a:buNone/>
+            </a:pPr>
+            <a:r>
+              <a:rPr lang="en-US" sz="1000" b="1" smtClean="0">
+                <a:solidFill>
+                  <a:schemeClr val="accent2">
+                    <a:lumMod val="75000"/>
+                  </a:schemeClr>
+                </a:solidFill>
+              </a:rPr>
+              <a:t>“prob” changes this to a predicted value as opposed to a class label</a:t>
+            </a:r>
+            <a:endParaRPr lang="en-US" sz="1000" b="1" smtClean="0">
+              <a:solidFill>
+                <a:schemeClr val="accent2">
+                  <a:lumMod val="75000"/>
+                </a:schemeClr>
+              </a:solidFill>
+            </a:endParaRPr>
+          </a:p>
+        </p:txBody>
+      </p:sp>
+      <p:sp>
+        <p:nvSpPr>
+          <p:cNvPr id="18" name="Right Arrow 17"/>
+          <p:cNvSpPr/>
+          <p:nvPr/>
+        </p:nvSpPr>
+        <p:spPr>
+          <a:xfrm rot="15023629">
+            <a:off x="4665043" y="2577440"/>
+            <a:ext cx="566914" cy="152796"/>
+          </a:xfrm>
+          <a:prstGeom prst="rightArrow">
+            <a:avLst/>
+          </a:prstGeom>
+        </p:spPr>
+        <p:style>
+          <a:lnRef idx="2">
+            <a:schemeClr val="accent1">
+              <a:shade val="50000"/>
+            </a:schemeClr>
+          </a:lnRef>
+          <a:fillRef idx="1">
+            <a:schemeClr val="accent1"/>
+          </a:fillRef>
+          <a:effectRef idx="0">
+            <a:schemeClr val="accent1"/>
+          </a:effectRef>
+          <a:fontRef idx="minor">
+            <a:schemeClr val="lt1"/>
+          </a:fontRef>
+        </p:style>
+        <p:txBody>
+          <a:bodyPr rtlCol="0" anchor="ctr"/>
+          <a:lstStyle/>
+          <a:p>
+            <a:pPr algn="ctr"/>
+            <a:endParaRPr lang="en-US"/>
+          </a:p>
+        </p:txBody>
+      </p:sp>
+      <p:sp>
+        <p:nvSpPr>
+          <p:cNvPr id="19" name="Content Placeholder 3"/>
+          <p:cNvSpPr>
+            <a:spLocks noGrp="1"/>
+          </p:cNvSpPr>
+          <p:nvPr>
+            <p:ph sz="half" idx="1"/>
+          </p:nvPr>
+        </p:nvSpPr>
+        <p:spPr>
+          <a:xfrm>
+            <a:off x="4536107" y="4517612"/>
+            <a:ext cx="1541964" cy="337042"/>
+          </a:xfrm>
+        </p:spPr>
+        <p:txBody>
+          <a:bodyPr>
+            <a:normAutofit fontScale="92500" lnSpcReduction="10000"/>
+          </a:bodyPr>
+          <a:lstStyle/>
+          <a:p>
+            <a:pPr marL="0" indent="0" algn="ctr">
+              <a:buNone/>
+            </a:pPr>
+            <a:r>
+              <a:rPr lang="en-US" sz="1000" b="1" smtClean="0">
+                <a:solidFill>
+                  <a:schemeClr val="accent2">
+                    <a:lumMod val="75000"/>
+                  </a:schemeClr>
+                </a:solidFill>
+              </a:rPr>
+              <a:t>model object</a:t>
+            </a:r>
+            <a:r>
+              <a:rPr lang="en-US" sz="1000" b="1">
+                <a:solidFill>
+                  <a:schemeClr val="accent2">
+                    <a:lumMod val="75000"/>
+                  </a:schemeClr>
+                </a:solidFill>
+              </a:rPr>
+              <a:t/>
+            </a:r>
+            <a:br>
+              <a:rPr lang="en-US" sz="1000" b="1">
+                <a:solidFill>
+                  <a:schemeClr val="accent2">
+                    <a:lumMod val="75000"/>
+                  </a:schemeClr>
+                </a:solidFill>
+              </a:rPr>
+            </a:br>
+            <a:r>
+              <a:rPr lang="en-US" sz="1000" b="1" smtClean="0">
+                <a:solidFill>
+                  <a:schemeClr val="accent2">
+                    <a:lumMod val="75000"/>
+                  </a:schemeClr>
+                </a:solidFill>
+              </a:rPr>
+              <a:t>names(credit_caret_model)</a:t>
+            </a:r>
+          </a:p>
+        </p:txBody>
+      </p:sp>
+      <p:sp>
+        <p:nvSpPr>
+          <p:cNvPr id="20" name="Right Arrow 19"/>
+          <p:cNvSpPr/>
+          <p:nvPr/>
+        </p:nvSpPr>
+        <p:spPr>
+          <a:xfrm rot="12064605">
+            <a:off x="4105231" y="4375175"/>
+            <a:ext cx="788302" cy="152796"/>
+          </a:xfrm>
+          <a:prstGeom prst="rightArrow">
+            <a:avLst/>
+          </a:prstGeom>
+        </p:spPr>
+        <p:style>
+          <a:lnRef idx="2">
+            <a:schemeClr val="accent1">
+              <a:shade val="50000"/>
+            </a:schemeClr>
+          </a:lnRef>
+          <a:fillRef idx="1">
+            <a:schemeClr val="accent1"/>
+          </a:fillRef>
+          <a:effectRef idx="0">
+            <a:schemeClr val="accent1"/>
+          </a:effectRef>
+          <a:fontRef idx="minor">
+            <a:schemeClr val="lt1"/>
+          </a:fontRef>
+        </p:style>
+        <p:txBody>
+          <a:bodyPr rtlCol="0" anchor="ctr"/>
+          <a:lstStyle/>
+          <a:p>
+            <a:pPr algn="ctr"/>
+            <a:endParaRPr lang="en-US"/>
+          </a:p>
+        </p:txBody>
+      </p:sp>
+      <p:sp>
+        <p:nvSpPr>
+          <p:cNvPr id="23" name="Content Placeholder 3"/>
+          <p:cNvSpPr>
+            <a:spLocks noGrp="1"/>
+          </p:cNvSpPr>
+          <p:nvPr>
+            <p:ph sz="half" idx="1"/>
+          </p:nvPr>
+        </p:nvSpPr>
+        <p:spPr>
+          <a:xfrm>
+            <a:off x="4104126" y="1166889"/>
+            <a:ext cx="1298330" cy="337042"/>
+          </a:xfrm>
+        </p:spPr>
+        <p:txBody>
+          <a:bodyPr>
+            <a:normAutofit fontScale="92500" lnSpcReduction="10000"/>
+          </a:bodyPr>
+          <a:lstStyle/>
+          <a:p>
+            <a:pPr marL="0" indent="0" algn="ctr">
+              <a:buNone/>
+            </a:pPr>
+            <a:r>
+              <a:rPr lang="en-US" sz="1000" b="1" smtClean="0">
+                <a:solidFill>
+                  <a:schemeClr val="accent2">
+                    <a:lumMod val="75000"/>
+                  </a:schemeClr>
+                </a:solidFill>
+              </a:rPr>
+              <a:t>model object</a:t>
+            </a:r>
+            <a:r>
+              <a:rPr lang="en-US" sz="1000" b="1">
+                <a:solidFill>
+                  <a:schemeClr val="accent2">
+                    <a:lumMod val="75000"/>
+                  </a:schemeClr>
+                </a:solidFill>
+              </a:rPr>
+              <a:t/>
+            </a:r>
+            <a:br>
+              <a:rPr lang="en-US" sz="1000" b="1">
+                <a:solidFill>
+                  <a:schemeClr val="accent2">
+                    <a:lumMod val="75000"/>
+                  </a:schemeClr>
+                </a:solidFill>
+              </a:rPr>
+            </a:br>
+            <a:r>
+              <a:rPr lang="en-US" sz="1000" b="1" smtClean="0">
+                <a:solidFill>
+                  <a:schemeClr val="accent2">
+                    <a:lumMod val="75000"/>
+                  </a:schemeClr>
+                </a:solidFill>
+              </a:rPr>
+              <a:t>names(credit_model)</a:t>
+            </a:r>
+          </a:p>
+        </p:txBody>
+      </p:sp>
+      <p:sp>
+        <p:nvSpPr>
+          <p:cNvPr id="24" name="Right Arrow 23"/>
+          <p:cNvSpPr/>
+          <p:nvPr/>
+        </p:nvSpPr>
+        <p:spPr>
+          <a:xfrm rot="10282481">
+            <a:off x="3382216" y="1320641"/>
+            <a:ext cx="788302" cy="152796"/>
+          </a:xfrm>
+          <a:prstGeom prst="rightArrow">
+            <a:avLst/>
+          </a:prstGeom>
+        </p:spPr>
+        <p:style>
+          <a:lnRef idx="2">
+            <a:schemeClr val="accent1">
+              <a:shade val="50000"/>
+            </a:schemeClr>
+          </a:lnRef>
+          <a:fillRef idx="1">
+            <a:schemeClr val="accent1"/>
+          </a:fillRef>
+          <a:effectRef idx="0">
+            <a:schemeClr val="accent1"/>
+          </a:effectRef>
+          <a:fontRef idx="minor">
+            <a:schemeClr val="lt1"/>
+          </a:fontRef>
+        </p:style>
+        <p:txBody>
+          <a:bodyPr rtlCol="0" anchor="ctr"/>
+          <a:lstStyle/>
+          <a:p>
+            <a:pPr algn="ctr"/>
+            <a:endParaRPr lang="en-US"/>
+          </a:p>
+        </p:txBody>
+      </p:sp>
+      <p:pic>
+        <p:nvPicPr>
+          <p:cNvPr id="6" name="Picture 5"/>
+          <p:cNvPicPr>
+            <a:picLocks noChangeAspect="1"/>
+          </p:cNvPicPr>
+          <p:nvPr/>
+        </p:nvPicPr>
+        <p:blipFill>
+          <a:blip r:embed="rId3"/>
+          <a:stretch>
+            <a:fillRect/>
+          </a:stretch>
+        </p:blipFill>
+        <p:spPr>
+          <a:xfrm>
+            <a:off x="5307089" y="5559134"/>
+            <a:ext cx="2612903" cy="1024732"/>
+          </a:xfrm>
+          <a:prstGeom prst="rect">
+            <a:avLst/>
+          </a:prstGeom>
+        </p:spPr>
+      </p:pic>
+    </p:spTree>
+    <p:extLst>
+      <p:ext uri="{BB962C8B-B14F-4D97-AF65-F5344CB8AC3E}">
+        <p14:creationId xmlns:p14="http://schemas.microsoft.com/office/powerpoint/2010/main" val="4180235199"/>
       </p:ext>
     </p:extLst>
   </p:cSld>

--- a/Track - Machine Learning/Tree-Based-Models-in-R/Tree-Based Model in R.pptx
+++ b/Track - Machine Learning/Tree-Based-Models-in-R/Tree-Based Model in R.pptx
@@ -12,6 +12,7 @@
     <p:sldId id="265" r:id="rId6"/>
     <p:sldId id="266" r:id="rId7"/>
     <p:sldId id="267" r:id="rId8"/>
+    <p:sldId id="268" r:id="rId9"/>
   </p:sldIdLst>
   <p:sldSz cx="9144000" cy="6858000" type="screen4x3"/>
   <p:notesSz cx="7010400" cy="9296400"/>
@@ -261,7 +262,7 @@
             <a:fld id="{B61BEF0D-F0BB-DE4B-95CE-6DB70DBA9567}" type="datetimeFigureOut">
               <a:rPr lang="en-US" smtClean="0"/>
               <a:pPr/>
-              <a:t>6/5/2019</a:t>
+              <a:t>6/6/2019</a:t>
             </a:fld>
             <a:endParaRPr lang="en-US" dirty="0"/>
           </a:p>
@@ -433,7 +434,7 @@
             <a:fld id="{B61BEF0D-F0BB-DE4B-95CE-6DB70DBA9567}" type="datetimeFigureOut">
               <a:rPr lang="en-US" smtClean="0"/>
               <a:pPr/>
-              <a:t>6/5/2019</a:t>
+              <a:t>6/6/2019</a:t>
             </a:fld>
             <a:endParaRPr lang="en-US" dirty="0"/>
           </a:p>
@@ -615,7 +616,7 @@
             <a:fld id="{B61BEF0D-F0BB-DE4B-95CE-6DB70DBA9567}" type="datetimeFigureOut">
               <a:rPr lang="en-US" smtClean="0"/>
               <a:pPr/>
-              <a:t>6/5/2019</a:t>
+              <a:t>6/6/2019</a:t>
             </a:fld>
             <a:endParaRPr lang="en-US" dirty="0"/>
           </a:p>
@@ -787,7 +788,7 @@
             <a:fld id="{B61BEF0D-F0BB-DE4B-95CE-6DB70DBA9567}" type="datetimeFigureOut">
               <a:rPr lang="en-US" smtClean="0"/>
               <a:pPr/>
-              <a:t>6/5/2019</a:t>
+              <a:t>6/6/2019</a:t>
             </a:fld>
             <a:endParaRPr lang="en-US" dirty="0"/>
           </a:p>
@@ -1033,7 +1034,7 @@
             <a:fld id="{B61BEF0D-F0BB-DE4B-95CE-6DB70DBA9567}" type="datetimeFigureOut">
               <a:rPr lang="en-US" smtClean="0"/>
               <a:pPr/>
-              <a:t>6/5/2019</a:t>
+              <a:t>6/6/2019</a:t>
             </a:fld>
             <a:endParaRPr lang="en-US" dirty="0"/>
           </a:p>
@@ -1267,7 +1268,7 @@
             <a:fld id="{B61BEF0D-F0BB-DE4B-95CE-6DB70DBA9567}" type="datetimeFigureOut">
               <a:rPr lang="en-US" smtClean="0"/>
               <a:pPr/>
-              <a:t>6/5/2019</a:t>
+              <a:t>6/6/2019</a:t>
             </a:fld>
             <a:endParaRPr lang="en-US" dirty="0"/>
           </a:p>
@@ -1636,7 +1637,7 @@
             <a:fld id="{B61BEF0D-F0BB-DE4B-95CE-6DB70DBA9567}" type="datetimeFigureOut">
               <a:rPr lang="en-US" smtClean="0"/>
               <a:pPr/>
-              <a:t>6/5/2019</a:t>
+              <a:t>6/6/2019</a:t>
             </a:fld>
             <a:endParaRPr lang="en-US" dirty="0"/>
           </a:p>
@@ -1756,7 +1757,7 @@
             <a:fld id="{B61BEF0D-F0BB-DE4B-95CE-6DB70DBA9567}" type="datetimeFigureOut">
               <a:rPr lang="en-US" smtClean="0"/>
               <a:pPr/>
-              <a:t>6/5/2019</a:t>
+              <a:t>6/6/2019</a:t>
             </a:fld>
             <a:endParaRPr lang="en-US" dirty="0"/>
           </a:p>
@@ -1853,7 +1854,7 @@
             <a:fld id="{B61BEF0D-F0BB-DE4B-95CE-6DB70DBA9567}" type="datetimeFigureOut">
               <a:rPr lang="en-US" smtClean="0"/>
               <a:pPr/>
-              <a:t>6/5/2019</a:t>
+              <a:t>6/6/2019</a:t>
             </a:fld>
             <a:endParaRPr lang="en-US" dirty="0"/>
           </a:p>
@@ -2132,7 +2133,7 @@
             <a:fld id="{B61BEF0D-F0BB-DE4B-95CE-6DB70DBA9567}" type="datetimeFigureOut">
               <a:rPr lang="en-US" smtClean="0"/>
               <a:pPr/>
-              <a:t>6/5/2019</a:t>
+              <a:t>6/6/2019</a:t>
             </a:fld>
             <a:endParaRPr lang="en-US" dirty="0"/>
           </a:p>
@@ -2391,7 +2392,7 @@
             <a:fld id="{B61BEF0D-F0BB-DE4B-95CE-6DB70DBA9567}" type="datetimeFigureOut">
               <a:rPr lang="en-US" smtClean="0"/>
               <a:pPr/>
-              <a:t>6/5/2019</a:t>
+              <a:t>6/6/2019</a:t>
             </a:fld>
             <a:endParaRPr lang="en-US" dirty="0"/>
           </a:p>
@@ -2606,7 +2607,7 @@
             <a:fld id="{B61BEF0D-F0BB-DE4B-95CE-6DB70DBA9567}" type="datetimeFigureOut">
               <a:rPr lang="en-US" smtClean="0"/>
               <a:pPr/>
-              <a:t>6/5/2019</a:t>
+              <a:t>6/6/2019</a:t>
             </a:fld>
             <a:endParaRPr lang="en-US" dirty="0"/>
           </a:p>
@@ -3545,11 +3546,7 @@
             </a:pPr>
             <a:r>
               <a:rPr lang="en-US" sz="1050" smtClean="0"/>
-              <a:t>Predict </a:t>
-            </a:r>
-            <a:r>
-              <a:rPr lang="en-US" sz="1050" smtClean="0"/>
-              <a:t>on a test set and compute AUC</a:t>
+              <a:t>Predict on a test set and compute AUC</a:t>
             </a:r>
             <a:endParaRPr lang="en-US" sz="1050" dirty="0"/>
           </a:p>
@@ -6081,17 +6078,7 @@
                   </a:schemeClr>
                 </a:solidFill>
               </a:rPr>
-              <a:t>creditsub </a:t>
-            </a:r>
-            <a:r>
-              <a:rPr lang="en-US" sz="1050" b="1" smtClean="0">
-                <a:solidFill>
-                  <a:schemeClr val="accent2">
-                    <a:lumMod val="75000"/>
-                  </a:schemeClr>
-                </a:solidFill>
-              </a:rPr>
-              <a:t>is a data frame</a:t>
+              <a:t>creditsub is a data frame</a:t>
             </a:r>
           </a:p>
           <a:p>
@@ -6142,9 +6129,6 @@
               </a:rPr>
               <a:t>set.seed(123)</a:t>
             </a:r>
-            <a:endParaRPr lang="en-US" sz="1050" smtClean="0">
-              <a:latin typeface="Consolas" panose="020B0609020204030204" pitchFamily="49" charset="0"/>
-            </a:endParaRPr>
           </a:p>
           <a:p>
             <a:r>
@@ -6192,13 +6176,7 @@
               <a:rPr lang="en-US" sz="1050" smtClean="0">
                 <a:latin typeface="Consolas" panose="020B0609020204030204" pitchFamily="49" charset="0"/>
               </a:rPr>
-              <a:t>		     newdata = credit_test,</a:t>
-            </a:r>
-            <a:r>
-              <a:rPr lang="en-US" sz="1050" smtClean="0">
-                <a:latin typeface="Consolas" panose="020B0609020204030204" pitchFamily="49" charset="0"/>
-              </a:rPr>
-              <a:t>  type = “class”)</a:t>
+              <a:t>		     newdata = credit_test,  type = “class”)</a:t>
             </a:r>
           </a:p>
           <a:p>
@@ -6391,13 +6369,7 @@
               <a:rPr lang="en-US" sz="1050">
                 <a:latin typeface="Consolas" panose="020B0609020204030204" pitchFamily="49" charset="0"/>
               </a:rPr>
-              <a:t>			     newdata </a:t>
-            </a:r>
-            <a:r>
-              <a:rPr lang="en-US" sz="1050">
-                <a:latin typeface="Consolas" panose="020B0609020204030204" pitchFamily="49" charset="0"/>
-              </a:rPr>
-              <a:t>= </a:t>
+              <a:t>			     newdata = </a:t>
             </a:r>
             <a:r>
               <a:rPr lang="en-US" sz="1050" smtClean="0">
@@ -6430,13 +6402,7 @@
               <a:rPr lang="en-US" sz="1050">
                 <a:latin typeface="Consolas" panose="020B0609020204030204" pitchFamily="49" charset="0"/>
               </a:rPr>
-              <a:t>	predict = pred[ , “</a:t>
-            </a:r>
-            <a:r>
-              <a:rPr lang="en-US" sz="1050">
-                <a:latin typeface="Consolas" panose="020B0609020204030204" pitchFamily="49" charset="0"/>
-              </a:rPr>
-              <a:t>yes</a:t>
+              <a:t>	predict = pred[ , “yes</a:t>
             </a:r>
             <a:r>
               <a:rPr lang="en-US" sz="1050" smtClean="0">
@@ -6556,13 +6522,6 @@
               </a:rPr>
               <a:t>ipred, Metrics, caret</a:t>
             </a:r>
-            <a:endParaRPr lang="en-US" sz="1000" b="1" smtClean="0">
-              <a:solidFill>
-                <a:schemeClr val="accent2">
-                  <a:lumMod val="75000"/>
-                </a:schemeClr>
-              </a:solidFill>
-            </a:endParaRPr>
           </a:p>
         </p:txBody>
       </p:sp>
@@ -6709,13 +6668,6 @@
               </a:rPr>
               <a:t>“prob” changes this to a predicted value as opposed to a class label</a:t>
             </a:r>
-            <a:endParaRPr lang="en-US" sz="1000" b="1" smtClean="0">
-              <a:solidFill>
-                <a:schemeClr val="accent2">
-                  <a:lumMod val="75000"/>
-                </a:schemeClr>
-              </a:solidFill>
-            </a:endParaRPr>
           </a:p>
         </p:txBody>
       </p:sp>
@@ -7001,6 +6953,958 @@
     <p:extLst>
       <p:ext uri="{BB962C8B-B14F-4D97-AF65-F5344CB8AC3E}">
         <p14:creationId xmlns:p14="http://schemas.microsoft.com/office/powerpoint/2010/main" val="4180235199"/>
+      </p:ext>
+    </p:extLst>
+  </p:cSld>
+  <p:clrMapOvr>
+    <a:masterClrMapping/>
+  </p:clrMapOvr>
+</p:sld>
+</file>
+
+<file path=ppt/slides/slide8.xml><?xml version="1.0" encoding="utf-8"?>
+<p:sld xmlns:a="http://schemas.openxmlformats.org/drawingml/2006/main" xmlns:r="http://schemas.openxmlformats.org/officeDocument/2006/relationships" xmlns:p="http://schemas.openxmlformats.org/presentationml/2006/main">
+  <p:cSld>
+    <p:spTree>
+      <p:nvGrpSpPr>
+        <p:cNvPr id="1" name=""/>
+        <p:cNvGrpSpPr/>
+        <p:nvPr/>
+      </p:nvGrpSpPr>
+      <p:grpSpPr>
+        <a:xfrm>
+          <a:off x="0" y="0"/>
+          <a:ext cx="0" cy="0"/>
+          <a:chOff x="0" y="0"/>
+          <a:chExt cx="0" cy="0"/>
+        </a:xfrm>
+      </p:grpSpPr>
+      <p:sp>
+        <p:nvSpPr>
+          <p:cNvPr id="4" name="Content Placeholder 3"/>
+          <p:cNvSpPr>
+            <a:spLocks noGrp="1"/>
+          </p:cNvSpPr>
+          <p:nvPr>
+            <p:ph sz="half" idx="1"/>
+          </p:nvPr>
+        </p:nvSpPr>
+        <p:spPr>
+          <a:xfrm>
+            <a:off x="411873" y="500654"/>
+            <a:ext cx="2749680" cy="284405"/>
+          </a:xfrm>
+        </p:spPr>
+        <p:txBody>
+          <a:bodyPr>
+            <a:normAutofit/>
+          </a:bodyPr>
+          <a:lstStyle/>
+          <a:p>
+            <a:pPr marL="0" indent="0">
+              <a:buNone/>
+            </a:pPr>
+            <a:r>
+              <a:rPr lang="en-US" sz="1050" b="1" smtClean="0">
+                <a:solidFill>
+                  <a:schemeClr val="accent2">
+                    <a:lumMod val="75000"/>
+                  </a:schemeClr>
+                </a:solidFill>
+              </a:rPr>
+              <a:t>creditsub is a data frame</a:t>
+            </a:r>
+          </a:p>
+          <a:p>
+            <a:pPr marL="0" indent="0">
+              <a:buNone/>
+            </a:pPr>
+            <a:endParaRPr lang="en-US" sz="1050" b="1">
+              <a:solidFill>
+                <a:schemeClr val="accent2">
+                  <a:lumMod val="75000"/>
+                </a:schemeClr>
+              </a:solidFill>
+            </a:endParaRPr>
+          </a:p>
+        </p:txBody>
+      </p:sp>
+      <p:sp>
+        <p:nvSpPr>
+          <p:cNvPr id="11" name="TextBox 10">
+            <a:extLst>
+              <a:ext uri="{FF2B5EF4-FFF2-40B4-BE49-F238E27FC236}">
+                <a16:creationId xmlns:a16="http://schemas.microsoft.com/office/drawing/2014/main" id="{8FA4E600-36BF-419F-B739-8B99F6702248}"/>
+              </a:ext>
+            </a:extLst>
+          </p:cNvPr>
+          <p:cNvSpPr txBox="1"/>
+          <p:nvPr/>
+        </p:nvSpPr>
+        <p:spPr>
+          <a:xfrm>
+            <a:off x="411872" y="1333566"/>
+            <a:ext cx="5032693" cy="4939814"/>
+          </a:xfrm>
+          <a:prstGeom prst="rect">
+            <a:avLst/>
+          </a:prstGeom>
+          <a:noFill/>
+        </p:spPr>
+        <p:txBody>
+          <a:bodyPr wrap="square" rtlCol="0">
+            <a:spAutoFit/>
+          </a:bodyPr>
+          <a:lstStyle/>
+          <a:p>
+            <a:r>
+              <a:rPr lang="en-US" sz="1050" smtClean="0">
+                <a:latin typeface="Consolas" panose="020B0609020204030204" pitchFamily="49" charset="0"/>
+              </a:rPr>
+              <a:t>set.seed(123)</a:t>
+            </a:r>
+          </a:p>
+          <a:p>
+            <a:r>
+              <a:rPr lang="en-US" sz="1050" smtClean="0">
+                <a:latin typeface="Consolas" panose="020B0609020204030204" pitchFamily="49" charset="0"/>
+              </a:rPr>
+              <a:t>credit_model &lt;- bagging(formula = default ~ .,</a:t>
+            </a:r>
+          </a:p>
+          <a:p>
+            <a:r>
+              <a:rPr lang="en-US" sz="1050">
+                <a:latin typeface="Consolas" panose="020B0609020204030204" pitchFamily="49" charset="0"/>
+              </a:rPr>
+              <a:t>	</a:t>
+            </a:r>
+            <a:r>
+              <a:rPr lang="en-US" sz="1050" smtClean="0">
+                <a:latin typeface="Consolas" panose="020B0609020204030204" pitchFamily="49" charset="0"/>
+              </a:rPr>
+              <a:t>		      data = credit_train,  coob = TRUE)</a:t>
+            </a:r>
+          </a:p>
+          <a:p>
+            <a:endParaRPr lang="en-US" sz="1050">
+              <a:latin typeface="Consolas" panose="020B0609020204030204" pitchFamily="49" charset="0"/>
+            </a:endParaRPr>
+          </a:p>
+          <a:p>
+            <a:r>
+              <a:rPr lang="en-US" sz="1050" smtClean="0">
+                <a:latin typeface="Consolas" panose="020B0609020204030204" pitchFamily="49" charset="0"/>
+              </a:rPr>
+              <a:t>credit_pred &lt;- predict(object = credit_model,</a:t>
+            </a:r>
+          </a:p>
+          <a:p>
+            <a:r>
+              <a:rPr lang="en-US" sz="1050">
+                <a:latin typeface="Consolas" panose="020B0609020204030204" pitchFamily="49" charset="0"/>
+              </a:rPr>
+              <a:t>	</a:t>
+            </a:r>
+            <a:r>
+              <a:rPr lang="en-US" sz="1050" smtClean="0">
+                <a:latin typeface="Consolas" panose="020B0609020204030204" pitchFamily="49" charset="0"/>
+              </a:rPr>
+              <a:t>		     newdata = credit_test,  type = “class”)</a:t>
+            </a:r>
+          </a:p>
+          <a:p>
+            <a:endParaRPr lang="en-US" sz="1050">
+              <a:latin typeface="Consolas" panose="020B0609020204030204" pitchFamily="49" charset="0"/>
+            </a:endParaRPr>
+          </a:p>
+          <a:p>
+            <a:r>
+              <a:rPr lang="en-US" sz="1050" smtClean="0">
+                <a:latin typeface="Consolas" panose="020B0609020204030204" pitchFamily="49" charset="0"/>
+              </a:rPr>
+              <a:t>auc(actual = ifelse(credit_test$default == “yes”, 1, 0),</a:t>
+            </a:r>
+          </a:p>
+          <a:p>
+            <a:r>
+              <a:rPr lang="en-US" sz="1050">
+                <a:latin typeface="Consolas" panose="020B0609020204030204" pitchFamily="49" charset="0"/>
+              </a:rPr>
+              <a:t>	</a:t>
+            </a:r>
+            <a:r>
+              <a:rPr lang="en-US" sz="1050" smtClean="0">
+                <a:latin typeface="Consolas" panose="020B0609020204030204" pitchFamily="49" charset="0"/>
+              </a:rPr>
+              <a:t>predict = pred[ , “yes”])</a:t>
+            </a:r>
+          </a:p>
+          <a:p>
+            <a:endParaRPr lang="en-US" sz="1050">
+              <a:latin typeface="Consolas" panose="020B0609020204030204" pitchFamily="49" charset="0"/>
+            </a:endParaRPr>
+          </a:p>
+          <a:p>
+            <a:r>
+              <a:rPr lang="en-US" sz="1050" smtClean="0">
+                <a:latin typeface="Consolas" panose="020B0609020204030204" pitchFamily="49" charset="0"/>
+              </a:rPr>
+              <a:t>ctrl &lt;- trainControl(method = “cv”,</a:t>
+            </a:r>
+          </a:p>
+          <a:p>
+            <a:r>
+              <a:rPr lang="en-US" sz="1050">
+                <a:latin typeface="Consolas" panose="020B0609020204030204" pitchFamily="49" charset="0"/>
+              </a:rPr>
+              <a:t>	</a:t>
+            </a:r>
+            <a:r>
+              <a:rPr lang="en-US" sz="1050" smtClean="0">
+                <a:latin typeface="Consolas" panose="020B0609020204030204" pitchFamily="49" charset="0"/>
+              </a:rPr>
+              <a:t>		   number = 5,</a:t>
+            </a:r>
+          </a:p>
+          <a:p>
+            <a:r>
+              <a:rPr lang="en-US" sz="1050">
+                <a:latin typeface="Consolas" panose="020B0609020204030204" pitchFamily="49" charset="0"/>
+              </a:rPr>
+              <a:t>	</a:t>
+            </a:r>
+            <a:r>
+              <a:rPr lang="en-US" sz="1050" smtClean="0">
+                <a:latin typeface="Consolas" panose="020B0609020204030204" pitchFamily="49" charset="0"/>
+              </a:rPr>
+              <a:t>		   clasasProbs = TRUE,</a:t>
+            </a:r>
+          </a:p>
+          <a:p>
+            <a:r>
+              <a:rPr lang="en-US" sz="1050">
+                <a:latin typeface="Consolas" panose="020B0609020204030204" pitchFamily="49" charset="0"/>
+              </a:rPr>
+              <a:t>	</a:t>
+            </a:r>
+            <a:r>
+              <a:rPr lang="en-US" sz="1050" smtClean="0">
+                <a:latin typeface="Consolas" panose="020B0609020204030204" pitchFamily="49" charset="0"/>
+              </a:rPr>
+              <a:t>		   summaryFunction = twoClassSummary)</a:t>
+            </a:r>
+          </a:p>
+          <a:p>
+            <a:endParaRPr lang="en-US" sz="1050">
+              <a:latin typeface="Consolas" panose="020B0609020204030204" pitchFamily="49" charset="0"/>
+            </a:endParaRPr>
+          </a:p>
+          <a:p>
+            <a:r>
+              <a:rPr lang="en-US" sz="1050" smtClean="0">
+                <a:latin typeface="Consolas" panose="020B0609020204030204" pitchFamily="49" charset="0"/>
+              </a:rPr>
+              <a:t>set.seed(1)</a:t>
+            </a:r>
+          </a:p>
+          <a:p>
+            <a:r>
+              <a:rPr lang="en-US" sz="1050" smtClean="0">
+                <a:latin typeface="Consolas" panose="020B0609020204030204" pitchFamily="49" charset="0"/>
+              </a:rPr>
+              <a:t>credit_caret_model &lt;- train(default ~ .,</a:t>
+            </a:r>
+          </a:p>
+          <a:p>
+            <a:r>
+              <a:rPr lang="en-US" sz="1050">
+                <a:latin typeface="Consolas" panose="020B0609020204030204" pitchFamily="49" charset="0"/>
+              </a:rPr>
+              <a:t>	</a:t>
+            </a:r>
+            <a:r>
+              <a:rPr lang="en-US" sz="1050" smtClean="0">
+                <a:latin typeface="Consolas" panose="020B0609020204030204" pitchFamily="49" charset="0"/>
+              </a:rPr>
+              <a:t>			    data = credit_train,</a:t>
+            </a:r>
+          </a:p>
+          <a:p>
+            <a:r>
+              <a:rPr lang="en-US" sz="1050">
+                <a:latin typeface="Consolas" panose="020B0609020204030204" pitchFamily="49" charset="0"/>
+              </a:rPr>
+              <a:t>	</a:t>
+            </a:r>
+            <a:r>
+              <a:rPr lang="en-US" sz="1050" smtClean="0">
+                <a:latin typeface="Consolas" panose="020B0609020204030204" pitchFamily="49" charset="0"/>
+              </a:rPr>
+              <a:t>			    method = “treebag”,</a:t>
+            </a:r>
+          </a:p>
+          <a:p>
+            <a:r>
+              <a:rPr lang="en-US" sz="1050">
+                <a:latin typeface="Consolas" panose="020B0609020204030204" pitchFamily="49" charset="0"/>
+              </a:rPr>
+              <a:t>	</a:t>
+            </a:r>
+            <a:r>
+              <a:rPr lang="en-US" sz="1050" smtClean="0">
+                <a:latin typeface="Consolas" panose="020B0609020204030204" pitchFamily="49" charset="0"/>
+              </a:rPr>
+              <a:t>			    metric = “ROC”,</a:t>
+            </a:r>
+          </a:p>
+          <a:p>
+            <a:r>
+              <a:rPr lang="en-US" sz="1050">
+                <a:latin typeface="Consolas" panose="020B0609020204030204" pitchFamily="49" charset="0"/>
+              </a:rPr>
+              <a:t>	</a:t>
+            </a:r>
+            <a:r>
+              <a:rPr lang="en-US" sz="1050" smtClean="0">
+                <a:latin typeface="Consolas" panose="020B0609020204030204" pitchFamily="49" charset="0"/>
+              </a:rPr>
+              <a:t>			    trControl = ctrl)</a:t>
+            </a:r>
+          </a:p>
+          <a:p>
+            <a:endParaRPr lang="en-US" sz="1050">
+              <a:latin typeface="Consolas" panose="020B0609020204030204" pitchFamily="49" charset="0"/>
+            </a:endParaRPr>
+          </a:p>
+          <a:p>
+            <a:r>
+              <a:rPr lang="en-US" sz="1050" smtClean="0">
+                <a:latin typeface="Consolas" panose="020B0609020204030204" pitchFamily="49" charset="0"/>
+              </a:rPr>
+              <a:t>credit_caret_model$results[ , “ROC”]</a:t>
+            </a:r>
+          </a:p>
+          <a:p>
+            <a:endParaRPr lang="en-US" sz="1050">
+              <a:latin typeface="Consolas" panose="020B0609020204030204" pitchFamily="49" charset="0"/>
+            </a:endParaRPr>
+          </a:p>
+          <a:p>
+            <a:r>
+              <a:rPr lang="en-US" sz="1050">
+                <a:latin typeface="Consolas" panose="020B0609020204030204" pitchFamily="49" charset="0"/>
+              </a:rPr>
+              <a:t>credit_pred &lt;- predict(object = credit_caret_model,</a:t>
+            </a:r>
+          </a:p>
+          <a:p>
+            <a:r>
+              <a:rPr lang="en-US" sz="1050">
+                <a:latin typeface="Consolas" panose="020B0609020204030204" pitchFamily="49" charset="0"/>
+              </a:rPr>
+              <a:t>			     newdata = </a:t>
+            </a:r>
+            <a:r>
+              <a:rPr lang="en-US" sz="1050" smtClean="0">
+                <a:latin typeface="Consolas" panose="020B0609020204030204" pitchFamily="49" charset="0"/>
+              </a:rPr>
+              <a:t>credit_test, type </a:t>
+            </a:r>
+            <a:r>
+              <a:rPr lang="en-US" sz="1050">
+                <a:latin typeface="Consolas" panose="020B0609020204030204" pitchFamily="49" charset="0"/>
+              </a:rPr>
+              <a:t>= “prob”)</a:t>
+            </a:r>
+          </a:p>
+          <a:p>
+            <a:endParaRPr lang="en-US" sz="1050">
+              <a:latin typeface="Consolas" panose="020B0609020204030204" pitchFamily="49" charset="0"/>
+            </a:endParaRPr>
+          </a:p>
+          <a:p>
+            <a:r>
+              <a:rPr lang="en-US" sz="1050">
+                <a:latin typeface="Consolas" panose="020B0609020204030204" pitchFamily="49" charset="0"/>
+              </a:rPr>
+              <a:t>auc(actual = ifelse(credit_test$default == “yes”, 1, 0),</a:t>
+            </a:r>
+          </a:p>
+          <a:p>
+            <a:r>
+              <a:rPr lang="en-US" sz="1050">
+                <a:latin typeface="Consolas" panose="020B0609020204030204" pitchFamily="49" charset="0"/>
+              </a:rPr>
+              <a:t>	predict = pred[ , “yes</a:t>
+            </a:r>
+            <a:r>
+              <a:rPr lang="en-US" sz="1050" smtClean="0">
+                <a:latin typeface="Consolas" panose="020B0609020204030204" pitchFamily="49" charset="0"/>
+              </a:rPr>
+              <a:t>”])</a:t>
+            </a:r>
+          </a:p>
+        </p:txBody>
+      </p:sp>
+      <p:sp>
+        <p:nvSpPr>
+          <p:cNvPr id="25" name="TextBox 24">
+            <a:extLst>
+              <a:ext uri="{FF2B5EF4-FFF2-40B4-BE49-F238E27FC236}">
+                <a16:creationId xmlns:a16="http://schemas.microsoft.com/office/drawing/2014/main" id="{8FA4E600-36BF-419F-B739-8B99F6702248}"/>
+              </a:ext>
+            </a:extLst>
+          </p:cNvPr>
+          <p:cNvSpPr txBox="1"/>
+          <p:nvPr/>
+        </p:nvSpPr>
+        <p:spPr>
+          <a:xfrm>
+            <a:off x="8096169" y="6535791"/>
+            <a:ext cx="970137" cy="215444"/>
+          </a:xfrm>
+          <a:prstGeom prst="rect">
+            <a:avLst/>
+          </a:prstGeom>
+          <a:noFill/>
+        </p:spPr>
+        <p:txBody>
+          <a:bodyPr wrap="none" rtlCol="0">
+            <a:spAutoFit/>
+          </a:bodyPr>
+          <a:lstStyle/>
+          <a:p>
+            <a:pPr algn="r"/>
+            <a:r>
+              <a:rPr lang="en-US" sz="800" smtClean="0">
+                <a:solidFill>
+                  <a:schemeClr val="accent1">
+                    <a:lumMod val="60000"/>
+                    <a:lumOff val="40000"/>
+                  </a:schemeClr>
+                </a:solidFill>
+                <a:latin typeface="Consolas" panose="020B0609020204030204" pitchFamily="49" charset="0"/>
+              </a:rPr>
+              <a:t>Random Forests</a:t>
+            </a:r>
+            <a:endParaRPr lang="en-US" sz="800" dirty="0">
+              <a:solidFill>
+                <a:schemeClr val="accent1">
+                  <a:lumMod val="60000"/>
+                  <a:lumOff val="40000"/>
+                </a:schemeClr>
+              </a:solidFill>
+              <a:latin typeface="Consolas" panose="020B0609020204030204" pitchFamily="49" charset="0"/>
+            </a:endParaRPr>
+          </a:p>
+        </p:txBody>
+      </p:sp>
+      <p:sp>
+        <p:nvSpPr>
+          <p:cNvPr id="27" name="Content Placeholder 3"/>
+          <p:cNvSpPr>
+            <a:spLocks noGrp="1"/>
+          </p:cNvSpPr>
+          <p:nvPr>
+            <p:ph sz="half" idx="1"/>
+          </p:nvPr>
+        </p:nvSpPr>
+        <p:spPr>
+          <a:xfrm>
+            <a:off x="6502400" y="500654"/>
+            <a:ext cx="2311761" cy="274594"/>
+          </a:xfrm>
+        </p:spPr>
+        <p:txBody>
+          <a:bodyPr>
+            <a:normAutofit/>
+          </a:bodyPr>
+          <a:lstStyle/>
+          <a:p>
+            <a:pPr marL="0" indent="0">
+              <a:buNone/>
+            </a:pPr>
+            <a:r>
+              <a:rPr lang="en-US" sz="1000" b="1" smtClean="0">
+                <a:solidFill>
+                  <a:schemeClr val="accent2">
+                    <a:lumMod val="75000"/>
+                  </a:schemeClr>
+                </a:solidFill>
+              </a:rPr>
+              <a:t>libraries </a:t>
+            </a:r>
+            <a:r>
+              <a:rPr lang="en-US" sz="1000" b="1" smtClean="0">
+                <a:solidFill>
+                  <a:schemeClr val="accent2">
+                    <a:lumMod val="75000"/>
+                  </a:schemeClr>
+                </a:solidFill>
+                <a:sym typeface="Wingdings" panose="05000000000000000000" pitchFamily="2" charset="2"/>
+              </a:rPr>
+              <a:t> </a:t>
+            </a:r>
+            <a:r>
+              <a:rPr lang="en-US" sz="1000" b="1" smtClean="0">
+                <a:solidFill>
+                  <a:schemeClr val="accent2">
+                    <a:lumMod val="75000"/>
+                  </a:schemeClr>
+                </a:solidFill>
+                <a:sym typeface="Wingdings" panose="05000000000000000000" pitchFamily="2" charset="2"/>
+              </a:rPr>
+              <a:t>r</a:t>
+            </a:r>
+            <a:r>
+              <a:rPr lang="en-US" sz="1000" b="1" smtClean="0">
+                <a:solidFill>
+                  <a:schemeClr val="accent2">
+                    <a:lumMod val="75000"/>
+                  </a:schemeClr>
+                </a:solidFill>
+              </a:rPr>
+              <a:t>andomForest</a:t>
+            </a:r>
+            <a:endParaRPr lang="en-US" sz="1000" b="1" smtClean="0">
+              <a:solidFill>
+                <a:schemeClr val="accent2">
+                  <a:lumMod val="75000"/>
+                </a:schemeClr>
+              </a:solidFill>
+            </a:endParaRPr>
+          </a:p>
+        </p:txBody>
+      </p:sp>
+      <p:sp>
+        <p:nvSpPr>
+          <p:cNvPr id="3" name="TextBox 2"/>
+          <p:cNvSpPr txBox="1"/>
+          <p:nvPr/>
+        </p:nvSpPr>
+        <p:spPr>
+          <a:xfrm>
+            <a:off x="411873" y="828480"/>
+            <a:ext cx="4557017" cy="461665"/>
+          </a:xfrm>
+          <a:prstGeom prst="rect">
+            <a:avLst/>
+          </a:prstGeom>
+          <a:noFill/>
+        </p:spPr>
+        <p:txBody>
+          <a:bodyPr wrap="none" rtlCol="0">
+            <a:spAutoFit/>
+          </a:bodyPr>
+          <a:lstStyle/>
+          <a:p>
+            <a:r>
+              <a:rPr lang="en-US" sz="1200" smtClean="0"/>
+              <a:t>Bagged trees combines many trees with the goal of reducing variance.</a:t>
+            </a:r>
+          </a:p>
+          <a:p>
+            <a:r>
+              <a:rPr lang="en-US" sz="1200" smtClean="0"/>
+              <a:t>Bagging </a:t>
+            </a:r>
+            <a:r>
+              <a:rPr lang="en-US" sz="1200" smtClean="0">
+                <a:sym typeface="Wingdings" panose="05000000000000000000" pitchFamily="2" charset="2"/>
+              </a:rPr>
+              <a:t> Bootstrap Aggregating</a:t>
+            </a:r>
+            <a:endParaRPr lang="en-US" sz="1200"/>
+          </a:p>
+        </p:txBody>
+      </p:sp>
+      <p:pic>
+        <p:nvPicPr>
+          <p:cNvPr id="5" name="Picture 4"/>
+          <p:cNvPicPr>
+            <a:picLocks noChangeAspect="1"/>
+          </p:cNvPicPr>
+          <p:nvPr/>
+        </p:nvPicPr>
+        <p:blipFill>
+          <a:blip r:embed="rId2"/>
+          <a:stretch>
+            <a:fillRect/>
+          </a:stretch>
+        </p:blipFill>
+        <p:spPr>
+          <a:xfrm>
+            <a:off x="5646364" y="1010024"/>
+            <a:ext cx="3100646" cy="2265502"/>
+          </a:xfrm>
+          <a:prstGeom prst="rect">
+            <a:avLst/>
+          </a:prstGeom>
+        </p:spPr>
+      </p:pic>
+      <p:sp>
+        <p:nvSpPr>
+          <p:cNvPr id="14" name="Content Placeholder 3"/>
+          <p:cNvSpPr>
+            <a:spLocks noGrp="1"/>
+          </p:cNvSpPr>
+          <p:nvPr>
+            <p:ph sz="half" idx="1"/>
+          </p:nvPr>
+        </p:nvSpPr>
+        <p:spPr>
+          <a:xfrm>
+            <a:off x="6335059" y="3589319"/>
+            <a:ext cx="2600781" cy="1690745"/>
+          </a:xfrm>
+        </p:spPr>
+        <p:txBody>
+          <a:bodyPr>
+            <a:normAutofit/>
+          </a:bodyPr>
+          <a:lstStyle/>
+          <a:p>
+            <a:pPr marL="0" indent="0">
+              <a:buNone/>
+            </a:pPr>
+            <a:r>
+              <a:rPr lang="en-US" sz="1050" smtClean="0"/>
+              <a:t>In binary classification, we can predict numeric values instead of class labels. In fact, class labels are created only after you use the model to predict a raw, numeric, predicted value for a test point.</a:t>
+            </a:r>
+          </a:p>
+          <a:p>
+            <a:pPr marL="0" indent="0">
+              <a:buNone/>
+            </a:pPr>
+            <a:r>
+              <a:rPr lang="en-US" sz="1050" smtClean="0"/>
+              <a:t>The predicted label is generated by applying a threshold to the predicted value, such that all test points with predicted value greater than the threshold get a label of “1” and points below get a label of “0”.</a:t>
+            </a:r>
+            <a:endParaRPr lang="en-US" sz="800" smtClean="0"/>
+          </a:p>
+        </p:txBody>
+      </p:sp>
+      <p:sp>
+        <p:nvSpPr>
+          <p:cNvPr id="15" name="Content Placeholder 3"/>
+          <p:cNvSpPr>
+            <a:spLocks noGrp="1"/>
+          </p:cNvSpPr>
+          <p:nvPr>
+            <p:ph sz="half" idx="1"/>
+          </p:nvPr>
+        </p:nvSpPr>
+        <p:spPr>
+          <a:xfrm>
+            <a:off x="4344602" y="2946497"/>
+            <a:ext cx="1541964" cy="423273"/>
+          </a:xfrm>
+        </p:spPr>
+        <p:txBody>
+          <a:bodyPr>
+            <a:normAutofit fontScale="92500" lnSpcReduction="10000"/>
+          </a:bodyPr>
+          <a:lstStyle/>
+          <a:p>
+            <a:pPr marL="0" indent="0">
+              <a:buNone/>
+            </a:pPr>
+            <a:r>
+              <a:rPr lang="en-US" sz="1000" b="1" smtClean="0">
+                <a:solidFill>
+                  <a:schemeClr val="accent2">
+                    <a:lumMod val="75000"/>
+                  </a:schemeClr>
+                </a:solidFill>
+              </a:rPr>
+              <a:t>“prob” changes this to a predicted value as opposed to a class label</a:t>
+            </a:r>
+          </a:p>
+        </p:txBody>
+      </p:sp>
+      <p:sp>
+        <p:nvSpPr>
+          <p:cNvPr id="18" name="Right Arrow 17"/>
+          <p:cNvSpPr/>
+          <p:nvPr/>
+        </p:nvSpPr>
+        <p:spPr>
+          <a:xfrm rot="15023629">
+            <a:off x="4665043" y="2577440"/>
+            <a:ext cx="566914" cy="152796"/>
+          </a:xfrm>
+          <a:prstGeom prst="rightArrow">
+            <a:avLst/>
+          </a:prstGeom>
+        </p:spPr>
+        <p:style>
+          <a:lnRef idx="2">
+            <a:schemeClr val="accent1">
+              <a:shade val="50000"/>
+            </a:schemeClr>
+          </a:lnRef>
+          <a:fillRef idx="1">
+            <a:schemeClr val="accent1"/>
+          </a:fillRef>
+          <a:effectRef idx="0">
+            <a:schemeClr val="accent1"/>
+          </a:effectRef>
+          <a:fontRef idx="minor">
+            <a:schemeClr val="lt1"/>
+          </a:fontRef>
+        </p:style>
+        <p:txBody>
+          <a:bodyPr rtlCol="0" anchor="ctr"/>
+          <a:lstStyle/>
+          <a:p>
+            <a:pPr algn="ctr"/>
+            <a:endParaRPr lang="en-US"/>
+          </a:p>
+        </p:txBody>
+      </p:sp>
+      <p:sp>
+        <p:nvSpPr>
+          <p:cNvPr id="19" name="Content Placeholder 3"/>
+          <p:cNvSpPr>
+            <a:spLocks noGrp="1"/>
+          </p:cNvSpPr>
+          <p:nvPr>
+            <p:ph sz="half" idx="1"/>
+          </p:nvPr>
+        </p:nvSpPr>
+        <p:spPr>
+          <a:xfrm>
+            <a:off x="4536107" y="4517612"/>
+            <a:ext cx="1541964" cy="337042"/>
+          </a:xfrm>
+        </p:spPr>
+        <p:txBody>
+          <a:bodyPr>
+            <a:normAutofit fontScale="92500" lnSpcReduction="10000"/>
+          </a:bodyPr>
+          <a:lstStyle/>
+          <a:p>
+            <a:pPr marL="0" indent="0" algn="ctr">
+              <a:buNone/>
+            </a:pPr>
+            <a:r>
+              <a:rPr lang="en-US" sz="1000" b="1" smtClean="0">
+                <a:solidFill>
+                  <a:schemeClr val="accent2">
+                    <a:lumMod val="75000"/>
+                  </a:schemeClr>
+                </a:solidFill>
+              </a:rPr>
+              <a:t>model object</a:t>
+            </a:r>
+            <a:r>
+              <a:rPr lang="en-US" sz="1000" b="1">
+                <a:solidFill>
+                  <a:schemeClr val="accent2">
+                    <a:lumMod val="75000"/>
+                  </a:schemeClr>
+                </a:solidFill>
+              </a:rPr>
+              <a:t/>
+            </a:r>
+            <a:br>
+              <a:rPr lang="en-US" sz="1000" b="1">
+                <a:solidFill>
+                  <a:schemeClr val="accent2">
+                    <a:lumMod val="75000"/>
+                  </a:schemeClr>
+                </a:solidFill>
+              </a:rPr>
+            </a:br>
+            <a:r>
+              <a:rPr lang="en-US" sz="1000" b="1" smtClean="0">
+                <a:solidFill>
+                  <a:schemeClr val="accent2">
+                    <a:lumMod val="75000"/>
+                  </a:schemeClr>
+                </a:solidFill>
+              </a:rPr>
+              <a:t>names(credit_caret_model)</a:t>
+            </a:r>
+          </a:p>
+        </p:txBody>
+      </p:sp>
+      <p:sp>
+        <p:nvSpPr>
+          <p:cNvPr id="20" name="Right Arrow 19"/>
+          <p:cNvSpPr/>
+          <p:nvPr/>
+        </p:nvSpPr>
+        <p:spPr>
+          <a:xfrm rot="12064605">
+            <a:off x="4105231" y="4375175"/>
+            <a:ext cx="788302" cy="152796"/>
+          </a:xfrm>
+          <a:prstGeom prst="rightArrow">
+            <a:avLst/>
+          </a:prstGeom>
+        </p:spPr>
+        <p:style>
+          <a:lnRef idx="2">
+            <a:schemeClr val="accent1">
+              <a:shade val="50000"/>
+            </a:schemeClr>
+          </a:lnRef>
+          <a:fillRef idx="1">
+            <a:schemeClr val="accent1"/>
+          </a:fillRef>
+          <a:effectRef idx="0">
+            <a:schemeClr val="accent1"/>
+          </a:effectRef>
+          <a:fontRef idx="minor">
+            <a:schemeClr val="lt1"/>
+          </a:fontRef>
+        </p:style>
+        <p:txBody>
+          <a:bodyPr rtlCol="0" anchor="ctr"/>
+          <a:lstStyle/>
+          <a:p>
+            <a:pPr algn="ctr"/>
+            <a:endParaRPr lang="en-US"/>
+          </a:p>
+        </p:txBody>
+      </p:sp>
+      <p:sp>
+        <p:nvSpPr>
+          <p:cNvPr id="23" name="Content Placeholder 3"/>
+          <p:cNvSpPr>
+            <a:spLocks noGrp="1"/>
+          </p:cNvSpPr>
+          <p:nvPr>
+            <p:ph sz="half" idx="1"/>
+          </p:nvPr>
+        </p:nvSpPr>
+        <p:spPr>
+          <a:xfrm>
+            <a:off x="4104126" y="1166889"/>
+            <a:ext cx="1298330" cy="337042"/>
+          </a:xfrm>
+        </p:spPr>
+        <p:txBody>
+          <a:bodyPr>
+            <a:normAutofit fontScale="92500" lnSpcReduction="10000"/>
+          </a:bodyPr>
+          <a:lstStyle/>
+          <a:p>
+            <a:pPr marL="0" indent="0" algn="ctr">
+              <a:buNone/>
+            </a:pPr>
+            <a:r>
+              <a:rPr lang="en-US" sz="1000" b="1" smtClean="0">
+                <a:solidFill>
+                  <a:schemeClr val="accent2">
+                    <a:lumMod val="75000"/>
+                  </a:schemeClr>
+                </a:solidFill>
+              </a:rPr>
+              <a:t>model object</a:t>
+            </a:r>
+            <a:r>
+              <a:rPr lang="en-US" sz="1000" b="1">
+                <a:solidFill>
+                  <a:schemeClr val="accent2">
+                    <a:lumMod val="75000"/>
+                  </a:schemeClr>
+                </a:solidFill>
+              </a:rPr>
+              <a:t/>
+            </a:r>
+            <a:br>
+              <a:rPr lang="en-US" sz="1000" b="1">
+                <a:solidFill>
+                  <a:schemeClr val="accent2">
+                    <a:lumMod val="75000"/>
+                  </a:schemeClr>
+                </a:solidFill>
+              </a:rPr>
+            </a:br>
+            <a:r>
+              <a:rPr lang="en-US" sz="1000" b="1" smtClean="0">
+                <a:solidFill>
+                  <a:schemeClr val="accent2">
+                    <a:lumMod val="75000"/>
+                  </a:schemeClr>
+                </a:solidFill>
+              </a:rPr>
+              <a:t>names(credit_model)</a:t>
+            </a:r>
+          </a:p>
+        </p:txBody>
+      </p:sp>
+      <p:sp>
+        <p:nvSpPr>
+          <p:cNvPr id="24" name="Right Arrow 23"/>
+          <p:cNvSpPr/>
+          <p:nvPr/>
+        </p:nvSpPr>
+        <p:spPr>
+          <a:xfrm rot="10282481">
+            <a:off x="3382216" y="1320641"/>
+            <a:ext cx="788302" cy="152796"/>
+          </a:xfrm>
+          <a:prstGeom prst="rightArrow">
+            <a:avLst/>
+          </a:prstGeom>
+        </p:spPr>
+        <p:style>
+          <a:lnRef idx="2">
+            <a:schemeClr val="accent1">
+              <a:shade val="50000"/>
+            </a:schemeClr>
+          </a:lnRef>
+          <a:fillRef idx="1">
+            <a:schemeClr val="accent1"/>
+          </a:fillRef>
+          <a:effectRef idx="0">
+            <a:schemeClr val="accent1"/>
+          </a:effectRef>
+          <a:fontRef idx="minor">
+            <a:schemeClr val="lt1"/>
+          </a:fontRef>
+        </p:style>
+        <p:txBody>
+          <a:bodyPr rtlCol="0" anchor="ctr"/>
+          <a:lstStyle/>
+          <a:p>
+            <a:pPr algn="ctr"/>
+            <a:endParaRPr lang="en-US"/>
+          </a:p>
+        </p:txBody>
+      </p:sp>
+      <p:pic>
+        <p:nvPicPr>
+          <p:cNvPr id="6" name="Picture 5"/>
+          <p:cNvPicPr>
+            <a:picLocks noChangeAspect="1"/>
+          </p:cNvPicPr>
+          <p:nvPr/>
+        </p:nvPicPr>
+        <p:blipFill>
+          <a:blip r:embed="rId3"/>
+          <a:stretch>
+            <a:fillRect/>
+          </a:stretch>
+        </p:blipFill>
+        <p:spPr>
+          <a:xfrm>
+            <a:off x="5307089" y="5559134"/>
+            <a:ext cx="2612903" cy="1024732"/>
+          </a:xfrm>
+          <a:prstGeom prst="rect">
+            <a:avLst/>
+          </a:prstGeom>
+        </p:spPr>
+      </p:pic>
+    </p:spTree>
+    <p:extLst>
+      <p:ext uri="{BB962C8B-B14F-4D97-AF65-F5344CB8AC3E}">
+        <p14:creationId xmlns:p14="http://schemas.microsoft.com/office/powerpoint/2010/main" val="3235336348"/>
       </p:ext>
     </p:extLst>
   </p:cSld>

--- a/Track - Machine Learning/Tree-Based-Models-in-R/Tree-Based Model in R.pptx
+++ b/Track - Machine Learning/Tree-Based-Models-in-R/Tree-Based Model in R.pptx
@@ -262,7 +262,7 @@
             <a:fld id="{B61BEF0D-F0BB-DE4B-95CE-6DB70DBA9567}" type="datetimeFigureOut">
               <a:rPr lang="en-US" smtClean="0"/>
               <a:pPr/>
-              <a:t>6/6/2019</a:t>
+              <a:t>6/10/2019</a:t>
             </a:fld>
             <a:endParaRPr lang="en-US" dirty="0"/>
           </a:p>
@@ -434,7 +434,7 @@
             <a:fld id="{B61BEF0D-F0BB-DE4B-95CE-6DB70DBA9567}" type="datetimeFigureOut">
               <a:rPr lang="en-US" smtClean="0"/>
               <a:pPr/>
-              <a:t>6/6/2019</a:t>
+              <a:t>6/10/2019</a:t>
             </a:fld>
             <a:endParaRPr lang="en-US" dirty="0"/>
           </a:p>
@@ -616,7 +616,7 @@
             <a:fld id="{B61BEF0D-F0BB-DE4B-95CE-6DB70DBA9567}" type="datetimeFigureOut">
               <a:rPr lang="en-US" smtClean="0"/>
               <a:pPr/>
-              <a:t>6/6/2019</a:t>
+              <a:t>6/10/2019</a:t>
             </a:fld>
             <a:endParaRPr lang="en-US" dirty="0"/>
           </a:p>
@@ -788,7 +788,7 @@
             <a:fld id="{B61BEF0D-F0BB-DE4B-95CE-6DB70DBA9567}" type="datetimeFigureOut">
               <a:rPr lang="en-US" smtClean="0"/>
               <a:pPr/>
-              <a:t>6/6/2019</a:t>
+              <a:t>6/10/2019</a:t>
             </a:fld>
             <a:endParaRPr lang="en-US" dirty="0"/>
           </a:p>
@@ -1034,7 +1034,7 @@
             <a:fld id="{B61BEF0D-F0BB-DE4B-95CE-6DB70DBA9567}" type="datetimeFigureOut">
               <a:rPr lang="en-US" smtClean="0"/>
               <a:pPr/>
-              <a:t>6/6/2019</a:t>
+              <a:t>6/10/2019</a:t>
             </a:fld>
             <a:endParaRPr lang="en-US" dirty="0"/>
           </a:p>
@@ -1268,7 +1268,7 @@
             <a:fld id="{B61BEF0D-F0BB-DE4B-95CE-6DB70DBA9567}" type="datetimeFigureOut">
               <a:rPr lang="en-US" smtClean="0"/>
               <a:pPr/>
-              <a:t>6/6/2019</a:t>
+              <a:t>6/10/2019</a:t>
             </a:fld>
             <a:endParaRPr lang="en-US" dirty="0"/>
           </a:p>
@@ -1637,7 +1637,7 @@
             <a:fld id="{B61BEF0D-F0BB-DE4B-95CE-6DB70DBA9567}" type="datetimeFigureOut">
               <a:rPr lang="en-US" smtClean="0"/>
               <a:pPr/>
-              <a:t>6/6/2019</a:t>
+              <a:t>6/10/2019</a:t>
             </a:fld>
             <a:endParaRPr lang="en-US" dirty="0"/>
           </a:p>
@@ -1757,7 +1757,7 @@
             <a:fld id="{B61BEF0D-F0BB-DE4B-95CE-6DB70DBA9567}" type="datetimeFigureOut">
               <a:rPr lang="en-US" smtClean="0"/>
               <a:pPr/>
-              <a:t>6/6/2019</a:t>
+              <a:t>6/10/2019</a:t>
             </a:fld>
             <a:endParaRPr lang="en-US" dirty="0"/>
           </a:p>
@@ -1854,7 +1854,7 @@
             <a:fld id="{B61BEF0D-F0BB-DE4B-95CE-6DB70DBA9567}" type="datetimeFigureOut">
               <a:rPr lang="en-US" smtClean="0"/>
               <a:pPr/>
-              <a:t>6/6/2019</a:t>
+              <a:t>6/10/2019</a:t>
             </a:fld>
             <a:endParaRPr lang="en-US" dirty="0"/>
           </a:p>
@@ -2133,7 +2133,7 @@
             <a:fld id="{B61BEF0D-F0BB-DE4B-95CE-6DB70DBA9567}" type="datetimeFigureOut">
               <a:rPr lang="en-US" smtClean="0"/>
               <a:pPr/>
-              <a:t>6/6/2019</a:t>
+              <a:t>6/10/2019</a:t>
             </a:fld>
             <a:endParaRPr lang="en-US" dirty="0"/>
           </a:p>
@@ -2392,7 +2392,7 @@
             <a:fld id="{B61BEF0D-F0BB-DE4B-95CE-6DB70DBA9567}" type="datetimeFigureOut">
               <a:rPr lang="en-US" smtClean="0"/>
               <a:pPr/>
-              <a:t>6/6/2019</a:t>
+              <a:t>6/10/2019</a:t>
             </a:fld>
             <a:endParaRPr lang="en-US" dirty="0"/>
           </a:p>
@@ -2607,7 +2607,7 @@
             <a:fld id="{B61BEF0D-F0BB-DE4B-95CE-6DB70DBA9567}" type="datetimeFigureOut">
               <a:rPr lang="en-US" smtClean="0"/>
               <a:pPr/>
-              <a:t>6/6/2019</a:t>
+              <a:t>6/10/2019</a:t>
             </a:fld>
             <a:endParaRPr lang="en-US" dirty="0"/>
           </a:p>
@@ -7043,8 +7043,8 @@
         </p:nvSpPr>
         <p:spPr>
           <a:xfrm>
-            <a:off x="411872" y="1333566"/>
-            <a:ext cx="5032693" cy="4939814"/>
+            <a:off x="411873" y="862459"/>
+            <a:ext cx="6281774" cy="5262979"/>
           </a:xfrm>
           <a:prstGeom prst="rect">
             <a:avLst/>
@@ -7061,29 +7061,58 @@
               <a:rPr lang="en-US" sz="1050" smtClean="0">
                 <a:latin typeface="Consolas" panose="020B0609020204030204" pitchFamily="49" charset="0"/>
               </a:rPr>
-              <a:t>set.seed(123)</a:t>
-            </a:r>
-          </a:p>
-          <a:p>
-            <a:r>
-              <a:rPr lang="en-US" sz="1050" smtClean="0">
-                <a:latin typeface="Consolas" panose="020B0609020204030204" pitchFamily="49" charset="0"/>
-              </a:rPr>
-              <a:t>credit_model &lt;- bagging(formula = default ~ .,</a:t>
-            </a:r>
-          </a:p>
-          <a:p>
-            <a:r>
-              <a:rPr lang="en-US" sz="1050">
-                <a:latin typeface="Consolas" panose="020B0609020204030204" pitchFamily="49" charset="0"/>
-              </a:rPr>
-              <a:t>	</a:t>
-            </a:r>
-            <a:r>
-              <a:rPr lang="en-US" sz="1050" smtClean="0">
-                <a:latin typeface="Consolas" panose="020B0609020204030204" pitchFamily="49" charset="0"/>
-              </a:rPr>
-              <a:t>		      data = credit_train,  coob = TRUE)</a:t>
+              <a:t>set.seed(1)</a:t>
+            </a:r>
+          </a:p>
+          <a:p>
+            <a:r>
+              <a:rPr lang="en-US" sz="1050" smtClean="0">
+                <a:latin typeface="Consolas" panose="020B0609020204030204" pitchFamily="49" charset="0"/>
+              </a:rPr>
+              <a:t>library(randomForest)</a:t>
+            </a:r>
+          </a:p>
+          <a:p>
+            <a:endParaRPr lang="en-US" sz="1050" smtClean="0">
+              <a:latin typeface="Consolas" panose="020B0609020204030204" pitchFamily="49" charset="0"/>
+            </a:endParaRPr>
+          </a:p>
+          <a:p>
+            <a:r>
+              <a:rPr lang="en-US" sz="1050" smtClean="0">
+                <a:latin typeface="Consolas" panose="020B0609020204030204" pitchFamily="49" charset="0"/>
+              </a:rPr>
+              <a:t>credit_model &lt;- </a:t>
+            </a:r>
+            <a:r>
+              <a:rPr lang="en-US" sz="1050" smtClean="0">
+                <a:latin typeface="Consolas" panose="020B0609020204030204" pitchFamily="49" charset="0"/>
+              </a:rPr>
+              <a:t>randomForest(formula </a:t>
+            </a:r>
+            <a:r>
+              <a:rPr lang="en-US" sz="1050" smtClean="0">
+                <a:latin typeface="Consolas" panose="020B0609020204030204" pitchFamily="49" charset="0"/>
+              </a:rPr>
+              <a:t>= default ~ </a:t>
+            </a:r>
+            <a:r>
+              <a:rPr lang="en-US" sz="1050" smtClean="0">
+                <a:latin typeface="Consolas" panose="020B0609020204030204" pitchFamily="49" charset="0"/>
+              </a:rPr>
+              <a:t>., data </a:t>
+            </a:r>
+            <a:r>
+              <a:rPr lang="en-US" sz="1050" smtClean="0">
+                <a:latin typeface="Consolas" panose="020B0609020204030204" pitchFamily="49" charset="0"/>
+              </a:rPr>
+              <a:t>= </a:t>
+            </a:r>
+            <a:r>
+              <a:rPr lang="en-US" sz="1050" smtClean="0">
+                <a:latin typeface="Consolas" panose="020B0609020204030204" pitchFamily="49" charset="0"/>
+              </a:rPr>
+              <a:t>credit_train)</a:t>
             </a:r>
           </a:p>
           <a:p>
@@ -7096,21 +7125,7 @@
               <a:rPr lang="en-US" sz="1050" smtClean="0">
                 <a:latin typeface="Consolas" panose="020B0609020204030204" pitchFamily="49" charset="0"/>
               </a:rPr>
-              <a:t>credit_pred &lt;- predict(object = credit_model,</a:t>
-            </a:r>
-          </a:p>
-          <a:p>
-            <a:r>
-              <a:rPr lang="en-US" sz="1050">
-                <a:latin typeface="Consolas" panose="020B0609020204030204" pitchFamily="49" charset="0"/>
-              </a:rPr>
-              <a:t>	</a:t>
-            </a:r>
-            <a:r>
-              <a:rPr lang="en-US" sz="1050" smtClean="0">
-                <a:latin typeface="Consolas" panose="020B0609020204030204" pitchFamily="49" charset="0"/>
-              </a:rPr>
-              <a:t>		     newdata = credit_test,  type = “class”)</a:t>
+              <a:t>err &lt;- credit_model$err.rate</a:t>
             </a:r>
           </a:p>
           <a:p>
@@ -7123,7 +7138,47 @@
               <a:rPr lang="en-US" sz="1050" smtClean="0">
                 <a:latin typeface="Consolas" panose="020B0609020204030204" pitchFamily="49" charset="0"/>
               </a:rPr>
-              <a:t>auc(actual = ifelse(credit_test$default == “yes”, 1, 0),</a:t>
+              <a:t>oob_err &lt;- err[500, “OOB”]</a:t>
+            </a:r>
+          </a:p>
+          <a:p>
+            <a:endParaRPr lang="en-US" sz="1050" smtClean="0">
+              <a:latin typeface="Consolas" panose="020B0609020204030204" pitchFamily="49" charset="0"/>
+            </a:endParaRPr>
+          </a:p>
+          <a:p>
+            <a:r>
+              <a:rPr lang="en-US" sz="1050" smtClean="0">
+                <a:latin typeface="Consolas" panose="020B0609020204030204" pitchFamily="49" charset="0"/>
+              </a:rPr>
+              <a:t>plot(credit_model)</a:t>
+            </a:r>
+          </a:p>
+          <a:p>
+            <a:r>
+              <a:rPr lang="en-US" sz="1050" smtClean="0">
+                <a:latin typeface="Consolas" panose="020B0609020204030204" pitchFamily="49" charset="0"/>
+              </a:rPr>
+              <a:t>legend(x = “right”, legend = colnames(err), fill = 1:ncol(err))</a:t>
+            </a:r>
+          </a:p>
+          <a:p>
+            <a:endParaRPr lang="en-US" sz="1050" smtClean="0">
+              <a:latin typeface="Consolas" panose="020B0609020204030204" pitchFamily="49" charset="0"/>
+            </a:endParaRPr>
+          </a:p>
+          <a:p>
+            <a:r>
+              <a:rPr lang="en-US" sz="1050" smtClean="0">
+                <a:latin typeface="Consolas" panose="020B0609020204030204" pitchFamily="49" charset="0"/>
+              </a:rPr>
+              <a:t>credit_pred </a:t>
+            </a:r>
+            <a:r>
+              <a:rPr lang="en-US" sz="1050" smtClean="0">
+                <a:latin typeface="Consolas" panose="020B0609020204030204" pitchFamily="49" charset="0"/>
+              </a:rPr>
+              <a:t>&lt;- predict(object = credit_model,</a:t>
             </a:r>
           </a:p>
           <a:p>
@@ -7137,7 +7192,7 @@
               <a:rPr lang="en-US" sz="1050" smtClean="0">
                 <a:latin typeface="Consolas" panose="020B0609020204030204" pitchFamily="49" charset="0"/>
               </a:rPr>
-              <a:t>predict = pred[ , “yes”])</a:t>
+              <a:t>		     newdata = credit_test,  type = “class”)</a:t>
             </a:r>
           </a:p>
           <a:p>
@@ -7150,142 +7205,37 @@
               <a:rPr lang="en-US" sz="1050" smtClean="0">
                 <a:latin typeface="Consolas" panose="020B0609020204030204" pitchFamily="49" charset="0"/>
               </a:rPr>
-              <a:t>ctrl &lt;- trainControl(method = “cv”,</a:t>
-            </a:r>
-          </a:p>
-          <a:p>
-            <a:r>
-              <a:rPr lang="en-US" sz="1050">
-                <a:latin typeface="Consolas" panose="020B0609020204030204" pitchFamily="49" charset="0"/>
-              </a:rPr>
-              <a:t>	</a:t>
-            </a:r>
-            <a:r>
-              <a:rPr lang="en-US" sz="1050" smtClean="0">
-                <a:latin typeface="Consolas" panose="020B0609020204030204" pitchFamily="49" charset="0"/>
-              </a:rPr>
-              <a:t>		   number = 5,</a:t>
-            </a:r>
-          </a:p>
-          <a:p>
-            <a:r>
-              <a:rPr lang="en-US" sz="1050">
-                <a:latin typeface="Consolas" panose="020B0609020204030204" pitchFamily="49" charset="0"/>
-              </a:rPr>
-              <a:t>	</a:t>
-            </a:r>
-            <a:r>
-              <a:rPr lang="en-US" sz="1050" smtClean="0">
-                <a:latin typeface="Consolas" panose="020B0609020204030204" pitchFamily="49" charset="0"/>
-              </a:rPr>
-              <a:t>		   clasasProbs = TRUE,</a:t>
-            </a:r>
-          </a:p>
-          <a:p>
-            <a:r>
-              <a:rPr lang="en-US" sz="1050">
-                <a:latin typeface="Consolas" panose="020B0609020204030204" pitchFamily="49" charset="0"/>
-              </a:rPr>
-              <a:t>	</a:t>
-            </a:r>
-            <a:r>
-              <a:rPr lang="en-US" sz="1050" smtClean="0">
-                <a:latin typeface="Consolas" panose="020B0609020204030204" pitchFamily="49" charset="0"/>
-              </a:rPr>
-              <a:t>		   summaryFunction = twoClassSummary)</a:t>
-            </a:r>
-          </a:p>
-          <a:p>
+              <a:t>cm &lt;- confusionMatrix(data = class_prediction, reference = credit_test$default)</a:t>
+            </a:r>
             <a:endParaRPr lang="en-US" sz="1050">
               <a:latin typeface="Consolas" panose="020B0609020204030204" pitchFamily="49" charset="0"/>
             </a:endParaRPr>
           </a:p>
           <a:p>
-            <a:r>
-              <a:rPr lang="en-US" sz="1050" smtClean="0">
-                <a:latin typeface="Consolas" panose="020B0609020204030204" pitchFamily="49" charset="0"/>
-              </a:rPr>
-              <a:t>set.seed(1)</a:t>
-            </a:r>
-          </a:p>
-          <a:p>
-            <a:r>
-              <a:rPr lang="en-US" sz="1050" smtClean="0">
-                <a:latin typeface="Consolas" panose="020B0609020204030204" pitchFamily="49" charset="0"/>
-              </a:rPr>
-              <a:t>credit_caret_model &lt;- train(default ~ .,</a:t>
-            </a:r>
-          </a:p>
-          <a:p>
-            <a:r>
-              <a:rPr lang="en-US" sz="1050">
-                <a:latin typeface="Consolas" panose="020B0609020204030204" pitchFamily="49" charset="0"/>
-              </a:rPr>
-              <a:t>	</a:t>
-            </a:r>
-            <a:r>
-              <a:rPr lang="en-US" sz="1050" smtClean="0">
-                <a:latin typeface="Consolas" panose="020B0609020204030204" pitchFamily="49" charset="0"/>
-              </a:rPr>
-              <a:t>			    data = credit_train,</a:t>
-            </a:r>
-          </a:p>
-          <a:p>
-            <a:r>
-              <a:rPr lang="en-US" sz="1050">
-                <a:latin typeface="Consolas" panose="020B0609020204030204" pitchFamily="49" charset="0"/>
-              </a:rPr>
-              <a:t>	</a:t>
-            </a:r>
-            <a:r>
-              <a:rPr lang="en-US" sz="1050" smtClean="0">
-                <a:latin typeface="Consolas" panose="020B0609020204030204" pitchFamily="49" charset="0"/>
-              </a:rPr>
-              <a:t>			    method = “treebag”,</a:t>
-            </a:r>
-          </a:p>
-          <a:p>
-            <a:r>
-              <a:rPr lang="en-US" sz="1050">
-                <a:latin typeface="Consolas" panose="020B0609020204030204" pitchFamily="49" charset="0"/>
-              </a:rPr>
-              <a:t>	</a:t>
-            </a:r>
-            <a:r>
-              <a:rPr lang="en-US" sz="1050" smtClean="0">
-                <a:latin typeface="Consolas" panose="020B0609020204030204" pitchFamily="49" charset="0"/>
-              </a:rPr>
-              <a:t>			    metric = “ROC”,</a:t>
-            </a:r>
-          </a:p>
-          <a:p>
-            <a:r>
-              <a:rPr lang="en-US" sz="1050">
-                <a:latin typeface="Consolas" panose="020B0609020204030204" pitchFamily="49" charset="0"/>
-              </a:rPr>
-              <a:t>	</a:t>
-            </a:r>
-            <a:r>
-              <a:rPr lang="en-US" sz="1050" smtClean="0">
-                <a:latin typeface="Consolas" panose="020B0609020204030204" pitchFamily="49" charset="0"/>
-              </a:rPr>
-              <a:t>			    trControl = ctrl)</a:t>
-            </a:r>
-          </a:p>
-          <a:p>
+            <a:endParaRPr lang="en-US" sz="1050" smtClean="0">
+              <a:latin typeface="Consolas" panose="020B0609020204030204" pitchFamily="49" charset="0"/>
+            </a:endParaRPr>
+          </a:p>
+          <a:p>
+            <a:r>
+              <a:rPr lang="en-US" sz="1050" smtClean="0">
+                <a:latin typeface="Consolas" panose="020B0609020204030204" pitchFamily="49" charset="0"/>
+              </a:rPr>
+              <a:t>paste0(“Test Accuracy: ”, cm$overall[1])</a:t>
+            </a:r>
+          </a:p>
+          <a:p>
+            <a:r>
+              <a:rPr lang="en-US" sz="1050" smtClean="0">
+                <a:latin typeface="Consolas" panose="020B0609020204030204" pitchFamily="49" charset="0"/>
+              </a:rPr>
+              <a:t>paste0(“OOB Accuracy: ”, 1 – obb_err)</a:t>
+            </a:r>
             <a:endParaRPr lang="en-US" sz="1050">
               <a:latin typeface="Consolas" panose="020B0609020204030204" pitchFamily="49" charset="0"/>
             </a:endParaRPr>
           </a:p>
           <a:p>
-            <a:r>
-              <a:rPr lang="en-US" sz="1050" smtClean="0">
-                <a:latin typeface="Consolas" panose="020B0609020204030204" pitchFamily="49" charset="0"/>
-              </a:rPr>
-              <a:t>credit_caret_model$results[ , “ROC”]</a:t>
-            </a:r>
-          </a:p>
-          <a:p>
             <a:endParaRPr lang="en-US" sz="1050">
               <a:latin typeface="Consolas" panose="020B0609020204030204" pitchFamily="49" charset="0"/>
             </a:endParaRPr>
@@ -7303,19 +7253,44 @@
               <a:rPr lang="en-US" sz="1050">
                 <a:latin typeface="Consolas" panose="020B0609020204030204" pitchFamily="49" charset="0"/>
               </a:rPr>
-              <a:t>			     newdata = </a:t>
-            </a:r>
-            <a:r>
-              <a:rPr lang="en-US" sz="1050" smtClean="0">
-                <a:latin typeface="Consolas" panose="020B0609020204030204" pitchFamily="49" charset="0"/>
-              </a:rPr>
-              <a:t>credit_test, type </a:t>
+              <a:t>			     newdata = credit_test, type = “prob”)</a:t>
+            </a:r>
+          </a:p>
+          <a:p>
+            <a:endParaRPr lang="en-US" sz="1050" smtClean="0">
+              <a:latin typeface="Consolas" panose="020B0609020204030204" pitchFamily="49" charset="0"/>
+            </a:endParaRPr>
+          </a:p>
+          <a:p>
+            <a:r>
+              <a:rPr lang="en-US" sz="1050" smtClean="0">
+                <a:latin typeface="Consolas" panose="020B0609020204030204" pitchFamily="49" charset="0"/>
+              </a:rPr>
+              <a:t>auc(actual </a:t>
             </a:r>
             <a:r>
               <a:rPr lang="en-US" sz="1050">
                 <a:latin typeface="Consolas" panose="020B0609020204030204" pitchFamily="49" charset="0"/>
               </a:rPr>
-              <a:t>= “prob”)</a:t>
+              <a:t>= ifelse(credit_test$default == “yes”, 1, 0</a:t>
+            </a:r>
+            <a:r>
+              <a:rPr lang="en-US" sz="1050" smtClean="0">
+                <a:latin typeface="Consolas" panose="020B0609020204030204" pitchFamily="49" charset="0"/>
+              </a:rPr>
+              <a:t>),</a:t>
+            </a:r>
+            <a:r>
+              <a:rPr lang="en-US" sz="1050">
+                <a:latin typeface="Consolas" panose="020B0609020204030204" pitchFamily="49" charset="0"/>
+              </a:rPr>
+              <a:t>	predict = pred[ , “yes</a:t>
+            </a:r>
+            <a:r>
+              <a:rPr lang="en-US" sz="1050" smtClean="0">
+                <a:latin typeface="Consolas" panose="020B0609020204030204" pitchFamily="49" charset="0"/>
+              </a:rPr>
+              <a:t>”])</a:t>
             </a:r>
           </a:p>
           <a:p>
@@ -7325,25 +7300,56 @@
           </a:p>
           <a:p>
             <a:r>
+              <a:rPr lang="en-US" sz="1050" smtClean="0">
+                <a:latin typeface="Consolas" panose="020B0609020204030204" pitchFamily="49" charset="0"/>
+              </a:rPr>
+              <a:t>set.seed(1)</a:t>
+            </a:r>
+          </a:p>
+          <a:p>
+            <a:endParaRPr lang="en-US" sz="1050" smtClean="0">
+              <a:latin typeface="Consolas" panose="020B0609020204030204" pitchFamily="49" charset="0"/>
+            </a:endParaRPr>
+          </a:p>
+          <a:p>
+            <a:r>
+              <a:rPr lang="en-US" sz="1050" smtClean="0">
+                <a:latin typeface="Consolas" panose="020B0609020204030204" pitchFamily="49" charset="0"/>
+              </a:rPr>
+              <a:t>res &lt;- tuneRF(x = subset(credit_train, select = -default),</a:t>
+            </a:r>
+          </a:p>
+          <a:p>
+            <a:r>
               <a:rPr lang="en-US" sz="1050">
                 <a:latin typeface="Consolas" panose="020B0609020204030204" pitchFamily="49" charset="0"/>
               </a:rPr>
-              <a:t>auc(actual = ifelse(credit_test$default == “yes”, 1, 0),</a:t>
-            </a:r>
-          </a:p>
-          <a:p>
-            <a:r>
-              <a:rPr lang="en-US" sz="1050">
-                <a:latin typeface="Consolas" panose="020B0609020204030204" pitchFamily="49" charset="0"/>
-              </a:rPr>
-              <a:t>	predict = pred[ , “yes</a:t>
-            </a:r>
-            <a:r>
-              <a:rPr lang="en-US" sz="1050" smtClean="0">
-                <a:latin typeface="Consolas" panose="020B0609020204030204" pitchFamily="49" charset="0"/>
-              </a:rPr>
-              <a:t>”])</a:t>
-            </a:r>
+              <a:t>	</a:t>
+            </a:r>
+            <a:r>
+              <a:rPr lang="en-US" sz="1050" smtClean="0">
+                <a:latin typeface="Consolas" panose="020B0609020204030204" pitchFamily="49" charset="0"/>
+              </a:rPr>
+              <a:t>	  y = credit_train$default, ntreeTry = 500)</a:t>
+            </a:r>
+          </a:p>
+          <a:p>
+            <a:endParaRPr lang="en-US" sz="1050">
+              <a:latin typeface="Consolas" panose="020B0609020204030204" pitchFamily="49" charset="0"/>
+            </a:endParaRPr>
+          </a:p>
+          <a:p>
+            <a:r>
+              <a:rPr lang="en-US" sz="1050" smtClean="0">
+                <a:latin typeface="Consolas" panose="020B0609020204030204" pitchFamily="49" charset="0"/>
+              </a:rPr>
+              <a:t>mtry_opt &lt;- res[ , “mtry”][which.min(res[ , “OOBError”])]</a:t>
+            </a:r>
+          </a:p>
+          <a:p>
+            <a:endParaRPr lang="en-US" sz="1050" smtClean="0">
+              <a:latin typeface="Consolas" panose="020B0609020204030204" pitchFamily="49" charset="0"/>
+            </a:endParaRPr>
           </a:p>
         </p:txBody>
       </p:sp>
@@ -7412,7 +7418,7 @@
         </p:nvSpPr>
         <p:spPr>
           <a:xfrm>
-            <a:off x="6502400" y="500654"/>
+            <a:off x="6538259" y="500654"/>
             <a:ext cx="2311761" cy="274594"/>
           </a:xfrm>
         </p:spPr>
@@ -7465,7 +7471,7 @@
                   </a:schemeClr>
                 </a:solidFill>
               </a:rPr>
-              <a:t>andomForest</a:t>
+              <a:t>andomForest, caret</a:t>
             </a:r>
             <a:endParaRPr lang="en-US" sz="1000" b="1" smtClean="0">
               <a:solidFill>
@@ -7477,51 +7483,9 @@
           </a:p>
         </p:txBody>
       </p:sp>
-      <p:sp>
-        <p:nvSpPr>
-          <p:cNvPr id="3" name="TextBox 2"/>
-          <p:cNvSpPr txBox="1"/>
-          <p:nvPr/>
-        </p:nvSpPr>
-        <p:spPr>
-          <a:xfrm>
-            <a:off x="411873" y="828480"/>
-            <a:ext cx="4557017" cy="461665"/>
-          </a:xfrm>
-          <a:prstGeom prst="rect">
-            <a:avLst/>
-          </a:prstGeom>
-          <a:noFill/>
-        </p:spPr>
-        <p:txBody>
-          <a:bodyPr wrap="none" rtlCol="0">
-            <a:spAutoFit/>
-          </a:bodyPr>
-          <a:lstStyle/>
-          <a:p>
-            <a:r>
-              <a:rPr lang="en-US" sz="1200" smtClean="0"/>
-              <a:t>Bagged trees combines many trees with the goal of reducing variance.</a:t>
-            </a:r>
-          </a:p>
-          <a:p>
-            <a:r>
-              <a:rPr lang="en-US" sz="1200" smtClean="0"/>
-              <a:t>Bagging </a:t>
-            </a:r>
-            <a:r>
-              <a:rPr lang="en-US" sz="1200" smtClean="0">
-                <a:sym typeface="Wingdings" panose="05000000000000000000" pitchFamily="2" charset="2"/>
-              </a:rPr>
-              <a:t> Bootstrap Aggregating</a:t>
-            </a:r>
-            <a:endParaRPr lang="en-US" sz="1200"/>
-          </a:p>
-        </p:txBody>
-      </p:sp>
       <p:pic>
         <p:nvPicPr>
-          <p:cNvPr id="5" name="Picture 4"/>
+          <p:cNvPr id="2" name="Picture 1"/>
           <p:cNvPicPr>
             <a:picLocks noChangeAspect="1"/>
           </p:cNvPicPr>
@@ -7535,8 +7499,8 @@
         </p:blipFill>
         <p:spPr>
           <a:xfrm>
-            <a:off x="5646364" y="1010024"/>
-            <a:ext cx="3100646" cy="2265502"/>
+            <a:off x="6613540" y="862459"/>
+            <a:ext cx="1931637" cy="879883"/>
           </a:xfrm>
           <a:prstGeom prst="rect">
             <a:avLst/>
@@ -7545,7 +7509,7 @@
       </p:pic>
       <p:sp>
         <p:nvSpPr>
-          <p:cNvPr id="14" name="Content Placeholder 3"/>
+          <p:cNvPr id="21" name="Content Placeholder 3"/>
           <p:cNvSpPr>
             <a:spLocks noGrp="1"/>
           </p:cNvSpPr>
@@ -7555,50 +7519,8 @@
         </p:nvSpPr>
         <p:spPr>
           <a:xfrm>
-            <a:off x="6335059" y="3589319"/>
-            <a:ext cx="2600781" cy="1690745"/>
-          </a:xfrm>
-        </p:spPr>
-        <p:txBody>
-          <a:bodyPr>
-            <a:normAutofit/>
-          </a:bodyPr>
-          <a:lstStyle/>
-          <a:p>
-            <a:pPr marL="0" indent="0">
-              <a:buNone/>
-            </a:pPr>
-            <a:r>
-              <a:rPr lang="en-US" sz="1050" smtClean="0"/>
-              <a:t>In binary classification, we can predict numeric values instead of class labels. In fact, class labels are created only after you use the model to predict a raw, numeric, predicted value for a test point.</a:t>
-            </a:r>
-          </a:p>
-          <a:p>
-            <a:pPr marL="0" indent="0">
-              <a:buNone/>
-            </a:pPr>
-            <a:r>
-              <a:rPr lang="en-US" sz="1050" smtClean="0"/>
-              <a:t>The predicted label is generated by applying a threshold to the predicted value, such that all test points with predicted value greater than the threshold get a label of “1” and points below get a label of “0”.</a:t>
-            </a:r>
-            <a:endParaRPr lang="en-US" sz="800" smtClean="0"/>
-          </a:p>
-        </p:txBody>
-      </p:sp>
-      <p:sp>
-        <p:nvSpPr>
-          <p:cNvPr id="15" name="Content Placeholder 3"/>
-          <p:cNvSpPr>
-            <a:spLocks noGrp="1"/>
-          </p:cNvSpPr>
-          <p:nvPr>
-            <p:ph sz="half" idx="1"/>
-          </p:nvPr>
-        </p:nvSpPr>
-        <p:spPr>
-          <a:xfrm>
-            <a:off x="4344602" y="2946497"/>
-            <a:ext cx="1541964" cy="423273"/>
+            <a:off x="4157914" y="862459"/>
+            <a:ext cx="1298330" cy="337042"/>
           </a:xfrm>
         </p:spPr>
         <p:txBody>
@@ -7607,7 +7529,7 @@
           </a:bodyPr>
           <a:lstStyle/>
           <a:p>
-            <a:pPr marL="0" indent="0">
+            <a:pPr marL="0" indent="0" algn="ctr">
               <a:buNone/>
             </a:pPr>
             <a:r>
@@ -7618,21 +7540,50 @@
                   </a:schemeClr>
                 </a:solidFill>
               </a:rPr>
-              <a:t>“prob” changes this to a predicted value as opposed to a class label</a:t>
-            </a:r>
-          </a:p>
-        </p:txBody>
-      </p:sp>
-      <p:sp>
-        <p:nvSpPr>
-          <p:cNvPr id="18" name="Right Arrow 17"/>
+              <a:t>model object</a:t>
+            </a:r>
+            <a:r>
+              <a:rPr lang="en-US" sz="1000" b="1">
+                <a:solidFill>
+                  <a:schemeClr val="accent2">
+                    <a:lumMod val="75000"/>
+                  </a:schemeClr>
+                </a:solidFill>
+              </a:rPr>
+              <a:t/>
+            </a:r>
+            <a:br>
+              <a:rPr lang="en-US" sz="1000" b="1">
+                <a:solidFill>
+                  <a:schemeClr val="accent2">
+                    <a:lumMod val="75000"/>
+                  </a:schemeClr>
+                </a:solidFill>
+              </a:rPr>
+            </a:br>
+            <a:r>
+              <a:rPr lang="en-US" sz="1000" b="1" smtClean="0">
+                <a:solidFill>
+                  <a:schemeClr val="accent2">
+                    <a:lumMod val="75000"/>
+                  </a:schemeClr>
+                </a:solidFill>
+              </a:rPr>
+              <a:t>names(credit_model)</a:t>
+            </a:r>
+          </a:p>
+        </p:txBody>
+      </p:sp>
+      <p:sp>
+        <p:nvSpPr>
+          <p:cNvPr id="22" name="Right Arrow 21"/>
           <p:cNvSpPr/>
           <p:nvPr/>
         </p:nvSpPr>
         <p:spPr>
-          <a:xfrm rot="15023629">
-            <a:off x="4665043" y="2577440"/>
-            <a:ext cx="566914" cy="152796"/>
+          <a:xfrm rot="8934343">
+            <a:off x="3860069" y="1123103"/>
+            <a:ext cx="382926" cy="152796"/>
           </a:xfrm>
           <a:prstGeom prst="rightArrow">
             <a:avLst/>
@@ -7665,7 +7616,7 @@
       </p:sp>
       <p:sp>
         <p:nvSpPr>
-          <p:cNvPr id="19" name="Content Placeholder 3"/>
+          <p:cNvPr id="26" name="Content Placeholder 3"/>
           <p:cNvSpPr>
             <a:spLocks noGrp="1"/>
           </p:cNvSpPr>
@@ -7675,13 +7626,13 @@
         </p:nvSpPr>
         <p:spPr>
           <a:xfrm>
-            <a:off x="4536107" y="4517612"/>
-            <a:ext cx="1541964" cy="337042"/>
+            <a:off x="2841779" y="1673913"/>
+            <a:ext cx="1640574" cy="229893"/>
           </a:xfrm>
         </p:spPr>
         <p:txBody>
           <a:bodyPr>
-            <a:normAutofit fontScale="92500" lnSpcReduction="10000"/>
+            <a:normAutofit/>
           </a:bodyPr>
           <a:lstStyle/>
           <a:p>
@@ -7696,50 +7647,28 @@
                   </a:schemeClr>
                 </a:solidFill>
               </a:rPr>
-              <a:t>model object</a:t>
-            </a:r>
-            <a:r>
-              <a:rPr lang="en-US" sz="1000" b="1">
-                <a:solidFill>
-                  <a:schemeClr val="accent2">
-                    <a:lumMod val="75000"/>
-                  </a:schemeClr>
-                </a:solidFill>
-              </a:rPr>
-              <a:t/>
-            </a:r>
-            <a:br>
-              <a:rPr lang="en-US" sz="1000" b="1">
-                <a:solidFill>
-                  <a:schemeClr val="accent2">
-                    <a:lumMod val="75000"/>
-                  </a:schemeClr>
-                </a:solidFill>
-              </a:rPr>
-            </a:br>
-            <a:r>
-              <a:rPr lang="en-US" sz="1000" b="1" smtClean="0">
-                <a:solidFill>
-                  <a:schemeClr val="accent2">
-                    <a:lumMod val="75000"/>
-                  </a:schemeClr>
-                </a:solidFill>
-              </a:rPr>
-              <a:t>names(credit_caret_model)</a:t>
-            </a:r>
-          </a:p>
-        </p:txBody>
-      </p:sp>
-      <p:sp>
-        <p:nvSpPr>
-          <p:cNvPr id="20" name="Right Arrow 19"/>
+              <a:t>OOB (out-of-bag error)</a:t>
+            </a:r>
+            <a:endParaRPr lang="en-US" sz="1000" b="1" smtClean="0">
+              <a:solidFill>
+                <a:schemeClr val="accent2">
+                  <a:lumMod val="75000"/>
+                </a:schemeClr>
+              </a:solidFill>
+            </a:endParaRPr>
+          </a:p>
+        </p:txBody>
+      </p:sp>
+      <p:sp>
+        <p:nvSpPr>
+          <p:cNvPr id="28" name="Right Arrow 27"/>
           <p:cNvSpPr/>
           <p:nvPr/>
         </p:nvSpPr>
         <p:spPr>
-          <a:xfrm rot="12064605">
-            <a:off x="4105231" y="4375175"/>
-            <a:ext cx="788302" cy="152796"/>
+          <a:xfrm rot="10800000">
+            <a:off x="2597599" y="1712462"/>
+            <a:ext cx="382926" cy="152796"/>
           </a:xfrm>
           <a:prstGeom prst="rightArrow">
             <a:avLst/>
@@ -7770,9 +7699,33 @@
           </a:p>
         </p:txBody>
       </p:sp>
-      <p:sp>
-        <p:nvSpPr>
-          <p:cNvPr id="23" name="Content Placeholder 3"/>
+      <p:pic>
+        <p:nvPicPr>
+          <p:cNvPr id="12" name="Picture 11"/>
+          <p:cNvPicPr>
+            <a:picLocks noChangeAspect="1"/>
+          </p:cNvPicPr>
+          <p:nvPr/>
+        </p:nvPicPr>
+        <p:blipFill>
+          <a:blip r:embed="rId3"/>
+          <a:stretch>
+            <a:fillRect/>
+          </a:stretch>
+        </p:blipFill>
+        <p:spPr>
+          <a:xfrm>
+            <a:off x="5881758" y="2023443"/>
+            <a:ext cx="2968262" cy="1084863"/>
+          </a:xfrm>
+          <a:prstGeom prst="rect">
+            <a:avLst/>
+          </a:prstGeom>
+        </p:spPr>
+      </p:pic>
+      <p:sp>
+        <p:nvSpPr>
+          <p:cNvPr id="29" name="Content Placeholder 3"/>
           <p:cNvSpPr>
             <a:spLocks noGrp="1"/>
           </p:cNvSpPr>
@@ -7782,17 +7735,17 @@
         </p:nvSpPr>
         <p:spPr>
           <a:xfrm>
-            <a:off x="4104126" y="1166889"/>
-            <a:ext cx="1298330" cy="337042"/>
+            <a:off x="4972964" y="5669185"/>
+            <a:ext cx="3877055" cy="533654"/>
           </a:xfrm>
         </p:spPr>
         <p:txBody>
           <a:bodyPr>
-            <a:normAutofit fontScale="92500" lnSpcReduction="10000"/>
+            <a:normAutofit/>
           </a:bodyPr>
           <a:lstStyle/>
           <a:p>
-            <a:pPr marL="0" indent="0" algn="ctr">
+            <a:pPr marL="0" indent="0">
               <a:buNone/>
             </a:pPr>
             <a:r>
@@ -7803,50 +7756,28 @@
                   </a:schemeClr>
                 </a:solidFill>
               </a:rPr>
-              <a:t>model object</a:t>
-            </a:r>
-            <a:r>
-              <a:rPr lang="en-US" sz="1000" b="1">
-                <a:solidFill>
-                  <a:schemeClr val="accent2">
-                    <a:lumMod val="75000"/>
-                  </a:schemeClr>
-                </a:solidFill>
-              </a:rPr>
-              <a:t/>
-            </a:r>
-            <a:br>
-              <a:rPr lang="en-US" sz="1000" b="1">
-                <a:solidFill>
-                  <a:schemeClr val="accent2">
-                    <a:lumMod val="75000"/>
-                  </a:schemeClr>
-                </a:solidFill>
-              </a:rPr>
-            </a:br>
-            <a:r>
-              <a:rPr lang="en-US" sz="1000" b="1" smtClean="0">
-                <a:solidFill>
-                  <a:schemeClr val="accent2">
-                    <a:lumMod val="75000"/>
-                  </a:schemeClr>
-                </a:solidFill>
-              </a:rPr>
-              <a:t>names(credit_model)</a:t>
-            </a:r>
-          </a:p>
-        </p:txBody>
-      </p:sp>
-      <p:sp>
-        <p:nvSpPr>
-          <p:cNvPr id="24" name="Right Arrow 23"/>
+              <a:t>Note: if you want to evaluate the model based on AUC instead of error (accuracy), then this is not the best way to tune a model, as the selection only considers OOB error.</a:t>
+            </a:r>
+            <a:endParaRPr lang="en-US" sz="1000" b="1" smtClean="0">
+              <a:solidFill>
+                <a:schemeClr val="accent2">
+                  <a:lumMod val="75000"/>
+                </a:schemeClr>
+              </a:solidFill>
+            </a:endParaRPr>
+          </a:p>
+        </p:txBody>
+      </p:sp>
+      <p:sp>
+        <p:nvSpPr>
+          <p:cNvPr id="30" name="Right Arrow 29"/>
           <p:cNvSpPr/>
           <p:nvPr/>
         </p:nvSpPr>
         <p:spPr>
-          <a:xfrm rot="10282481">
-            <a:off x="3382216" y="1320641"/>
-            <a:ext cx="788302" cy="152796"/>
+          <a:xfrm rot="10800000">
+            <a:off x="4728785" y="5707733"/>
+            <a:ext cx="285474" cy="152796"/>
           </a:xfrm>
           <a:prstGeom prst="rightArrow">
             <a:avLst/>
@@ -7877,30 +7808,6 @@
           </a:p>
         </p:txBody>
       </p:sp>
-      <p:pic>
-        <p:nvPicPr>
-          <p:cNvPr id="6" name="Picture 5"/>
-          <p:cNvPicPr>
-            <a:picLocks noChangeAspect="1"/>
-          </p:cNvPicPr>
-          <p:nvPr/>
-        </p:nvPicPr>
-        <p:blipFill>
-          <a:blip r:embed="rId3"/>
-          <a:stretch>
-            <a:fillRect/>
-          </a:stretch>
-        </p:blipFill>
-        <p:spPr>
-          <a:xfrm>
-            <a:off x="5307089" y="5559134"/>
-            <a:ext cx="2612903" cy="1024732"/>
-          </a:xfrm>
-          <a:prstGeom prst="rect">
-            <a:avLst/>
-          </a:prstGeom>
-        </p:spPr>
-      </p:pic>
     </p:spTree>
     <p:extLst>
       <p:ext uri="{BB962C8B-B14F-4D97-AF65-F5344CB8AC3E}">

--- a/Track - Machine Learning/Tree-Based-Models-in-R/Tree-Based Model in R.pptx
+++ b/Track - Machine Learning/Tree-Based-Models-in-R/Tree-Based Model in R.pptx
@@ -262,7 +262,7 @@
             <a:fld id="{B61BEF0D-F0BB-DE4B-95CE-6DB70DBA9567}" type="datetimeFigureOut">
               <a:rPr lang="en-US" smtClean="0"/>
               <a:pPr/>
-              <a:t>6/10/2019</a:t>
+              <a:t>6/11/2019</a:t>
             </a:fld>
             <a:endParaRPr lang="en-US" dirty="0"/>
           </a:p>
@@ -434,7 +434,7 @@
             <a:fld id="{B61BEF0D-F0BB-DE4B-95CE-6DB70DBA9567}" type="datetimeFigureOut">
               <a:rPr lang="en-US" smtClean="0"/>
               <a:pPr/>
-              <a:t>6/10/2019</a:t>
+              <a:t>6/11/2019</a:t>
             </a:fld>
             <a:endParaRPr lang="en-US" dirty="0"/>
           </a:p>
@@ -616,7 +616,7 @@
             <a:fld id="{B61BEF0D-F0BB-DE4B-95CE-6DB70DBA9567}" type="datetimeFigureOut">
               <a:rPr lang="en-US" smtClean="0"/>
               <a:pPr/>
-              <a:t>6/10/2019</a:t>
+              <a:t>6/11/2019</a:t>
             </a:fld>
             <a:endParaRPr lang="en-US" dirty="0"/>
           </a:p>
@@ -788,7 +788,7 @@
             <a:fld id="{B61BEF0D-F0BB-DE4B-95CE-6DB70DBA9567}" type="datetimeFigureOut">
               <a:rPr lang="en-US" smtClean="0"/>
               <a:pPr/>
-              <a:t>6/10/2019</a:t>
+              <a:t>6/11/2019</a:t>
             </a:fld>
             <a:endParaRPr lang="en-US" dirty="0"/>
           </a:p>
@@ -1034,7 +1034,7 @@
             <a:fld id="{B61BEF0D-F0BB-DE4B-95CE-6DB70DBA9567}" type="datetimeFigureOut">
               <a:rPr lang="en-US" smtClean="0"/>
               <a:pPr/>
-              <a:t>6/10/2019</a:t>
+              <a:t>6/11/2019</a:t>
             </a:fld>
             <a:endParaRPr lang="en-US" dirty="0"/>
           </a:p>
@@ -1268,7 +1268,7 @@
             <a:fld id="{B61BEF0D-F0BB-DE4B-95CE-6DB70DBA9567}" type="datetimeFigureOut">
               <a:rPr lang="en-US" smtClean="0"/>
               <a:pPr/>
-              <a:t>6/10/2019</a:t>
+              <a:t>6/11/2019</a:t>
             </a:fld>
             <a:endParaRPr lang="en-US" dirty="0"/>
           </a:p>
@@ -1637,7 +1637,7 @@
             <a:fld id="{B61BEF0D-F0BB-DE4B-95CE-6DB70DBA9567}" type="datetimeFigureOut">
               <a:rPr lang="en-US" smtClean="0"/>
               <a:pPr/>
-              <a:t>6/10/2019</a:t>
+              <a:t>6/11/2019</a:t>
             </a:fld>
             <a:endParaRPr lang="en-US" dirty="0"/>
           </a:p>
@@ -1757,7 +1757,7 @@
             <a:fld id="{B61BEF0D-F0BB-DE4B-95CE-6DB70DBA9567}" type="datetimeFigureOut">
               <a:rPr lang="en-US" smtClean="0"/>
               <a:pPr/>
-              <a:t>6/10/2019</a:t>
+              <a:t>6/11/2019</a:t>
             </a:fld>
             <a:endParaRPr lang="en-US" dirty="0"/>
           </a:p>
@@ -1854,7 +1854,7 @@
             <a:fld id="{B61BEF0D-F0BB-DE4B-95CE-6DB70DBA9567}" type="datetimeFigureOut">
               <a:rPr lang="en-US" smtClean="0"/>
               <a:pPr/>
-              <a:t>6/10/2019</a:t>
+              <a:t>6/11/2019</a:t>
             </a:fld>
             <a:endParaRPr lang="en-US" dirty="0"/>
           </a:p>
@@ -2133,7 +2133,7 @@
             <a:fld id="{B61BEF0D-F0BB-DE4B-95CE-6DB70DBA9567}" type="datetimeFigureOut">
               <a:rPr lang="en-US" smtClean="0"/>
               <a:pPr/>
-              <a:t>6/10/2019</a:t>
+              <a:t>6/11/2019</a:t>
             </a:fld>
             <a:endParaRPr lang="en-US" dirty="0"/>
           </a:p>
@@ -2392,7 +2392,7 @@
             <a:fld id="{B61BEF0D-F0BB-DE4B-95CE-6DB70DBA9567}" type="datetimeFigureOut">
               <a:rPr lang="en-US" smtClean="0"/>
               <a:pPr/>
-              <a:t>6/10/2019</a:t>
+              <a:t>6/11/2019</a:t>
             </a:fld>
             <a:endParaRPr lang="en-US" dirty="0"/>
           </a:p>
@@ -2607,7 +2607,7 @@
             <a:fld id="{B61BEF0D-F0BB-DE4B-95CE-6DB70DBA9567}" type="datetimeFigureOut">
               <a:rPr lang="en-US" smtClean="0"/>
               <a:pPr/>
-              <a:t>6/10/2019</a:t>
+              <a:t>6/11/2019</a:t>
             </a:fld>
             <a:endParaRPr lang="en-US" dirty="0"/>
           </a:p>
@@ -7044,7 +7044,7 @@
         <p:spPr>
           <a:xfrm>
             <a:off x="411873" y="862459"/>
-            <a:ext cx="6281774" cy="5262979"/>
+            <a:ext cx="5935139" cy="5586145"/>
           </a:xfrm>
           <a:prstGeom prst="rect">
             <a:avLst/>
@@ -7082,37 +7082,7 @@
               <a:rPr lang="en-US" sz="1050" smtClean="0">
                 <a:latin typeface="Consolas" panose="020B0609020204030204" pitchFamily="49" charset="0"/>
               </a:rPr>
-              <a:t>credit_model &lt;- </a:t>
-            </a:r>
-            <a:r>
-              <a:rPr lang="en-US" sz="1050" smtClean="0">
-                <a:latin typeface="Consolas" panose="020B0609020204030204" pitchFamily="49" charset="0"/>
-              </a:rPr>
-              <a:t>randomForest(formula </a:t>
-            </a:r>
-            <a:r>
-              <a:rPr lang="en-US" sz="1050" smtClean="0">
-                <a:latin typeface="Consolas" panose="020B0609020204030204" pitchFamily="49" charset="0"/>
-              </a:rPr>
-              <a:t>= default ~ </a:t>
-            </a:r>
-            <a:r>
-              <a:rPr lang="en-US" sz="1050" smtClean="0">
-                <a:latin typeface="Consolas" panose="020B0609020204030204" pitchFamily="49" charset="0"/>
-              </a:rPr>
-              <a:t>., data </a:t>
-            </a:r>
-            <a:r>
-              <a:rPr lang="en-US" sz="1050" smtClean="0">
-                <a:latin typeface="Consolas" panose="020B0609020204030204" pitchFamily="49" charset="0"/>
-              </a:rPr>
-              <a:t>= </a:t>
-            </a:r>
-            <a:r>
-              <a:rPr lang="en-US" sz="1050" smtClean="0">
-                <a:latin typeface="Consolas" panose="020B0609020204030204" pitchFamily="49" charset="0"/>
-              </a:rPr>
-              <a:t>credit_train)</a:t>
+              <a:t>credit_model &lt;- randomForest(formula = default ~ ., data = credit_train)</a:t>
             </a:r>
           </a:p>
           <a:p>
@@ -7172,13 +7142,7 @@
               <a:rPr lang="en-US" sz="1050" smtClean="0">
                 <a:latin typeface="Consolas" panose="020B0609020204030204" pitchFamily="49" charset="0"/>
               </a:rPr>
-              <a:t>credit_pred </a:t>
-            </a:r>
-            <a:r>
-              <a:rPr lang="en-US" sz="1050" smtClean="0">
-                <a:latin typeface="Consolas" panose="020B0609020204030204" pitchFamily="49" charset="0"/>
-              </a:rPr>
-              <a:t>&lt;- predict(object = credit_model,</a:t>
+              <a:t>credit_pred &lt;- predict(object = credit_model,</a:t>
             </a:r>
           </a:p>
           <a:p>
@@ -7205,7 +7169,39 @@
               <a:rPr lang="en-US" sz="1050" smtClean="0">
                 <a:latin typeface="Consolas" panose="020B0609020204030204" pitchFamily="49" charset="0"/>
               </a:rPr>
-              <a:t>cm &lt;- confusionMatrix(data = class_prediction, reference = credit_test$default)</a:t>
+              <a:t>cm &lt;- confusionMatrix(data = </a:t>
+            </a:r>
+            <a:r>
+              <a:rPr lang="en-US" sz="1050" smtClean="0">
+                <a:latin typeface="Consolas" panose="020B0609020204030204" pitchFamily="49" charset="0"/>
+              </a:rPr>
+              <a:t>class_prediction,</a:t>
+            </a:r>
+          </a:p>
+          <a:p>
+            <a:r>
+              <a:rPr lang="en-US" sz="1050">
+                <a:latin typeface="Consolas" panose="020B0609020204030204" pitchFamily="49" charset="0"/>
+              </a:rPr>
+              <a:t>	</a:t>
+            </a:r>
+            <a:r>
+              <a:rPr lang="en-US" sz="1050" smtClean="0">
+                <a:latin typeface="Consolas" panose="020B0609020204030204" pitchFamily="49" charset="0"/>
+              </a:rPr>
+              <a:t>		    </a:t>
+            </a:r>
+            <a:r>
+              <a:rPr lang="en-US" sz="1050" smtClean="0">
+                <a:latin typeface="Consolas" panose="020B0609020204030204" pitchFamily="49" charset="0"/>
+              </a:rPr>
+              <a:t>reference </a:t>
+            </a:r>
+            <a:r>
+              <a:rPr lang="en-US" sz="1050" smtClean="0">
+                <a:latin typeface="Consolas" panose="020B0609020204030204" pitchFamily="49" charset="0"/>
+              </a:rPr>
+              <a:t>= credit_test$default)</a:t>
             </a:r>
             <a:endParaRPr lang="en-US" sz="1050">
               <a:latin typeface="Consolas" panose="020B0609020204030204" pitchFamily="49" charset="0"/>
@@ -7280,11 +7276,31 @@
               </a:rPr>
               <a:t>),</a:t>
             </a:r>
+          </a:p>
+          <a:p>
             <a:r>
               <a:rPr lang="en-US" sz="1050">
                 <a:latin typeface="Consolas" panose="020B0609020204030204" pitchFamily="49" charset="0"/>
               </a:rPr>
-              <a:t>	predict = pred[ , “yes</a:t>
+              <a:t>	</a:t>
+            </a:r>
+            <a:r>
+              <a:rPr lang="en-US" sz="1050" smtClean="0">
+                <a:latin typeface="Consolas" panose="020B0609020204030204" pitchFamily="49" charset="0"/>
+              </a:rPr>
+              <a:t>		  </a:t>
+            </a:r>
+            <a:r>
+              <a:rPr lang="en-US" sz="1050" smtClean="0">
+                <a:latin typeface="Consolas" panose="020B0609020204030204" pitchFamily="49" charset="0"/>
+              </a:rPr>
+              <a:t>predict </a:t>
+            </a:r>
+            <a:r>
+              <a:rPr lang="en-US" sz="1050">
+                <a:latin typeface="Consolas" panose="020B0609020204030204" pitchFamily="49" charset="0"/>
+              </a:rPr>
+              <a:t>= pred[ , “yes</a:t>
             </a:r>
             <a:r>
               <a:rPr lang="en-US" sz="1050" smtClean="0">
@@ -7450,7 +7466,7 @@
                 </a:solidFill>
                 <a:sym typeface="Wingdings" panose="05000000000000000000" pitchFamily="2" charset="2"/>
               </a:rPr>
-              <a:t> </a:t>
+              <a:t> r</a:t>
             </a:r>
             <a:r>
               <a:rPr lang="en-US" sz="1000" b="1" smtClean="0">
@@ -7459,27 +7475,9 @@
                     <a:lumMod val="75000"/>
                   </a:schemeClr>
                 </a:solidFill>
-                <a:sym typeface="Wingdings" panose="05000000000000000000" pitchFamily="2" charset="2"/>
-              </a:rPr>
-              <a:t>r</a:t>
-            </a:r>
-            <a:r>
-              <a:rPr lang="en-US" sz="1000" b="1" smtClean="0">
-                <a:solidFill>
-                  <a:schemeClr val="accent2">
-                    <a:lumMod val="75000"/>
-                  </a:schemeClr>
-                </a:solidFill>
               </a:rPr>
               <a:t>andomForest, caret</a:t>
             </a:r>
-            <a:endParaRPr lang="en-US" sz="1000" b="1" smtClean="0">
-              <a:solidFill>
-                <a:schemeClr val="accent2">
-                  <a:lumMod val="75000"/>
-                </a:schemeClr>
-              </a:solidFill>
-            </a:endParaRPr>
           </a:p>
         </p:txBody>
       </p:sp>
@@ -7649,13 +7647,6 @@
               </a:rPr>
               <a:t>OOB (out-of-bag error)</a:t>
             </a:r>
-            <a:endParaRPr lang="en-US" sz="1000" b="1" smtClean="0">
-              <a:solidFill>
-                <a:schemeClr val="accent2">
-                  <a:lumMod val="75000"/>
-                </a:schemeClr>
-              </a:solidFill>
-            </a:endParaRPr>
           </a:p>
         </p:txBody>
       </p:sp>
@@ -7735,8 +7726,8 @@
         </p:nvSpPr>
         <p:spPr>
           <a:xfrm>
-            <a:off x="4972964" y="5669185"/>
-            <a:ext cx="3877055" cy="533654"/>
+            <a:off x="2689412" y="6380811"/>
+            <a:ext cx="4806360" cy="409759"/>
           </a:xfrm>
         </p:spPr>
         <p:txBody>
@@ -7758,13 +7749,6 @@
               </a:rPr>
               <a:t>Note: if you want to evaluate the model based on AUC instead of error (accuracy), then this is not the best way to tune a model, as the selection only considers OOB error.</a:t>
             </a:r>
-            <a:endParaRPr lang="en-US" sz="1000" b="1" smtClean="0">
-              <a:solidFill>
-                <a:schemeClr val="accent2">
-                  <a:lumMod val="75000"/>
-                </a:schemeClr>
-              </a:solidFill>
-            </a:endParaRPr>
           </a:p>
         </p:txBody>
       </p:sp>
@@ -7775,8 +7759,8 @@
           <p:nvPr/>
         </p:nvSpPr>
         <p:spPr>
-          <a:xfrm rot="10800000">
-            <a:off x="4728785" y="5707733"/>
+          <a:xfrm rot="13086595">
+            <a:off x="4710858" y="6156208"/>
             <a:ext cx="285474" cy="152796"/>
           </a:xfrm>
           <a:prstGeom prst="rightArrow">
@@ -7805,6 +7789,280 @@
           <a:p>
             <a:pPr algn="ctr"/>
             <a:endParaRPr lang="en-US"/>
+          </a:p>
+        </p:txBody>
+      </p:sp>
+      <p:sp>
+        <p:nvSpPr>
+          <p:cNvPr id="14" name="TextBox 13">
+            <a:extLst>
+              <a:ext uri="{FF2B5EF4-FFF2-40B4-BE49-F238E27FC236}">
+                <a16:creationId xmlns:a16="http://schemas.microsoft.com/office/drawing/2014/main" id="{8FA4E600-36BF-419F-B739-8B99F6702248}"/>
+              </a:ext>
+            </a:extLst>
+          </p:cNvPr>
+          <p:cNvSpPr txBox="1"/>
+          <p:nvPr/>
+        </p:nvSpPr>
+        <p:spPr>
+          <a:xfrm>
+            <a:off x="5331012" y="3512750"/>
+            <a:ext cx="3602680" cy="2800767"/>
+          </a:xfrm>
+          <a:prstGeom prst="rect">
+            <a:avLst/>
+          </a:prstGeom>
+          <a:noFill/>
+        </p:spPr>
+        <p:txBody>
+          <a:bodyPr wrap="square" rtlCol="0">
+            <a:spAutoFit/>
+          </a:bodyPr>
+          <a:lstStyle/>
+          <a:p>
+            <a:r>
+              <a:rPr lang="en-US" sz="800" smtClean="0">
+                <a:latin typeface="Consolas" panose="020B0609020204030204" pitchFamily="49" charset="0"/>
+              </a:rPr>
+              <a:t>mtry &lt;- seq(4, ncol(credit_train) * 0.8, 2)</a:t>
+            </a:r>
+            <a:endParaRPr lang="en-US" sz="800" smtClean="0">
+              <a:latin typeface="Consolas" panose="020B0609020204030204" pitchFamily="49" charset="0"/>
+            </a:endParaRPr>
+          </a:p>
+          <a:p>
+            <a:r>
+              <a:rPr lang="en-US" sz="800" smtClean="0">
+                <a:latin typeface="Consolas" panose="020B0609020204030204" pitchFamily="49" charset="0"/>
+              </a:rPr>
+              <a:t>nodesize &lt;- seq(3, 8, 2)</a:t>
+            </a:r>
+          </a:p>
+          <a:p>
+            <a:r>
+              <a:rPr lang="en-US" sz="800" smtClean="0">
+                <a:latin typeface="Consolas" panose="020B0609020204030204" pitchFamily="49" charset="0"/>
+              </a:rPr>
+              <a:t>sampsize &lt;- nrow(credit_train) * c(0.7, 0.8)</a:t>
+            </a:r>
+            <a:endParaRPr lang="en-US" sz="800" smtClean="0">
+              <a:latin typeface="Consolas" panose="020B0609020204030204" pitchFamily="49" charset="0"/>
+            </a:endParaRPr>
+          </a:p>
+          <a:p>
+            <a:endParaRPr lang="en-US" sz="800">
+              <a:latin typeface="Consolas" panose="020B0609020204030204" pitchFamily="49" charset="0"/>
+            </a:endParaRPr>
+          </a:p>
+          <a:p>
+            <a:r>
+              <a:rPr lang="en-US" sz="800" smtClean="0">
+                <a:latin typeface="Consolas" panose="020B0609020204030204" pitchFamily="49" charset="0"/>
+              </a:rPr>
+              <a:t>hp_grid &lt;- expand.grid(mtry = mtry,</a:t>
+            </a:r>
+          </a:p>
+          <a:p>
+            <a:r>
+              <a:rPr lang="en-US" sz="800">
+                <a:latin typeface="Consolas" panose="020B0609020204030204" pitchFamily="49" charset="0"/>
+              </a:rPr>
+              <a:t>	</a:t>
+            </a:r>
+            <a:r>
+              <a:rPr lang="en-US" sz="800" smtClean="0">
+                <a:latin typeface="Consolas" panose="020B0609020204030204" pitchFamily="49" charset="0"/>
+              </a:rPr>
+              <a:t>		  </a:t>
+            </a:r>
+            <a:r>
+              <a:rPr lang="en-US" sz="800" smtClean="0">
+                <a:latin typeface="Consolas" panose="020B0609020204030204" pitchFamily="49" charset="0"/>
+              </a:rPr>
+              <a:t>nodesize = nodesize,</a:t>
+            </a:r>
+          </a:p>
+          <a:p>
+            <a:r>
+              <a:rPr lang="en-US" sz="800">
+                <a:latin typeface="Consolas" panose="020B0609020204030204" pitchFamily="49" charset="0"/>
+              </a:rPr>
+              <a:t>	</a:t>
+            </a:r>
+            <a:r>
+              <a:rPr lang="en-US" sz="800" smtClean="0">
+                <a:latin typeface="Consolas" panose="020B0609020204030204" pitchFamily="49" charset="0"/>
+              </a:rPr>
+              <a:t>		  </a:t>
+            </a:r>
+            <a:r>
+              <a:rPr lang="en-US" sz="800" smtClean="0">
+                <a:latin typeface="Consolas" panose="020B0609020204030204" pitchFamily="49" charset="0"/>
+              </a:rPr>
+              <a:t>sampsize = sampsize)</a:t>
+            </a:r>
+            <a:endParaRPr lang="en-US" sz="800" smtClean="0">
+              <a:latin typeface="Consolas" panose="020B0609020204030204" pitchFamily="49" charset="0"/>
+            </a:endParaRPr>
+          </a:p>
+          <a:p>
+            <a:endParaRPr lang="en-US" sz="800">
+              <a:latin typeface="Consolas" panose="020B0609020204030204" pitchFamily="49" charset="0"/>
+            </a:endParaRPr>
+          </a:p>
+          <a:p>
+            <a:r>
+              <a:rPr lang="en-US" sz="800" smtClean="0">
+                <a:latin typeface="Consolas" panose="020B0609020204030204" pitchFamily="49" charset="0"/>
+              </a:rPr>
+              <a:t>for (i in 1:nrow(hp_grid) {</a:t>
+            </a:r>
+          </a:p>
+          <a:p>
+            <a:endParaRPr lang="en-US" sz="800" smtClean="0">
+              <a:latin typeface="Consolas" panose="020B0609020204030204" pitchFamily="49" charset="0"/>
+            </a:endParaRPr>
+          </a:p>
+          <a:p>
+            <a:r>
+              <a:rPr lang="en-US" sz="800" smtClean="0">
+                <a:latin typeface="Consolas" panose="020B0609020204030204" pitchFamily="49" charset="0"/>
+              </a:rPr>
+              <a:t>    model &lt;- randomForest(formula = default ~.,</a:t>
+            </a:r>
+          </a:p>
+          <a:p>
+            <a:r>
+              <a:rPr lang="en-US" sz="800">
+                <a:latin typeface="Consolas" panose="020B0609020204030204" pitchFamily="49" charset="0"/>
+              </a:rPr>
+              <a:t>	</a:t>
+            </a:r>
+            <a:r>
+              <a:rPr lang="en-US" sz="800" smtClean="0">
+                <a:latin typeface="Consolas" panose="020B0609020204030204" pitchFamily="49" charset="0"/>
+              </a:rPr>
+              <a:t>		 data = credit_train,</a:t>
+            </a:r>
+          </a:p>
+          <a:p>
+            <a:r>
+              <a:rPr lang="en-US" sz="800">
+                <a:latin typeface="Consolas" panose="020B0609020204030204" pitchFamily="49" charset="0"/>
+              </a:rPr>
+              <a:t>	</a:t>
+            </a:r>
+            <a:r>
+              <a:rPr lang="en-US" sz="800" smtClean="0">
+                <a:latin typeface="Consolas" panose="020B0609020204030204" pitchFamily="49" charset="0"/>
+              </a:rPr>
+              <a:t>		 mtry = hp_grid$mtry[i],</a:t>
+            </a:r>
+          </a:p>
+          <a:p>
+            <a:r>
+              <a:rPr lang="en-US" sz="800">
+                <a:latin typeface="Consolas" panose="020B0609020204030204" pitchFamily="49" charset="0"/>
+              </a:rPr>
+              <a:t>	</a:t>
+            </a:r>
+            <a:r>
+              <a:rPr lang="en-US" sz="800" smtClean="0">
+                <a:latin typeface="Consolas" panose="020B0609020204030204" pitchFamily="49" charset="0"/>
+              </a:rPr>
+              <a:t>		 nodesize = hp_grid$nodesize[i],</a:t>
+            </a:r>
+          </a:p>
+          <a:p>
+            <a:r>
+              <a:rPr lang="en-US" sz="800">
+                <a:latin typeface="Consolas" panose="020B0609020204030204" pitchFamily="49" charset="0"/>
+              </a:rPr>
+              <a:t>	</a:t>
+            </a:r>
+            <a:r>
+              <a:rPr lang="en-US" sz="800" smtClean="0">
+                <a:latin typeface="Consolas" panose="020B0609020204030204" pitchFamily="49" charset="0"/>
+              </a:rPr>
+              <a:t>		 </a:t>
+            </a:r>
+            <a:r>
+              <a:rPr lang="en-US" sz="800">
+                <a:latin typeface="Consolas" panose="020B0609020204030204" pitchFamily="49" charset="0"/>
+              </a:rPr>
+              <a:t>sampsize</a:t>
+            </a:r>
+            <a:r>
+              <a:rPr lang="en-US" sz="800" smtClean="0">
+                <a:latin typeface="Consolas" panose="020B0609020204030204" pitchFamily="49" charset="0"/>
+              </a:rPr>
+              <a:t> </a:t>
+            </a:r>
+            <a:r>
+              <a:rPr lang="en-US" sz="800">
+                <a:latin typeface="Consolas" panose="020B0609020204030204" pitchFamily="49" charset="0"/>
+              </a:rPr>
+              <a:t>= </a:t>
+            </a:r>
+            <a:r>
+              <a:rPr lang="en-US" sz="800" smtClean="0">
+                <a:latin typeface="Consolas" panose="020B0609020204030204" pitchFamily="49" charset="0"/>
+              </a:rPr>
+              <a:t>hp_grid$sampsize[i])</a:t>
+            </a:r>
+          </a:p>
+          <a:p>
+            <a:endParaRPr lang="en-US" sz="800">
+              <a:latin typeface="Consolas" panose="020B0609020204030204" pitchFamily="49" charset="0"/>
+            </a:endParaRPr>
+          </a:p>
+          <a:p>
+            <a:r>
+              <a:rPr lang="en-US" sz="800">
+                <a:latin typeface="Consolas" panose="020B0609020204030204" pitchFamily="49" charset="0"/>
+              </a:rPr>
+              <a:t> </a:t>
+            </a:r>
+            <a:r>
+              <a:rPr lang="en-US" sz="800" smtClean="0">
+                <a:latin typeface="Consolas" panose="020B0609020204030204" pitchFamily="49" charset="0"/>
+              </a:rPr>
+              <a:t>   obb_err[i] &lt;- model$err.rate[nrow(model$err.rate), “OOB”]</a:t>
+            </a:r>
+          </a:p>
+          <a:p>
+            <a:endParaRPr lang="en-US" sz="800" smtClean="0">
+              <a:latin typeface="Consolas" panose="020B0609020204030204" pitchFamily="49" charset="0"/>
+            </a:endParaRPr>
+          </a:p>
+          <a:p>
+            <a:r>
+              <a:rPr lang="en-US" sz="800" smtClean="0">
+                <a:latin typeface="Consolas" panose="020B0609020204030204" pitchFamily="49" charset="0"/>
+              </a:rPr>
+              <a:t>}</a:t>
+            </a:r>
+          </a:p>
+          <a:p>
+            <a:endParaRPr lang="en-US" sz="800">
+              <a:latin typeface="Consolas" panose="020B0609020204030204" pitchFamily="49" charset="0"/>
+            </a:endParaRPr>
+          </a:p>
+          <a:p>
+            <a:r>
+              <a:rPr lang="en-US" sz="800" smtClean="0">
+                <a:latin typeface="Consolas" panose="020B0609020204030204" pitchFamily="49" charset="0"/>
+              </a:rPr>
+              <a:t>opt_i &lt;- which.min(obb_err)</a:t>
+            </a:r>
+          </a:p>
+          <a:p>
+            <a:r>
+              <a:rPr lang="en-US" sz="800" smtClean="0">
+                <a:latin typeface="Consolas" panose="020B0609020204030204" pitchFamily="49" charset="0"/>
+              </a:rPr>
+              <a:t>print(hp_grid[opt_i, ])</a:t>
+            </a:r>
           </a:p>
         </p:txBody>
       </p:sp>

--- a/Track - Machine Learning/Tree-Based-Models-in-R/Tree-Based Model in R.pptx
+++ b/Track - Machine Learning/Tree-Based-Models-in-R/Tree-Based Model in R.pptx
@@ -13,6 +13,7 @@
     <p:sldId id="266" r:id="rId7"/>
     <p:sldId id="267" r:id="rId8"/>
     <p:sldId id="268" r:id="rId9"/>
+    <p:sldId id="269" r:id="rId10"/>
   </p:sldIdLst>
   <p:sldSz cx="9144000" cy="6858000" type="screen4x3"/>
   <p:notesSz cx="7010400" cy="9296400"/>
@@ -172,7 +173,7 @@
           </a:lstStyle>
           <a:p>
             <a:r>
-              <a:rPr lang="en-US" smtClean="0"/>
+              <a:rPr lang="en-US"/>
               <a:t>Click to edit Master title style</a:t>
             </a:r>
             <a:endParaRPr lang="en-US" dirty="0"/>
@@ -237,7 +238,7 @@
           </a:lstStyle>
           <a:p>
             <a:r>
-              <a:rPr lang="en-US" smtClean="0"/>
+              <a:rPr lang="en-US"/>
               <a:t>Click to edit Master subtitle style</a:t>
             </a:r>
             <a:endParaRPr lang="en-US" dirty="0"/>
@@ -262,7 +263,7 @@
             <a:fld id="{B61BEF0D-F0BB-DE4B-95CE-6DB70DBA9567}" type="datetimeFigureOut">
               <a:rPr lang="en-US" smtClean="0"/>
               <a:pPr/>
-              <a:t>6/11/2019</a:t>
+              <a:t>6/12/2019</a:t>
             </a:fld>
             <a:endParaRPr lang="en-US" dirty="0"/>
           </a:p>
@@ -357,7 +358,7 @@
           <a:lstStyle/>
           <a:p>
             <a:r>
-              <a:rPr lang="en-US" smtClean="0"/>
+              <a:rPr lang="en-US"/>
               <a:t>Click to edit Master title style</a:t>
             </a:r>
             <a:endParaRPr lang="en-US" dirty="0"/>
@@ -381,35 +382,35 @@
           <a:p>
             <a:pPr lvl="0"/>
             <a:r>
-              <a:rPr lang="en-US" smtClean="0"/>
+              <a:rPr lang="en-US"/>
               <a:t>Edit Master text styles</a:t>
             </a:r>
           </a:p>
           <a:p>
             <a:pPr lvl="1"/>
             <a:r>
-              <a:rPr lang="en-US" smtClean="0"/>
+              <a:rPr lang="en-US"/>
               <a:t>Second level</a:t>
             </a:r>
           </a:p>
           <a:p>
             <a:pPr lvl="2"/>
             <a:r>
-              <a:rPr lang="en-US" smtClean="0"/>
+              <a:rPr lang="en-US"/>
               <a:t>Third level</a:t>
             </a:r>
           </a:p>
           <a:p>
             <a:pPr lvl="3"/>
             <a:r>
-              <a:rPr lang="en-US" smtClean="0"/>
+              <a:rPr lang="en-US"/>
               <a:t>Fourth level</a:t>
             </a:r>
           </a:p>
           <a:p>
             <a:pPr lvl="4"/>
             <a:r>
-              <a:rPr lang="en-US" smtClean="0"/>
+              <a:rPr lang="en-US"/>
               <a:t>Fifth level</a:t>
             </a:r>
             <a:endParaRPr lang="en-US" dirty="0"/>
@@ -434,7 +435,7 @@
             <a:fld id="{B61BEF0D-F0BB-DE4B-95CE-6DB70DBA9567}" type="datetimeFigureOut">
               <a:rPr lang="en-US" smtClean="0"/>
               <a:pPr/>
-              <a:t>6/11/2019</a:t>
+              <a:t>6/12/2019</a:t>
             </a:fld>
             <a:endParaRPr lang="en-US" dirty="0"/>
           </a:p>
@@ -534,7 +535,7 @@
           <a:lstStyle/>
           <a:p>
             <a:r>
-              <a:rPr lang="en-US" smtClean="0"/>
+              <a:rPr lang="en-US"/>
               <a:t>Click to edit Master title style</a:t>
             </a:r>
             <a:endParaRPr lang="en-US" dirty="0"/>
@@ -563,35 +564,35 @@
           <a:p>
             <a:pPr lvl="0"/>
             <a:r>
-              <a:rPr lang="en-US" smtClean="0"/>
+              <a:rPr lang="en-US"/>
               <a:t>Edit Master text styles</a:t>
             </a:r>
           </a:p>
           <a:p>
             <a:pPr lvl="1"/>
             <a:r>
-              <a:rPr lang="en-US" smtClean="0"/>
+              <a:rPr lang="en-US"/>
               <a:t>Second level</a:t>
             </a:r>
           </a:p>
           <a:p>
             <a:pPr lvl="2"/>
             <a:r>
-              <a:rPr lang="en-US" smtClean="0"/>
+              <a:rPr lang="en-US"/>
               <a:t>Third level</a:t>
             </a:r>
           </a:p>
           <a:p>
             <a:pPr lvl="3"/>
             <a:r>
-              <a:rPr lang="en-US" smtClean="0"/>
+              <a:rPr lang="en-US"/>
               <a:t>Fourth level</a:t>
             </a:r>
           </a:p>
           <a:p>
             <a:pPr lvl="4"/>
             <a:r>
-              <a:rPr lang="en-US" smtClean="0"/>
+              <a:rPr lang="en-US"/>
               <a:t>Fifth level</a:t>
             </a:r>
             <a:endParaRPr lang="en-US" dirty="0"/>
@@ -616,7 +617,7 @@
             <a:fld id="{B61BEF0D-F0BB-DE4B-95CE-6DB70DBA9567}" type="datetimeFigureOut">
               <a:rPr lang="en-US" smtClean="0"/>
               <a:pPr/>
-              <a:t>6/11/2019</a:t>
+              <a:t>6/12/2019</a:t>
             </a:fld>
             <a:endParaRPr lang="en-US" dirty="0"/>
           </a:p>
@@ -711,7 +712,7 @@
           <a:lstStyle/>
           <a:p>
             <a:r>
-              <a:rPr lang="en-US" smtClean="0"/>
+              <a:rPr lang="en-US"/>
               <a:t>Click to edit Master title style</a:t>
             </a:r>
             <a:endParaRPr lang="en-US" dirty="0"/>
@@ -735,35 +736,35 @@
           <a:p>
             <a:pPr lvl="0"/>
             <a:r>
-              <a:rPr lang="en-US" smtClean="0"/>
+              <a:rPr lang="en-US"/>
               <a:t>Edit Master text styles</a:t>
             </a:r>
           </a:p>
           <a:p>
             <a:pPr lvl="1"/>
             <a:r>
-              <a:rPr lang="en-US" smtClean="0"/>
+              <a:rPr lang="en-US"/>
               <a:t>Second level</a:t>
             </a:r>
           </a:p>
           <a:p>
             <a:pPr lvl="2"/>
             <a:r>
-              <a:rPr lang="en-US" smtClean="0"/>
+              <a:rPr lang="en-US"/>
               <a:t>Third level</a:t>
             </a:r>
           </a:p>
           <a:p>
             <a:pPr lvl="3"/>
             <a:r>
-              <a:rPr lang="en-US" smtClean="0"/>
+              <a:rPr lang="en-US"/>
               <a:t>Fourth level</a:t>
             </a:r>
           </a:p>
           <a:p>
             <a:pPr lvl="4"/>
             <a:r>
-              <a:rPr lang="en-US" smtClean="0"/>
+              <a:rPr lang="en-US"/>
               <a:t>Fifth level</a:t>
             </a:r>
             <a:endParaRPr lang="en-US" dirty="0"/>
@@ -788,7 +789,7 @@
             <a:fld id="{B61BEF0D-F0BB-DE4B-95CE-6DB70DBA9567}" type="datetimeFigureOut">
               <a:rPr lang="en-US" smtClean="0"/>
               <a:pPr/>
-              <a:t>6/11/2019</a:t>
+              <a:t>6/12/2019</a:t>
             </a:fld>
             <a:endParaRPr lang="en-US" dirty="0"/>
           </a:p>
@@ -892,7 +893,7 @@
           </a:lstStyle>
           <a:p>
             <a:r>
-              <a:rPr lang="en-US" smtClean="0"/>
+              <a:rPr lang="en-US"/>
               <a:t>Click to edit Master title style</a:t>
             </a:r>
             <a:endParaRPr lang="en-US" dirty="0"/>
@@ -1010,7 +1011,7 @@
           <a:p>
             <a:pPr lvl="0"/>
             <a:r>
-              <a:rPr lang="en-US" smtClean="0"/>
+              <a:rPr lang="en-US"/>
               <a:t>Edit Master text styles</a:t>
             </a:r>
           </a:p>
@@ -1034,7 +1035,7 @@
             <a:fld id="{B61BEF0D-F0BB-DE4B-95CE-6DB70DBA9567}" type="datetimeFigureOut">
               <a:rPr lang="en-US" smtClean="0"/>
               <a:pPr/>
-              <a:t>6/11/2019</a:t>
+              <a:t>6/12/2019</a:t>
             </a:fld>
             <a:endParaRPr lang="en-US" dirty="0"/>
           </a:p>
@@ -1129,7 +1130,7 @@
           <a:lstStyle/>
           <a:p>
             <a:r>
-              <a:rPr lang="en-US" smtClean="0"/>
+              <a:rPr lang="en-US"/>
               <a:t>Click to edit Master title style</a:t>
             </a:r>
             <a:endParaRPr lang="en-US" dirty="0"/>
@@ -1158,35 +1159,35 @@
           <a:p>
             <a:pPr lvl="0"/>
             <a:r>
-              <a:rPr lang="en-US" smtClean="0"/>
+              <a:rPr lang="en-US"/>
               <a:t>Edit Master text styles</a:t>
             </a:r>
           </a:p>
           <a:p>
             <a:pPr lvl="1"/>
             <a:r>
-              <a:rPr lang="en-US" smtClean="0"/>
+              <a:rPr lang="en-US"/>
               <a:t>Second level</a:t>
             </a:r>
           </a:p>
           <a:p>
             <a:pPr lvl="2"/>
             <a:r>
-              <a:rPr lang="en-US" smtClean="0"/>
+              <a:rPr lang="en-US"/>
               <a:t>Third level</a:t>
             </a:r>
           </a:p>
           <a:p>
             <a:pPr lvl="3"/>
             <a:r>
-              <a:rPr lang="en-US" smtClean="0"/>
+              <a:rPr lang="en-US"/>
               <a:t>Fourth level</a:t>
             </a:r>
           </a:p>
           <a:p>
             <a:pPr lvl="4"/>
             <a:r>
-              <a:rPr lang="en-US" smtClean="0"/>
+              <a:rPr lang="en-US"/>
               <a:t>Fifth level</a:t>
             </a:r>
             <a:endParaRPr lang="en-US" dirty="0"/>
@@ -1215,35 +1216,35 @@
           <a:p>
             <a:pPr lvl="0"/>
             <a:r>
-              <a:rPr lang="en-US" smtClean="0"/>
+              <a:rPr lang="en-US"/>
               <a:t>Edit Master text styles</a:t>
             </a:r>
           </a:p>
           <a:p>
             <a:pPr lvl="1"/>
             <a:r>
-              <a:rPr lang="en-US" smtClean="0"/>
+              <a:rPr lang="en-US"/>
               <a:t>Second level</a:t>
             </a:r>
           </a:p>
           <a:p>
             <a:pPr lvl="2"/>
             <a:r>
-              <a:rPr lang="en-US" smtClean="0"/>
+              <a:rPr lang="en-US"/>
               <a:t>Third level</a:t>
             </a:r>
           </a:p>
           <a:p>
             <a:pPr lvl="3"/>
             <a:r>
-              <a:rPr lang="en-US" smtClean="0"/>
+              <a:rPr lang="en-US"/>
               <a:t>Fourth level</a:t>
             </a:r>
           </a:p>
           <a:p>
             <a:pPr lvl="4"/>
             <a:r>
-              <a:rPr lang="en-US" smtClean="0"/>
+              <a:rPr lang="en-US"/>
               <a:t>Fifth level</a:t>
             </a:r>
             <a:endParaRPr lang="en-US" dirty="0"/>
@@ -1268,7 +1269,7 @@
             <a:fld id="{B61BEF0D-F0BB-DE4B-95CE-6DB70DBA9567}" type="datetimeFigureOut">
               <a:rPr lang="en-US" smtClean="0"/>
               <a:pPr/>
-              <a:t>6/11/2019</a:t>
+              <a:t>6/12/2019</a:t>
             </a:fld>
             <a:endParaRPr lang="en-US" dirty="0"/>
           </a:p>
@@ -1368,7 +1369,7 @@
           <a:lstStyle/>
           <a:p>
             <a:r>
-              <a:rPr lang="en-US" smtClean="0"/>
+              <a:rPr lang="en-US"/>
               <a:t>Click to edit Master title style</a:t>
             </a:r>
             <a:endParaRPr lang="en-US" dirty="0"/>
@@ -1434,7 +1435,7 @@
           <a:p>
             <a:pPr lvl="0"/>
             <a:r>
-              <a:rPr lang="en-US" smtClean="0"/>
+              <a:rPr lang="en-US"/>
               <a:t>Edit Master text styles</a:t>
             </a:r>
           </a:p>
@@ -1462,35 +1463,35 @@
           <a:p>
             <a:pPr lvl="0"/>
             <a:r>
-              <a:rPr lang="en-US" smtClean="0"/>
+              <a:rPr lang="en-US"/>
               <a:t>Edit Master text styles</a:t>
             </a:r>
           </a:p>
           <a:p>
             <a:pPr lvl="1"/>
             <a:r>
-              <a:rPr lang="en-US" smtClean="0"/>
+              <a:rPr lang="en-US"/>
               <a:t>Second level</a:t>
             </a:r>
           </a:p>
           <a:p>
             <a:pPr lvl="2"/>
             <a:r>
-              <a:rPr lang="en-US" smtClean="0"/>
+              <a:rPr lang="en-US"/>
               <a:t>Third level</a:t>
             </a:r>
           </a:p>
           <a:p>
             <a:pPr lvl="3"/>
             <a:r>
-              <a:rPr lang="en-US" smtClean="0"/>
+              <a:rPr lang="en-US"/>
               <a:t>Fourth level</a:t>
             </a:r>
           </a:p>
           <a:p>
             <a:pPr lvl="4"/>
             <a:r>
-              <a:rPr lang="en-US" smtClean="0"/>
+              <a:rPr lang="en-US"/>
               <a:t>Fifth level</a:t>
             </a:r>
             <a:endParaRPr lang="en-US" dirty="0"/>
@@ -1556,7 +1557,7 @@
           <a:p>
             <a:pPr lvl="0"/>
             <a:r>
-              <a:rPr lang="en-US" smtClean="0"/>
+              <a:rPr lang="en-US"/>
               <a:t>Edit Master text styles</a:t>
             </a:r>
           </a:p>
@@ -1584,35 +1585,35 @@
           <a:p>
             <a:pPr lvl="0"/>
             <a:r>
-              <a:rPr lang="en-US" smtClean="0"/>
+              <a:rPr lang="en-US"/>
               <a:t>Edit Master text styles</a:t>
             </a:r>
           </a:p>
           <a:p>
             <a:pPr lvl="1"/>
             <a:r>
-              <a:rPr lang="en-US" smtClean="0"/>
+              <a:rPr lang="en-US"/>
               <a:t>Second level</a:t>
             </a:r>
           </a:p>
           <a:p>
             <a:pPr lvl="2"/>
             <a:r>
-              <a:rPr lang="en-US" smtClean="0"/>
+              <a:rPr lang="en-US"/>
               <a:t>Third level</a:t>
             </a:r>
           </a:p>
           <a:p>
             <a:pPr lvl="3"/>
             <a:r>
-              <a:rPr lang="en-US" smtClean="0"/>
+              <a:rPr lang="en-US"/>
               <a:t>Fourth level</a:t>
             </a:r>
           </a:p>
           <a:p>
             <a:pPr lvl="4"/>
             <a:r>
-              <a:rPr lang="en-US" smtClean="0"/>
+              <a:rPr lang="en-US"/>
               <a:t>Fifth level</a:t>
             </a:r>
             <a:endParaRPr lang="en-US" dirty="0"/>
@@ -1637,7 +1638,7 @@
             <a:fld id="{B61BEF0D-F0BB-DE4B-95CE-6DB70DBA9567}" type="datetimeFigureOut">
               <a:rPr lang="en-US" smtClean="0"/>
               <a:pPr/>
-              <a:t>6/11/2019</a:t>
+              <a:t>6/12/2019</a:t>
             </a:fld>
             <a:endParaRPr lang="en-US" dirty="0"/>
           </a:p>
@@ -1732,7 +1733,7 @@
           <a:lstStyle/>
           <a:p>
             <a:r>
-              <a:rPr lang="en-US" smtClean="0"/>
+              <a:rPr lang="en-US"/>
               <a:t>Click to edit Master title style</a:t>
             </a:r>
             <a:endParaRPr lang="en-US" dirty="0"/>
@@ -1757,7 +1758,7 @@
             <a:fld id="{B61BEF0D-F0BB-DE4B-95CE-6DB70DBA9567}" type="datetimeFigureOut">
               <a:rPr lang="en-US" smtClean="0"/>
               <a:pPr/>
-              <a:t>6/11/2019</a:t>
+              <a:t>6/12/2019</a:t>
             </a:fld>
             <a:endParaRPr lang="en-US" dirty="0"/>
           </a:p>
@@ -1854,7 +1855,7 @@
             <a:fld id="{B61BEF0D-F0BB-DE4B-95CE-6DB70DBA9567}" type="datetimeFigureOut">
               <a:rPr lang="en-US" smtClean="0"/>
               <a:pPr/>
-              <a:t>6/11/2019</a:t>
+              <a:t>6/12/2019</a:t>
             </a:fld>
             <a:endParaRPr lang="en-US" dirty="0"/>
           </a:p>
@@ -1958,7 +1959,7 @@
           </a:lstStyle>
           <a:p>
             <a:r>
-              <a:rPr lang="en-US" smtClean="0"/>
+              <a:rPr lang="en-US"/>
               <a:t>Click to edit Master title style</a:t>
             </a:r>
             <a:endParaRPr lang="en-US" dirty="0"/>
@@ -2015,35 +2016,35 @@
           <a:p>
             <a:pPr lvl="0"/>
             <a:r>
-              <a:rPr lang="en-US" smtClean="0"/>
+              <a:rPr lang="en-US"/>
               <a:t>Edit Master text styles</a:t>
             </a:r>
           </a:p>
           <a:p>
             <a:pPr lvl="1"/>
             <a:r>
-              <a:rPr lang="en-US" smtClean="0"/>
+              <a:rPr lang="en-US"/>
               <a:t>Second level</a:t>
             </a:r>
           </a:p>
           <a:p>
             <a:pPr lvl="2"/>
             <a:r>
-              <a:rPr lang="en-US" smtClean="0"/>
+              <a:rPr lang="en-US"/>
               <a:t>Third level</a:t>
             </a:r>
           </a:p>
           <a:p>
             <a:pPr lvl="3"/>
             <a:r>
-              <a:rPr lang="en-US" smtClean="0"/>
+              <a:rPr lang="en-US"/>
               <a:t>Fourth level</a:t>
             </a:r>
           </a:p>
           <a:p>
             <a:pPr lvl="4"/>
             <a:r>
-              <a:rPr lang="en-US" smtClean="0"/>
+              <a:rPr lang="en-US"/>
               <a:t>Fifth level</a:t>
             </a:r>
             <a:endParaRPr lang="en-US" dirty="0"/>
@@ -2109,7 +2110,7 @@
           <a:p>
             <a:pPr lvl="0"/>
             <a:r>
-              <a:rPr lang="en-US" smtClean="0"/>
+              <a:rPr lang="en-US"/>
               <a:t>Edit Master text styles</a:t>
             </a:r>
           </a:p>
@@ -2133,7 +2134,7 @@
             <a:fld id="{B61BEF0D-F0BB-DE4B-95CE-6DB70DBA9567}" type="datetimeFigureOut">
               <a:rPr lang="en-US" smtClean="0"/>
               <a:pPr/>
-              <a:t>6/11/2019</a:t>
+              <a:t>6/12/2019</a:t>
             </a:fld>
             <a:endParaRPr lang="en-US" dirty="0"/>
           </a:p>
@@ -2237,7 +2238,7 @@
           </a:lstStyle>
           <a:p>
             <a:r>
-              <a:rPr lang="en-US" smtClean="0"/>
+              <a:rPr lang="en-US"/>
               <a:t>Click to edit Master title style</a:t>
             </a:r>
             <a:endParaRPr lang="en-US" dirty="0"/>
@@ -2302,7 +2303,7 @@
           </a:lstStyle>
           <a:p>
             <a:r>
-              <a:rPr lang="en-US" smtClean="0"/>
+              <a:rPr lang="en-US"/>
               <a:t>Click icon to add picture</a:t>
             </a:r>
             <a:endParaRPr lang="en-US" dirty="0"/>
@@ -2368,7 +2369,7 @@
           <a:p>
             <a:pPr lvl="0"/>
             <a:r>
-              <a:rPr lang="en-US" smtClean="0"/>
+              <a:rPr lang="en-US"/>
               <a:t>Edit Master text styles</a:t>
             </a:r>
           </a:p>
@@ -2392,7 +2393,7 @@
             <a:fld id="{B61BEF0D-F0BB-DE4B-95CE-6DB70DBA9567}" type="datetimeFigureOut">
               <a:rPr lang="en-US" smtClean="0"/>
               <a:pPr/>
-              <a:t>6/11/2019</a:t>
+              <a:t>6/12/2019</a:t>
             </a:fld>
             <a:endParaRPr lang="en-US" dirty="0"/>
           </a:p>
@@ -2502,7 +2503,7 @@
           <a:lstStyle/>
           <a:p>
             <a:r>
-              <a:rPr lang="en-US" smtClean="0"/>
+              <a:rPr lang="en-US"/>
               <a:t>Click to edit Master title style</a:t>
             </a:r>
             <a:endParaRPr lang="en-US" dirty="0"/>
@@ -2536,35 +2537,35 @@
           <a:p>
             <a:pPr lvl="0"/>
             <a:r>
-              <a:rPr lang="en-US" smtClean="0"/>
+              <a:rPr lang="en-US"/>
               <a:t>Edit Master text styles</a:t>
             </a:r>
           </a:p>
           <a:p>
             <a:pPr lvl="1"/>
             <a:r>
-              <a:rPr lang="en-US" smtClean="0"/>
+              <a:rPr lang="en-US"/>
               <a:t>Second level</a:t>
             </a:r>
           </a:p>
           <a:p>
             <a:pPr lvl="2"/>
             <a:r>
-              <a:rPr lang="en-US" smtClean="0"/>
+              <a:rPr lang="en-US"/>
               <a:t>Third level</a:t>
             </a:r>
           </a:p>
           <a:p>
             <a:pPr lvl="3"/>
             <a:r>
-              <a:rPr lang="en-US" smtClean="0"/>
+              <a:rPr lang="en-US"/>
               <a:t>Fourth level</a:t>
             </a:r>
           </a:p>
           <a:p>
             <a:pPr lvl="4"/>
             <a:r>
-              <a:rPr lang="en-US" smtClean="0"/>
+              <a:rPr lang="en-US"/>
               <a:t>Fifth level</a:t>
             </a:r>
             <a:endParaRPr lang="en-US" dirty="0"/>
@@ -2607,7 +2608,7 @@
             <a:fld id="{B61BEF0D-F0BB-DE4B-95CE-6DB70DBA9567}" type="datetimeFigureOut">
               <a:rPr lang="en-US" smtClean="0"/>
               <a:pPr/>
-              <a:t>6/11/2019</a:t>
+              <a:t>6/12/2019</a:t>
             </a:fld>
             <a:endParaRPr lang="en-US" dirty="0"/>
           </a:p>
@@ -3067,7 +3068,7 @@
           <a:lstStyle/>
           <a:p>
             <a:r>
-              <a:rPr lang="en-US" smtClean="0"/>
+              <a:rPr lang="en-US"/>
               <a:t>Tree-Based Models in </a:t>
             </a:r>
             <a:r>
@@ -3171,7 +3172,7 @@
               <a:buAutoNum type="arabicPeriod"/>
             </a:pPr>
             <a:r>
-              <a:rPr lang="en-US" sz="1350" smtClean="0"/>
+              <a:rPr lang="en-US" sz="1350"/>
               <a:t>Classification Trees</a:t>
             </a:r>
             <a:endParaRPr lang="en-US" sz="1350" dirty="0"/>
@@ -3182,7 +3183,7 @@
               <a:buChar char="Ø"/>
             </a:pPr>
             <a:r>
-              <a:rPr lang="en-US" sz="1050" smtClean="0"/>
+              <a:rPr lang="en-US" sz="1050"/>
               <a:t>Welcome to the course!</a:t>
             </a:r>
             <a:endParaRPr lang="en-US" sz="1050" dirty="0"/>
@@ -3193,7 +3194,7 @@
               <a:buChar char="Ø"/>
             </a:pPr>
             <a:r>
-              <a:rPr lang="en-US" sz="1050" smtClean="0"/>
+              <a:rPr lang="en-US" sz="1050"/>
               <a:t>Build a classification tree</a:t>
             </a:r>
             <a:endParaRPr lang="en-US" sz="1050" dirty="0"/>
@@ -3204,7 +3205,7 @@
               <a:buChar char="Ø"/>
             </a:pPr>
             <a:r>
-              <a:rPr lang="en-US" sz="1050" smtClean="0"/>
+              <a:rPr lang="en-US" sz="1050"/>
               <a:t>Introduction to classification trees</a:t>
             </a:r>
             <a:endParaRPr lang="en-US" sz="1050" dirty="0"/>
@@ -3215,7 +3216,7 @@
               <a:buChar char="Ø"/>
             </a:pPr>
             <a:r>
-              <a:rPr lang="en-US" sz="1050" smtClean="0"/>
+              <a:rPr lang="en-US" sz="1050"/>
               <a:t>Advantages of tree-based methods</a:t>
             </a:r>
             <a:endParaRPr lang="en-US" sz="1050" dirty="0"/>
@@ -3226,7 +3227,7 @@
               <a:buChar char="Ø"/>
             </a:pPr>
             <a:r>
-              <a:rPr lang="en-US" sz="1050" smtClean="0"/>
+              <a:rPr lang="en-US" sz="1050"/>
               <a:t>Prediction with a classification tree</a:t>
             </a:r>
             <a:endParaRPr lang="en-US" sz="1050" dirty="0"/>
@@ -3237,7 +3238,7 @@
               <a:buChar char="Ø"/>
             </a:pPr>
             <a:r>
-              <a:rPr lang="en-US" sz="1050" smtClean="0"/>
+              <a:rPr lang="en-US" sz="1050"/>
               <a:t>Overview of the modeling process</a:t>
             </a:r>
             <a:endParaRPr lang="en-US" sz="1050" dirty="0"/>
@@ -3248,7 +3249,7 @@
               <a:buChar char="Ø"/>
             </a:pPr>
             <a:r>
-              <a:rPr lang="en-US" sz="1050" smtClean="0"/>
+              <a:rPr lang="en-US" sz="1050"/>
               <a:t>Train / test split</a:t>
             </a:r>
             <a:endParaRPr lang="en-US" sz="1050" dirty="0"/>
@@ -3259,7 +3260,7 @@
               <a:buChar char="Ø"/>
             </a:pPr>
             <a:r>
-              <a:rPr lang="en-US" sz="1050" smtClean="0"/>
+              <a:rPr lang="en-US" sz="1050"/>
               <a:t>Train a classification tree model</a:t>
             </a:r>
             <a:endParaRPr lang="en-US" sz="1050" dirty="0"/>
@@ -3270,7 +3271,7 @@
               <a:buChar char="Ø"/>
             </a:pPr>
             <a:r>
-              <a:rPr lang="en-US" sz="1050" smtClean="0"/>
+              <a:rPr lang="en-US" sz="1050"/>
               <a:t>Evaluating classification model performance</a:t>
             </a:r>
             <a:endParaRPr lang="en-US" sz="1050" dirty="0"/>
@@ -3281,7 +3282,7 @@
               <a:buChar char="Ø"/>
             </a:pPr>
             <a:r>
-              <a:rPr lang="en-US" sz="1050" smtClean="0"/>
+              <a:rPr lang="en-US" sz="1050"/>
               <a:t>Compute confusion matrix</a:t>
             </a:r>
             <a:endParaRPr lang="en-US" sz="1050" dirty="0"/>
@@ -3292,7 +3293,7 @@
               <a:buChar char="Ø"/>
             </a:pPr>
             <a:r>
-              <a:rPr lang="en-US" sz="1050" smtClean="0"/>
+              <a:rPr lang="en-US" sz="1050"/>
               <a:t>Splitting criterion in trees</a:t>
             </a:r>
             <a:endParaRPr lang="en-US" sz="1050" dirty="0"/>
@@ -3303,7 +3304,7 @@
               <a:buChar char="Ø"/>
             </a:pPr>
             <a:r>
-              <a:rPr lang="en-US" sz="1050" smtClean="0"/>
+              <a:rPr lang="en-US" sz="1050"/>
               <a:t>Compare models with a different splitting criterion</a:t>
             </a:r>
           </a:p>
@@ -3313,10 +3314,9 @@
               <a:buAutoNum type="arabicPeriod"/>
             </a:pPr>
             <a:r>
-              <a:rPr lang="en-US" sz="1350" smtClean="0"/>
+              <a:rPr lang="en-US" sz="1350"/>
               <a:t>Regression Trees</a:t>
             </a:r>
-            <a:endParaRPr lang="en-US" sz="1350"/>
           </a:p>
           <a:p>
             <a:pPr lvl="1">
@@ -3324,10 +3324,9 @@
               <a:buChar char="Ø"/>
             </a:pPr>
             <a:r>
-              <a:rPr lang="en-US" sz="1050" smtClean="0"/>
+              <a:rPr lang="en-US" sz="1050"/>
               <a:t>Introduction to regression trees</a:t>
             </a:r>
-            <a:endParaRPr lang="en-US" sz="1050"/>
           </a:p>
           <a:p>
             <a:pPr lvl="1">
@@ -3335,10 +3334,9 @@
               <a:buChar char="Ø"/>
             </a:pPr>
             <a:r>
-              <a:rPr lang="en-US" sz="1050" smtClean="0"/>
+              <a:rPr lang="en-US" sz="1050"/>
               <a:t>Classification versus regression</a:t>
             </a:r>
-            <a:endParaRPr lang="en-US" sz="1050"/>
           </a:p>
           <a:p>
             <a:pPr lvl="1">
@@ -3346,10 +3344,9 @@
               <a:buChar char="Ø"/>
             </a:pPr>
             <a:r>
-              <a:rPr lang="en-US" sz="1050" smtClean="0"/>
+              <a:rPr lang="en-US" sz="1050"/>
               <a:t>Split the data</a:t>
             </a:r>
-            <a:endParaRPr lang="en-US" sz="1050"/>
           </a:p>
           <a:p>
             <a:pPr lvl="1">
@@ -3357,10 +3354,9 @@
               <a:buChar char="Ø"/>
             </a:pPr>
             <a:r>
-              <a:rPr lang="en-US" sz="1050" smtClean="0"/>
+              <a:rPr lang="en-US" sz="1050"/>
               <a:t>Train a regression tree model</a:t>
             </a:r>
-            <a:endParaRPr lang="en-US" sz="1050"/>
           </a:p>
           <a:p>
             <a:pPr lvl="1">
@@ -3368,10 +3364,9 @@
               <a:buChar char="Ø"/>
             </a:pPr>
             <a:r>
-              <a:rPr lang="en-US" sz="1050" smtClean="0"/>
+              <a:rPr lang="en-US" sz="1050"/>
               <a:t>Performance metrics for regression</a:t>
             </a:r>
-            <a:endParaRPr lang="en-US" sz="1050"/>
           </a:p>
           <a:p>
             <a:pPr lvl="1">
@@ -3379,10 +3374,9 @@
               <a:buChar char="Ø"/>
             </a:pPr>
             <a:r>
-              <a:rPr lang="en-US" sz="1050" smtClean="0"/>
+              <a:rPr lang="en-US" sz="1050"/>
               <a:t>Evaluate a regression tree model</a:t>
             </a:r>
-            <a:endParaRPr lang="en-US" sz="1050"/>
           </a:p>
           <a:p>
             <a:pPr lvl="1">
@@ -3390,10 +3384,9 @@
               <a:buChar char="Ø"/>
             </a:pPr>
             <a:r>
-              <a:rPr lang="en-US" sz="1050" smtClean="0"/>
+              <a:rPr lang="en-US" sz="1050"/>
               <a:t>What are the hyperparameters for a decision tree?</a:t>
             </a:r>
-            <a:endParaRPr lang="en-US" sz="1050"/>
           </a:p>
           <a:p>
             <a:pPr lvl="1">
@@ -3401,10 +3394,9 @@
               <a:buChar char="Ø"/>
             </a:pPr>
             <a:r>
-              <a:rPr lang="en-US" sz="1050" smtClean="0"/>
+              <a:rPr lang="en-US" sz="1050"/>
               <a:t>Tuning the model</a:t>
             </a:r>
-            <a:endParaRPr lang="en-US" sz="1050"/>
           </a:p>
           <a:p>
             <a:pPr lvl="1">
@@ -3412,10 +3404,9 @@
               <a:buChar char="Ø"/>
             </a:pPr>
             <a:r>
-              <a:rPr lang="en-US" sz="1050" smtClean="0"/>
+              <a:rPr lang="en-US" sz="1050"/>
               <a:t>Grid search for model selection</a:t>
             </a:r>
-            <a:endParaRPr lang="en-US" sz="1050"/>
           </a:p>
           <a:p>
             <a:pPr lvl="1">
@@ -3423,10 +3414,9 @@
               <a:buChar char="Ø"/>
             </a:pPr>
             <a:r>
-              <a:rPr lang="en-US" sz="1050" smtClean="0"/>
+              <a:rPr lang="en-US" sz="1050"/>
               <a:t>Generate a grid of hyperparameter values</a:t>
             </a:r>
-            <a:endParaRPr lang="en-US" sz="1050"/>
           </a:p>
           <a:p>
             <a:pPr lvl="1">
@@ -3434,10 +3424,9 @@
               <a:buChar char="Ø"/>
             </a:pPr>
             <a:r>
-              <a:rPr lang="en-US" sz="1050" smtClean="0"/>
+              <a:rPr lang="en-US" sz="1050"/>
               <a:t>Generate a grid of models</a:t>
             </a:r>
-            <a:endParaRPr lang="en-US" sz="1050"/>
           </a:p>
           <a:p>
             <a:pPr lvl="1">
@@ -3445,7 +3434,7 @@
               <a:buChar char="Ø"/>
             </a:pPr>
             <a:r>
-              <a:rPr lang="en-US" sz="1050" smtClean="0"/>
+              <a:rPr lang="en-US" sz="1050"/>
               <a:t>Evaluate the grid</a:t>
             </a:r>
             <a:endParaRPr lang="en-US" sz="1450" dirty="0"/>
@@ -3470,7 +3459,7 @@
         </p:spPr>
         <p:txBody>
           <a:bodyPr>
-            <a:normAutofit lnSpcReduction="10000"/>
+            <a:normAutofit/>
           </a:bodyPr>
           <a:lstStyle/>
           <a:p>
@@ -3479,7 +3468,7 @@
               <a:buAutoNum type="arabicPeriod" startAt="3"/>
             </a:pPr>
             <a:r>
-              <a:rPr lang="en-US" sz="1350" smtClean="0"/>
+              <a:rPr lang="en-US" sz="1350"/>
               <a:t>Bagged Trees</a:t>
             </a:r>
             <a:endParaRPr lang="en-US" sz="1350" dirty="0"/>
@@ -3490,7 +3479,7 @@
               <a:buChar char="Ø"/>
             </a:pPr>
             <a:r>
-              <a:rPr lang="en-US" sz="1050" smtClean="0"/>
+              <a:rPr lang="en-US" sz="1050"/>
               <a:t>Introduction to bagged trees</a:t>
             </a:r>
             <a:endParaRPr lang="en-US" sz="1050" dirty="0"/>
@@ -3501,7 +3490,7 @@
               <a:buChar char="Ø"/>
             </a:pPr>
             <a:r>
-              <a:rPr lang="en-US" sz="1050" smtClean="0"/>
+              <a:rPr lang="en-US" sz="1050"/>
               <a:t>Advantages of bagged trees</a:t>
             </a:r>
             <a:endParaRPr lang="en-US" sz="1050" dirty="0"/>
@@ -3512,7 +3501,7 @@
               <a:buChar char="Ø"/>
             </a:pPr>
             <a:r>
-              <a:rPr lang="en-US" sz="1050" smtClean="0"/>
+              <a:rPr lang="en-US" sz="1050"/>
               <a:t>Train a bagged tree model</a:t>
             </a:r>
             <a:endParaRPr lang="en-US" sz="1050" dirty="0"/>
@@ -3523,7 +3512,7 @@
               <a:buChar char="Ø"/>
             </a:pPr>
             <a:r>
-              <a:rPr lang="en-US" sz="1050" smtClean="0"/>
+              <a:rPr lang="en-US" sz="1050"/>
               <a:t>Evaluating the bagged tree performance</a:t>
             </a:r>
             <a:endParaRPr lang="en-US" sz="1050" dirty="0"/>
@@ -3534,7 +3523,7 @@
               <a:buChar char="Ø"/>
             </a:pPr>
             <a:r>
-              <a:rPr lang="en-US" sz="1050" smtClean="0"/>
+              <a:rPr lang="en-US" sz="1050"/>
               <a:t>Prediction and confusion matrix</a:t>
             </a:r>
             <a:endParaRPr lang="en-US" sz="1050" dirty="0"/>
@@ -3545,7 +3534,7 @@
               <a:buChar char="Ø"/>
             </a:pPr>
             <a:r>
-              <a:rPr lang="en-US" sz="1050" smtClean="0"/>
+              <a:rPr lang="en-US" sz="1050"/>
               <a:t>Predict on a test set and compute AUC</a:t>
             </a:r>
             <a:endParaRPr lang="en-US" sz="1050" dirty="0"/>
@@ -3556,7 +3545,7 @@
               <a:buChar char="Ø"/>
             </a:pPr>
             <a:r>
-              <a:rPr lang="en-US" sz="1050" smtClean="0"/>
+              <a:rPr lang="en-US" sz="1050"/>
               <a:t>Using caret for cross-validating models</a:t>
             </a:r>
             <a:endParaRPr lang="en-US" sz="1050" dirty="0"/>
@@ -3567,7 +3556,7 @@
               <a:buChar char="Ø"/>
             </a:pPr>
             <a:r>
-              <a:rPr lang="en-US" sz="1050" smtClean="0"/>
+              <a:rPr lang="en-US" sz="1050"/>
               <a:t>Cross-validate a bagged tree model in caret</a:t>
             </a:r>
             <a:endParaRPr lang="en-US" sz="1050" dirty="0"/>
@@ -3578,7 +3567,7 @@
               <a:buChar char="Ø"/>
             </a:pPr>
             <a:r>
-              <a:rPr lang="en-US" sz="1050" smtClean="0"/>
+              <a:rPr lang="en-US" sz="1050"/>
               <a:t>Generate predictions from the caret model</a:t>
             </a:r>
             <a:endParaRPr lang="en-US" sz="1050" dirty="0"/>
@@ -3589,7 +3578,7 @@
               <a:buChar char="Ø"/>
             </a:pPr>
             <a:r>
-              <a:rPr lang="en-US" sz="1050" smtClean="0"/>
+              <a:rPr lang="en-US" sz="1050"/>
               <a:t>Compare test set performance to CV performance</a:t>
             </a:r>
           </a:p>
@@ -3599,10 +3588,9 @@
               <a:buAutoNum type="arabicPeriod" startAt="3"/>
             </a:pPr>
             <a:r>
-              <a:rPr lang="en-US" sz="1350" smtClean="0"/>
+              <a:rPr lang="en-US" sz="1350"/>
               <a:t>Random Forests</a:t>
             </a:r>
-            <a:endParaRPr lang="en-US" sz="1350"/>
           </a:p>
           <a:p>
             <a:pPr lvl="1">
@@ -3611,13 +3599,8 @@
             </a:pPr>
             <a:r>
               <a:rPr lang="en-US" sz="1050"/>
-              <a:t>Introduction to </a:t>
-            </a:r>
-            <a:r>
-              <a:rPr lang="en-US" sz="1050" smtClean="0"/>
-              <a:t>random forest</a:t>
-            </a:r>
-            <a:endParaRPr lang="en-US" sz="1050"/>
+              <a:t>Introduction to random forest</a:t>
+            </a:r>
           </a:p>
           <a:p>
             <a:pPr lvl="1">
@@ -3625,10 +3608,9 @@
               <a:buChar char="Ø"/>
             </a:pPr>
             <a:r>
-              <a:rPr lang="en-US" sz="1050" smtClean="0"/>
+              <a:rPr lang="en-US" sz="1050"/>
               <a:t>Bagged trees versus random forest</a:t>
             </a:r>
-            <a:endParaRPr lang="en-US" sz="1050"/>
           </a:p>
           <a:p>
             <a:pPr lvl="1">
@@ -3636,10 +3618,9 @@
               <a:buChar char="Ø"/>
             </a:pPr>
             <a:r>
-              <a:rPr lang="en-US" sz="1050" smtClean="0"/>
+              <a:rPr lang="en-US" sz="1050"/>
               <a:t>Train a random forest model</a:t>
             </a:r>
-            <a:endParaRPr lang="en-US" sz="1050"/>
           </a:p>
           <a:p>
             <a:pPr lvl="1">
@@ -3647,10 +3628,9 @@
               <a:buChar char="Ø"/>
             </a:pPr>
             <a:r>
-              <a:rPr lang="en-US" sz="1050" smtClean="0"/>
+              <a:rPr lang="en-US" sz="1050"/>
               <a:t>Understanding random forest model output</a:t>
             </a:r>
-            <a:endParaRPr lang="en-US" sz="1050"/>
           </a:p>
           <a:p>
             <a:pPr lvl="1">
@@ -3658,10 +3638,9 @@
               <a:buChar char="Ø"/>
             </a:pPr>
             <a:r>
-              <a:rPr lang="en-US" sz="1050" smtClean="0"/>
+              <a:rPr lang="en-US" sz="1050"/>
               <a:t>Evaluate out-of-bag error</a:t>
             </a:r>
-            <a:endParaRPr lang="en-US" sz="1050"/>
           </a:p>
           <a:p>
             <a:pPr lvl="1">
@@ -3669,10 +3648,9 @@
               <a:buChar char="Ø"/>
             </a:pPr>
             <a:r>
-              <a:rPr lang="en-US" sz="1050" smtClean="0"/>
+              <a:rPr lang="en-US" sz="1050"/>
               <a:t>Evaluate model performance on a test set</a:t>
             </a:r>
-            <a:endParaRPr lang="en-US" sz="1050"/>
           </a:p>
           <a:p>
             <a:pPr lvl="1">
@@ -3680,10 +3658,9 @@
               <a:buChar char="Ø"/>
             </a:pPr>
             <a:r>
-              <a:rPr lang="en-US" sz="1050" smtClean="0"/>
+              <a:rPr lang="en-US" sz="1050"/>
               <a:t>OOB error versus test set error</a:t>
             </a:r>
-            <a:endParaRPr lang="en-US" sz="1050"/>
           </a:p>
           <a:p>
             <a:pPr lvl="1">
@@ -3691,10 +3668,9 @@
               <a:buChar char="Ø"/>
             </a:pPr>
             <a:r>
-              <a:rPr lang="en-US" sz="1050" smtClean="0"/>
+              <a:rPr lang="en-US" sz="1050"/>
               <a:t>Advantage of OOB error</a:t>
             </a:r>
-            <a:endParaRPr lang="en-US" sz="1050"/>
           </a:p>
           <a:p>
             <a:pPr lvl="1">
@@ -3702,7 +3678,7 @@
               <a:buChar char="Ø"/>
             </a:pPr>
             <a:r>
-              <a:rPr lang="en-US" sz="1050" smtClean="0"/>
+              <a:rPr lang="en-US" sz="1050"/>
               <a:t>Evaluate test set AUC</a:t>
             </a:r>
           </a:p>
@@ -3712,7 +3688,7 @@
               <a:buChar char="Ø"/>
             </a:pPr>
             <a:r>
-              <a:rPr lang="en-US" sz="1050" smtClean="0"/>
+              <a:rPr lang="en-US" sz="1050"/>
               <a:t>Tuning a random forest model</a:t>
             </a:r>
           </a:p>
@@ -3722,7 +3698,7 @@
               <a:buChar char="Ø"/>
             </a:pPr>
             <a:r>
-              <a:rPr lang="en-US" sz="1050" smtClean="0"/>
+              <a:rPr lang="en-US" sz="1050"/>
               <a:t>Tuning a random forest via mtry</a:t>
             </a:r>
           </a:p>
@@ -3732,10 +3708,9 @@
               <a:buChar char="Ø"/>
             </a:pPr>
             <a:r>
-              <a:rPr lang="en-US" sz="1050" smtClean="0"/>
+              <a:rPr lang="en-US" sz="1050"/>
               <a:t>Tuning a random forest via tree depth</a:t>
             </a:r>
-            <a:endParaRPr lang="en-US" sz="1050"/>
           </a:p>
           <a:p>
             <a:pPr lvl="1">
@@ -3834,7 +3809,7 @@
               <a:buAutoNum type="arabicPeriod" startAt="5"/>
             </a:pPr>
             <a:r>
-              <a:rPr lang="en-US" sz="1350" smtClean="0"/>
+              <a:rPr lang="en-US" sz="1350"/>
               <a:t>Boosted Trees</a:t>
             </a:r>
             <a:endParaRPr lang="en-US" sz="1350" dirty="0"/>
@@ -3845,7 +3820,7 @@
               <a:buChar char="Ø"/>
             </a:pPr>
             <a:r>
-              <a:rPr lang="en-US" sz="1050" smtClean="0"/>
+              <a:rPr lang="en-US" sz="1050"/>
               <a:t>Introduction to boosting</a:t>
             </a:r>
             <a:endParaRPr lang="en-US" sz="1050" dirty="0"/>
@@ -3856,7 +3831,7 @@
               <a:buChar char="Ø"/>
             </a:pPr>
             <a:r>
-              <a:rPr lang="en-US" sz="1050" smtClean="0"/>
+              <a:rPr lang="en-US" sz="1050"/>
               <a:t>Bagged trees versus boosted trees</a:t>
             </a:r>
             <a:endParaRPr lang="en-US" sz="1050" dirty="0"/>
@@ -3867,7 +3842,7 @@
               <a:buChar char="Ø"/>
             </a:pPr>
             <a:r>
-              <a:rPr lang="en-US" sz="1050" smtClean="0"/>
+              <a:rPr lang="en-US" sz="1050"/>
               <a:t>Train a GBM model</a:t>
             </a:r>
             <a:endParaRPr lang="en-US" sz="1050" dirty="0"/>
@@ -3878,7 +3853,7 @@
               <a:buChar char="Ø"/>
             </a:pPr>
             <a:r>
-              <a:rPr lang="en-US" sz="1050" smtClean="0"/>
+              <a:rPr lang="en-US" sz="1050"/>
               <a:t>Understanding GBM model output</a:t>
             </a:r>
             <a:endParaRPr lang="en-US" sz="1050" dirty="0"/>
@@ -3889,7 +3864,7 @@
               <a:buChar char="Ø"/>
             </a:pPr>
             <a:r>
-              <a:rPr lang="en-US" sz="1050" smtClean="0"/>
+              <a:rPr lang="en-US" sz="1050"/>
               <a:t>Prediction using a GBM model</a:t>
             </a:r>
             <a:endParaRPr lang="en-US" sz="1050" dirty="0"/>
@@ -3900,7 +3875,7 @@
               <a:buChar char="Ø"/>
             </a:pPr>
             <a:r>
-              <a:rPr lang="en-US" sz="1050" smtClean="0"/>
+              <a:rPr lang="en-US" sz="1050"/>
               <a:t>Evaluate test set AUC</a:t>
             </a:r>
             <a:endParaRPr lang="en-US" sz="1050" dirty="0"/>
@@ -3911,7 +3886,7 @@
               <a:buChar char="Ø"/>
             </a:pPr>
             <a:r>
-              <a:rPr lang="en-US" sz="1050" smtClean="0"/>
+              <a:rPr lang="en-US" sz="1050"/>
               <a:t>GBM hyperparameters</a:t>
             </a:r>
             <a:endParaRPr lang="en-US" sz="1050" dirty="0"/>
@@ -3922,7 +3897,7 @@
               <a:buChar char="Ø"/>
             </a:pPr>
             <a:r>
-              <a:rPr lang="en-US" sz="1050" smtClean="0"/>
+              <a:rPr lang="en-US" sz="1050"/>
               <a:t>Early stopping in GBMs</a:t>
             </a:r>
             <a:endParaRPr lang="en-US" sz="1050" dirty="0"/>
@@ -3933,7 +3908,7 @@
               <a:buChar char="Ø"/>
             </a:pPr>
             <a:r>
-              <a:rPr lang="en-US" sz="1050" smtClean="0"/>
+              <a:rPr lang="en-US" sz="1050"/>
               <a:t>OOB versus CV-based early stopping</a:t>
             </a:r>
             <a:endParaRPr lang="en-US" sz="1050" dirty="0"/>
@@ -3944,7 +3919,7 @@
               <a:buChar char="Ø"/>
             </a:pPr>
             <a:r>
-              <a:rPr lang="en-US" sz="1050" smtClean="0"/>
+              <a:rPr lang="en-US" sz="1050"/>
               <a:t>Model comparison via ROC curve and AUC</a:t>
             </a:r>
             <a:endParaRPr lang="en-US" sz="1050" dirty="0"/>
@@ -3955,7 +3930,7 @@
               <a:buChar char="Ø"/>
             </a:pPr>
             <a:r>
-              <a:rPr lang="en-US" sz="1050" smtClean="0"/>
+              <a:rPr lang="en-US" sz="1050"/>
               <a:t>Compare all models based on AUC</a:t>
             </a:r>
             <a:endParaRPr lang="en-US" sz="1050" dirty="0"/>
@@ -3966,7 +3941,7 @@
               <a:buChar char="Ø"/>
             </a:pPr>
             <a:r>
-              <a:rPr lang="en-US" sz="1050" smtClean="0"/>
+              <a:rPr lang="en-US" sz="1050"/>
               <a:t>Plot and compare ROC curves</a:t>
             </a:r>
           </a:p>
@@ -4031,7 +4006,7 @@
           <a:lstStyle/>
           <a:p>
             <a:r>
-              <a:rPr lang="en-US" sz="1050" smtClean="0">
+              <a:rPr lang="en-US" sz="1050">
                 <a:latin typeface="Consolas" panose="020B0609020204030204" pitchFamily="49" charset="0"/>
               </a:rPr>
               <a:t>credit_model &lt;- rpart(formula = default ~ .,</a:t>
@@ -4042,13 +4017,7 @@
               <a:rPr lang="en-US" sz="1050">
                 <a:latin typeface="Consolas" panose="020B0609020204030204" pitchFamily="49" charset="0"/>
               </a:rPr>
-              <a:t>	</a:t>
-            </a:r>
-            <a:r>
-              <a:rPr lang="en-US" sz="1050" smtClean="0">
-                <a:latin typeface="Consolas" panose="020B0609020204030204" pitchFamily="49" charset="0"/>
-              </a:rPr>
-              <a:t>		   data = creditsub_train,</a:t>
+              <a:t>			   data = creditsub_train,</a:t>
             </a:r>
           </a:p>
           <a:p>
@@ -4056,13 +4025,7 @@
               <a:rPr lang="en-US" sz="1050">
                 <a:latin typeface="Consolas" panose="020B0609020204030204" pitchFamily="49" charset="0"/>
               </a:rPr>
-              <a:t>	</a:t>
-            </a:r>
-            <a:r>
-              <a:rPr lang="en-US" sz="1050" smtClean="0">
-                <a:latin typeface="Consolas" panose="020B0609020204030204" pitchFamily="49" charset="0"/>
-              </a:rPr>
-              <a:t>		   method = “class”</a:t>
+              <a:t>			   method = “class”</a:t>
             </a:r>
           </a:p>
           <a:p>
@@ -4070,13 +4033,7 @@
               <a:rPr lang="en-US" sz="1050">
                 <a:latin typeface="Consolas" panose="020B0609020204030204" pitchFamily="49" charset="0"/>
               </a:rPr>
-              <a:t>	</a:t>
-            </a:r>
-            <a:r>
-              <a:rPr lang="en-US" sz="1050" smtClean="0">
-                <a:latin typeface="Consolas" panose="020B0609020204030204" pitchFamily="49" charset="0"/>
-              </a:rPr>
-              <a:t>		   parms = list(split = “gini”))</a:t>
+              <a:t>			   parms = list(split = “gini”))</a:t>
             </a:r>
           </a:p>
           <a:p>
@@ -4118,25 +4075,7 @@
               <a:rPr lang="en-US" sz="1050">
                 <a:latin typeface="Consolas" panose="020B0609020204030204" pitchFamily="49" charset="0"/>
               </a:rPr>
-              <a:t>confusionMatrix(data = </a:t>
-            </a:r>
-            <a:r>
-              <a:rPr lang="en-US" sz="1050" smtClean="0">
-                <a:latin typeface="Consolas" panose="020B0609020204030204" pitchFamily="49" charset="0"/>
-              </a:rPr>
-              <a:t>default_prediction, reference </a:t>
-            </a:r>
-            <a:r>
-              <a:rPr lang="en-US" sz="1050">
-                <a:latin typeface="Consolas" panose="020B0609020204030204" pitchFamily="49" charset="0"/>
-              </a:rPr>
-              <a:t>= creditsub_test$default</a:t>
-            </a:r>
-            <a:r>
-              <a:rPr lang="en-US" sz="1050" smtClean="0">
-                <a:latin typeface="Consolas" panose="020B0609020204030204" pitchFamily="49" charset="0"/>
-              </a:rPr>
-              <a:t>)</a:t>
+              <a:t>confusionMatrix(data = default_prediction, reference = creditsub_test$default)</a:t>
             </a:r>
           </a:p>
           <a:p>
@@ -4146,14 +4085,11 @@
           </a:p>
           <a:p>
             <a:r>
-              <a:rPr lang="en-US" sz="1050" smtClean="0">
+              <a:rPr lang="en-US" sz="1050">
                 <a:latin typeface="Consolas" panose="020B0609020204030204" pitchFamily="49" charset="0"/>
               </a:rPr>
               <a:t>ce(actual = creditsub_test$default, predicted = default_prediction)</a:t>
             </a:r>
-            <a:endParaRPr lang="en-US" sz="1050">
-              <a:latin typeface="Consolas" panose="020B0609020204030204" pitchFamily="49" charset="0"/>
-            </a:endParaRPr>
           </a:p>
         </p:txBody>
       </p:sp>
@@ -4183,7 +4119,7 @@
               <a:buNone/>
             </a:pPr>
             <a:r>
-              <a:rPr lang="en-US" sz="1050" b="1" smtClean="0">
+              <a:rPr lang="en-US" sz="1050" b="1">
                 <a:solidFill>
                   <a:schemeClr val="accent2">
                     <a:lumMod val="75000"/>
@@ -4236,7 +4172,7 @@
           <a:lstStyle/>
           <a:p>
             <a:r>
-              <a:rPr lang="en-US" sz="1050" smtClean="0">
+              <a:rPr lang="en-US" sz="1050">
                 <a:latin typeface="Consolas" panose="020B0609020204030204" pitchFamily="49" charset="0"/>
               </a:rPr>
               <a:t>credit_model &lt;- rpart(formula = default ~ .,</a:t>
@@ -4247,13 +4183,7 @@
               <a:rPr lang="en-US" sz="1050">
                 <a:latin typeface="Consolas" panose="020B0609020204030204" pitchFamily="49" charset="0"/>
               </a:rPr>
-              <a:t>	</a:t>
-            </a:r>
-            <a:r>
-              <a:rPr lang="en-US" sz="1050" smtClean="0">
-                <a:latin typeface="Consolas" panose="020B0609020204030204" pitchFamily="49" charset="0"/>
-              </a:rPr>
-              <a:t>		   data = creditsub,</a:t>
+              <a:t>			   data = creditsub,</a:t>
             </a:r>
           </a:p>
           <a:p>
@@ -4261,13 +4191,7 @@
               <a:rPr lang="en-US" sz="1050">
                 <a:latin typeface="Consolas" panose="020B0609020204030204" pitchFamily="49" charset="0"/>
               </a:rPr>
-              <a:t>	</a:t>
-            </a:r>
-            <a:r>
-              <a:rPr lang="en-US" sz="1050" smtClean="0">
-                <a:latin typeface="Consolas" panose="020B0609020204030204" pitchFamily="49" charset="0"/>
-              </a:rPr>
-              <a:t>		   method = “class”)</a:t>
+              <a:t>			   method = “class”)</a:t>
             </a:r>
           </a:p>
           <a:p>
@@ -4277,7 +4201,7 @@
           </a:p>
           <a:p>
             <a:r>
-              <a:rPr lang="en-US" sz="1050" smtClean="0">
+              <a:rPr lang="en-US" sz="1050">
                 <a:latin typeface="Consolas" panose="020B0609020204030204" pitchFamily="49" charset="0"/>
               </a:rPr>
               <a:t>rpart.plot(x = credit_model, yesno = 2, type = 0, extra = 0)</a:t>
@@ -4314,7 +4238,7 @@
               <a:buNone/>
             </a:pPr>
             <a:r>
-              <a:rPr lang="en-US" sz="1350" smtClean="0"/>
+              <a:rPr lang="en-US" sz="1350"/>
               <a:t>Advantage of Decision Trees</a:t>
             </a:r>
             <a:endParaRPr lang="en-US" sz="1350" dirty="0"/>
@@ -4325,7 +4249,7 @@
               <a:buChar char="Ø"/>
             </a:pPr>
             <a:r>
-              <a:rPr lang="en-US" sz="1000" smtClean="0"/>
+              <a:rPr lang="en-US" sz="1000"/>
               <a:t>Simple to understand, interpret, and visualize</a:t>
             </a:r>
           </a:p>
@@ -4335,7 +4259,7 @@
               <a:buChar char="Ø"/>
             </a:pPr>
             <a:r>
-              <a:rPr lang="en-US" sz="1000" smtClean="0"/>
+              <a:rPr lang="en-US" sz="1000"/>
               <a:t>Can handle both numerical and categorical features natively</a:t>
             </a:r>
           </a:p>
@@ -4345,7 +4269,7 @@
               <a:buChar char="Ø"/>
             </a:pPr>
             <a:r>
-              <a:rPr lang="en-US" sz="1000" smtClean="0"/>
+              <a:rPr lang="en-US" sz="1000"/>
               <a:t>Can handle missing data elegantly</a:t>
             </a:r>
           </a:p>
@@ -4355,7 +4279,7 @@
               <a:buChar char="Ø"/>
             </a:pPr>
             <a:r>
-              <a:rPr lang="en-US" sz="1000" smtClean="0"/>
+              <a:rPr lang="en-US" sz="1000"/>
               <a:t>Robust to outliers</a:t>
             </a:r>
           </a:p>
@@ -4365,7 +4289,7 @@
               <a:buChar char="Ø"/>
             </a:pPr>
             <a:r>
-              <a:rPr lang="en-US" sz="1000" smtClean="0"/>
+              <a:rPr lang="en-US" sz="1000"/>
               <a:t>Requires little data preparation</a:t>
             </a:r>
           </a:p>
@@ -4375,7 +4299,7 @@
               <a:buChar char="Ø"/>
             </a:pPr>
             <a:r>
-              <a:rPr lang="en-US" sz="1000" smtClean="0"/>
+              <a:rPr lang="en-US" sz="1000"/>
               <a:t>Can model non-linearity in the data</a:t>
             </a:r>
           </a:p>
@@ -4385,7 +4309,7 @@
               <a:buChar char="Ø"/>
             </a:pPr>
             <a:r>
-              <a:rPr lang="en-US" sz="1000" smtClean="0"/>
+              <a:rPr lang="en-US" sz="1000"/>
               <a:t>Can be trained quickly on large datasets</a:t>
             </a:r>
           </a:p>
@@ -4433,7 +4357,7 @@
               <a:buFont typeface="Wingdings" panose="05000000000000000000" pitchFamily="2" charset="2"/>
               <a:buChar char="Ø"/>
             </a:pPr>
-            <a:endParaRPr lang="en-US" sz="1050" smtClean="0"/>
+            <a:endParaRPr lang="en-US" sz="1050"/>
           </a:p>
         </p:txBody>
       </p:sp>
@@ -4466,7 +4390,7 @@
           <a:lstStyle/>
           <a:p>
             <a:r>
-              <a:rPr lang="en-US" sz="1050" smtClean="0">
+              <a:rPr lang="en-US" sz="1050">
                 <a:latin typeface="Consolas" panose="020B0609020204030204" pitchFamily="49" charset="0"/>
               </a:rPr>
               <a:t>n &lt;- nrow(creditsub)</a:t>
@@ -4479,7 +4403,7 @@
           </a:p>
           <a:p>
             <a:r>
-              <a:rPr lang="en-US" sz="1050" smtClean="0">
+              <a:rPr lang="en-US" sz="1050">
                 <a:latin typeface="Consolas" panose="020B0609020204030204" pitchFamily="49" charset="0"/>
               </a:rPr>
               <a:t>n_train &lt;- round(0.8 * n)</a:t>
@@ -4492,7 +4416,7 @@
           </a:p>
           <a:p>
             <a:r>
-              <a:rPr lang="en-US" sz="1050" smtClean="0">
+              <a:rPr lang="en-US" sz="1050">
                 <a:latin typeface="Consolas" panose="020B0609020204030204" pitchFamily="49" charset="0"/>
               </a:rPr>
               <a:t>set.seed(123)</a:t>
@@ -4505,7 +4429,7 @@
           </a:p>
           <a:p>
             <a:r>
-              <a:rPr lang="en-US" sz="1050" smtClean="0">
+              <a:rPr lang="en-US" sz="1050">
                 <a:latin typeface="Consolas" panose="020B0609020204030204" pitchFamily="49" charset="0"/>
               </a:rPr>
               <a:t>train_indices &lt;- sample(1:n, n_train)</a:t>
@@ -4518,7 +4442,7 @@
           </a:p>
           <a:p>
             <a:r>
-              <a:rPr lang="en-US" sz="1050" smtClean="0">
+              <a:rPr lang="en-US" sz="1050">
                 <a:latin typeface="Consolas" panose="020B0609020204030204" pitchFamily="49" charset="0"/>
               </a:rPr>
               <a:t>creditsub_train &lt;- creditsub[train_indices, ]</a:t>
@@ -4531,7 +4455,7 @@
           </a:p>
           <a:p>
             <a:r>
-              <a:rPr lang="en-US" sz="1050" smtClean="0">
+              <a:rPr lang="en-US" sz="1050">
                 <a:latin typeface="Consolas" panose="020B0609020204030204" pitchFamily="49" charset="0"/>
               </a:rPr>
               <a:t>creditsub_test &lt;- creditsub[-train_indices, ]</a:t>
@@ -4569,7 +4493,7 @@
           <a:p>
             <a:pPr algn="r"/>
             <a:r>
-              <a:rPr lang="en-US" sz="800" smtClean="0">
+              <a:rPr lang="en-US" sz="800">
                 <a:solidFill>
                   <a:schemeClr val="accent1">
                     <a:lumMod val="60000"/>
@@ -4618,7 +4542,7 @@
               <a:buNone/>
             </a:pPr>
             <a:r>
-              <a:rPr lang="en-US" sz="1000" b="1" smtClean="0">
+              <a:rPr lang="en-US" sz="1000" b="1">
                 <a:solidFill>
                   <a:schemeClr val="accent2">
                     <a:lumMod val="75000"/>
@@ -4628,7 +4552,7 @@
               <a:t>libraries </a:t>
             </a:r>
             <a:r>
-              <a:rPr lang="en-US" sz="1000" b="1" smtClean="0">
+              <a:rPr lang="en-US" sz="1000" b="1">
                 <a:solidFill>
                   <a:schemeClr val="accent2">
                     <a:lumMod val="75000"/>
@@ -4639,7 +4563,7 @@
               <a:t> </a:t>
             </a:r>
             <a:r>
-              <a:rPr lang="en-US" sz="1000" b="1" smtClean="0">
+              <a:rPr lang="en-US" sz="1000" b="1">
                 <a:solidFill>
                   <a:schemeClr val="accent2">
                     <a:lumMod val="75000"/>
@@ -4701,7 +4625,7 @@
               <a:buNone/>
             </a:pPr>
             <a:r>
-              <a:rPr lang="en-US" sz="1000" b="1" smtClean="0">
+              <a:rPr lang="en-US" sz="1000" b="1">
                 <a:solidFill>
                   <a:schemeClr val="accent2">
                     <a:lumMod val="75000"/>
@@ -4820,7 +4744,7 @@
               <a:buNone/>
             </a:pPr>
             <a:r>
-              <a:rPr lang="en-US" sz="1000" b="1" smtClean="0">
+              <a:rPr lang="en-US" sz="1000" b="1">
                 <a:solidFill>
                   <a:schemeClr val="accent2">
                     <a:lumMod val="75000"/>
@@ -4888,7 +4812,7 @@
               <a:buNone/>
             </a:pPr>
             <a:r>
-              <a:rPr lang="en-US" sz="1050" b="1" smtClean="0">
+              <a:rPr lang="en-US" sz="1050" b="1">
                 <a:solidFill>
                   <a:schemeClr val="accent2">
                     <a:lumMod val="75000"/>
@@ -4941,7 +4865,7 @@
           <a:lstStyle/>
           <a:p>
             <a:r>
-              <a:rPr lang="en-US" sz="1050" smtClean="0">
+              <a:rPr lang="en-US" sz="1050">
                 <a:latin typeface="Consolas" panose="020B0609020204030204" pitchFamily="49" charset="0"/>
               </a:rPr>
               <a:t>set.seed(1)</a:t>
@@ -4949,7 +4873,7 @@
           </a:p>
           <a:p>
             <a:r>
-              <a:rPr lang="en-US" sz="1050" smtClean="0">
+              <a:rPr lang="en-US" sz="1050">
                 <a:latin typeface="Consolas" panose="020B0609020204030204" pitchFamily="49" charset="0"/>
               </a:rPr>
               <a:t>assignment &lt;- sample(1:3, size = nrow(grade), prob = c(0.7, 0.15, 0.15), replace = TRUE)</a:t>
@@ -4962,7 +4886,7 @@
           </a:p>
           <a:p>
             <a:r>
-              <a:rPr lang="en-US" sz="1050" smtClean="0">
+              <a:rPr lang="en-US" sz="1050">
                 <a:latin typeface="Consolas" panose="020B0609020204030204" pitchFamily="49" charset="0"/>
               </a:rPr>
               <a:t>grade_train &lt;- grade[assignment == 1, ]</a:t>
@@ -4970,7 +4894,7 @@
           </a:p>
           <a:p>
             <a:r>
-              <a:rPr lang="en-US" sz="1050" smtClean="0">
+              <a:rPr lang="en-US" sz="1050">
                 <a:latin typeface="Consolas" panose="020B0609020204030204" pitchFamily="49" charset="0"/>
               </a:rPr>
               <a:t>grade_valid &lt;- grade[assignment == 2, ]</a:t>
@@ -4978,28 +4902,10 @@
           </a:p>
           <a:p>
             <a:r>
-              <a:rPr lang="en-US" sz="1050" smtClean="0">
-                <a:latin typeface="Consolas" panose="020B0609020204030204" pitchFamily="49" charset="0"/>
-              </a:rPr>
-              <a:t>grade_test </a:t>
-            </a:r>
-            <a:r>
               <a:rPr lang="en-US" sz="1050">
                 <a:latin typeface="Consolas" panose="020B0609020204030204" pitchFamily="49" charset="0"/>
               </a:rPr>
-              <a:t>&lt;- grade[assignment == </a:t>
-            </a:r>
-            <a:r>
-              <a:rPr lang="en-US" sz="1050" smtClean="0">
-                <a:latin typeface="Consolas" panose="020B0609020204030204" pitchFamily="49" charset="0"/>
-              </a:rPr>
-              <a:t>3, </a:t>
-            </a:r>
-            <a:r>
-              <a:rPr lang="en-US" sz="1050">
-                <a:latin typeface="Consolas" panose="020B0609020204030204" pitchFamily="49" charset="0"/>
-              </a:rPr>
-              <a:t>]</a:t>
+              <a:t>grade_test &lt;- grade[assignment == 3, ]</a:t>
             </a:r>
           </a:p>
           <a:p>
@@ -5009,7 +4915,7 @@
           </a:p>
           <a:p>
             <a:r>
-              <a:rPr lang="en-US" sz="1050" smtClean="0">
+              <a:rPr lang="en-US" sz="1050">
                 <a:latin typeface="Consolas" panose="020B0609020204030204" pitchFamily="49" charset="0"/>
               </a:rPr>
               <a:t>grade_model &lt;- rpart(formula = final_grade ~ .,</a:t>
@@ -5020,13 +4926,7 @@
               <a:rPr lang="en-US" sz="1050">
                 <a:latin typeface="Consolas" panose="020B0609020204030204" pitchFamily="49" charset="0"/>
               </a:rPr>
-              <a:t>	</a:t>
-            </a:r>
-            <a:r>
-              <a:rPr lang="en-US" sz="1050" smtClean="0">
-                <a:latin typeface="Consolas" panose="020B0609020204030204" pitchFamily="49" charset="0"/>
-              </a:rPr>
-              <a:t>		   data = grade_train,</a:t>
+              <a:t>			   data = grade_train,</a:t>
             </a:r>
           </a:p>
           <a:p>
@@ -5034,13 +4934,7 @@
               <a:rPr lang="en-US" sz="1050">
                 <a:latin typeface="Consolas" panose="020B0609020204030204" pitchFamily="49" charset="0"/>
               </a:rPr>
-              <a:t>	</a:t>
-            </a:r>
-            <a:r>
-              <a:rPr lang="en-US" sz="1050" smtClean="0">
-                <a:latin typeface="Consolas" panose="020B0609020204030204" pitchFamily="49" charset="0"/>
-              </a:rPr>
-              <a:t>		   method = “anova”)</a:t>
+              <a:t>			   method = “anova”)</a:t>
             </a:r>
           </a:p>
           <a:p>
@@ -5050,22 +4944,10 @@
           </a:p>
           <a:p>
             <a:r>
-              <a:rPr lang="en-US" sz="1050" smtClean="0">
-                <a:latin typeface="Consolas" panose="020B0609020204030204" pitchFamily="49" charset="0"/>
-              </a:rPr>
-              <a:t>rpart.plot(x = </a:t>
-            </a:r>
-            <a:r>
               <a:rPr lang="en-US" sz="1050">
                 <a:latin typeface="Consolas" panose="020B0609020204030204" pitchFamily="49" charset="0"/>
               </a:rPr>
-              <a:t>grade_model, </a:t>
-            </a:r>
-            <a:r>
-              <a:rPr lang="en-US" sz="1050" smtClean="0">
-                <a:latin typeface="Consolas" panose="020B0609020204030204" pitchFamily="49" charset="0"/>
-              </a:rPr>
-              <a:t>yesno = 2, type = 0, extra = 0)</a:t>
+              <a:t>rpart.plot(x = grade_model, yesno = 2, type = 0, extra = 0)</a:t>
             </a:r>
           </a:p>
           <a:p>
@@ -5074,37 +4956,16 @@
             </a:endParaRPr>
           </a:p>
           <a:p>
-            <a:endParaRPr lang="en-US" sz="1050" smtClean="0">
-              <a:latin typeface="Consolas" panose="020B0609020204030204" pitchFamily="49" charset="0"/>
-            </a:endParaRPr>
-          </a:p>
-          <a:p>
-            <a:r>
-              <a:rPr lang="en-US" sz="1050" smtClean="0">
-                <a:latin typeface="Consolas" panose="020B0609020204030204" pitchFamily="49" charset="0"/>
-              </a:rPr>
-              <a:t>grade_pred &lt;- predict(object = grade_model, newdata = grade_test)</a:t>
-            </a:r>
-          </a:p>
-          <a:p>
             <a:endParaRPr lang="en-US" sz="1050">
               <a:latin typeface="Consolas" panose="020B0609020204030204" pitchFamily="49" charset="0"/>
             </a:endParaRPr>
           </a:p>
           <a:p>
             <a:r>
-              <a:rPr lang="en-US" sz="1050" smtClean="0">
-                <a:latin typeface="Consolas" panose="020B0609020204030204" pitchFamily="49" charset="0"/>
-              </a:rPr>
-              <a:t>library(Metrics)</a:t>
-            </a:r>
-          </a:p>
-          <a:p>
-            <a:r>
-              <a:rPr lang="en-US" sz="1050" smtClean="0">
-                <a:latin typeface="Consolas" panose="020B0609020204030204" pitchFamily="49" charset="0"/>
-              </a:rPr>
-              <a:t>rmse(actual = grade_test$final_grade, predicted = grade_pred)</a:t>
+              <a:rPr lang="en-US" sz="1050">
+                <a:latin typeface="Consolas" panose="020B0609020204030204" pitchFamily="49" charset="0"/>
+              </a:rPr>
+              <a:t>grade_pred &lt;- predict(object = grade_model, newdata = grade_test)</a:t>
             </a:r>
           </a:p>
           <a:p>
@@ -5114,10 +4975,18 @@
           </a:p>
           <a:p>
             <a:r>
-              <a:rPr lang="en-US" sz="1050" smtClean="0">
-                <a:latin typeface="Consolas" panose="020B0609020204030204" pitchFamily="49" charset="0"/>
-              </a:rPr>
-              <a:t>plotcp(grade_model)			print(grade_model$cptable)</a:t>
+              <a:rPr lang="en-US" sz="1050">
+                <a:latin typeface="Consolas" panose="020B0609020204030204" pitchFamily="49" charset="0"/>
+              </a:rPr>
+              <a:t>library(Metrics)</a:t>
+            </a:r>
+          </a:p>
+          <a:p>
+            <a:r>
+              <a:rPr lang="en-US" sz="1050">
+                <a:latin typeface="Consolas" panose="020B0609020204030204" pitchFamily="49" charset="0"/>
+              </a:rPr>
+              <a:t>rmse(actual = grade_test$final_grade, predicted = grade_pred)</a:t>
             </a:r>
           </a:p>
           <a:p>
@@ -5127,10 +4996,10 @@
           </a:p>
           <a:p>
             <a:r>
-              <a:rPr lang="en-US" sz="1050" smtClean="0">
-                <a:latin typeface="Consolas" panose="020B0609020204030204" pitchFamily="49" charset="0"/>
-              </a:rPr>
-              <a:t>opt_index &lt;- which.min(grade_model$cptable[ , “xerror”])</a:t>
+              <a:rPr lang="en-US" sz="1050">
+                <a:latin typeface="Consolas" panose="020B0609020204030204" pitchFamily="49" charset="0"/>
+              </a:rPr>
+              <a:t>plotcp(grade_model)			print(grade_model$cptable)</a:t>
             </a:r>
           </a:p>
           <a:p>
@@ -5140,10 +5009,10 @@
           </a:p>
           <a:p>
             <a:r>
-              <a:rPr lang="en-US" sz="1050" smtClean="0">
-                <a:latin typeface="Consolas" panose="020B0609020204030204" pitchFamily="49" charset="0"/>
-              </a:rPr>
-              <a:t>cp_opt &lt;- grade_model$cptable[opt_index, “CP”]</a:t>
+              <a:rPr lang="en-US" sz="1050">
+                <a:latin typeface="Consolas" panose="020B0609020204030204" pitchFamily="49" charset="0"/>
+              </a:rPr>
+              <a:t>opt_index &lt;- which.min(grade_model$cptable[ , “xerror”])</a:t>
             </a:r>
           </a:p>
           <a:p>
@@ -5153,10 +5022,10 @@
           </a:p>
           <a:p>
             <a:r>
-              <a:rPr lang="en-US" sz="1050" smtClean="0">
-                <a:latin typeface="Consolas" panose="020B0609020204030204" pitchFamily="49" charset="0"/>
-              </a:rPr>
-              <a:t>grade_model_opt &lt;- prune(tree = grade_model, cp = cp_opt)</a:t>
+              <a:rPr lang="en-US" sz="1050">
+                <a:latin typeface="Consolas" panose="020B0609020204030204" pitchFamily="49" charset="0"/>
+              </a:rPr>
+              <a:t>cp_opt &lt;- grade_model$cptable[opt_index, “CP”]</a:t>
             </a:r>
           </a:p>
           <a:p>
@@ -5166,7 +5035,20 @@
           </a:p>
           <a:p>
             <a:r>
-              <a:rPr lang="en-US" sz="1050" smtClean="0">
+              <a:rPr lang="en-US" sz="1050">
+                <a:latin typeface="Consolas" panose="020B0609020204030204" pitchFamily="49" charset="0"/>
+              </a:rPr>
+              <a:t>grade_model_opt &lt;- prune(tree = grade_model, cp = cp_opt)</a:t>
+            </a:r>
+          </a:p>
+          <a:p>
+            <a:endParaRPr lang="en-US" sz="1050">
+              <a:latin typeface="Consolas" panose="020B0609020204030204" pitchFamily="49" charset="0"/>
+            </a:endParaRPr>
+          </a:p>
+          <a:p>
+            <a:r>
+              <a:rPr lang="en-US" sz="1050">
                 <a:latin typeface="Consolas" panose="020B0609020204030204" pitchFamily="49" charset="0"/>
               </a:rPr>
               <a:t>rpart.plot(x = grade_model_opt, yesno = 2, type = 0, extra = 0)</a:t>
@@ -5207,7 +5089,7 @@
           <a:p>
             <a:pPr algn="r"/>
             <a:r>
-              <a:rPr lang="en-US" sz="800" smtClean="0">
+              <a:rPr lang="en-US" sz="800">
                 <a:solidFill>
                   <a:schemeClr val="accent1">
                     <a:lumMod val="60000"/>
@@ -5256,7 +5138,7 @@
               <a:buNone/>
             </a:pPr>
             <a:r>
-              <a:rPr lang="en-US" sz="1000" b="1" smtClean="0">
+              <a:rPr lang="en-US" sz="1000" b="1">
                 <a:solidFill>
                   <a:schemeClr val="accent2">
                     <a:lumMod val="75000"/>
@@ -5266,7 +5148,7 @@
               <a:t>libraries </a:t>
             </a:r>
             <a:r>
-              <a:rPr lang="en-US" sz="1000" b="1" smtClean="0">
+              <a:rPr lang="en-US" sz="1000" b="1">
                 <a:solidFill>
                   <a:schemeClr val="accent2">
                     <a:lumMod val="75000"/>
@@ -5277,7 +5159,7 @@
               <a:t> </a:t>
             </a:r>
             <a:r>
-              <a:rPr lang="en-US" sz="1000" b="1" smtClean="0">
+              <a:rPr lang="en-US" sz="1000" b="1">
                 <a:solidFill>
                   <a:schemeClr val="accent2">
                     <a:lumMod val="75000"/>
@@ -5315,7 +5197,7 @@
               <a:buNone/>
             </a:pPr>
             <a:r>
-              <a:rPr lang="en-US" sz="1000" b="1" smtClean="0">
+              <a:rPr lang="en-US" sz="1000" b="1">
                 <a:solidFill>
                   <a:schemeClr val="accent2">
                     <a:lumMod val="75000"/>
@@ -5490,7 +5372,7 @@
           <a:lstStyle/>
           <a:p>
             <a:r>
-              <a:rPr lang="en-US" sz="1050" smtClean="0">
+              <a:rPr lang="en-US" sz="1050">
                 <a:latin typeface="Consolas" panose="020B0609020204030204" pitchFamily="49" charset="0"/>
               </a:rPr>
               <a:t>minsplit &lt;- seq(1, 4, 1)</a:t>
@@ -5498,39 +5380,23 @@
           </a:p>
           <a:p>
             <a:r>
-              <a:rPr lang="en-US" sz="1050" smtClean="0">
+              <a:rPr lang="en-US" sz="1050">
                 <a:latin typeface="Consolas" panose="020B0609020204030204" pitchFamily="49" charset="0"/>
               </a:rPr>
               <a:t>maxdepth &lt;- seq(1, 6, 1)</a:t>
             </a:r>
           </a:p>
           <a:p>
-            <a:endParaRPr lang="en-US" sz="1050" smtClean="0">
-              <a:latin typeface="Consolas" panose="020B0609020204030204" pitchFamily="49" charset="0"/>
-            </a:endParaRPr>
-          </a:p>
-          <a:p>
-            <a:r>
-              <a:rPr lang="en-US" sz="1050" smtClean="0">
-                <a:latin typeface="Consolas" panose="020B0609020204030204" pitchFamily="49" charset="0"/>
-              </a:rPr>
-              <a:t>hyper_grid &lt;- expand.grid(minsplit = minsplit, maxdepth = maxdepth)</a:t>
-            </a:r>
             <a:endParaRPr lang="en-US" sz="1050">
               <a:latin typeface="Consolas" panose="020B0609020204030204" pitchFamily="49" charset="0"/>
             </a:endParaRPr>
           </a:p>
           <a:p>
-            <a:endParaRPr lang="en-US" sz="1050" smtClean="0">
-              <a:latin typeface="Consolas" panose="020B0609020204030204" pitchFamily="49" charset="0"/>
-            </a:endParaRPr>
-          </a:p>
-          <a:p>
-            <a:r>
-              <a:rPr lang="en-US" sz="1050" smtClean="0">
-                <a:latin typeface="Consolas" panose="020B0609020204030204" pitchFamily="49" charset="0"/>
-              </a:rPr>
-              <a:t>num_models &lt;- nrow(hyper_grid)</a:t>
+            <a:r>
+              <a:rPr lang="en-US" sz="1050">
+                <a:latin typeface="Consolas" panose="020B0609020204030204" pitchFamily="49" charset="0"/>
+              </a:rPr>
+              <a:t>hyper_grid &lt;- expand.grid(minsplit = minsplit, maxdepth = maxdepth)</a:t>
             </a:r>
           </a:p>
           <a:p>
@@ -5540,10 +5406,10 @@
           </a:p>
           <a:p>
             <a:r>
-              <a:rPr lang="en-US" sz="1050" smtClean="0">
-                <a:latin typeface="Consolas" panose="020B0609020204030204" pitchFamily="49" charset="0"/>
-              </a:rPr>
-              <a:t>grade_models &lt;- list()</a:t>
+              <a:rPr lang="en-US" sz="1050">
+                <a:latin typeface="Consolas" panose="020B0609020204030204" pitchFamily="49" charset="0"/>
+              </a:rPr>
+              <a:t>num_models &lt;- nrow(hyper_grid)</a:t>
             </a:r>
           </a:p>
           <a:p>
@@ -5553,38 +5419,10 @@
           </a:p>
           <a:p>
             <a:r>
-              <a:rPr lang="en-US" sz="1050" smtClean="0">
-                <a:latin typeface="Consolas" panose="020B0609020204030204" pitchFamily="49" charset="0"/>
-              </a:rPr>
-              <a:t>for (i in 1:num_models) {</a:t>
-            </a:r>
-          </a:p>
-          <a:p>
-            <a:r>
               <a:rPr lang="en-US" sz="1050">
                 <a:latin typeface="Consolas" panose="020B0609020204030204" pitchFamily="49" charset="0"/>
               </a:rPr>
-              <a:t>	</a:t>
-            </a:r>
-            <a:r>
-              <a:rPr lang="en-US" sz="1050" smtClean="0">
-                <a:latin typeface="Consolas" panose="020B0609020204030204" pitchFamily="49" charset="0"/>
-              </a:rPr>
-              <a:t>minsplit &lt;- hyper_grid$minsplit[i]</a:t>
-            </a:r>
-          </a:p>
-          <a:p>
-            <a:r>
-              <a:rPr lang="en-US" sz="1050">
-                <a:latin typeface="Consolas" panose="020B0609020204030204" pitchFamily="49" charset="0"/>
-              </a:rPr>
-              <a:t>	</a:t>
-            </a:r>
-            <a:r>
-              <a:rPr lang="en-US" sz="1050" smtClean="0">
-                <a:latin typeface="Consolas" panose="020B0609020204030204" pitchFamily="49" charset="0"/>
-              </a:rPr>
-              <a:t>maxdepth &lt;- hyper_grid$maxdepth[i]</a:t>
+              <a:t>grade_models &lt;- list()</a:t>
             </a:r>
           </a:p>
           <a:p>
@@ -5594,24 +5432,10 @@
           </a:p>
           <a:p>
             <a:r>
-              <a:rPr lang="en-US" sz="1050" smtClean="0">
-                <a:latin typeface="Consolas" panose="020B0609020204030204" pitchFamily="49" charset="0"/>
-              </a:rPr>
-              <a:t>	grade_models[[i]] &lt;- rpart(formula = final_grade ~ .,</a:t>
-            </a:r>
-          </a:p>
-          <a:p>
-            <a:r>
               <a:rPr lang="en-US" sz="1050">
                 <a:latin typeface="Consolas" panose="020B0609020204030204" pitchFamily="49" charset="0"/>
               </a:rPr>
-              <a:t>	</a:t>
-            </a:r>
-            <a:r>
-              <a:rPr lang="en-US" sz="1050" smtClean="0">
-                <a:latin typeface="Consolas" panose="020B0609020204030204" pitchFamily="49" charset="0"/>
-              </a:rPr>
-              <a:t>				  data = grade_train,</a:t>
+              <a:t>for (i in 1:num_models) {</a:t>
             </a:r>
           </a:p>
           <a:p>
@@ -5619,13 +5443,7 @@
               <a:rPr lang="en-US" sz="1050">
                 <a:latin typeface="Consolas" panose="020B0609020204030204" pitchFamily="49" charset="0"/>
               </a:rPr>
-              <a:t>	</a:t>
-            </a:r>
-            <a:r>
-              <a:rPr lang="en-US" sz="1050" smtClean="0">
-                <a:latin typeface="Consolas" panose="020B0609020204030204" pitchFamily="49" charset="0"/>
-              </a:rPr>
-              <a:t>				  method = “anova”,</a:t>
+              <a:t>	minsplit &lt;- hyper_grid$minsplit[i]</a:t>
             </a:r>
           </a:p>
           <a:p>
@@ -5633,29 +5451,7 @@
               <a:rPr lang="en-US" sz="1050">
                 <a:latin typeface="Consolas" panose="020B0609020204030204" pitchFamily="49" charset="0"/>
               </a:rPr>
-              <a:t>	</a:t>
-            </a:r>
-            <a:r>
-              <a:rPr lang="en-US" sz="1050" smtClean="0">
-                <a:latin typeface="Consolas" panose="020B0609020204030204" pitchFamily="49" charset="0"/>
-              </a:rPr>
-              <a:t>				  minsplit = minsplit,</a:t>
-            </a:r>
-          </a:p>
-          <a:p>
-            <a:r>
-              <a:rPr lang="en-US" sz="1050" smtClean="0">
-                <a:latin typeface="Consolas" panose="020B0609020204030204" pitchFamily="49" charset="0"/>
-              </a:rPr>
-              <a:t>					  maxdepth = maxdepth)</a:t>
-            </a:r>
-          </a:p>
-          <a:p>
-            <a:r>
-              <a:rPr lang="en-US" sz="1050" smtClean="0">
-                <a:latin typeface="Consolas" panose="020B0609020204030204" pitchFamily="49" charset="0"/>
-              </a:rPr>
-              <a:t>}</a:t>
+              <a:t>	maxdepth &lt;- hyper_grid$maxdepth[i]</a:t>
             </a:r>
           </a:p>
           <a:p>
@@ -5665,10 +5461,50 @@
           </a:p>
           <a:p>
             <a:r>
-              <a:rPr lang="en-US" sz="1050" smtClean="0">
-                <a:latin typeface="Consolas" panose="020B0609020204030204" pitchFamily="49" charset="0"/>
-              </a:rPr>
-              <a:t>num_models &lt;- length(grade_models)</a:t>
+              <a:rPr lang="en-US" sz="1050">
+                <a:latin typeface="Consolas" panose="020B0609020204030204" pitchFamily="49" charset="0"/>
+              </a:rPr>
+              <a:t>	grade_models[[i]] &lt;- rpart(formula = final_grade ~ .,</a:t>
+            </a:r>
+          </a:p>
+          <a:p>
+            <a:r>
+              <a:rPr lang="en-US" sz="1050">
+                <a:latin typeface="Consolas" panose="020B0609020204030204" pitchFamily="49" charset="0"/>
+              </a:rPr>
+              <a:t>					  data = grade_train,</a:t>
+            </a:r>
+          </a:p>
+          <a:p>
+            <a:r>
+              <a:rPr lang="en-US" sz="1050">
+                <a:latin typeface="Consolas" panose="020B0609020204030204" pitchFamily="49" charset="0"/>
+              </a:rPr>
+              <a:t>					  method = “anova”,</a:t>
+            </a:r>
+          </a:p>
+          <a:p>
+            <a:r>
+              <a:rPr lang="en-US" sz="1050">
+                <a:latin typeface="Consolas" panose="020B0609020204030204" pitchFamily="49" charset="0"/>
+              </a:rPr>
+              <a:t>					  minsplit = minsplit,</a:t>
+            </a:r>
+          </a:p>
+          <a:p>
+            <a:r>
+              <a:rPr lang="en-US" sz="1050">
+                <a:latin typeface="Consolas" panose="020B0609020204030204" pitchFamily="49" charset="0"/>
+              </a:rPr>
+              <a:t>					  maxdepth = maxdepth)</a:t>
+            </a:r>
+          </a:p>
+          <a:p>
+            <a:r>
+              <a:rPr lang="en-US" sz="1050">
+                <a:latin typeface="Consolas" panose="020B0609020204030204" pitchFamily="49" charset="0"/>
+              </a:rPr>
+              <a:t>}</a:t>
             </a:r>
           </a:p>
           <a:p>
@@ -5678,10 +5514,10 @@
           </a:p>
           <a:p>
             <a:r>
-              <a:rPr lang="en-US" sz="1050" smtClean="0">
-                <a:latin typeface="Consolas" panose="020B0609020204030204" pitchFamily="49" charset="0"/>
-              </a:rPr>
-              <a:t>rmse_values &lt;- c()</a:t>
+              <a:rPr lang="en-US" sz="1050">
+                <a:latin typeface="Consolas" panose="020B0609020204030204" pitchFamily="49" charset="0"/>
+              </a:rPr>
+              <a:t>num_models &lt;- length(grade_models)</a:t>
             </a:r>
           </a:p>
           <a:p>
@@ -5691,49 +5527,10 @@
           </a:p>
           <a:p>
             <a:r>
-              <a:rPr lang="en-US" sz="1050" smtClean="0">
-                <a:latin typeface="Consolas" panose="020B0609020204030204" pitchFamily="49" charset="0"/>
-              </a:rPr>
-              <a:t>for (i in 1:num_models) {</a:t>
-            </a:r>
-          </a:p>
-          <a:p>
-            <a:r>
               <a:rPr lang="en-US" sz="1050">
                 <a:latin typeface="Consolas" panose="020B0609020204030204" pitchFamily="49" charset="0"/>
               </a:rPr>
-              <a:t>	</a:t>
-            </a:r>
-            <a:r>
-              <a:rPr lang="en-US" sz="1050" smtClean="0">
-                <a:latin typeface="Consolas" panose="020B0609020204030204" pitchFamily="49" charset="0"/>
-              </a:rPr>
-              <a:t>model &lt;- grade_models[[i]]</a:t>
-            </a:r>
-          </a:p>
-          <a:p>
-            <a:r>
-              <a:rPr lang="en-US" sz="1050">
-                <a:latin typeface="Consolas" panose="020B0609020204030204" pitchFamily="49" charset="0"/>
-              </a:rPr>
-              <a:t>	</a:t>
-            </a:r>
-            <a:endParaRPr lang="en-US" sz="1050" smtClean="0">
-              <a:latin typeface="Consolas" panose="020B0609020204030204" pitchFamily="49" charset="0"/>
-            </a:endParaRPr>
-          </a:p>
-          <a:p>
-            <a:r>
-              <a:rPr lang="en-US" sz="1050">
-                <a:latin typeface="Consolas" panose="020B0609020204030204" pitchFamily="49" charset="0"/>
-              </a:rPr>
-              <a:t>	</a:t>
-            </a:r>
-            <a:r>
-              <a:rPr lang="en-US" sz="1050" smtClean="0">
-                <a:latin typeface="Consolas" panose="020B0609020204030204" pitchFamily="49" charset="0"/>
-              </a:rPr>
-              <a:t>pred &lt;- predict(object = model, newdata = grade_valid)</a:t>
+              <a:t>rmse_values &lt;- c()</a:t>
             </a:r>
           </a:p>
           <a:p>
@@ -5743,18 +5540,34 @@
           </a:p>
           <a:p>
             <a:r>
-              <a:rPr lang="en-US" sz="1050" smtClean="0">
-                <a:latin typeface="Consolas" panose="020B0609020204030204" pitchFamily="49" charset="0"/>
-              </a:rPr>
-              <a:t>	rmse_values[i] &lt;- rmse(actual = grade_valid$final_grade, predicted = pred)</a:t>
-            </a:r>
-          </a:p>
-          <a:p>
-            <a:r>
-              <a:rPr lang="en-US" sz="1050" smtClean="0">
-                <a:latin typeface="Consolas" panose="020B0609020204030204" pitchFamily="49" charset="0"/>
-              </a:rPr>
-              <a:t>}</a:t>
+              <a:rPr lang="en-US" sz="1050">
+                <a:latin typeface="Consolas" panose="020B0609020204030204" pitchFamily="49" charset="0"/>
+              </a:rPr>
+              <a:t>for (i in 1:num_models) {</a:t>
+            </a:r>
+          </a:p>
+          <a:p>
+            <a:r>
+              <a:rPr lang="en-US" sz="1050">
+                <a:latin typeface="Consolas" panose="020B0609020204030204" pitchFamily="49" charset="0"/>
+              </a:rPr>
+              <a:t>	model &lt;- grade_models[[i]]</a:t>
+            </a:r>
+          </a:p>
+          <a:p>
+            <a:r>
+              <a:rPr lang="en-US" sz="1050">
+                <a:latin typeface="Consolas" panose="020B0609020204030204" pitchFamily="49" charset="0"/>
+              </a:rPr>
+              <a:t>	</a:t>
+            </a:r>
+          </a:p>
+          <a:p>
+            <a:r>
+              <a:rPr lang="en-US" sz="1050">
+                <a:latin typeface="Consolas" panose="020B0609020204030204" pitchFamily="49" charset="0"/>
+              </a:rPr>
+              <a:t>	pred &lt;- predict(object = model, newdata = grade_valid)</a:t>
             </a:r>
           </a:p>
           <a:p>
@@ -5764,10 +5577,18 @@
           </a:p>
           <a:p>
             <a:r>
-              <a:rPr lang="en-US" sz="1050" smtClean="0">
-                <a:latin typeface="Consolas" panose="020B0609020204030204" pitchFamily="49" charset="0"/>
-              </a:rPr>
-              <a:t>best_model &lt;- grade_mdoels[[which.min(rmse_values)]]			best_model$control</a:t>
+              <a:rPr lang="en-US" sz="1050">
+                <a:latin typeface="Consolas" panose="020B0609020204030204" pitchFamily="49" charset="0"/>
+              </a:rPr>
+              <a:t>	rmse_values[i] &lt;- rmse(actual = grade_valid$final_grade, predicted = pred)</a:t>
+            </a:r>
+          </a:p>
+          <a:p>
+            <a:r>
+              <a:rPr lang="en-US" sz="1050">
+                <a:latin typeface="Consolas" panose="020B0609020204030204" pitchFamily="49" charset="0"/>
+              </a:rPr>
+              <a:t>}</a:t>
             </a:r>
           </a:p>
           <a:p>
@@ -5777,10 +5598,10 @@
           </a:p>
           <a:p>
             <a:r>
-              <a:rPr lang="en-US" sz="1050" smtClean="0">
-                <a:latin typeface="Consolas" panose="020B0609020204030204" pitchFamily="49" charset="0"/>
-              </a:rPr>
-              <a:t>pred &lt;- predict(object = best_model, newdata = grade_test)</a:t>
+              <a:rPr lang="en-US" sz="1050">
+                <a:latin typeface="Consolas" panose="020B0609020204030204" pitchFamily="49" charset="0"/>
+              </a:rPr>
+              <a:t>best_model &lt;- grade_mdoels[[which.min(rmse_values)]]			best_model$control</a:t>
             </a:r>
           </a:p>
           <a:p>
@@ -5790,7 +5611,20 @@
           </a:p>
           <a:p>
             <a:r>
-              <a:rPr lang="en-US" sz="1050" smtClean="0">
+              <a:rPr lang="en-US" sz="1050">
+                <a:latin typeface="Consolas" panose="020B0609020204030204" pitchFamily="49" charset="0"/>
+              </a:rPr>
+              <a:t>pred &lt;- predict(object = best_model, newdata = grade_test)</a:t>
+            </a:r>
+          </a:p>
+          <a:p>
+            <a:endParaRPr lang="en-US" sz="1050">
+              <a:latin typeface="Consolas" panose="020B0609020204030204" pitchFamily="49" charset="0"/>
+            </a:endParaRPr>
+          </a:p>
+          <a:p>
+            <a:r>
+              <a:rPr lang="en-US" sz="1050">
                 <a:latin typeface="Consolas" panose="020B0609020204030204" pitchFamily="49" charset="0"/>
               </a:rPr>
               <a:t>rmse(actual = grade_test$final_grade, predicted = pred)</a:t>
@@ -5828,7 +5662,7 @@
           <a:p>
             <a:pPr algn="r"/>
             <a:r>
-              <a:rPr lang="en-US" sz="800" smtClean="0">
+              <a:rPr lang="en-US" sz="800">
                 <a:solidFill>
                   <a:schemeClr val="accent1">
                     <a:lumMod val="60000"/>
@@ -5898,10 +5732,9 @@
           <a:lstStyle/>
           <a:p>
             <a:r>
-              <a:rPr lang="en-US" sz="1200" smtClean="0"/>
+              <a:rPr lang="en-US" sz="1200"/>
               <a:t>Just like a test set, a validation set is used to evaluate the performance of a model. The difference is that a validation set is specifically used to compare the performance of a group o fmodels with the goal of choosing a “best model” from the group. All models in a group are evaluated on the same validation set and the model with the best performance is considered to be the winner.</a:t>
             </a:r>
-            <a:endParaRPr lang="en-US" sz="1200"/>
           </a:p>
         </p:txBody>
       </p:sp>
@@ -5928,10 +5761,9 @@
           <a:lstStyle/>
           <a:p>
             <a:r>
-              <a:rPr lang="en-US" sz="1200" smtClean="0"/>
+              <a:rPr lang="en-US" sz="1200"/>
               <a:t>Once you have the best model, a final estimate of performance is computed on the test set.</a:t>
             </a:r>
-            <a:endParaRPr lang="en-US" sz="1200"/>
           </a:p>
         </p:txBody>
       </p:sp>
@@ -6071,7 +5903,7 @@
               <a:buNone/>
             </a:pPr>
             <a:r>
-              <a:rPr lang="en-US" sz="1050" b="1" smtClean="0">
+              <a:rPr lang="en-US" sz="1050" b="1">
                 <a:solidFill>
                   <a:schemeClr val="accent2">
                     <a:lumMod val="75000"/>
@@ -6124,7 +5956,7 @@
           <a:lstStyle/>
           <a:p>
             <a:r>
-              <a:rPr lang="en-US" sz="1050" smtClean="0">
+              <a:rPr lang="en-US" sz="1050">
                 <a:latin typeface="Consolas" panose="020B0609020204030204" pitchFamily="49" charset="0"/>
               </a:rPr>
               <a:t>set.seed(123)</a:t>
@@ -6132,7 +5964,7 @@
           </a:p>
           <a:p>
             <a:r>
-              <a:rPr lang="en-US" sz="1050" smtClean="0">
+              <a:rPr lang="en-US" sz="1050">
                 <a:latin typeface="Consolas" panose="020B0609020204030204" pitchFamily="49" charset="0"/>
               </a:rPr>
               <a:t>credit_model &lt;- bagging(formula = default ~ .,</a:t>
@@ -6143,13 +5975,7 @@
               <a:rPr lang="en-US" sz="1050">
                 <a:latin typeface="Consolas" panose="020B0609020204030204" pitchFamily="49" charset="0"/>
               </a:rPr>
-              <a:t>	</a:t>
-            </a:r>
-            <a:r>
-              <a:rPr lang="en-US" sz="1050" smtClean="0">
-                <a:latin typeface="Consolas" panose="020B0609020204030204" pitchFamily="49" charset="0"/>
-              </a:rPr>
-              <a:t>		      data = credit_train,  coob = TRUE)</a:t>
+              <a:t>			      data = credit_train,  coob = TRUE)</a:t>
             </a:r>
           </a:p>
           <a:p>
@@ -6159,7 +5985,7 @@
           </a:p>
           <a:p>
             <a:r>
-              <a:rPr lang="en-US" sz="1050" smtClean="0">
+              <a:rPr lang="en-US" sz="1050">
                 <a:latin typeface="Consolas" panose="020B0609020204030204" pitchFamily="49" charset="0"/>
               </a:rPr>
               <a:t>credit_pred &lt;- predict(object = credit_model,</a:t>
@@ -6170,13 +5996,7 @@
               <a:rPr lang="en-US" sz="1050">
                 <a:latin typeface="Consolas" panose="020B0609020204030204" pitchFamily="49" charset="0"/>
               </a:rPr>
-              <a:t>	</a:t>
-            </a:r>
-            <a:r>
-              <a:rPr lang="en-US" sz="1050" smtClean="0">
-                <a:latin typeface="Consolas" panose="020B0609020204030204" pitchFamily="49" charset="0"/>
-              </a:rPr>
-              <a:t>		     newdata = credit_test,  type = “class”)</a:t>
+              <a:t>			     newdata = credit_test,  type = “class”)</a:t>
             </a:r>
           </a:p>
           <a:p>
@@ -6186,7 +6006,7 @@
           </a:p>
           <a:p>
             <a:r>
-              <a:rPr lang="en-US" sz="1050" smtClean="0">
+              <a:rPr lang="en-US" sz="1050">
                 <a:latin typeface="Consolas" panose="020B0609020204030204" pitchFamily="49" charset="0"/>
               </a:rPr>
               <a:t>auc(actual = ifelse(credit_test$default == “yes”, 1, 0),</a:t>
@@ -6197,13 +6017,7 @@
               <a:rPr lang="en-US" sz="1050">
                 <a:latin typeface="Consolas" panose="020B0609020204030204" pitchFamily="49" charset="0"/>
               </a:rPr>
-              <a:t>	</a:t>
-            </a:r>
-            <a:r>
-              <a:rPr lang="en-US" sz="1050" smtClean="0">
-                <a:latin typeface="Consolas" panose="020B0609020204030204" pitchFamily="49" charset="0"/>
-              </a:rPr>
-              <a:t>predict = pred[ , “yes”])</a:t>
+              <a:t>	predict = pred[ , “yes”])</a:t>
             </a:r>
           </a:p>
           <a:p>
@@ -6213,7 +6027,7 @@
           </a:p>
           <a:p>
             <a:r>
-              <a:rPr lang="en-US" sz="1050" smtClean="0">
+              <a:rPr lang="en-US" sz="1050">
                 <a:latin typeface="Consolas" panose="020B0609020204030204" pitchFamily="49" charset="0"/>
               </a:rPr>
               <a:t>ctrl &lt;- trainControl(method = “cv”,</a:t>
@@ -6224,13 +6038,7 @@
               <a:rPr lang="en-US" sz="1050">
                 <a:latin typeface="Consolas" panose="020B0609020204030204" pitchFamily="49" charset="0"/>
               </a:rPr>
-              <a:t>	</a:t>
-            </a:r>
-            <a:r>
-              <a:rPr lang="en-US" sz="1050" smtClean="0">
-                <a:latin typeface="Consolas" panose="020B0609020204030204" pitchFamily="49" charset="0"/>
-              </a:rPr>
-              <a:t>		   number = 5,</a:t>
+              <a:t>			   number = 5,</a:t>
             </a:r>
           </a:p>
           <a:p>
@@ -6238,13 +6046,7 @@
               <a:rPr lang="en-US" sz="1050">
                 <a:latin typeface="Consolas" panose="020B0609020204030204" pitchFamily="49" charset="0"/>
               </a:rPr>
-              <a:t>	</a:t>
-            </a:r>
-            <a:r>
-              <a:rPr lang="en-US" sz="1050" smtClean="0">
-                <a:latin typeface="Consolas" panose="020B0609020204030204" pitchFamily="49" charset="0"/>
-              </a:rPr>
-              <a:t>		   clasasProbs = TRUE,</a:t>
+              <a:t>			   clasasProbs = TRUE,</a:t>
             </a:r>
           </a:p>
           <a:p>
@@ -6252,13 +6054,7 @@
               <a:rPr lang="en-US" sz="1050">
                 <a:latin typeface="Consolas" panose="020B0609020204030204" pitchFamily="49" charset="0"/>
               </a:rPr>
-              <a:t>	</a:t>
-            </a:r>
-            <a:r>
-              <a:rPr lang="en-US" sz="1050" smtClean="0">
-                <a:latin typeface="Consolas" panose="020B0609020204030204" pitchFamily="49" charset="0"/>
-              </a:rPr>
-              <a:t>		   summaryFunction = twoClassSummary)</a:t>
+              <a:t>			   summaryFunction = twoClassSummary)</a:t>
             </a:r>
           </a:p>
           <a:p>
@@ -6268,7 +6064,7 @@
           </a:p>
           <a:p>
             <a:r>
-              <a:rPr lang="en-US" sz="1050" smtClean="0">
+              <a:rPr lang="en-US" sz="1050">
                 <a:latin typeface="Consolas" panose="020B0609020204030204" pitchFamily="49" charset="0"/>
               </a:rPr>
               <a:t>set.seed(1)</a:t>
@@ -6276,7 +6072,7 @@
           </a:p>
           <a:p>
             <a:r>
-              <a:rPr lang="en-US" sz="1050" smtClean="0">
+              <a:rPr lang="en-US" sz="1050">
                 <a:latin typeface="Consolas" panose="020B0609020204030204" pitchFamily="49" charset="0"/>
               </a:rPr>
               <a:t>credit_caret_model &lt;- train(default ~ .,</a:t>
@@ -6287,13 +6083,7 @@
               <a:rPr lang="en-US" sz="1050">
                 <a:latin typeface="Consolas" panose="020B0609020204030204" pitchFamily="49" charset="0"/>
               </a:rPr>
-              <a:t>	</a:t>
-            </a:r>
-            <a:r>
-              <a:rPr lang="en-US" sz="1050" smtClean="0">
-                <a:latin typeface="Consolas" panose="020B0609020204030204" pitchFamily="49" charset="0"/>
-              </a:rPr>
-              <a:t>			    data = credit_train,</a:t>
+              <a:t>				    data = credit_train,</a:t>
             </a:r>
           </a:p>
           <a:p>
@@ -6301,13 +6091,7 @@
               <a:rPr lang="en-US" sz="1050">
                 <a:latin typeface="Consolas" panose="020B0609020204030204" pitchFamily="49" charset="0"/>
               </a:rPr>
-              <a:t>	</a:t>
-            </a:r>
-            <a:r>
-              <a:rPr lang="en-US" sz="1050" smtClean="0">
-                <a:latin typeface="Consolas" panose="020B0609020204030204" pitchFamily="49" charset="0"/>
-              </a:rPr>
-              <a:t>			    method = “treebag”,</a:t>
+              <a:t>				    method = “treebag”,</a:t>
             </a:r>
           </a:p>
           <a:p>
@@ -6315,13 +6099,7 @@
               <a:rPr lang="en-US" sz="1050">
                 <a:latin typeface="Consolas" panose="020B0609020204030204" pitchFamily="49" charset="0"/>
               </a:rPr>
-              <a:t>	</a:t>
-            </a:r>
-            <a:r>
-              <a:rPr lang="en-US" sz="1050" smtClean="0">
-                <a:latin typeface="Consolas" panose="020B0609020204030204" pitchFamily="49" charset="0"/>
-              </a:rPr>
-              <a:t>			    metric = “ROC”,</a:t>
+              <a:t>				    metric = “ROC”,</a:t>
             </a:r>
           </a:p>
           <a:p>
@@ -6329,13 +6107,7 @@
               <a:rPr lang="en-US" sz="1050">
                 <a:latin typeface="Consolas" panose="020B0609020204030204" pitchFamily="49" charset="0"/>
               </a:rPr>
-              <a:t>	</a:t>
-            </a:r>
-            <a:r>
-              <a:rPr lang="en-US" sz="1050" smtClean="0">
-                <a:latin typeface="Consolas" panose="020B0609020204030204" pitchFamily="49" charset="0"/>
-              </a:rPr>
-              <a:t>			    trControl = ctrl)</a:t>
+              <a:t>				    trControl = ctrl)</a:t>
             </a:r>
           </a:p>
           <a:p>
@@ -6345,7 +6117,7 @@
           </a:p>
           <a:p>
             <a:r>
-              <a:rPr lang="en-US" sz="1050" smtClean="0">
+              <a:rPr lang="en-US" sz="1050">
                 <a:latin typeface="Consolas" panose="020B0609020204030204" pitchFamily="49" charset="0"/>
               </a:rPr>
               <a:t>credit_caret_model$results[ , “ROC”]</a:t>
@@ -6369,19 +6141,7 @@
               <a:rPr lang="en-US" sz="1050">
                 <a:latin typeface="Consolas" panose="020B0609020204030204" pitchFamily="49" charset="0"/>
               </a:rPr>
-              <a:t>			     newdata = </a:t>
-            </a:r>
-            <a:r>
-              <a:rPr lang="en-US" sz="1050" smtClean="0">
-                <a:latin typeface="Consolas" panose="020B0609020204030204" pitchFamily="49" charset="0"/>
-              </a:rPr>
-              <a:t>credit_test, type </a:t>
-            </a:r>
-            <a:r>
-              <a:rPr lang="en-US" sz="1050">
-                <a:latin typeface="Consolas" panose="020B0609020204030204" pitchFamily="49" charset="0"/>
-              </a:rPr>
-              <a:t>= “prob”)</a:t>
+              <a:t>			     newdata = credit_test, type = “prob”)</a:t>
             </a:r>
           </a:p>
           <a:p>
@@ -6402,13 +6162,7 @@
               <a:rPr lang="en-US" sz="1050">
                 <a:latin typeface="Consolas" panose="020B0609020204030204" pitchFamily="49" charset="0"/>
               </a:rPr>
-              <a:t>	predict = pred[ , “yes</a:t>
-            </a:r>
-            <a:r>
-              <a:rPr lang="en-US" sz="1050" smtClean="0">
-                <a:latin typeface="Consolas" panose="020B0609020204030204" pitchFamily="49" charset="0"/>
-              </a:rPr>
-              <a:t>”])</a:t>
+              <a:t>	predict = pred[ , “yes”])</a:t>
             </a:r>
           </a:p>
         </p:txBody>
@@ -6443,7 +6197,7 @@
           <a:p>
             <a:pPr algn="r"/>
             <a:r>
-              <a:rPr lang="en-US" sz="800" smtClean="0">
+              <a:rPr lang="en-US" sz="800">
                 <a:solidFill>
                   <a:schemeClr val="accent1">
                     <a:lumMod val="60000"/>
@@ -6492,7 +6246,7 @@
               <a:buNone/>
             </a:pPr>
             <a:r>
-              <a:rPr lang="en-US" sz="1000" b="1" smtClean="0">
+              <a:rPr lang="en-US" sz="1000" b="1">
                 <a:solidFill>
                   <a:schemeClr val="accent2">
                     <a:lumMod val="75000"/>
@@ -6502,7 +6256,7 @@
               <a:t>libraries </a:t>
             </a:r>
             <a:r>
-              <a:rPr lang="en-US" sz="1000" b="1" smtClean="0">
+              <a:rPr lang="en-US" sz="1000" b="1">
                 <a:solidFill>
                   <a:schemeClr val="accent2">
                     <a:lumMod val="75000"/>
@@ -6513,7 +6267,7 @@
               <a:t> </a:t>
             </a:r>
             <a:r>
-              <a:rPr lang="en-US" sz="1000" b="1" smtClean="0">
+              <a:rPr lang="en-US" sz="1000" b="1">
                 <a:solidFill>
                   <a:schemeClr val="accent2">
                     <a:lumMod val="75000"/>
@@ -6548,22 +6302,22 @@
           <a:lstStyle/>
           <a:p>
             <a:r>
-              <a:rPr lang="en-US" sz="1200" smtClean="0"/>
+              <a:rPr lang="en-US" sz="1200" dirty="0"/>
               <a:t>Bagged trees combines many trees with the goal of reducing variance.</a:t>
             </a:r>
           </a:p>
           <a:p>
             <a:r>
-              <a:rPr lang="en-US" sz="1200" smtClean="0"/>
+              <a:rPr lang="en-US" sz="1200" dirty="0"/>
               <a:t>Bagging </a:t>
             </a:r>
             <a:r>
-              <a:rPr lang="en-US" sz="1200" smtClean="0">
+              <a:rPr lang="en-US" sz="1200" dirty="0">
                 <a:sym typeface="Wingdings" panose="05000000000000000000" pitchFamily="2" charset="2"/>
               </a:rPr>
               <a:t> Bootstrap Aggregating</a:t>
             </a:r>
-            <a:endParaRPr lang="en-US" sz="1200"/>
+            <a:endParaRPr lang="en-US" sz="1200" dirty="0"/>
           </a:p>
         </p:txBody>
       </p:sp>
@@ -6617,7 +6371,7 @@
               <a:buNone/>
             </a:pPr>
             <a:r>
-              <a:rPr lang="en-US" sz="1050" smtClean="0"/>
+              <a:rPr lang="en-US" sz="1050"/>
               <a:t>In binary classification, we can predict numeric values instead of class labels. In fact, class labels are created only after you use the model to predict a raw, numeric, predicted value for a test point.</a:t>
             </a:r>
           </a:p>
@@ -6626,10 +6380,10 @@
               <a:buNone/>
             </a:pPr>
             <a:r>
-              <a:rPr lang="en-US" sz="1050" smtClean="0"/>
+              <a:rPr lang="en-US" sz="1050"/>
               <a:t>The predicted label is generated by applying a threshold to the predicted value, such that all test points with predicted value greater than the threshold get a label of “1” and points below get a label of “0”.</a:t>
             </a:r>
-            <a:endParaRPr lang="en-US" sz="800" smtClean="0"/>
+            <a:endParaRPr lang="en-US" sz="800"/>
           </a:p>
         </p:txBody>
       </p:sp>
@@ -6651,7 +6405,7 @@
         </p:spPr>
         <p:txBody>
           <a:bodyPr>
-            <a:normAutofit fontScale="92500" lnSpcReduction="10000"/>
+            <a:normAutofit fontScale="92500" lnSpcReduction="20000"/>
           </a:bodyPr>
           <a:lstStyle/>
           <a:p>
@@ -6659,7 +6413,7 @@
               <a:buNone/>
             </a:pPr>
             <a:r>
-              <a:rPr lang="en-US" sz="1000" b="1" smtClean="0">
+              <a:rPr lang="en-US" sz="1000" b="1">
                 <a:solidFill>
                   <a:schemeClr val="accent2">
                     <a:lumMod val="75000"/>
@@ -6737,16 +6491,6 @@
               <a:buNone/>
             </a:pPr>
             <a:r>
-              <a:rPr lang="en-US" sz="1000" b="1" smtClean="0">
-                <a:solidFill>
-                  <a:schemeClr val="accent2">
-                    <a:lumMod val="75000"/>
-                  </a:schemeClr>
-                </a:solidFill>
-              </a:rPr>
-              <a:t>model object</a:t>
-            </a:r>
-            <a:r>
               <a:rPr lang="en-US" sz="1000" b="1">
                 <a:solidFill>
                   <a:schemeClr val="accent2">
@@ -6754,7 +6498,7 @@
                   </a:schemeClr>
                 </a:solidFill>
               </a:rPr>
-              <a:t/>
+              <a:t>model object</a:t>
             </a:r>
             <a:br>
               <a:rPr lang="en-US" sz="1000" b="1">
@@ -6766,7 +6510,7 @@
               </a:rPr>
             </a:br>
             <a:r>
-              <a:rPr lang="en-US" sz="1000" b="1" smtClean="0">
+              <a:rPr lang="en-US" sz="1000" b="1">
                 <a:solidFill>
                   <a:schemeClr val="accent2">
                     <a:lumMod val="75000"/>
@@ -6844,16 +6588,6 @@
               <a:buNone/>
             </a:pPr>
             <a:r>
-              <a:rPr lang="en-US" sz="1000" b="1" smtClean="0">
-                <a:solidFill>
-                  <a:schemeClr val="accent2">
-                    <a:lumMod val="75000"/>
-                  </a:schemeClr>
-                </a:solidFill>
-              </a:rPr>
-              <a:t>model object</a:t>
-            </a:r>
-            <a:r>
               <a:rPr lang="en-US" sz="1000" b="1">
                 <a:solidFill>
                   <a:schemeClr val="accent2">
@@ -6861,7 +6595,7 @@
                   </a:schemeClr>
                 </a:solidFill>
               </a:rPr>
-              <a:t/>
+              <a:t>model object</a:t>
             </a:r>
             <a:br>
               <a:rPr lang="en-US" sz="1000" b="1">
@@ -6873,7 +6607,7 @@
               </a:rPr>
             </a:br>
             <a:r>
-              <a:rPr lang="en-US" sz="1000" b="1" smtClean="0">
+              <a:rPr lang="en-US" sz="1000" b="1">
                 <a:solidFill>
                   <a:schemeClr val="accent2">
                     <a:lumMod val="75000"/>
@@ -7005,7 +6739,7 @@
               <a:buNone/>
             </a:pPr>
             <a:r>
-              <a:rPr lang="en-US" sz="1050" b="1" smtClean="0">
+              <a:rPr lang="en-US" sz="1050" b="1">
                 <a:solidFill>
                   <a:schemeClr val="accent2">
                     <a:lumMod val="75000"/>
@@ -7058,312 +6792,651 @@
           <a:lstStyle/>
           <a:p>
             <a:r>
-              <a:rPr lang="en-US" sz="1050" smtClean="0">
-                <a:latin typeface="Consolas" panose="020B0609020204030204" pitchFamily="49" charset="0"/>
-              </a:rPr>
-              <a:t>set.seed(1)</a:t>
-            </a:r>
-          </a:p>
-          <a:p>
-            <a:r>
-              <a:rPr lang="en-US" sz="1050" smtClean="0">
-                <a:latin typeface="Consolas" panose="020B0609020204030204" pitchFamily="49" charset="0"/>
-              </a:rPr>
-              <a:t>library(randomForest)</a:t>
-            </a:r>
-          </a:p>
-          <a:p>
-            <a:endParaRPr lang="en-US" sz="1050" smtClean="0">
+              <a:rPr lang="en-US" sz="1050" dirty="0" err="1">
+                <a:latin typeface="Consolas" panose="020B0609020204030204" pitchFamily="49" charset="0"/>
+              </a:rPr>
+              <a:t>set.seed</a:t>
+            </a:r>
+            <a:r>
+              <a:rPr lang="en-US" sz="1050" dirty="0">
+                <a:latin typeface="Consolas" panose="020B0609020204030204" pitchFamily="49" charset="0"/>
+              </a:rPr>
+              <a:t>(1)</a:t>
+            </a:r>
+          </a:p>
+          <a:p>
+            <a:r>
+              <a:rPr lang="en-US" sz="1050" dirty="0">
+                <a:latin typeface="Consolas" panose="020B0609020204030204" pitchFamily="49" charset="0"/>
+              </a:rPr>
+              <a:t>library(</a:t>
+            </a:r>
+            <a:r>
+              <a:rPr lang="en-US" sz="1050" dirty="0" err="1">
+                <a:latin typeface="Consolas" panose="020B0609020204030204" pitchFamily="49" charset="0"/>
+              </a:rPr>
+              <a:t>randomForest</a:t>
+            </a:r>
+            <a:r>
+              <a:rPr lang="en-US" sz="1050" dirty="0">
+                <a:latin typeface="Consolas" panose="020B0609020204030204" pitchFamily="49" charset="0"/>
+              </a:rPr>
+              <a:t>)</a:t>
+            </a:r>
+          </a:p>
+          <a:p>
+            <a:endParaRPr lang="en-US" sz="1050" dirty="0">
               <a:latin typeface="Consolas" panose="020B0609020204030204" pitchFamily="49" charset="0"/>
             </a:endParaRPr>
           </a:p>
           <a:p>
             <a:r>
-              <a:rPr lang="en-US" sz="1050" smtClean="0">
-                <a:latin typeface="Consolas" panose="020B0609020204030204" pitchFamily="49" charset="0"/>
-              </a:rPr>
-              <a:t>credit_model &lt;- randomForest(formula = default ~ ., data = credit_train)</a:t>
-            </a:r>
-          </a:p>
-          <a:p>
-            <a:endParaRPr lang="en-US" sz="1050">
+              <a:rPr lang="en-US" sz="1050" dirty="0" err="1">
+                <a:latin typeface="Consolas" panose="020B0609020204030204" pitchFamily="49" charset="0"/>
+              </a:rPr>
+              <a:t>credit_model</a:t>
+            </a:r>
+            <a:r>
+              <a:rPr lang="en-US" sz="1050" dirty="0">
+                <a:latin typeface="Consolas" panose="020B0609020204030204" pitchFamily="49" charset="0"/>
+              </a:rPr>
+              <a:t> &lt;- </a:t>
+            </a:r>
+            <a:r>
+              <a:rPr lang="en-US" sz="1050" dirty="0" err="1">
+                <a:latin typeface="Consolas" panose="020B0609020204030204" pitchFamily="49" charset="0"/>
+              </a:rPr>
+              <a:t>randomForest</a:t>
+            </a:r>
+            <a:r>
+              <a:rPr lang="en-US" sz="1050" dirty="0">
+                <a:latin typeface="Consolas" panose="020B0609020204030204" pitchFamily="49" charset="0"/>
+              </a:rPr>
+              <a:t>(formula = default ~ ., data = </a:t>
+            </a:r>
+            <a:r>
+              <a:rPr lang="en-US" sz="1050" dirty="0" err="1">
+                <a:latin typeface="Consolas" panose="020B0609020204030204" pitchFamily="49" charset="0"/>
+              </a:rPr>
+              <a:t>credit_train</a:t>
+            </a:r>
+            <a:r>
+              <a:rPr lang="en-US" sz="1050" dirty="0">
+                <a:latin typeface="Consolas" panose="020B0609020204030204" pitchFamily="49" charset="0"/>
+              </a:rPr>
+              <a:t>)</a:t>
+            </a:r>
+          </a:p>
+          <a:p>
+            <a:endParaRPr lang="en-US" sz="1050" dirty="0">
               <a:latin typeface="Consolas" panose="020B0609020204030204" pitchFamily="49" charset="0"/>
             </a:endParaRPr>
           </a:p>
           <a:p>
             <a:r>
-              <a:rPr lang="en-US" sz="1050" smtClean="0">
-                <a:latin typeface="Consolas" panose="020B0609020204030204" pitchFamily="49" charset="0"/>
-              </a:rPr>
-              <a:t>err &lt;- credit_model$err.rate</a:t>
-            </a:r>
-          </a:p>
-          <a:p>
-            <a:endParaRPr lang="en-US" sz="1050">
+              <a:rPr lang="en-US" sz="1050" dirty="0">
+                <a:latin typeface="Consolas" panose="020B0609020204030204" pitchFamily="49" charset="0"/>
+              </a:rPr>
+              <a:t>err &lt;- </a:t>
+            </a:r>
+            <a:r>
+              <a:rPr lang="en-US" sz="1050" dirty="0" err="1">
+                <a:latin typeface="Consolas" panose="020B0609020204030204" pitchFamily="49" charset="0"/>
+              </a:rPr>
+              <a:t>credit_model$err.rate</a:t>
+            </a:r>
+            <a:endParaRPr lang="en-US" sz="1050" dirty="0">
               <a:latin typeface="Consolas" panose="020B0609020204030204" pitchFamily="49" charset="0"/>
             </a:endParaRPr>
           </a:p>
           <a:p>
-            <a:r>
-              <a:rPr lang="en-US" sz="1050" smtClean="0">
-                <a:latin typeface="Consolas" panose="020B0609020204030204" pitchFamily="49" charset="0"/>
-              </a:rPr>
-              <a:t>oob_err &lt;- err[500, “OOB”]</a:t>
-            </a:r>
-          </a:p>
-          <a:p>
-            <a:endParaRPr lang="en-US" sz="1050" smtClean="0">
+            <a:endParaRPr lang="en-US" sz="1050" dirty="0">
               <a:latin typeface="Consolas" panose="020B0609020204030204" pitchFamily="49" charset="0"/>
             </a:endParaRPr>
           </a:p>
           <a:p>
             <a:r>
-              <a:rPr lang="en-US" sz="1050" smtClean="0">
-                <a:latin typeface="Consolas" panose="020B0609020204030204" pitchFamily="49" charset="0"/>
-              </a:rPr>
-              <a:t>plot(credit_model)</a:t>
-            </a:r>
-          </a:p>
-          <a:p>
-            <a:r>
-              <a:rPr lang="en-US" sz="1050" smtClean="0">
-                <a:latin typeface="Consolas" panose="020B0609020204030204" pitchFamily="49" charset="0"/>
-              </a:rPr>
-              <a:t>legend(x = “right”, legend = colnames(err), fill = 1:ncol(err))</a:t>
-            </a:r>
-          </a:p>
-          <a:p>
-            <a:endParaRPr lang="en-US" sz="1050" smtClean="0">
+              <a:rPr lang="en-US" sz="1050" dirty="0" err="1">
+                <a:latin typeface="Consolas" panose="020B0609020204030204" pitchFamily="49" charset="0"/>
+              </a:rPr>
+              <a:t>oob_err</a:t>
+            </a:r>
+            <a:r>
+              <a:rPr lang="en-US" sz="1050" dirty="0">
+                <a:latin typeface="Consolas" panose="020B0609020204030204" pitchFamily="49" charset="0"/>
+              </a:rPr>
+              <a:t> &lt;- err[500, “</a:t>
+            </a:r>
+            <a:r>
+              <a:rPr lang="en-US" sz="1050" dirty="0" err="1">
+                <a:latin typeface="Consolas" panose="020B0609020204030204" pitchFamily="49" charset="0"/>
+              </a:rPr>
+              <a:t>OOB</a:t>
+            </a:r>
+            <a:r>
+              <a:rPr lang="en-US" sz="1050" dirty="0">
+                <a:latin typeface="Consolas" panose="020B0609020204030204" pitchFamily="49" charset="0"/>
+              </a:rPr>
+              <a:t>”]</a:t>
+            </a:r>
+          </a:p>
+          <a:p>
+            <a:endParaRPr lang="en-US" sz="1050" dirty="0">
               <a:latin typeface="Consolas" panose="020B0609020204030204" pitchFamily="49" charset="0"/>
             </a:endParaRPr>
           </a:p>
           <a:p>
             <a:r>
-              <a:rPr lang="en-US" sz="1050" smtClean="0">
-                <a:latin typeface="Consolas" panose="020B0609020204030204" pitchFamily="49" charset="0"/>
-              </a:rPr>
-              <a:t>credit_pred &lt;- predict(object = credit_model,</a:t>
-            </a:r>
-          </a:p>
-          <a:p>
-            <a:r>
-              <a:rPr lang="en-US" sz="1050">
-                <a:latin typeface="Consolas" panose="020B0609020204030204" pitchFamily="49" charset="0"/>
-              </a:rPr>
-              <a:t>	</a:t>
-            </a:r>
-            <a:r>
-              <a:rPr lang="en-US" sz="1050" smtClean="0">
-                <a:latin typeface="Consolas" panose="020B0609020204030204" pitchFamily="49" charset="0"/>
-              </a:rPr>
-              <a:t>		     newdata = credit_test,  type = “class”)</a:t>
-            </a:r>
-          </a:p>
-          <a:p>
-            <a:endParaRPr lang="en-US" sz="1050">
+              <a:rPr lang="en-US" sz="1050" dirty="0">
+                <a:latin typeface="Consolas" panose="020B0609020204030204" pitchFamily="49" charset="0"/>
+              </a:rPr>
+              <a:t>plot(</a:t>
+            </a:r>
+            <a:r>
+              <a:rPr lang="en-US" sz="1050" dirty="0" err="1">
+                <a:latin typeface="Consolas" panose="020B0609020204030204" pitchFamily="49" charset="0"/>
+              </a:rPr>
+              <a:t>credit_model</a:t>
+            </a:r>
+            <a:r>
+              <a:rPr lang="en-US" sz="1050" dirty="0">
+                <a:latin typeface="Consolas" panose="020B0609020204030204" pitchFamily="49" charset="0"/>
+              </a:rPr>
+              <a:t>)</a:t>
+            </a:r>
+          </a:p>
+          <a:p>
+            <a:r>
+              <a:rPr lang="en-US" sz="1050" dirty="0">
+                <a:latin typeface="Consolas" panose="020B0609020204030204" pitchFamily="49" charset="0"/>
+              </a:rPr>
+              <a:t>legend(x = “right”, legend = </a:t>
+            </a:r>
+            <a:r>
+              <a:rPr lang="en-US" sz="1050" dirty="0" err="1">
+                <a:latin typeface="Consolas" panose="020B0609020204030204" pitchFamily="49" charset="0"/>
+              </a:rPr>
+              <a:t>colnames</a:t>
+            </a:r>
+            <a:r>
+              <a:rPr lang="en-US" sz="1050" dirty="0">
+                <a:latin typeface="Consolas" panose="020B0609020204030204" pitchFamily="49" charset="0"/>
+              </a:rPr>
+              <a:t>(err), fill = </a:t>
+            </a:r>
+            <a:r>
+              <a:rPr lang="en-US" sz="1050" dirty="0" err="1">
+                <a:latin typeface="Consolas" panose="020B0609020204030204" pitchFamily="49" charset="0"/>
+              </a:rPr>
+              <a:t>1:ncol</a:t>
+            </a:r>
+            <a:r>
+              <a:rPr lang="en-US" sz="1050" dirty="0">
+                <a:latin typeface="Consolas" panose="020B0609020204030204" pitchFamily="49" charset="0"/>
+              </a:rPr>
+              <a:t>(err))</a:t>
+            </a:r>
+          </a:p>
+          <a:p>
+            <a:endParaRPr lang="en-US" sz="1050" dirty="0">
               <a:latin typeface="Consolas" panose="020B0609020204030204" pitchFamily="49" charset="0"/>
             </a:endParaRPr>
           </a:p>
           <a:p>
             <a:r>
-              <a:rPr lang="en-US" sz="1050" smtClean="0">
-                <a:latin typeface="Consolas" panose="020B0609020204030204" pitchFamily="49" charset="0"/>
-              </a:rPr>
-              <a:t>cm &lt;- confusionMatrix(data = </a:t>
-            </a:r>
-            <a:r>
-              <a:rPr lang="en-US" sz="1050" smtClean="0">
-                <a:latin typeface="Consolas" panose="020B0609020204030204" pitchFamily="49" charset="0"/>
-              </a:rPr>
-              <a:t>class_prediction,</a:t>
-            </a:r>
-          </a:p>
-          <a:p>
-            <a:r>
-              <a:rPr lang="en-US" sz="1050">
-                <a:latin typeface="Consolas" panose="020B0609020204030204" pitchFamily="49" charset="0"/>
-              </a:rPr>
-              <a:t>	</a:t>
-            </a:r>
-            <a:r>
-              <a:rPr lang="en-US" sz="1050" smtClean="0">
-                <a:latin typeface="Consolas" panose="020B0609020204030204" pitchFamily="49" charset="0"/>
-              </a:rPr>
-              <a:t>		    </a:t>
-            </a:r>
-            <a:r>
-              <a:rPr lang="en-US" sz="1050" smtClean="0">
-                <a:latin typeface="Consolas" panose="020B0609020204030204" pitchFamily="49" charset="0"/>
-              </a:rPr>
-              <a:t>reference </a:t>
-            </a:r>
-            <a:r>
-              <a:rPr lang="en-US" sz="1050" smtClean="0">
-                <a:latin typeface="Consolas" panose="020B0609020204030204" pitchFamily="49" charset="0"/>
-              </a:rPr>
-              <a:t>= credit_test$default)</a:t>
-            </a:r>
-            <a:endParaRPr lang="en-US" sz="1050">
+              <a:rPr lang="en-US" sz="1050" dirty="0" err="1">
+                <a:latin typeface="Consolas" panose="020B0609020204030204" pitchFamily="49" charset="0"/>
+              </a:rPr>
+              <a:t>credit_pred</a:t>
+            </a:r>
+            <a:r>
+              <a:rPr lang="en-US" sz="1050" dirty="0">
+                <a:latin typeface="Consolas" panose="020B0609020204030204" pitchFamily="49" charset="0"/>
+              </a:rPr>
+              <a:t> &lt;- predict(object = </a:t>
+            </a:r>
+            <a:r>
+              <a:rPr lang="en-US" sz="1050" dirty="0" err="1">
+                <a:latin typeface="Consolas" panose="020B0609020204030204" pitchFamily="49" charset="0"/>
+              </a:rPr>
+              <a:t>credit_model</a:t>
+            </a:r>
+            <a:r>
+              <a:rPr lang="en-US" sz="1050" dirty="0">
+                <a:latin typeface="Consolas" panose="020B0609020204030204" pitchFamily="49" charset="0"/>
+              </a:rPr>
+              <a:t>,</a:t>
+            </a:r>
+          </a:p>
+          <a:p>
+            <a:r>
+              <a:rPr lang="en-US" sz="1050" dirty="0">
+                <a:latin typeface="Consolas" panose="020B0609020204030204" pitchFamily="49" charset="0"/>
+              </a:rPr>
+              <a:t>			     </a:t>
+            </a:r>
+            <a:r>
+              <a:rPr lang="en-US" sz="1050" dirty="0" err="1">
+                <a:latin typeface="Consolas" panose="020B0609020204030204" pitchFamily="49" charset="0"/>
+              </a:rPr>
+              <a:t>newdata</a:t>
+            </a:r>
+            <a:r>
+              <a:rPr lang="en-US" sz="1050" dirty="0">
+                <a:latin typeface="Consolas" panose="020B0609020204030204" pitchFamily="49" charset="0"/>
+              </a:rPr>
+              <a:t> = </a:t>
+            </a:r>
+            <a:r>
+              <a:rPr lang="en-US" sz="1050" dirty="0" err="1">
+                <a:latin typeface="Consolas" panose="020B0609020204030204" pitchFamily="49" charset="0"/>
+              </a:rPr>
+              <a:t>credit_test</a:t>
+            </a:r>
+            <a:r>
+              <a:rPr lang="en-US" sz="1050" dirty="0">
+                <a:latin typeface="Consolas" panose="020B0609020204030204" pitchFamily="49" charset="0"/>
+              </a:rPr>
+              <a:t>,  type = “class”)</a:t>
+            </a:r>
+          </a:p>
+          <a:p>
+            <a:endParaRPr lang="en-US" sz="1050" dirty="0">
               <a:latin typeface="Consolas" panose="020B0609020204030204" pitchFamily="49" charset="0"/>
             </a:endParaRPr>
           </a:p>
           <a:p>
-            <a:endParaRPr lang="en-US" sz="1050" smtClean="0">
+            <a:r>
+              <a:rPr lang="en-US" sz="1050" dirty="0">
+                <a:latin typeface="Consolas" panose="020B0609020204030204" pitchFamily="49" charset="0"/>
+              </a:rPr>
+              <a:t>cm &lt;- </a:t>
+            </a:r>
+            <a:r>
+              <a:rPr lang="en-US" sz="1050" dirty="0" err="1">
+                <a:latin typeface="Consolas" panose="020B0609020204030204" pitchFamily="49" charset="0"/>
+              </a:rPr>
+              <a:t>confusionMatrix</a:t>
+            </a:r>
+            <a:r>
+              <a:rPr lang="en-US" sz="1050" dirty="0">
+                <a:latin typeface="Consolas" panose="020B0609020204030204" pitchFamily="49" charset="0"/>
+              </a:rPr>
+              <a:t>(data = </a:t>
+            </a:r>
+            <a:r>
+              <a:rPr lang="en-US" sz="1050" dirty="0" err="1">
+                <a:latin typeface="Consolas" panose="020B0609020204030204" pitchFamily="49" charset="0"/>
+              </a:rPr>
+              <a:t>class_prediction</a:t>
+            </a:r>
+            <a:r>
+              <a:rPr lang="en-US" sz="1050" dirty="0">
+                <a:latin typeface="Consolas" panose="020B0609020204030204" pitchFamily="49" charset="0"/>
+              </a:rPr>
+              <a:t>,</a:t>
+            </a:r>
+          </a:p>
+          <a:p>
+            <a:r>
+              <a:rPr lang="en-US" sz="1050" dirty="0">
+                <a:latin typeface="Consolas" panose="020B0609020204030204" pitchFamily="49" charset="0"/>
+              </a:rPr>
+              <a:t>			    reference = </a:t>
+            </a:r>
+            <a:r>
+              <a:rPr lang="en-US" sz="1050" dirty="0" err="1">
+                <a:latin typeface="Consolas" panose="020B0609020204030204" pitchFamily="49" charset="0"/>
+              </a:rPr>
+              <a:t>credit_test$default</a:t>
+            </a:r>
+            <a:r>
+              <a:rPr lang="en-US" sz="1050" dirty="0">
+                <a:latin typeface="Consolas" panose="020B0609020204030204" pitchFamily="49" charset="0"/>
+              </a:rPr>
+              <a:t>)</a:t>
+            </a:r>
+          </a:p>
+          <a:p>
+            <a:endParaRPr lang="en-US" sz="1050" dirty="0">
               <a:latin typeface="Consolas" panose="020B0609020204030204" pitchFamily="49" charset="0"/>
             </a:endParaRPr>
           </a:p>
           <a:p>
             <a:r>
-              <a:rPr lang="en-US" sz="1050" smtClean="0">
-                <a:latin typeface="Consolas" panose="020B0609020204030204" pitchFamily="49" charset="0"/>
-              </a:rPr>
-              <a:t>paste0(“Test Accuracy: ”, cm$overall[1])</a:t>
-            </a:r>
-          </a:p>
-          <a:p>
-            <a:r>
-              <a:rPr lang="en-US" sz="1050" smtClean="0">
-                <a:latin typeface="Consolas" panose="020B0609020204030204" pitchFamily="49" charset="0"/>
-              </a:rPr>
-              <a:t>paste0(“OOB Accuracy: ”, 1 – obb_err)</a:t>
-            </a:r>
-            <a:endParaRPr lang="en-US" sz="1050">
+              <a:rPr lang="en-US" sz="1050" dirty="0" err="1">
+                <a:latin typeface="Consolas" panose="020B0609020204030204" pitchFamily="49" charset="0"/>
+              </a:rPr>
+              <a:t>paste0</a:t>
+            </a:r>
+            <a:r>
+              <a:rPr lang="en-US" sz="1050" dirty="0">
+                <a:latin typeface="Consolas" panose="020B0609020204030204" pitchFamily="49" charset="0"/>
+              </a:rPr>
+              <a:t>(“Test Accuracy: ”, </a:t>
+            </a:r>
+            <a:r>
+              <a:rPr lang="en-US" sz="1050" dirty="0" err="1">
+                <a:latin typeface="Consolas" panose="020B0609020204030204" pitchFamily="49" charset="0"/>
+              </a:rPr>
+              <a:t>cm$overall</a:t>
+            </a:r>
+            <a:r>
+              <a:rPr lang="en-US" sz="1050" dirty="0">
+                <a:latin typeface="Consolas" panose="020B0609020204030204" pitchFamily="49" charset="0"/>
+              </a:rPr>
+              <a:t>[1])</a:t>
+            </a:r>
+          </a:p>
+          <a:p>
+            <a:r>
+              <a:rPr lang="en-US" sz="1050" dirty="0" err="1">
+                <a:latin typeface="Consolas" panose="020B0609020204030204" pitchFamily="49" charset="0"/>
+              </a:rPr>
+              <a:t>paste0</a:t>
+            </a:r>
+            <a:r>
+              <a:rPr lang="en-US" sz="1050" dirty="0">
+                <a:latin typeface="Consolas" panose="020B0609020204030204" pitchFamily="49" charset="0"/>
+              </a:rPr>
+              <a:t>(“</a:t>
+            </a:r>
+            <a:r>
+              <a:rPr lang="en-US" sz="1050" dirty="0" err="1">
+                <a:latin typeface="Consolas" panose="020B0609020204030204" pitchFamily="49" charset="0"/>
+              </a:rPr>
+              <a:t>OOB</a:t>
+            </a:r>
+            <a:r>
+              <a:rPr lang="en-US" sz="1050" dirty="0">
+                <a:latin typeface="Consolas" panose="020B0609020204030204" pitchFamily="49" charset="0"/>
+              </a:rPr>
+              <a:t> Accuracy: ”, 1 – </a:t>
+            </a:r>
+            <a:r>
+              <a:rPr lang="en-US" sz="1050" dirty="0" err="1">
+                <a:latin typeface="Consolas" panose="020B0609020204030204" pitchFamily="49" charset="0"/>
+              </a:rPr>
+              <a:t>obb_err</a:t>
+            </a:r>
+            <a:r>
+              <a:rPr lang="en-US" sz="1050" dirty="0">
+                <a:latin typeface="Consolas" panose="020B0609020204030204" pitchFamily="49" charset="0"/>
+              </a:rPr>
+              <a:t>)</a:t>
+            </a:r>
+          </a:p>
+          <a:p>
+            <a:endParaRPr lang="en-US" sz="1050" dirty="0">
               <a:latin typeface="Consolas" panose="020B0609020204030204" pitchFamily="49" charset="0"/>
             </a:endParaRPr>
           </a:p>
           <a:p>
-            <a:endParaRPr lang="en-US" sz="1050">
+            <a:r>
+              <a:rPr lang="en-US" sz="1050" dirty="0" err="1">
+                <a:latin typeface="Consolas" panose="020B0609020204030204" pitchFamily="49" charset="0"/>
+              </a:rPr>
+              <a:t>credit_pred</a:t>
+            </a:r>
+            <a:r>
+              <a:rPr lang="en-US" sz="1050" dirty="0">
+                <a:latin typeface="Consolas" panose="020B0609020204030204" pitchFamily="49" charset="0"/>
+              </a:rPr>
+              <a:t> &lt;- predict(object = </a:t>
+            </a:r>
+            <a:r>
+              <a:rPr lang="en-US" sz="1050" dirty="0" err="1">
+                <a:latin typeface="Consolas" panose="020B0609020204030204" pitchFamily="49" charset="0"/>
+              </a:rPr>
+              <a:t>credit_caret_model</a:t>
+            </a:r>
+            <a:r>
+              <a:rPr lang="en-US" sz="1050" dirty="0">
+                <a:latin typeface="Consolas" panose="020B0609020204030204" pitchFamily="49" charset="0"/>
+              </a:rPr>
+              <a:t>,</a:t>
+            </a:r>
+          </a:p>
+          <a:p>
+            <a:r>
+              <a:rPr lang="en-US" sz="1050" dirty="0">
+                <a:latin typeface="Consolas" panose="020B0609020204030204" pitchFamily="49" charset="0"/>
+              </a:rPr>
+              <a:t>			     </a:t>
+            </a:r>
+            <a:r>
+              <a:rPr lang="en-US" sz="1050" dirty="0" err="1">
+                <a:latin typeface="Consolas" panose="020B0609020204030204" pitchFamily="49" charset="0"/>
+              </a:rPr>
+              <a:t>newdata</a:t>
+            </a:r>
+            <a:r>
+              <a:rPr lang="en-US" sz="1050" dirty="0">
+                <a:latin typeface="Consolas" panose="020B0609020204030204" pitchFamily="49" charset="0"/>
+              </a:rPr>
+              <a:t> = </a:t>
+            </a:r>
+            <a:r>
+              <a:rPr lang="en-US" sz="1050" dirty="0" err="1">
+                <a:latin typeface="Consolas" panose="020B0609020204030204" pitchFamily="49" charset="0"/>
+              </a:rPr>
+              <a:t>credit_test</a:t>
+            </a:r>
+            <a:r>
+              <a:rPr lang="en-US" sz="1050" dirty="0">
+                <a:latin typeface="Consolas" panose="020B0609020204030204" pitchFamily="49" charset="0"/>
+              </a:rPr>
+              <a:t>, type = “prob”)</a:t>
+            </a:r>
+          </a:p>
+          <a:p>
+            <a:endParaRPr lang="en-US" sz="1050" dirty="0">
               <a:latin typeface="Consolas" panose="020B0609020204030204" pitchFamily="49" charset="0"/>
             </a:endParaRPr>
           </a:p>
           <a:p>
             <a:r>
-              <a:rPr lang="en-US" sz="1050">
-                <a:latin typeface="Consolas" panose="020B0609020204030204" pitchFamily="49" charset="0"/>
-              </a:rPr>
-              <a:t>credit_pred &lt;- predict(object = credit_caret_model,</a:t>
-            </a:r>
-          </a:p>
-          <a:p>
-            <a:r>
-              <a:rPr lang="en-US" sz="1050">
-                <a:latin typeface="Consolas" panose="020B0609020204030204" pitchFamily="49" charset="0"/>
-              </a:rPr>
-              <a:t>			     newdata = credit_test, type = “prob”)</a:t>
-            </a:r>
-          </a:p>
-          <a:p>
-            <a:endParaRPr lang="en-US" sz="1050" smtClean="0">
+              <a:rPr lang="en-US" sz="1050" dirty="0" err="1">
+                <a:latin typeface="Consolas" panose="020B0609020204030204" pitchFamily="49" charset="0"/>
+              </a:rPr>
+              <a:t>auc</a:t>
+            </a:r>
+            <a:r>
+              <a:rPr lang="en-US" sz="1050" dirty="0">
+                <a:latin typeface="Consolas" panose="020B0609020204030204" pitchFamily="49" charset="0"/>
+              </a:rPr>
+              <a:t>(actual = </a:t>
+            </a:r>
+            <a:r>
+              <a:rPr lang="en-US" sz="1050" dirty="0" err="1">
+                <a:latin typeface="Consolas" panose="020B0609020204030204" pitchFamily="49" charset="0"/>
+              </a:rPr>
+              <a:t>ifelse</a:t>
+            </a:r>
+            <a:r>
+              <a:rPr lang="en-US" sz="1050" dirty="0">
+                <a:latin typeface="Consolas" panose="020B0609020204030204" pitchFamily="49" charset="0"/>
+              </a:rPr>
+              <a:t>(</a:t>
+            </a:r>
+            <a:r>
+              <a:rPr lang="en-US" sz="1050" dirty="0" err="1">
+                <a:latin typeface="Consolas" panose="020B0609020204030204" pitchFamily="49" charset="0"/>
+              </a:rPr>
+              <a:t>credit_test$default</a:t>
+            </a:r>
+            <a:r>
+              <a:rPr lang="en-US" sz="1050" dirty="0">
+                <a:latin typeface="Consolas" panose="020B0609020204030204" pitchFamily="49" charset="0"/>
+              </a:rPr>
+              <a:t> == “yes”, 1, 0),</a:t>
+            </a:r>
+          </a:p>
+          <a:p>
+            <a:r>
+              <a:rPr lang="en-US" sz="1050" dirty="0">
+                <a:latin typeface="Consolas" panose="020B0609020204030204" pitchFamily="49" charset="0"/>
+              </a:rPr>
+              <a:t>			  predict = </a:t>
+            </a:r>
+            <a:r>
+              <a:rPr lang="en-US" sz="1050" dirty="0" err="1">
+                <a:latin typeface="Consolas" panose="020B0609020204030204" pitchFamily="49" charset="0"/>
+              </a:rPr>
+              <a:t>pred</a:t>
+            </a:r>
+            <a:r>
+              <a:rPr lang="en-US" sz="1050" dirty="0">
+                <a:latin typeface="Consolas" panose="020B0609020204030204" pitchFamily="49" charset="0"/>
+              </a:rPr>
+              <a:t>[ , “yes”])</a:t>
+            </a:r>
+          </a:p>
+          <a:p>
+            <a:endParaRPr lang="en-US" sz="1050" dirty="0">
               <a:latin typeface="Consolas" panose="020B0609020204030204" pitchFamily="49" charset="0"/>
             </a:endParaRPr>
           </a:p>
           <a:p>
             <a:r>
-              <a:rPr lang="en-US" sz="1050" smtClean="0">
-                <a:latin typeface="Consolas" panose="020B0609020204030204" pitchFamily="49" charset="0"/>
-              </a:rPr>
-              <a:t>auc(actual </a:t>
-            </a:r>
-            <a:r>
-              <a:rPr lang="en-US" sz="1050">
-                <a:latin typeface="Consolas" panose="020B0609020204030204" pitchFamily="49" charset="0"/>
-              </a:rPr>
-              <a:t>= ifelse(credit_test$default == “yes”, 1, 0</a:t>
-            </a:r>
-            <a:r>
-              <a:rPr lang="en-US" sz="1050" smtClean="0">
-                <a:latin typeface="Consolas" panose="020B0609020204030204" pitchFamily="49" charset="0"/>
-              </a:rPr>
-              <a:t>),</a:t>
-            </a:r>
-          </a:p>
-          <a:p>
-            <a:r>
-              <a:rPr lang="en-US" sz="1050">
-                <a:latin typeface="Consolas" panose="020B0609020204030204" pitchFamily="49" charset="0"/>
-              </a:rPr>
-              <a:t>	</a:t>
-            </a:r>
-            <a:r>
-              <a:rPr lang="en-US" sz="1050" smtClean="0">
-                <a:latin typeface="Consolas" panose="020B0609020204030204" pitchFamily="49" charset="0"/>
-              </a:rPr>
-              <a:t>		  </a:t>
-            </a:r>
-            <a:r>
-              <a:rPr lang="en-US" sz="1050" smtClean="0">
-                <a:latin typeface="Consolas" panose="020B0609020204030204" pitchFamily="49" charset="0"/>
-              </a:rPr>
-              <a:t>predict </a:t>
-            </a:r>
-            <a:r>
-              <a:rPr lang="en-US" sz="1050">
-                <a:latin typeface="Consolas" panose="020B0609020204030204" pitchFamily="49" charset="0"/>
-              </a:rPr>
-              <a:t>= pred[ , “yes</a:t>
-            </a:r>
-            <a:r>
-              <a:rPr lang="en-US" sz="1050" smtClean="0">
-                <a:latin typeface="Consolas" panose="020B0609020204030204" pitchFamily="49" charset="0"/>
-              </a:rPr>
-              <a:t>”])</a:t>
-            </a:r>
-          </a:p>
-          <a:p>
-            <a:endParaRPr lang="en-US" sz="1050">
+              <a:rPr lang="en-US" sz="1050" dirty="0" err="1">
+                <a:latin typeface="Consolas" panose="020B0609020204030204" pitchFamily="49" charset="0"/>
+              </a:rPr>
+              <a:t>set.seed</a:t>
+            </a:r>
+            <a:r>
+              <a:rPr lang="en-US" sz="1050" dirty="0">
+                <a:latin typeface="Consolas" panose="020B0609020204030204" pitchFamily="49" charset="0"/>
+              </a:rPr>
+              <a:t>(1)</a:t>
+            </a:r>
+          </a:p>
+          <a:p>
+            <a:endParaRPr lang="en-US" sz="1050" dirty="0">
               <a:latin typeface="Consolas" panose="020B0609020204030204" pitchFamily="49" charset="0"/>
             </a:endParaRPr>
           </a:p>
           <a:p>
             <a:r>
-              <a:rPr lang="en-US" sz="1050" smtClean="0">
-                <a:latin typeface="Consolas" panose="020B0609020204030204" pitchFamily="49" charset="0"/>
-              </a:rPr>
-              <a:t>set.seed(1)</a:t>
-            </a:r>
-          </a:p>
-          <a:p>
-            <a:endParaRPr lang="en-US" sz="1050" smtClean="0">
+              <a:rPr lang="en-US" sz="1050" dirty="0">
+                <a:latin typeface="Consolas" panose="020B0609020204030204" pitchFamily="49" charset="0"/>
+              </a:rPr>
+              <a:t>res &lt;- </a:t>
+            </a:r>
+            <a:r>
+              <a:rPr lang="en-US" sz="1050" dirty="0" err="1">
+                <a:latin typeface="Consolas" panose="020B0609020204030204" pitchFamily="49" charset="0"/>
+              </a:rPr>
+              <a:t>tuneRF</a:t>
+            </a:r>
+            <a:r>
+              <a:rPr lang="en-US" sz="1050" dirty="0">
+                <a:latin typeface="Consolas" panose="020B0609020204030204" pitchFamily="49" charset="0"/>
+              </a:rPr>
+              <a:t>(x = subset(</a:t>
+            </a:r>
+            <a:r>
+              <a:rPr lang="en-US" sz="1050" dirty="0" err="1">
+                <a:latin typeface="Consolas" panose="020B0609020204030204" pitchFamily="49" charset="0"/>
+              </a:rPr>
+              <a:t>credit_train</a:t>
+            </a:r>
+            <a:r>
+              <a:rPr lang="en-US" sz="1050" dirty="0">
+                <a:latin typeface="Consolas" panose="020B0609020204030204" pitchFamily="49" charset="0"/>
+              </a:rPr>
+              <a:t>, select = -default),</a:t>
+            </a:r>
+          </a:p>
+          <a:p>
+            <a:r>
+              <a:rPr lang="en-US" sz="1050" dirty="0">
+                <a:latin typeface="Consolas" panose="020B0609020204030204" pitchFamily="49" charset="0"/>
+              </a:rPr>
+              <a:t>		  y = </a:t>
+            </a:r>
+            <a:r>
+              <a:rPr lang="en-US" sz="1050" dirty="0" err="1">
+                <a:latin typeface="Consolas" panose="020B0609020204030204" pitchFamily="49" charset="0"/>
+              </a:rPr>
+              <a:t>credit_train$default</a:t>
+            </a:r>
+            <a:r>
+              <a:rPr lang="en-US" sz="1050" dirty="0">
+                <a:latin typeface="Consolas" panose="020B0609020204030204" pitchFamily="49" charset="0"/>
+              </a:rPr>
+              <a:t>, </a:t>
+            </a:r>
+            <a:r>
+              <a:rPr lang="en-US" sz="1050" dirty="0" err="1">
+                <a:latin typeface="Consolas" panose="020B0609020204030204" pitchFamily="49" charset="0"/>
+              </a:rPr>
+              <a:t>ntreeTry</a:t>
+            </a:r>
+            <a:r>
+              <a:rPr lang="en-US" sz="1050" dirty="0">
+                <a:latin typeface="Consolas" panose="020B0609020204030204" pitchFamily="49" charset="0"/>
+              </a:rPr>
+              <a:t> = 500)</a:t>
+            </a:r>
+          </a:p>
+          <a:p>
+            <a:endParaRPr lang="en-US" sz="1050" dirty="0">
               <a:latin typeface="Consolas" panose="020B0609020204030204" pitchFamily="49" charset="0"/>
             </a:endParaRPr>
           </a:p>
           <a:p>
             <a:r>
-              <a:rPr lang="en-US" sz="1050" smtClean="0">
-                <a:latin typeface="Consolas" panose="020B0609020204030204" pitchFamily="49" charset="0"/>
-              </a:rPr>
-              <a:t>res &lt;- tuneRF(x = subset(credit_train, select = -default),</a:t>
-            </a:r>
-          </a:p>
-          <a:p>
-            <a:r>
-              <a:rPr lang="en-US" sz="1050">
-                <a:latin typeface="Consolas" panose="020B0609020204030204" pitchFamily="49" charset="0"/>
-              </a:rPr>
-              <a:t>	</a:t>
-            </a:r>
-            <a:r>
-              <a:rPr lang="en-US" sz="1050" smtClean="0">
-                <a:latin typeface="Consolas" panose="020B0609020204030204" pitchFamily="49" charset="0"/>
-              </a:rPr>
-              <a:t>	  y = credit_train$default, ntreeTry = 500)</a:t>
-            </a:r>
-          </a:p>
-          <a:p>
-            <a:endParaRPr lang="en-US" sz="1050">
-              <a:latin typeface="Consolas" panose="020B0609020204030204" pitchFamily="49" charset="0"/>
-            </a:endParaRPr>
-          </a:p>
-          <a:p>
-            <a:r>
-              <a:rPr lang="en-US" sz="1050" smtClean="0">
-                <a:latin typeface="Consolas" panose="020B0609020204030204" pitchFamily="49" charset="0"/>
-              </a:rPr>
-              <a:t>mtry_opt &lt;- res[ , “mtry”][which.min(res[ , “OOBError”])]</a:t>
-            </a:r>
-          </a:p>
-          <a:p>
-            <a:endParaRPr lang="en-US" sz="1050" smtClean="0">
+              <a:rPr lang="en-US" sz="1050" dirty="0" err="1">
+                <a:latin typeface="Consolas" panose="020B0609020204030204" pitchFamily="49" charset="0"/>
+              </a:rPr>
+              <a:t>mtry_opt</a:t>
+            </a:r>
+            <a:r>
+              <a:rPr lang="en-US" sz="1050" dirty="0">
+                <a:latin typeface="Consolas" panose="020B0609020204030204" pitchFamily="49" charset="0"/>
+              </a:rPr>
+              <a:t> &lt;- res[ , “</a:t>
+            </a:r>
+            <a:r>
+              <a:rPr lang="en-US" sz="1050" dirty="0" err="1">
+                <a:latin typeface="Consolas" panose="020B0609020204030204" pitchFamily="49" charset="0"/>
+              </a:rPr>
+              <a:t>mtry</a:t>
+            </a:r>
+            <a:r>
+              <a:rPr lang="en-US" sz="1050" dirty="0">
+                <a:latin typeface="Consolas" panose="020B0609020204030204" pitchFamily="49" charset="0"/>
+              </a:rPr>
+              <a:t>”][</a:t>
+            </a:r>
+            <a:r>
+              <a:rPr lang="en-US" sz="1050" dirty="0" err="1">
+                <a:latin typeface="Consolas" panose="020B0609020204030204" pitchFamily="49" charset="0"/>
+              </a:rPr>
+              <a:t>which.min</a:t>
+            </a:r>
+            <a:r>
+              <a:rPr lang="en-US" sz="1050" dirty="0">
+                <a:latin typeface="Consolas" panose="020B0609020204030204" pitchFamily="49" charset="0"/>
+              </a:rPr>
+              <a:t>(res[ , “</a:t>
+            </a:r>
+            <a:r>
+              <a:rPr lang="en-US" sz="1050" dirty="0" err="1">
+                <a:latin typeface="Consolas" panose="020B0609020204030204" pitchFamily="49" charset="0"/>
+              </a:rPr>
+              <a:t>OOBError</a:t>
+            </a:r>
+            <a:r>
+              <a:rPr lang="en-US" sz="1050" dirty="0">
+                <a:latin typeface="Consolas" panose="020B0609020204030204" pitchFamily="49" charset="0"/>
+              </a:rPr>
+              <a:t>”])]</a:t>
+            </a:r>
+          </a:p>
+          <a:p>
+            <a:endParaRPr lang="en-US" sz="1050" dirty="0">
               <a:latin typeface="Consolas" panose="020B0609020204030204" pitchFamily="49" charset="0"/>
             </a:endParaRPr>
           </a:p>
@@ -7399,7 +7472,7 @@
           <a:p>
             <a:pPr algn="r"/>
             <a:r>
-              <a:rPr lang="en-US" sz="800" smtClean="0">
+              <a:rPr lang="en-US" sz="800">
                 <a:solidFill>
                   <a:schemeClr val="accent1">
                     <a:lumMod val="60000"/>
@@ -7448,7 +7521,7 @@
               <a:buNone/>
             </a:pPr>
             <a:r>
-              <a:rPr lang="en-US" sz="1000" b="1" smtClean="0">
+              <a:rPr lang="en-US" sz="1000" b="1">
                 <a:solidFill>
                   <a:schemeClr val="accent2">
                     <a:lumMod val="75000"/>
@@ -7458,7 +7531,7 @@
               <a:t>libraries </a:t>
             </a:r>
             <a:r>
-              <a:rPr lang="en-US" sz="1000" b="1" smtClean="0">
+              <a:rPr lang="en-US" sz="1000" b="1">
                 <a:solidFill>
                   <a:schemeClr val="accent2">
                     <a:lumMod val="75000"/>
@@ -7469,7 +7542,7 @@
               <a:t> r</a:t>
             </a:r>
             <a:r>
-              <a:rPr lang="en-US" sz="1000" b="1" smtClean="0">
+              <a:rPr lang="en-US" sz="1000" b="1">
                 <a:solidFill>
                   <a:schemeClr val="accent2">
                     <a:lumMod val="75000"/>
@@ -7531,16 +7604,6 @@
               <a:buNone/>
             </a:pPr>
             <a:r>
-              <a:rPr lang="en-US" sz="1000" b="1" smtClean="0">
-                <a:solidFill>
-                  <a:schemeClr val="accent2">
-                    <a:lumMod val="75000"/>
-                  </a:schemeClr>
-                </a:solidFill>
-              </a:rPr>
-              <a:t>model object</a:t>
-            </a:r>
-            <a:r>
               <a:rPr lang="en-US" sz="1000" b="1">
                 <a:solidFill>
                   <a:schemeClr val="accent2">
@@ -7548,7 +7611,7 @@
                   </a:schemeClr>
                 </a:solidFill>
               </a:rPr>
-              <a:t/>
+              <a:t>model object</a:t>
             </a:r>
             <a:br>
               <a:rPr lang="en-US" sz="1000" b="1">
@@ -7560,7 +7623,7 @@
               </a:rPr>
             </a:br>
             <a:r>
-              <a:rPr lang="en-US" sz="1000" b="1" smtClean="0">
+              <a:rPr lang="en-US" sz="1000" b="1">
                 <a:solidFill>
                   <a:schemeClr val="accent2">
                     <a:lumMod val="75000"/>
@@ -7638,7 +7701,7 @@
               <a:buNone/>
             </a:pPr>
             <a:r>
-              <a:rPr lang="en-US" sz="1000" b="1" smtClean="0">
+              <a:rPr lang="en-US" sz="1000" b="1">
                 <a:solidFill>
                   <a:schemeClr val="accent2">
                     <a:lumMod val="75000"/>
@@ -7740,7 +7803,7 @@
               <a:buNone/>
             </a:pPr>
             <a:r>
-              <a:rPr lang="en-US" sz="1000" b="1" smtClean="0">
+              <a:rPr lang="en-US" sz="1000" b="1">
                 <a:solidFill>
                   <a:schemeClr val="accent2">
                     <a:lumMod val="75000"/>
@@ -7821,18 +7884,15 @@
           <a:lstStyle/>
           <a:p>
             <a:r>
-              <a:rPr lang="en-US" sz="800" smtClean="0">
+              <a:rPr lang="en-US" sz="800">
                 <a:latin typeface="Consolas" panose="020B0609020204030204" pitchFamily="49" charset="0"/>
               </a:rPr>
               <a:t>mtry &lt;- seq(4, ncol(credit_train) * 0.8, 2)</a:t>
             </a:r>
-            <a:endParaRPr lang="en-US" sz="800" smtClean="0">
-              <a:latin typeface="Consolas" panose="020B0609020204030204" pitchFamily="49" charset="0"/>
-            </a:endParaRPr>
-          </a:p>
-          <a:p>
-            <a:r>
-              <a:rPr lang="en-US" sz="800" smtClean="0">
+          </a:p>
+          <a:p>
+            <a:r>
+              <a:rPr lang="en-US" sz="800">
                 <a:latin typeface="Consolas" panose="020B0609020204030204" pitchFamily="49" charset="0"/>
               </a:rPr>
               <a:t>nodesize &lt;- seq(3, 8, 2)</a:t>
@@ -7840,14 +7900,11 @@
           </a:p>
           <a:p>
             <a:r>
-              <a:rPr lang="en-US" sz="800" smtClean="0">
+              <a:rPr lang="en-US" sz="800">
                 <a:latin typeface="Consolas" panose="020B0609020204030204" pitchFamily="49" charset="0"/>
               </a:rPr>
               <a:t>sampsize &lt;- nrow(credit_train) * c(0.7, 0.8)</a:t>
             </a:r>
-            <a:endParaRPr lang="en-US" sz="800" smtClean="0">
-              <a:latin typeface="Consolas" panose="020B0609020204030204" pitchFamily="49" charset="0"/>
-            </a:endParaRPr>
           </a:p>
           <a:p>
             <a:endParaRPr lang="en-US" sz="800">
@@ -7856,7 +7913,7 @@
           </a:p>
           <a:p>
             <a:r>
-              <a:rPr lang="en-US" sz="800" smtClean="0">
+              <a:rPr lang="en-US" sz="800">
                 <a:latin typeface="Consolas" panose="020B0609020204030204" pitchFamily="49" charset="0"/>
               </a:rPr>
               <a:t>hp_grid &lt;- expand.grid(mtry = mtry,</a:t>
@@ -7867,19 +7924,7 @@
               <a:rPr lang="en-US" sz="800">
                 <a:latin typeface="Consolas" panose="020B0609020204030204" pitchFamily="49" charset="0"/>
               </a:rPr>
-              <a:t>	</a:t>
-            </a:r>
-            <a:r>
-              <a:rPr lang="en-US" sz="800" smtClean="0">
-                <a:latin typeface="Consolas" panose="020B0609020204030204" pitchFamily="49" charset="0"/>
-              </a:rPr>
-              <a:t>		  </a:t>
-            </a:r>
-            <a:r>
-              <a:rPr lang="en-US" sz="800" smtClean="0">
-                <a:latin typeface="Consolas" panose="020B0609020204030204" pitchFamily="49" charset="0"/>
-              </a:rPr>
-              <a:t>nodesize = nodesize,</a:t>
+              <a:t>			  nodesize = nodesize,</a:t>
             </a:r>
           </a:p>
           <a:p>
@@ -7887,23 +7932,8 @@
               <a:rPr lang="en-US" sz="800">
                 <a:latin typeface="Consolas" panose="020B0609020204030204" pitchFamily="49" charset="0"/>
               </a:rPr>
-              <a:t>	</a:t>
-            </a:r>
-            <a:r>
-              <a:rPr lang="en-US" sz="800" smtClean="0">
-                <a:latin typeface="Consolas" panose="020B0609020204030204" pitchFamily="49" charset="0"/>
-              </a:rPr>
-              <a:t>		  </a:t>
-            </a:r>
-            <a:r>
-              <a:rPr lang="en-US" sz="800" smtClean="0">
-                <a:latin typeface="Consolas" panose="020B0609020204030204" pitchFamily="49" charset="0"/>
-              </a:rPr>
-              <a:t>sampsize = sampsize)</a:t>
-            </a:r>
-            <a:endParaRPr lang="en-US" sz="800" smtClean="0">
-              <a:latin typeface="Consolas" panose="020B0609020204030204" pitchFamily="49" charset="0"/>
-            </a:endParaRPr>
+              <a:t>			  sampsize = sampsize)</a:t>
+            </a:r>
           </a:p>
           <a:p>
             <a:endParaRPr lang="en-US" sz="800">
@@ -7912,103 +7942,10 @@
           </a:p>
           <a:p>
             <a:r>
-              <a:rPr lang="en-US" sz="800" smtClean="0">
+              <a:rPr lang="en-US" sz="800">
                 <a:latin typeface="Consolas" panose="020B0609020204030204" pitchFamily="49" charset="0"/>
               </a:rPr>
               <a:t>for (i in 1:nrow(hp_grid) {</a:t>
-            </a:r>
-          </a:p>
-          <a:p>
-            <a:endParaRPr lang="en-US" sz="800" smtClean="0">
-              <a:latin typeface="Consolas" panose="020B0609020204030204" pitchFamily="49" charset="0"/>
-            </a:endParaRPr>
-          </a:p>
-          <a:p>
-            <a:r>
-              <a:rPr lang="en-US" sz="800" smtClean="0">
-                <a:latin typeface="Consolas" panose="020B0609020204030204" pitchFamily="49" charset="0"/>
-              </a:rPr>
-              <a:t>    model &lt;- randomForest(formula = default ~.,</a:t>
-            </a:r>
-          </a:p>
-          <a:p>
-            <a:r>
-              <a:rPr lang="en-US" sz="800">
-                <a:latin typeface="Consolas" panose="020B0609020204030204" pitchFamily="49" charset="0"/>
-              </a:rPr>
-              <a:t>	</a:t>
-            </a:r>
-            <a:r>
-              <a:rPr lang="en-US" sz="800" smtClean="0">
-                <a:latin typeface="Consolas" panose="020B0609020204030204" pitchFamily="49" charset="0"/>
-              </a:rPr>
-              <a:t>		 data = credit_train,</a:t>
-            </a:r>
-          </a:p>
-          <a:p>
-            <a:r>
-              <a:rPr lang="en-US" sz="800">
-                <a:latin typeface="Consolas" panose="020B0609020204030204" pitchFamily="49" charset="0"/>
-              </a:rPr>
-              <a:t>	</a:t>
-            </a:r>
-            <a:r>
-              <a:rPr lang="en-US" sz="800" smtClean="0">
-                <a:latin typeface="Consolas" panose="020B0609020204030204" pitchFamily="49" charset="0"/>
-              </a:rPr>
-              <a:t>		 mtry = hp_grid$mtry[i],</a:t>
-            </a:r>
-          </a:p>
-          <a:p>
-            <a:r>
-              <a:rPr lang="en-US" sz="800">
-                <a:latin typeface="Consolas" panose="020B0609020204030204" pitchFamily="49" charset="0"/>
-              </a:rPr>
-              <a:t>	</a:t>
-            </a:r>
-            <a:r>
-              <a:rPr lang="en-US" sz="800" smtClean="0">
-                <a:latin typeface="Consolas" panose="020B0609020204030204" pitchFamily="49" charset="0"/>
-              </a:rPr>
-              <a:t>		 nodesize = hp_grid$nodesize[i],</a:t>
-            </a:r>
-          </a:p>
-          <a:p>
-            <a:r>
-              <a:rPr lang="en-US" sz="800">
-                <a:latin typeface="Consolas" panose="020B0609020204030204" pitchFamily="49" charset="0"/>
-              </a:rPr>
-              <a:t>	</a:t>
-            </a:r>
-            <a:r>
-              <a:rPr lang="en-US" sz="800" smtClean="0">
-                <a:latin typeface="Consolas" panose="020B0609020204030204" pitchFamily="49" charset="0"/>
-              </a:rPr>
-              <a:t>		 </a:t>
-            </a:r>
-            <a:r>
-              <a:rPr lang="en-US" sz="800">
-                <a:latin typeface="Consolas" panose="020B0609020204030204" pitchFamily="49" charset="0"/>
-              </a:rPr>
-              <a:t>sampsize</a:t>
-            </a:r>
-            <a:r>
-              <a:rPr lang="en-US" sz="800" smtClean="0">
-                <a:latin typeface="Consolas" panose="020B0609020204030204" pitchFamily="49" charset="0"/>
-              </a:rPr>
-              <a:t> </a:t>
-            </a:r>
-            <a:r>
-              <a:rPr lang="en-US" sz="800">
-                <a:latin typeface="Consolas" panose="020B0609020204030204" pitchFamily="49" charset="0"/>
-              </a:rPr>
-              <a:t>= </a:t>
-            </a:r>
-            <a:r>
-              <a:rPr lang="en-US" sz="800" smtClean="0">
-                <a:latin typeface="Consolas" panose="020B0609020204030204" pitchFamily="49" charset="0"/>
-              </a:rPr>
-              <a:t>hp_grid$sampsize[i])</a:t>
             </a:r>
           </a:p>
           <a:p>
@@ -8021,26 +7958,39 @@
               <a:rPr lang="en-US" sz="800">
                 <a:latin typeface="Consolas" panose="020B0609020204030204" pitchFamily="49" charset="0"/>
               </a:rPr>
-              <a:t> </a:t>
-            </a:r>
-            <a:r>
-              <a:rPr lang="en-US" sz="800" smtClean="0">
-                <a:latin typeface="Consolas" panose="020B0609020204030204" pitchFamily="49" charset="0"/>
-              </a:rPr>
-              <a:t>   obb_err[i] &lt;- model$err.rate[nrow(model$err.rate), “OOB”]</a:t>
-            </a:r>
-          </a:p>
-          <a:p>
-            <a:endParaRPr lang="en-US" sz="800" smtClean="0">
-              <a:latin typeface="Consolas" panose="020B0609020204030204" pitchFamily="49" charset="0"/>
-            </a:endParaRPr>
-          </a:p>
-          <a:p>
-            <a:r>
-              <a:rPr lang="en-US" sz="800" smtClean="0">
-                <a:latin typeface="Consolas" panose="020B0609020204030204" pitchFamily="49" charset="0"/>
-              </a:rPr>
-              <a:t>}</a:t>
+              <a:t>    model &lt;- randomForest(formula = default ~.,</a:t>
+            </a:r>
+          </a:p>
+          <a:p>
+            <a:r>
+              <a:rPr lang="en-US" sz="800">
+                <a:latin typeface="Consolas" panose="020B0609020204030204" pitchFamily="49" charset="0"/>
+              </a:rPr>
+              <a:t>			 data = credit_train,</a:t>
+            </a:r>
+          </a:p>
+          <a:p>
+            <a:r>
+              <a:rPr lang="en-US" sz="800">
+                <a:latin typeface="Consolas" panose="020B0609020204030204" pitchFamily="49" charset="0"/>
+              </a:rPr>
+              <a:t>			 mtry = hp_grid$mtry[i],</a:t>
+            </a:r>
+          </a:p>
+          <a:p>
+            <a:r>
+              <a:rPr lang="en-US" sz="800">
+                <a:latin typeface="Consolas" panose="020B0609020204030204" pitchFamily="49" charset="0"/>
+              </a:rPr>
+              <a:t>			 nodesize = hp_grid$nodesize[i],</a:t>
+            </a:r>
+          </a:p>
+          <a:p>
+            <a:r>
+              <a:rPr lang="en-US" sz="800">
+                <a:latin typeface="Consolas" panose="020B0609020204030204" pitchFamily="49" charset="0"/>
+              </a:rPr>
+              <a:t>			 sampsize = hp_grid$sampsize[i])</a:t>
             </a:r>
           </a:p>
           <a:p>
@@ -8050,7 +8000,33 @@
           </a:p>
           <a:p>
             <a:r>
-              <a:rPr lang="en-US" sz="800" smtClean="0">
+              <a:rPr lang="en-US" sz="800">
+                <a:latin typeface="Consolas" panose="020B0609020204030204" pitchFamily="49" charset="0"/>
+              </a:rPr>
+              <a:t>    obb_err[i] &lt;- model$err.rate[nrow(model$err.rate), “OOB”]</a:t>
+            </a:r>
+          </a:p>
+          <a:p>
+            <a:endParaRPr lang="en-US" sz="800">
+              <a:latin typeface="Consolas" panose="020B0609020204030204" pitchFamily="49" charset="0"/>
+            </a:endParaRPr>
+          </a:p>
+          <a:p>
+            <a:r>
+              <a:rPr lang="en-US" sz="800">
+                <a:latin typeface="Consolas" panose="020B0609020204030204" pitchFamily="49" charset="0"/>
+              </a:rPr>
+              <a:t>}</a:t>
+            </a:r>
+          </a:p>
+          <a:p>
+            <a:endParaRPr lang="en-US" sz="800">
+              <a:latin typeface="Consolas" panose="020B0609020204030204" pitchFamily="49" charset="0"/>
+            </a:endParaRPr>
+          </a:p>
+          <a:p>
+            <a:r>
+              <a:rPr lang="en-US" sz="800">
                 <a:latin typeface="Consolas" panose="020B0609020204030204" pitchFamily="49" charset="0"/>
               </a:rPr>
               <a:t>opt_i &lt;- which.min(obb_err)</a:t>
@@ -8058,7 +8034,7 @@
           </a:p>
           <a:p>
             <a:r>
-              <a:rPr lang="en-US" sz="800" smtClean="0">
+              <a:rPr lang="en-US" sz="800">
                 <a:latin typeface="Consolas" panose="020B0609020204030204" pitchFamily="49" charset="0"/>
               </a:rPr>
               <a:t>print(hp_grid[opt_i, ])</a:t>
@@ -8070,6 +8046,1439 @@
     <p:extLst>
       <p:ext uri="{BB962C8B-B14F-4D97-AF65-F5344CB8AC3E}">
         <p14:creationId xmlns:p14="http://schemas.microsoft.com/office/powerpoint/2010/main" val="3235336348"/>
+      </p:ext>
+    </p:extLst>
+  </p:cSld>
+  <p:clrMapOvr>
+    <a:masterClrMapping/>
+  </p:clrMapOvr>
+</p:sld>
+</file>
+
+<file path=ppt/slides/slide9.xml><?xml version="1.0" encoding="utf-8"?>
+<p:sld xmlns:a="http://schemas.openxmlformats.org/drawingml/2006/main" xmlns:r="http://schemas.openxmlformats.org/officeDocument/2006/relationships" xmlns:p="http://schemas.openxmlformats.org/presentationml/2006/main">
+  <p:cSld>
+    <p:spTree>
+      <p:nvGrpSpPr>
+        <p:cNvPr id="1" name=""/>
+        <p:cNvGrpSpPr/>
+        <p:nvPr/>
+      </p:nvGrpSpPr>
+      <p:grpSpPr>
+        <a:xfrm>
+          <a:off x="0" y="0"/>
+          <a:ext cx="0" cy="0"/>
+          <a:chOff x="0" y="0"/>
+          <a:chExt cx="0" cy="0"/>
+        </a:xfrm>
+      </p:grpSpPr>
+      <p:sp>
+        <p:nvSpPr>
+          <p:cNvPr id="4" name="Content Placeholder 3"/>
+          <p:cNvSpPr>
+            <a:spLocks noGrp="1"/>
+          </p:cNvSpPr>
+          <p:nvPr>
+            <p:ph sz="half" idx="1"/>
+          </p:nvPr>
+        </p:nvSpPr>
+        <p:spPr>
+          <a:xfrm>
+            <a:off x="411873" y="500654"/>
+            <a:ext cx="2749680" cy="284405"/>
+          </a:xfrm>
+        </p:spPr>
+        <p:txBody>
+          <a:bodyPr>
+            <a:normAutofit/>
+          </a:bodyPr>
+          <a:lstStyle/>
+          <a:p>
+            <a:pPr marL="0" indent="0">
+              <a:buNone/>
+            </a:pPr>
+            <a:r>
+              <a:rPr lang="en-US" sz="1050" b="1">
+                <a:solidFill>
+                  <a:schemeClr val="accent2">
+                    <a:lumMod val="75000"/>
+                  </a:schemeClr>
+                </a:solidFill>
+              </a:rPr>
+              <a:t>creditsub is a data frame</a:t>
+            </a:r>
+          </a:p>
+          <a:p>
+            <a:pPr marL="0" indent="0">
+              <a:buNone/>
+            </a:pPr>
+            <a:endParaRPr lang="en-US" sz="1050" b="1">
+              <a:solidFill>
+                <a:schemeClr val="accent2">
+                  <a:lumMod val="75000"/>
+                </a:schemeClr>
+              </a:solidFill>
+            </a:endParaRPr>
+          </a:p>
+        </p:txBody>
+      </p:sp>
+      <p:sp>
+        <p:nvSpPr>
+          <p:cNvPr id="11" name="TextBox 10">
+            <a:extLst>
+              <a:ext uri="{FF2B5EF4-FFF2-40B4-BE49-F238E27FC236}">
+                <a16:creationId xmlns:a16="http://schemas.microsoft.com/office/drawing/2014/main" id="{8FA4E600-36BF-419F-B739-8B99F6702248}"/>
+              </a:ext>
+            </a:extLst>
+          </p:cNvPr>
+          <p:cNvSpPr txBox="1"/>
+          <p:nvPr/>
+        </p:nvSpPr>
+        <p:spPr>
+          <a:xfrm>
+            <a:off x="411873" y="862459"/>
+            <a:ext cx="5935139" cy="6394058"/>
+          </a:xfrm>
+          <a:prstGeom prst="rect">
+            <a:avLst/>
+          </a:prstGeom>
+          <a:noFill/>
+        </p:spPr>
+        <p:txBody>
+          <a:bodyPr wrap="square" rtlCol="0">
+            <a:spAutoFit/>
+          </a:bodyPr>
+          <a:lstStyle/>
+          <a:p>
+            <a:r>
+              <a:rPr lang="en-US" sz="1050" dirty="0" err="1">
+                <a:latin typeface="Consolas" panose="020B0609020204030204" pitchFamily="49" charset="0"/>
+              </a:rPr>
+              <a:t>credit_train$default</a:t>
+            </a:r>
+            <a:r>
+              <a:rPr lang="en-US" sz="1050" dirty="0">
+                <a:latin typeface="Consolas" panose="020B0609020204030204" pitchFamily="49" charset="0"/>
+              </a:rPr>
+              <a:t> &lt;- </a:t>
+            </a:r>
+            <a:r>
+              <a:rPr lang="en-US" sz="1050" dirty="0" err="1">
+                <a:latin typeface="Consolas" panose="020B0609020204030204" pitchFamily="49" charset="0"/>
+              </a:rPr>
+              <a:t>ifelse</a:t>
+            </a:r>
+            <a:r>
+              <a:rPr lang="en-US" sz="1050" dirty="0">
+                <a:latin typeface="Consolas" panose="020B0609020204030204" pitchFamily="49" charset="0"/>
+              </a:rPr>
+              <a:t>(</a:t>
+            </a:r>
+            <a:r>
+              <a:rPr lang="en-US" sz="1050" dirty="0" err="1">
+                <a:latin typeface="Consolas" panose="020B0609020204030204" pitchFamily="49" charset="0"/>
+              </a:rPr>
+              <a:t>credit_train$default</a:t>
+            </a:r>
+            <a:r>
+              <a:rPr lang="en-US" sz="1050" dirty="0">
+                <a:latin typeface="Consolas" panose="020B0609020204030204" pitchFamily="49" charset="0"/>
+              </a:rPr>
+              <a:t> == “yes”, 1, 0)</a:t>
+            </a:r>
+          </a:p>
+          <a:p>
+            <a:endParaRPr lang="en-US" sz="1050" dirty="0">
+              <a:latin typeface="Consolas" panose="020B0609020204030204" pitchFamily="49" charset="0"/>
+            </a:endParaRPr>
+          </a:p>
+          <a:p>
+            <a:endParaRPr lang="en-US" sz="1050" dirty="0">
+              <a:latin typeface="Consolas" panose="020B0609020204030204" pitchFamily="49" charset="0"/>
+            </a:endParaRPr>
+          </a:p>
+          <a:p>
+            <a:r>
+              <a:rPr lang="en-US" sz="1050" dirty="0" err="1">
+                <a:latin typeface="Consolas" panose="020B0609020204030204" pitchFamily="49" charset="0"/>
+              </a:rPr>
+              <a:t>set.seed</a:t>
+            </a:r>
+            <a:r>
+              <a:rPr lang="en-US" sz="1050" dirty="0">
+                <a:latin typeface="Consolas" panose="020B0609020204030204" pitchFamily="49" charset="0"/>
+              </a:rPr>
+              <a:t>(1)</a:t>
+            </a:r>
+          </a:p>
+          <a:p>
+            <a:r>
+              <a:rPr lang="en-US" sz="1050" dirty="0">
+                <a:latin typeface="Consolas" panose="020B0609020204030204" pitchFamily="49" charset="0"/>
+              </a:rPr>
+              <a:t>library(</a:t>
+            </a:r>
+            <a:r>
+              <a:rPr lang="en-US" sz="1050" dirty="0" err="1">
+                <a:latin typeface="Consolas" panose="020B0609020204030204" pitchFamily="49" charset="0"/>
+              </a:rPr>
+              <a:t>gbm</a:t>
+            </a:r>
+            <a:r>
+              <a:rPr lang="en-US" sz="1050" dirty="0">
+                <a:latin typeface="Consolas" panose="020B0609020204030204" pitchFamily="49" charset="0"/>
+              </a:rPr>
+              <a:t>)</a:t>
+            </a:r>
+          </a:p>
+          <a:p>
+            <a:endParaRPr lang="en-US" sz="1050" dirty="0">
+              <a:latin typeface="Consolas" panose="020B0609020204030204" pitchFamily="49" charset="0"/>
+            </a:endParaRPr>
+          </a:p>
+          <a:p>
+            <a:r>
+              <a:rPr lang="en-US" sz="1050" dirty="0" err="1">
+                <a:latin typeface="Consolas" panose="020B0609020204030204" pitchFamily="49" charset="0"/>
+              </a:rPr>
+              <a:t>credit_model</a:t>
+            </a:r>
+            <a:r>
+              <a:rPr lang="en-US" sz="1050" dirty="0">
+                <a:latin typeface="Consolas" panose="020B0609020204030204" pitchFamily="49" charset="0"/>
+              </a:rPr>
+              <a:t> &lt;- </a:t>
+            </a:r>
+            <a:r>
+              <a:rPr lang="en-US" sz="1050" dirty="0" err="1">
+                <a:latin typeface="Consolas" panose="020B0609020204030204" pitchFamily="49" charset="0"/>
+              </a:rPr>
+              <a:t>gbm</a:t>
+            </a:r>
+            <a:r>
+              <a:rPr lang="en-US" sz="1050" dirty="0">
+                <a:latin typeface="Consolas" panose="020B0609020204030204" pitchFamily="49" charset="0"/>
+              </a:rPr>
+              <a:t>(formula = default ~ .,</a:t>
+            </a:r>
+          </a:p>
+          <a:p>
+            <a:r>
+              <a:rPr lang="en-US" sz="1050" dirty="0">
+                <a:latin typeface="Consolas" panose="020B0609020204030204" pitchFamily="49" charset="0"/>
+              </a:rPr>
+              <a:t>			  distribution = “Bernoulli”,</a:t>
+            </a:r>
+          </a:p>
+          <a:p>
+            <a:r>
+              <a:rPr lang="en-US" sz="1050" dirty="0">
+                <a:latin typeface="Consolas" panose="020B0609020204030204" pitchFamily="49" charset="0"/>
+              </a:rPr>
+              <a:t>			  data = </a:t>
+            </a:r>
+            <a:r>
+              <a:rPr lang="en-US" sz="1050" dirty="0" err="1">
+                <a:latin typeface="Consolas" panose="020B0609020204030204" pitchFamily="49" charset="0"/>
+              </a:rPr>
+              <a:t>credit_train</a:t>
+            </a:r>
+            <a:r>
+              <a:rPr lang="en-US" sz="1050" dirty="0">
+                <a:latin typeface="Consolas" panose="020B0609020204030204" pitchFamily="49" charset="0"/>
+              </a:rPr>
+              <a:t>,</a:t>
+            </a:r>
+          </a:p>
+          <a:p>
+            <a:r>
+              <a:rPr lang="en-US" sz="1050" dirty="0">
+                <a:latin typeface="Consolas" panose="020B0609020204030204" pitchFamily="49" charset="0"/>
+              </a:rPr>
+              <a:t>			  </a:t>
+            </a:r>
+            <a:r>
+              <a:rPr lang="en-US" sz="1050" dirty="0" err="1">
+                <a:latin typeface="Consolas" panose="020B0609020204030204" pitchFamily="49" charset="0"/>
+              </a:rPr>
+              <a:t>n.trees</a:t>
+            </a:r>
+            <a:r>
+              <a:rPr lang="en-US" sz="1050" dirty="0">
+                <a:latin typeface="Consolas" panose="020B0609020204030204" pitchFamily="49" charset="0"/>
+              </a:rPr>
+              <a:t> = 10000)</a:t>
+            </a:r>
+          </a:p>
+          <a:p>
+            <a:endParaRPr lang="en-US" sz="1050" dirty="0">
+              <a:latin typeface="Consolas" panose="020B0609020204030204" pitchFamily="49" charset="0"/>
+            </a:endParaRPr>
+          </a:p>
+          <a:p>
+            <a:r>
+              <a:rPr lang="en-US" sz="1050" dirty="0">
+                <a:latin typeface="Consolas" panose="020B0609020204030204" pitchFamily="49" charset="0"/>
+              </a:rPr>
+              <a:t>summary(</a:t>
+            </a:r>
+            <a:r>
+              <a:rPr lang="en-US" sz="1050" dirty="0" err="1">
+                <a:latin typeface="Consolas" panose="020B0609020204030204" pitchFamily="49" charset="0"/>
+              </a:rPr>
+              <a:t>credit_model</a:t>
+            </a:r>
+            <a:r>
+              <a:rPr lang="en-US" sz="1050" dirty="0">
+                <a:latin typeface="Consolas" panose="020B0609020204030204" pitchFamily="49" charset="0"/>
+              </a:rPr>
+              <a:t>)			  </a:t>
+            </a:r>
+          </a:p>
+          <a:p>
+            <a:endParaRPr lang="en-US" sz="1050" dirty="0">
+              <a:latin typeface="Consolas" panose="020B0609020204030204" pitchFamily="49" charset="0"/>
+            </a:endParaRPr>
+          </a:p>
+          <a:p>
+            <a:endParaRPr lang="en-US" sz="1050" dirty="0">
+              <a:latin typeface="Consolas" panose="020B0609020204030204" pitchFamily="49" charset="0"/>
+            </a:endParaRPr>
+          </a:p>
+          <a:p>
+            <a:endParaRPr lang="en-US" sz="1050" dirty="0">
+              <a:latin typeface="Consolas" panose="020B0609020204030204" pitchFamily="49" charset="0"/>
+            </a:endParaRPr>
+          </a:p>
+          <a:p>
+            <a:endParaRPr lang="en-US" sz="1050" dirty="0">
+              <a:latin typeface="Consolas" panose="020B0609020204030204" pitchFamily="49" charset="0"/>
+            </a:endParaRPr>
+          </a:p>
+          <a:p>
+            <a:endParaRPr lang="en-US" sz="1050">
+              <a:latin typeface="Consolas" panose="020B0609020204030204" pitchFamily="49" charset="0"/>
+            </a:endParaRPr>
+          </a:p>
+          <a:p>
+            <a:r>
+              <a:rPr lang="en-US" sz="1050">
+                <a:latin typeface="Consolas" panose="020B0609020204030204" pitchFamily="49" charset="0"/>
+              </a:rPr>
+              <a:t>credit</a:t>
+            </a:r>
+            <a:r>
+              <a:rPr lang="en-US" sz="1050" dirty="0" err="1">
+                <a:latin typeface="Consolas" panose="020B0609020204030204" pitchFamily="49" charset="0"/>
+              </a:rPr>
+              <a:t>_pred</a:t>
+            </a:r>
+            <a:r>
+              <a:rPr lang="en-US" sz="1050" dirty="0">
+                <a:latin typeface="Consolas" panose="020B0609020204030204" pitchFamily="49" charset="0"/>
+              </a:rPr>
+              <a:t> &lt;- predict(object = </a:t>
+            </a:r>
+            <a:r>
+              <a:rPr lang="en-US" sz="1050" dirty="0" err="1">
+                <a:latin typeface="Consolas" panose="020B0609020204030204" pitchFamily="49" charset="0"/>
+              </a:rPr>
+              <a:t>credit_model</a:t>
+            </a:r>
+            <a:r>
+              <a:rPr lang="en-US" sz="1050" dirty="0">
+                <a:latin typeface="Consolas" panose="020B0609020204030204" pitchFamily="49" charset="0"/>
+              </a:rPr>
+              <a:t>,</a:t>
+            </a:r>
+          </a:p>
+          <a:p>
+            <a:r>
+              <a:rPr lang="en-US" sz="1050" dirty="0">
+                <a:latin typeface="Consolas" panose="020B0609020204030204" pitchFamily="49" charset="0"/>
+              </a:rPr>
+              <a:t>			     </a:t>
+            </a:r>
+            <a:r>
+              <a:rPr lang="en-US" sz="1050" dirty="0" err="1">
+                <a:latin typeface="Consolas" panose="020B0609020204030204" pitchFamily="49" charset="0"/>
+              </a:rPr>
+              <a:t>newdata</a:t>
+            </a:r>
+            <a:r>
+              <a:rPr lang="en-US" sz="1050" dirty="0">
+                <a:latin typeface="Consolas" panose="020B0609020204030204" pitchFamily="49" charset="0"/>
+              </a:rPr>
+              <a:t> = </a:t>
+            </a:r>
+            <a:r>
+              <a:rPr lang="en-US" sz="1050" dirty="0" err="1">
+                <a:latin typeface="Consolas" panose="020B0609020204030204" pitchFamily="49" charset="0"/>
+              </a:rPr>
+              <a:t>credit_test</a:t>
+            </a:r>
+            <a:r>
+              <a:rPr lang="en-US" sz="1050" dirty="0">
+                <a:latin typeface="Consolas" panose="020B0609020204030204" pitchFamily="49" charset="0"/>
+              </a:rPr>
+              <a:t>,  type = “class”)</a:t>
+            </a:r>
+          </a:p>
+          <a:p>
+            <a:endParaRPr lang="en-US" sz="1050" dirty="0">
+              <a:latin typeface="Consolas" panose="020B0609020204030204" pitchFamily="49" charset="0"/>
+            </a:endParaRPr>
+          </a:p>
+          <a:p>
+            <a:r>
+              <a:rPr lang="en-US" sz="1050" dirty="0">
+                <a:latin typeface="Consolas" panose="020B0609020204030204" pitchFamily="49" charset="0"/>
+              </a:rPr>
+              <a:t>cm &lt;- </a:t>
+            </a:r>
+            <a:r>
+              <a:rPr lang="en-US" sz="1050" dirty="0" err="1">
+                <a:latin typeface="Consolas" panose="020B0609020204030204" pitchFamily="49" charset="0"/>
+              </a:rPr>
+              <a:t>confusionMatrix</a:t>
+            </a:r>
+            <a:r>
+              <a:rPr lang="en-US" sz="1050" dirty="0">
+                <a:latin typeface="Consolas" panose="020B0609020204030204" pitchFamily="49" charset="0"/>
+              </a:rPr>
+              <a:t>(data = </a:t>
+            </a:r>
+            <a:r>
+              <a:rPr lang="en-US" sz="1050" dirty="0" err="1">
+                <a:latin typeface="Consolas" panose="020B0609020204030204" pitchFamily="49" charset="0"/>
+              </a:rPr>
+              <a:t>class_prediction</a:t>
+            </a:r>
+            <a:r>
+              <a:rPr lang="en-US" sz="1050" dirty="0">
+                <a:latin typeface="Consolas" panose="020B0609020204030204" pitchFamily="49" charset="0"/>
+              </a:rPr>
+              <a:t>,</a:t>
+            </a:r>
+          </a:p>
+          <a:p>
+            <a:r>
+              <a:rPr lang="en-US" sz="1050" dirty="0">
+                <a:latin typeface="Consolas" panose="020B0609020204030204" pitchFamily="49" charset="0"/>
+              </a:rPr>
+              <a:t>			    reference = </a:t>
+            </a:r>
+            <a:r>
+              <a:rPr lang="en-US" sz="1050" dirty="0" err="1">
+                <a:latin typeface="Consolas" panose="020B0609020204030204" pitchFamily="49" charset="0"/>
+              </a:rPr>
+              <a:t>credit_test$default</a:t>
+            </a:r>
+            <a:r>
+              <a:rPr lang="en-US" sz="1050" dirty="0">
+                <a:latin typeface="Consolas" panose="020B0609020204030204" pitchFamily="49" charset="0"/>
+              </a:rPr>
+              <a:t>)</a:t>
+            </a:r>
+          </a:p>
+          <a:p>
+            <a:endParaRPr lang="en-US" sz="1050" dirty="0">
+              <a:latin typeface="Consolas" panose="020B0609020204030204" pitchFamily="49" charset="0"/>
+            </a:endParaRPr>
+          </a:p>
+          <a:p>
+            <a:r>
+              <a:rPr lang="en-US" sz="1050" dirty="0" err="1">
+                <a:latin typeface="Consolas" panose="020B0609020204030204" pitchFamily="49" charset="0"/>
+              </a:rPr>
+              <a:t>paste0</a:t>
+            </a:r>
+            <a:r>
+              <a:rPr lang="en-US" sz="1050" dirty="0">
+                <a:latin typeface="Consolas" panose="020B0609020204030204" pitchFamily="49" charset="0"/>
+              </a:rPr>
+              <a:t>(“Test Accuracy: ”, </a:t>
+            </a:r>
+            <a:r>
+              <a:rPr lang="en-US" sz="1050" dirty="0" err="1">
+                <a:latin typeface="Consolas" panose="020B0609020204030204" pitchFamily="49" charset="0"/>
+              </a:rPr>
+              <a:t>cm$overall</a:t>
+            </a:r>
+            <a:r>
+              <a:rPr lang="en-US" sz="1050" dirty="0">
+                <a:latin typeface="Consolas" panose="020B0609020204030204" pitchFamily="49" charset="0"/>
+              </a:rPr>
+              <a:t>[1])</a:t>
+            </a:r>
+          </a:p>
+          <a:p>
+            <a:r>
+              <a:rPr lang="en-US" sz="1050" dirty="0" err="1">
+                <a:latin typeface="Consolas" panose="020B0609020204030204" pitchFamily="49" charset="0"/>
+              </a:rPr>
+              <a:t>paste0</a:t>
+            </a:r>
+            <a:r>
+              <a:rPr lang="en-US" sz="1050" dirty="0">
+                <a:latin typeface="Consolas" panose="020B0609020204030204" pitchFamily="49" charset="0"/>
+              </a:rPr>
+              <a:t>(“</a:t>
+            </a:r>
+            <a:r>
+              <a:rPr lang="en-US" sz="1050" dirty="0" err="1">
+                <a:latin typeface="Consolas" panose="020B0609020204030204" pitchFamily="49" charset="0"/>
+              </a:rPr>
+              <a:t>OOB</a:t>
+            </a:r>
+            <a:r>
+              <a:rPr lang="en-US" sz="1050" dirty="0">
+                <a:latin typeface="Consolas" panose="020B0609020204030204" pitchFamily="49" charset="0"/>
+              </a:rPr>
+              <a:t> Accuracy: ”, 1 – </a:t>
+            </a:r>
+            <a:r>
+              <a:rPr lang="en-US" sz="1050" dirty="0" err="1">
+                <a:latin typeface="Consolas" panose="020B0609020204030204" pitchFamily="49" charset="0"/>
+              </a:rPr>
+              <a:t>obb_err</a:t>
+            </a:r>
+            <a:r>
+              <a:rPr lang="en-US" sz="1050" dirty="0">
+                <a:latin typeface="Consolas" panose="020B0609020204030204" pitchFamily="49" charset="0"/>
+              </a:rPr>
+              <a:t>)</a:t>
+            </a:r>
+          </a:p>
+          <a:p>
+            <a:endParaRPr lang="en-US" sz="1050" dirty="0">
+              <a:latin typeface="Consolas" panose="020B0609020204030204" pitchFamily="49" charset="0"/>
+            </a:endParaRPr>
+          </a:p>
+          <a:p>
+            <a:r>
+              <a:rPr lang="en-US" sz="1050" dirty="0" err="1">
+                <a:latin typeface="Consolas" panose="020B0609020204030204" pitchFamily="49" charset="0"/>
+              </a:rPr>
+              <a:t>credit_pred</a:t>
+            </a:r>
+            <a:r>
+              <a:rPr lang="en-US" sz="1050" dirty="0">
+                <a:latin typeface="Consolas" panose="020B0609020204030204" pitchFamily="49" charset="0"/>
+              </a:rPr>
+              <a:t> &lt;- predict(object = </a:t>
+            </a:r>
+            <a:r>
+              <a:rPr lang="en-US" sz="1050" dirty="0" err="1">
+                <a:latin typeface="Consolas" panose="020B0609020204030204" pitchFamily="49" charset="0"/>
+              </a:rPr>
+              <a:t>credit_caret_model</a:t>
+            </a:r>
+            <a:r>
+              <a:rPr lang="en-US" sz="1050" dirty="0">
+                <a:latin typeface="Consolas" panose="020B0609020204030204" pitchFamily="49" charset="0"/>
+              </a:rPr>
+              <a:t>,</a:t>
+            </a:r>
+          </a:p>
+          <a:p>
+            <a:r>
+              <a:rPr lang="en-US" sz="1050" dirty="0">
+                <a:latin typeface="Consolas" panose="020B0609020204030204" pitchFamily="49" charset="0"/>
+              </a:rPr>
+              <a:t>			     </a:t>
+            </a:r>
+            <a:r>
+              <a:rPr lang="en-US" sz="1050" dirty="0" err="1">
+                <a:latin typeface="Consolas" panose="020B0609020204030204" pitchFamily="49" charset="0"/>
+              </a:rPr>
+              <a:t>newdata</a:t>
+            </a:r>
+            <a:r>
+              <a:rPr lang="en-US" sz="1050" dirty="0">
+                <a:latin typeface="Consolas" panose="020B0609020204030204" pitchFamily="49" charset="0"/>
+              </a:rPr>
+              <a:t> = </a:t>
+            </a:r>
+            <a:r>
+              <a:rPr lang="en-US" sz="1050" dirty="0" err="1">
+                <a:latin typeface="Consolas" panose="020B0609020204030204" pitchFamily="49" charset="0"/>
+              </a:rPr>
+              <a:t>credit_test</a:t>
+            </a:r>
+            <a:r>
+              <a:rPr lang="en-US" sz="1050" dirty="0">
+                <a:latin typeface="Consolas" panose="020B0609020204030204" pitchFamily="49" charset="0"/>
+              </a:rPr>
+              <a:t>, type = “prob”)</a:t>
+            </a:r>
+          </a:p>
+          <a:p>
+            <a:endParaRPr lang="en-US" sz="1050" dirty="0">
+              <a:latin typeface="Consolas" panose="020B0609020204030204" pitchFamily="49" charset="0"/>
+            </a:endParaRPr>
+          </a:p>
+          <a:p>
+            <a:r>
+              <a:rPr lang="en-US" sz="1050" dirty="0" err="1">
+                <a:latin typeface="Consolas" panose="020B0609020204030204" pitchFamily="49" charset="0"/>
+              </a:rPr>
+              <a:t>auc</a:t>
+            </a:r>
+            <a:r>
+              <a:rPr lang="en-US" sz="1050" dirty="0">
+                <a:latin typeface="Consolas" panose="020B0609020204030204" pitchFamily="49" charset="0"/>
+              </a:rPr>
+              <a:t>(actual = </a:t>
+            </a:r>
+            <a:r>
+              <a:rPr lang="en-US" sz="1050" dirty="0" err="1">
+                <a:latin typeface="Consolas" panose="020B0609020204030204" pitchFamily="49" charset="0"/>
+              </a:rPr>
+              <a:t>ifelse</a:t>
+            </a:r>
+            <a:r>
+              <a:rPr lang="en-US" sz="1050" dirty="0">
+                <a:latin typeface="Consolas" panose="020B0609020204030204" pitchFamily="49" charset="0"/>
+              </a:rPr>
+              <a:t>(</a:t>
+            </a:r>
+            <a:r>
+              <a:rPr lang="en-US" sz="1050" dirty="0" err="1">
+                <a:latin typeface="Consolas" panose="020B0609020204030204" pitchFamily="49" charset="0"/>
+              </a:rPr>
+              <a:t>credit_test$default</a:t>
+            </a:r>
+            <a:r>
+              <a:rPr lang="en-US" sz="1050" dirty="0">
+                <a:latin typeface="Consolas" panose="020B0609020204030204" pitchFamily="49" charset="0"/>
+              </a:rPr>
+              <a:t> == “yes”, 1, 0),</a:t>
+            </a:r>
+          </a:p>
+          <a:p>
+            <a:r>
+              <a:rPr lang="en-US" sz="1050" dirty="0">
+                <a:latin typeface="Consolas" panose="020B0609020204030204" pitchFamily="49" charset="0"/>
+              </a:rPr>
+              <a:t>			  predict = </a:t>
+            </a:r>
+            <a:r>
+              <a:rPr lang="en-US" sz="1050" dirty="0" err="1">
+                <a:latin typeface="Consolas" panose="020B0609020204030204" pitchFamily="49" charset="0"/>
+              </a:rPr>
+              <a:t>pred</a:t>
+            </a:r>
+            <a:r>
+              <a:rPr lang="en-US" sz="1050" dirty="0">
+                <a:latin typeface="Consolas" panose="020B0609020204030204" pitchFamily="49" charset="0"/>
+              </a:rPr>
+              <a:t>[ , “yes”])</a:t>
+            </a:r>
+          </a:p>
+          <a:p>
+            <a:endParaRPr lang="en-US" sz="1050" dirty="0">
+              <a:latin typeface="Consolas" panose="020B0609020204030204" pitchFamily="49" charset="0"/>
+            </a:endParaRPr>
+          </a:p>
+          <a:p>
+            <a:r>
+              <a:rPr lang="en-US" sz="1050" dirty="0" err="1">
+                <a:latin typeface="Consolas" panose="020B0609020204030204" pitchFamily="49" charset="0"/>
+              </a:rPr>
+              <a:t>set.seed</a:t>
+            </a:r>
+            <a:r>
+              <a:rPr lang="en-US" sz="1050" dirty="0">
+                <a:latin typeface="Consolas" panose="020B0609020204030204" pitchFamily="49" charset="0"/>
+              </a:rPr>
+              <a:t>(1)</a:t>
+            </a:r>
+          </a:p>
+          <a:p>
+            <a:endParaRPr lang="en-US" sz="1050" dirty="0">
+              <a:latin typeface="Consolas" panose="020B0609020204030204" pitchFamily="49" charset="0"/>
+            </a:endParaRPr>
+          </a:p>
+          <a:p>
+            <a:r>
+              <a:rPr lang="en-US" sz="1050" dirty="0">
+                <a:latin typeface="Consolas" panose="020B0609020204030204" pitchFamily="49" charset="0"/>
+              </a:rPr>
+              <a:t>res &lt;- </a:t>
+            </a:r>
+            <a:r>
+              <a:rPr lang="en-US" sz="1050" dirty="0" err="1">
+                <a:latin typeface="Consolas" panose="020B0609020204030204" pitchFamily="49" charset="0"/>
+              </a:rPr>
+              <a:t>tuneRF</a:t>
+            </a:r>
+            <a:r>
+              <a:rPr lang="en-US" sz="1050" dirty="0">
+                <a:latin typeface="Consolas" panose="020B0609020204030204" pitchFamily="49" charset="0"/>
+              </a:rPr>
+              <a:t>(x = subset(</a:t>
+            </a:r>
+            <a:r>
+              <a:rPr lang="en-US" sz="1050" dirty="0" err="1">
+                <a:latin typeface="Consolas" panose="020B0609020204030204" pitchFamily="49" charset="0"/>
+              </a:rPr>
+              <a:t>credit_train</a:t>
+            </a:r>
+            <a:r>
+              <a:rPr lang="en-US" sz="1050" dirty="0">
+                <a:latin typeface="Consolas" panose="020B0609020204030204" pitchFamily="49" charset="0"/>
+              </a:rPr>
+              <a:t>, select = -default),</a:t>
+            </a:r>
+          </a:p>
+          <a:p>
+            <a:r>
+              <a:rPr lang="en-US" sz="1050" dirty="0">
+                <a:latin typeface="Consolas" panose="020B0609020204030204" pitchFamily="49" charset="0"/>
+              </a:rPr>
+              <a:t>		  y = </a:t>
+            </a:r>
+            <a:r>
+              <a:rPr lang="en-US" sz="1050" dirty="0" err="1">
+                <a:latin typeface="Consolas" panose="020B0609020204030204" pitchFamily="49" charset="0"/>
+              </a:rPr>
+              <a:t>credit_train$default</a:t>
+            </a:r>
+            <a:r>
+              <a:rPr lang="en-US" sz="1050" dirty="0">
+                <a:latin typeface="Consolas" panose="020B0609020204030204" pitchFamily="49" charset="0"/>
+              </a:rPr>
+              <a:t>, </a:t>
+            </a:r>
+            <a:r>
+              <a:rPr lang="en-US" sz="1050" dirty="0" err="1">
+                <a:latin typeface="Consolas" panose="020B0609020204030204" pitchFamily="49" charset="0"/>
+              </a:rPr>
+              <a:t>ntreeTry</a:t>
+            </a:r>
+            <a:r>
+              <a:rPr lang="en-US" sz="1050" dirty="0">
+                <a:latin typeface="Consolas" panose="020B0609020204030204" pitchFamily="49" charset="0"/>
+              </a:rPr>
+              <a:t> = 500)</a:t>
+            </a:r>
+          </a:p>
+          <a:p>
+            <a:endParaRPr lang="en-US" sz="1050" dirty="0">
+              <a:latin typeface="Consolas" panose="020B0609020204030204" pitchFamily="49" charset="0"/>
+            </a:endParaRPr>
+          </a:p>
+          <a:p>
+            <a:r>
+              <a:rPr lang="en-US" sz="1050" dirty="0" err="1">
+                <a:latin typeface="Consolas" panose="020B0609020204030204" pitchFamily="49" charset="0"/>
+              </a:rPr>
+              <a:t>mtry_opt</a:t>
+            </a:r>
+            <a:r>
+              <a:rPr lang="en-US" sz="1050" dirty="0">
+                <a:latin typeface="Consolas" panose="020B0609020204030204" pitchFamily="49" charset="0"/>
+              </a:rPr>
+              <a:t> &lt;- res[ , “</a:t>
+            </a:r>
+            <a:r>
+              <a:rPr lang="en-US" sz="1050" dirty="0" err="1">
+                <a:latin typeface="Consolas" panose="020B0609020204030204" pitchFamily="49" charset="0"/>
+              </a:rPr>
+              <a:t>mtry</a:t>
+            </a:r>
+            <a:r>
+              <a:rPr lang="en-US" sz="1050" dirty="0">
+                <a:latin typeface="Consolas" panose="020B0609020204030204" pitchFamily="49" charset="0"/>
+              </a:rPr>
+              <a:t>”][</a:t>
+            </a:r>
+            <a:r>
+              <a:rPr lang="en-US" sz="1050" dirty="0" err="1">
+                <a:latin typeface="Consolas" panose="020B0609020204030204" pitchFamily="49" charset="0"/>
+              </a:rPr>
+              <a:t>which.min</a:t>
+            </a:r>
+            <a:r>
+              <a:rPr lang="en-US" sz="1050" dirty="0">
+                <a:latin typeface="Consolas" panose="020B0609020204030204" pitchFamily="49" charset="0"/>
+              </a:rPr>
+              <a:t>(res[ , “</a:t>
+            </a:r>
+            <a:r>
+              <a:rPr lang="en-US" sz="1050" dirty="0" err="1">
+                <a:latin typeface="Consolas" panose="020B0609020204030204" pitchFamily="49" charset="0"/>
+              </a:rPr>
+              <a:t>OOBError</a:t>
+            </a:r>
+            <a:r>
+              <a:rPr lang="en-US" sz="1050" dirty="0">
+                <a:latin typeface="Consolas" panose="020B0609020204030204" pitchFamily="49" charset="0"/>
+              </a:rPr>
+              <a:t>”])]</a:t>
+            </a:r>
+          </a:p>
+          <a:p>
+            <a:endParaRPr lang="en-US" sz="1050" dirty="0">
+              <a:latin typeface="Consolas" panose="020B0609020204030204" pitchFamily="49" charset="0"/>
+            </a:endParaRPr>
+          </a:p>
+        </p:txBody>
+      </p:sp>
+      <p:sp>
+        <p:nvSpPr>
+          <p:cNvPr id="25" name="TextBox 24">
+            <a:extLst>
+              <a:ext uri="{FF2B5EF4-FFF2-40B4-BE49-F238E27FC236}">
+                <a16:creationId xmlns:a16="http://schemas.microsoft.com/office/drawing/2014/main" id="{8FA4E600-36BF-419F-B739-8B99F6702248}"/>
+              </a:ext>
+            </a:extLst>
+          </p:cNvPr>
+          <p:cNvSpPr txBox="1"/>
+          <p:nvPr/>
+        </p:nvSpPr>
+        <p:spPr>
+          <a:xfrm>
+            <a:off x="8096169" y="6535791"/>
+            <a:ext cx="970137" cy="215444"/>
+          </a:xfrm>
+          <a:prstGeom prst="rect">
+            <a:avLst/>
+          </a:prstGeom>
+          <a:noFill/>
+        </p:spPr>
+        <p:txBody>
+          <a:bodyPr wrap="none" rtlCol="0">
+            <a:spAutoFit/>
+          </a:bodyPr>
+          <a:lstStyle/>
+          <a:p>
+            <a:pPr algn="r"/>
+            <a:r>
+              <a:rPr lang="en-US" sz="800">
+                <a:solidFill>
+                  <a:schemeClr val="accent1">
+                    <a:lumMod val="60000"/>
+                    <a:lumOff val="40000"/>
+                  </a:schemeClr>
+                </a:solidFill>
+                <a:latin typeface="Consolas" panose="020B0609020204030204" pitchFamily="49" charset="0"/>
+              </a:rPr>
+              <a:t>Random Forests</a:t>
+            </a:r>
+            <a:endParaRPr lang="en-US" sz="800" dirty="0">
+              <a:solidFill>
+                <a:schemeClr val="accent1">
+                  <a:lumMod val="60000"/>
+                  <a:lumOff val="40000"/>
+                </a:schemeClr>
+              </a:solidFill>
+              <a:latin typeface="Consolas" panose="020B0609020204030204" pitchFamily="49" charset="0"/>
+            </a:endParaRPr>
+          </a:p>
+        </p:txBody>
+      </p:sp>
+      <p:sp>
+        <p:nvSpPr>
+          <p:cNvPr id="27" name="Content Placeholder 3"/>
+          <p:cNvSpPr>
+            <a:spLocks noGrp="1"/>
+          </p:cNvSpPr>
+          <p:nvPr>
+            <p:ph sz="half" idx="1"/>
+          </p:nvPr>
+        </p:nvSpPr>
+        <p:spPr>
+          <a:xfrm>
+            <a:off x="6538259" y="500654"/>
+            <a:ext cx="2311761" cy="274594"/>
+          </a:xfrm>
+        </p:spPr>
+        <p:txBody>
+          <a:bodyPr>
+            <a:normAutofit/>
+          </a:bodyPr>
+          <a:lstStyle/>
+          <a:p>
+            <a:pPr marL="0" indent="0">
+              <a:buNone/>
+            </a:pPr>
+            <a:r>
+              <a:rPr lang="en-US" sz="1000" b="1" dirty="0">
+                <a:solidFill>
+                  <a:schemeClr val="accent2">
+                    <a:lumMod val="75000"/>
+                  </a:schemeClr>
+                </a:solidFill>
+              </a:rPr>
+              <a:t>libraries </a:t>
+            </a:r>
+            <a:r>
+              <a:rPr lang="en-US" sz="1000" b="1" dirty="0">
+                <a:solidFill>
+                  <a:schemeClr val="accent2">
+                    <a:lumMod val="75000"/>
+                  </a:schemeClr>
+                </a:solidFill>
+                <a:sym typeface="Wingdings" panose="05000000000000000000" pitchFamily="2" charset="2"/>
+              </a:rPr>
+              <a:t> </a:t>
+            </a:r>
+            <a:r>
+              <a:rPr lang="en-US" sz="1000" b="1" dirty="0" err="1">
+                <a:solidFill>
+                  <a:schemeClr val="accent2">
+                    <a:lumMod val="75000"/>
+                  </a:schemeClr>
+                </a:solidFill>
+                <a:sym typeface="Wingdings" panose="05000000000000000000" pitchFamily="2" charset="2"/>
+              </a:rPr>
+              <a:t>gbm</a:t>
+            </a:r>
+            <a:endParaRPr lang="en-US" sz="1000" b="1" dirty="0">
+              <a:solidFill>
+                <a:schemeClr val="accent2">
+                  <a:lumMod val="75000"/>
+                </a:schemeClr>
+              </a:solidFill>
+            </a:endParaRPr>
+          </a:p>
+        </p:txBody>
+      </p:sp>
+      <p:sp>
+        <p:nvSpPr>
+          <p:cNvPr id="23" name="Content Placeholder 3">
+            <a:extLst>
+              <a:ext uri="{FF2B5EF4-FFF2-40B4-BE49-F238E27FC236}">
+                <a16:creationId xmlns:a16="http://schemas.microsoft.com/office/drawing/2014/main" id="{AFB6BA3D-BA69-4DBA-B0AE-F910570EF7A1}"/>
+              </a:ext>
+            </a:extLst>
+          </p:cNvPr>
+          <p:cNvSpPr txBox="1">
+            <a:spLocks/>
+          </p:cNvSpPr>
+          <p:nvPr/>
+        </p:nvSpPr>
+        <p:spPr>
+          <a:xfrm>
+            <a:off x="2222434" y="1357759"/>
+            <a:ext cx="1298330" cy="337042"/>
+          </a:xfrm>
+          <a:prstGeom prst="rect">
+            <a:avLst/>
+          </a:prstGeom>
+        </p:spPr>
+        <p:txBody>
+          <a:bodyPr vert="horz" lIns="91440" tIns="45720" rIns="91440" bIns="45720" rtlCol="0">
+            <a:normAutofit fontScale="92500" lnSpcReduction="10000"/>
+          </a:bodyPr>
+          <a:lstStyle>
+            <a:lvl1pPr marL="228600" indent="-228600" algn="l" defTabSz="914400" rtl="0" eaLnBrk="1" latinLnBrk="0" hangingPunct="1">
+              <a:lnSpc>
+                <a:spcPct val="90000"/>
+              </a:lnSpc>
+              <a:spcBef>
+                <a:spcPts val="1000"/>
+              </a:spcBef>
+              <a:buFont typeface="Arial" panose="020B0604020202020204" pitchFamily="34" charset="0"/>
+              <a:buChar char="•"/>
+              <a:defRPr sz="2800" kern="1200">
+                <a:solidFill>
+                  <a:schemeClr val="tx1"/>
+                </a:solidFill>
+                <a:latin typeface="+mn-lt"/>
+                <a:ea typeface="+mn-ea"/>
+                <a:cs typeface="+mn-cs"/>
+              </a:defRPr>
+            </a:lvl1pPr>
+            <a:lvl2pPr marL="685800" indent="-228600" algn="l" defTabSz="914400" rtl="0" eaLnBrk="1" latinLnBrk="0" hangingPunct="1">
+              <a:lnSpc>
+                <a:spcPct val="90000"/>
+              </a:lnSpc>
+              <a:spcBef>
+                <a:spcPts val="500"/>
+              </a:spcBef>
+              <a:buFont typeface="Arial" panose="020B0604020202020204" pitchFamily="34" charset="0"/>
+              <a:buChar char="•"/>
+              <a:defRPr sz="2400" kern="1200">
+                <a:solidFill>
+                  <a:schemeClr val="tx1"/>
+                </a:solidFill>
+                <a:latin typeface="+mn-lt"/>
+                <a:ea typeface="+mn-ea"/>
+                <a:cs typeface="+mn-cs"/>
+              </a:defRPr>
+            </a:lvl2pPr>
+            <a:lvl3pPr marL="1143000" indent="-228600" algn="l" defTabSz="914400" rtl="0" eaLnBrk="1" latinLnBrk="0" hangingPunct="1">
+              <a:lnSpc>
+                <a:spcPct val="90000"/>
+              </a:lnSpc>
+              <a:spcBef>
+                <a:spcPts val="500"/>
+              </a:spcBef>
+              <a:buFont typeface="Arial" panose="020B0604020202020204" pitchFamily="34" charset="0"/>
+              <a:buChar char="•"/>
+              <a:defRPr sz="2000" kern="1200">
+                <a:solidFill>
+                  <a:schemeClr val="tx1"/>
+                </a:solidFill>
+                <a:latin typeface="+mn-lt"/>
+                <a:ea typeface="+mn-ea"/>
+                <a:cs typeface="+mn-cs"/>
+              </a:defRPr>
+            </a:lvl3pPr>
+            <a:lvl4pPr marL="1600200" indent="-228600" algn="l" defTabSz="914400" rtl="0" eaLnBrk="1" latinLnBrk="0" hangingPunct="1">
+              <a:lnSpc>
+                <a:spcPct val="90000"/>
+              </a:lnSpc>
+              <a:spcBef>
+                <a:spcPts val="500"/>
+              </a:spcBef>
+              <a:buFont typeface="Arial" panose="020B0604020202020204" pitchFamily="34" charset="0"/>
+              <a:buChar char="•"/>
+              <a:defRPr sz="1800" kern="1200">
+                <a:solidFill>
+                  <a:schemeClr val="tx1"/>
+                </a:solidFill>
+                <a:latin typeface="+mn-lt"/>
+                <a:ea typeface="+mn-ea"/>
+                <a:cs typeface="+mn-cs"/>
+              </a:defRPr>
+            </a:lvl4pPr>
+            <a:lvl5pPr marL="2057400" indent="-228600" algn="l" defTabSz="914400" rtl="0" eaLnBrk="1" latinLnBrk="0" hangingPunct="1">
+              <a:lnSpc>
+                <a:spcPct val="90000"/>
+              </a:lnSpc>
+              <a:spcBef>
+                <a:spcPts val="500"/>
+              </a:spcBef>
+              <a:buFont typeface="Arial" panose="020B0604020202020204" pitchFamily="34" charset="0"/>
+              <a:buChar char="•"/>
+              <a:defRPr sz="1800" kern="1200">
+                <a:solidFill>
+                  <a:schemeClr val="tx1"/>
+                </a:solidFill>
+                <a:latin typeface="+mn-lt"/>
+                <a:ea typeface="+mn-ea"/>
+                <a:cs typeface="+mn-cs"/>
+              </a:defRPr>
+            </a:lvl5pPr>
+            <a:lvl6pPr marL="2514600" indent="-228600" algn="l" defTabSz="914400" rtl="0" eaLnBrk="1" latinLnBrk="0" hangingPunct="1">
+              <a:lnSpc>
+                <a:spcPct val="90000"/>
+              </a:lnSpc>
+              <a:spcBef>
+                <a:spcPts val="500"/>
+              </a:spcBef>
+              <a:buFont typeface="Arial" panose="020B0604020202020204" pitchFamily="34" charset="0"/>
+              <a:buChar char="•"/>
+              <a:defRPr sz="1800" kern="1200">
+                <a:solidFill>
+                  <a:schemeClr val="tx1"/>
+                </a:solidFill>
+                <a:latin typeface="+mn-lt"/>
+                <a:ea typeface="+mn-ea"/>
+                <a:cs typeface="+mn-cs"/>
+              </a:defRPr>
+            </a:lvl6pPr>
+            <a:lvl7pPr marL="2971800" indent="-228600" algn="l" defTabSz="914400" rtl="0" eaLnBrk="1" latinLnBrk="0" hangingPunct="1">
+              <a:lnSpc>
+                <a:spcPct val="90000"/>
+              </a:lnSpc>
+              <a:spcBef>
+                <a:spcPts val="500"/>
+              </a:spcBef>
+              <a:buFont typeface="Arial" panose="020B0604020202020204" pitchFamily="34" charset="0"/>
+              <a:buChar char="•"/>
+              <a:defRPr sz="1800" kern="1200">
+                <a:solidFill>
+                  <a:schemeClr val="tx1"/>
+                </a:solidFill>
+                <a:latin typeface="+mn-lt"/>
+                <a:ea typeface="+mn-ea"/>
+                <a:cs typeface="+mn-cs"/>
+              </a:defRPr>
+            </a:lvl7pPr>
+            <a:lvl8pPr marL="3429000" indent="-228600" algn="l" defTabSz="914400" rtl="0" eaLnBrk="1" latinLnBrk="0" hangingPunct="1">
+              <a:lnSpc>
+                <a:spcPct val="90000"/>
+              </a:lnSpc>
+              <a:spcBef>
+                <a:spcPts val="500"/>
+              </a:spcBef>
+              <a:buFont typeface="Arial" panose="020B0604020202020204" pitchFamily="34" charset="0"/>
+              <a:buChar char="•"/>
+              <a:defRPr sz="1800" kern="1200">
+                <a:solidFill>
+                  <a:schemeClr val="tx1"/>
+                </a:solidFill>
+                <a:latin typeface="+mn-lt"/>
+                <a:ea typeface="+mn-ea"/>
+                <a:cs typeface="+mn-cs"/>
+              </a:defRPr>
+            </a:lvl8pPr>
+            <a:lvl9pPr marL="3886200" indent="-228600" algn="l" defTabSz="914400" rtl="0" eaLnBrk="1" latinLnBrk="0" hangingPunct="1">
+              <a:lnSpc>
+                <a:spcPct val="90000"/>
+              </a:lnSpc>
+              <a:spcBef>
+                <a:spcPts val="500"/>
+              </a:spcBef>
+              <a:buFont typeface="Arial" panose="020B0604020202020204" pitchFamily="34" charset="0"/>
+              <a:buChar char="•"/>
+              <a:defRPr sz="1800" kern="1200">
+                <a:solidFill>
+                  <a:schemeClr val="tx1"/>
+                </a:solidFill>
+                <a:latin typeface="+mn-lt"/>
+                <a:ea typeface="+mn-ea"/>
+                <a:cs typeface="+mn-cs"/>
+              </a:defRPr>
+            </a:lvl9pPr>
+          </a:lstStyle>
+          <a:p>
+            <a:pPr marL="0" indent="0" algn="ctr">
+              <a:buFont typeface="Arial" panose="020B0604020202020204" pitchFamily="34" charset="0"/>
+              <a:buNone/>
+            </a:pPr>
+            <a:r>
+              <a:rPr lang="en-US" sz="1000" b="1">
+                <a:solidFill>
+                  <a:schemeClr val="accent2">
+                    <a:lumMod val="75000"/>
+                  </a:schemeClr>
+                </a:solidFill>
+              </a:rPr>
+              <a:t>model object</a:t>
+            </a:r>
+            <a:br>
+              <a:rPr lang="en-US" sz="1000" b="1">
+                <a:solidFill>
+                  <a:schemeClr val="accent2">
+                    <a:lumMod val="75000"/>
+                  </a:schemeClr>
+                </a:solidFill>
+              </a:rPr>
+            </a:br>
+            <a:r>
+              <a:rPr lang="en-US" sz="1000" b="1">
+                <a:solidFill>
+                  <a:schemeClr val="accent2">
+                    <a:lumMod val="75000"/>
+                  </a:schemeClr>
+                </a:solidFill>
+              </a:rPr>
+              <a:t>names(credit_model)</a:t>
+            </a:r>
+          </a:p>
+        </p:txBody>
+      </p:sp>
+      <p:sp>
+        <p:nvSpPr>
+          <p:cNvPr id="24" name="Right Arrow 21">
+            <a:extLst>
+              <a:ext uri="{FF2B5EF4-FFF2-40B4-BE49-F238E27FC236}">
+                <a16:creationId xmlns:a16="http://schemas.microsoft.com/office/drawing/2014/main" id="{03BB4B7A-F108-412F-A17B-F6501262BE19}"/>
+              </a:ext>
+            </a:extLst>
+          </p:cNvPr>
+          <p:cNvSpPr/>
+          <p:nvPr/>
+        </p:nvSpPr>
+        <p:spPr>
+          <a:xfrm rot="8934343">
+            <a:off x="1924589" y="1618403"/>
+            <a:ext cx="382926" cy="152796"/>
+          </a:xfrm>
+          <a:prstGeom prst="rightArrow">
+            <a:avLst/>
+          </a:prstGeom>
+        </p:spPr>
+        <p:style>
+          <a:lnRef idx="2">
+            <a:schemeClr val="accent1">
+              <a:shade val="50000"/>
+            </a:schemeClr>
+          </a:lnRef>
+          <a:fillRef idx="1">
+            <a:schemeClr val="accent1"/>
+          </a:fillRef>
+          <a:effectRef idx="0">
+            <a:schemeClr val="accent1"/>
+          </a:effectRef>
+          <a:fontRef idx="minor">
+            <a:schemeClr val="lt1"/>
+          </a:fontRef>
+        </p:style>
+        <p:txBody>
+          <a:bodyPr rtlCol="0" anchor="ctr"/>
+          <a:lstStyle/>
+          <a:p>
+            <a:pPr algn="ctr"/>
+            <a:endParaRPr lang="en-US"/>
+          </a:p>
+        </p:txBody>
+      </p:sp>
+      <p:sp>
+        <p:nvSpPr>
+          <p:cNvPr id="31" name="Content Placeholder 3">
+            <a:extLst>
+              <a:ext uri="{FF2B5EF4-FFF2-40B4-BE49-F238E27FC236}">
+                <a16:creationId xmlns:a16="http://schemas.microsoft.com/office/drawing/2014/main" id="{9F7009AC-F756-43B8-9518-76D09C0913E4}"/>
+              </a:ext>
+            </a:extLst>
+          </p:cNvPr>
+          <p:cNvSpPr txBox="1">
+            <a:spLocks/>
+          </p:cNvSpPr>
+          <p:nvPr/>
+        </p:nvSpPr>
+        <p:spPr>
+          <a:xfrm>
+            <a:off x="2537460" y="2641653"/>
+            <a:ext cx="2583180" cy="229893"/>
+          </a:xfrm>
+          <a:prstGeom prst="rect">
+            <a:avLst/>
+          </a:prstGeom>
+        </p:spPr>
+        <p:txBody>
+          <a:bodyPr vert="horz" lIns="91440" tIns="45720" rIns="91440" bIns="45720" rtlCol="0">
+            <a:normAutofit/>
+          </a:bodyPr>
+          <a:lstStyle>
+            <a:lvl1pPr marL="228600" indent="-228600" algn="l" defTabSz="914400" rtl="0" eaLnBrk="1" latinLnBrk="0" hangingPunct="1">
+              <a:lnSpc>
+                <a:spcPct val="90000"/>
+              </a:lnSpc>
+              <a:spcBef>
+                <a:spcPts val="1000"/>
+              </a:spcBef>
+              <a:buFont typeface="Arial" panose="020B0604020202020204" pitchFamily="34" charset="0"/>
+              <a:buChar char="•"/>
+              <a:defRPr sz="2800" kern="1200">
+                <a:solidFill>
+                  <a:schemeClr val="tx1"/>
+                </a:solidFill>
+                <a:latin typeface="+mn-lt"/>
+                <a:ea typeface="+mn-ea"/>
+                <a:cs typeface="+mn-cs"/>
+              </a:defRPr>
+            </a:lvl1pPr>
+            <a:lvl2pPr marL="685800" indent="-228600" algn="l" defTabSz="914400" rtl="0" eaLnBrk="1" latinLnBrk="0" hangingPunct="1">
+              <a:lnSpc>
+                <a:spcPct val="90000"/>
+              </a:lnSpc>
+              <a:spcBef>
+                <a:spcPts val="500"/>
+              </a:spcBef>
+              <a:buFont typeface="Arial" panose="020B0604020202020204" pitchFamily="34" charset="0"/>
+              <a:buChar char="•"/>
+              <a:defRPr sz="2400" kern="1200">
+                <a:solidFill>
+                  <a:schemeClr val="tx1"/>
+                </a:solidFill>
+                <a:latin typeface="+mn-lt"/>
+                <a:ea typeface="+mn-ea"/>
+                <a:cs typeface="+mn-cs"/>
+              </a:defRPr>
+            </a:lvl2pPr>
+            <a:lvl3pPr marL="1143000" indent="-228600" algn="l" defTabSz="914400" rtl="0" eaLnBrk="1" latinLnBrk="0" hangingPunct="1">
+              <a:lnSpc>
+                <a:spcPct val="90000"/>
+              </a:lnSpc>
+              <a:spcBef>
+                <a:spcPts val="500"/>
+              </a:spcBef>
+              <a:buFont typeface="Arial" panose="020B0604020202020204" pitchFamily="34" charset="0"/>
+              <a:buChar char="•"/>
+              <a:defRPr sz="2000" kern="1200">
+                <a:solidFill>
+                  <a:schemeClr val="tx1"/>
+                </a:solidFill>
+                <a:latin typeface="+mn-lt"/>
+                <a:ea typeface="+mn-ea"/>
+                <a:cs typeface="+mn-cs"/>
+              </a:defRPr>
+            </a:lvl3pPr>
+            <a:lvl4pPr marL="1600200" indent="-228600" algn="l" defTabSz="914400" rtl="0" eaLnBrk="1" latinLnBrk="0" hangingPunct="1">
+              <a:lnSpc>
+                <a:spcPct val="90000"/>
+              </a:lnSpc>
+              <a:spcBef>
+                <a:spcPts val="500"/>
+              </a:spcBef>
+              <a:buFont typeface="Arial" panose="020B0604020202020204" pitchFamily="34" charset="0"/>
+              <a:buChar char="•"/>
+              <a:defRPr sz="1800" kern="1200">
+                <a:solidFill>
+                  <a:schemeClr val="tx1"/>
+                </a:solidFill>
+                <a:latin typeface="+mn-lt"/>
+                <a:ea typeface="+mn-ea"/>
+                <a:cs typeface="+mn-cs"/>
+              </a:defRPr>
+            </a:lvl4pPr>
+            <a:lvl5pPr marL="2057400" indent="-228600" algn="l" defTabSz="914400" rtl="0" eaLnBrk="1" latinLnBrk="0" hangingPunct="1">
+              <a:lnSpc>
+                <a:spcPct val="90000"/>
+              </a:lnSpc>
+              <a:spcBef>
+                <a:spcPts val="500"/>
+              </a:spcBef>
+              <a:buFont typeface="Arial" panose="020B0604020202020204" pitchFamily="34" charset="0"/>
+              <a:buChar char="•"/>
+              <a:defRPr sz="1800" kern="1200">
+                <a:solidFill>
+                  <a:schemeClr val="tx1"/>
+                </a:solidFill>
+                <a:latin typeface="+mn-lt"/>
+                <a:ea typeface="+mn-ea"/>
+                <a:cs typeface="+mn-cs"/>
+              </a:defRPr>
+            </a:lvl5pPr>
+            <a:lvl6pPr marL="2514600" indent="-228600" algn="l" defTabSz="914400" rtl="0" eaLnBrk="1" latinLnBrk="0" hangingPunct="1">
+              <a:lnSpc>
+                <a:spcPct val="90000"/>
+              </a:lnSpc>
+              <a:spcBef>
+                <a:spcPts val="500"/>
+              </a:spcBef>
+              <a:buFont typeface="Arial" panose="020B0604020202020204" pitchFamily="34" charset="0"/>
+              <a:buChar char="•"/>
+              <a:defRPr sz="1800" kern="1200">
+                <a:solidFill>
+                  <a:schemeClr val="tx1"/>
+                </a:solidFill>
+                <a:latin typeface="+mn-lt"/>
+                <a:ea typeface="+mn-ea"/>
+                <a:cs typeface="+mn-cs"/>
+              </a:defRPr>
+            </a:lvl6pPr>
+            <a:lvl7pPr marL="2971800" indent="-228600" algn="l" defTabSz="914400" rtl="0" eaLnBrk="1" latinLnBrk="0" hangingPunct="1">
+              <a:lnSpc>
+                <a:spcPct val="90000"/>
+              </a:lnSpc>
+              <a:spcBef>
+                <a:spcPts val="500"/>
+              </a:spcBef>
+              <a:buFont typeface="Arial" panose="020B0604020202020204" pitchFamily="34" charset="0"/>
+              <a:buChar char="•"/>
+              <a:defRPr sz="1800" kern="1200">
+                <a:solidFill>
+                  <a:schemeClr val="tx1"/>
+                </a:solidFill>
+                <a:latin typeface="+mn-lt"/>
+                <a:ea typeface="+mn-ea"/>
+                <a:cs typeface="+mn-cs"/>
+              </a:defRPr>
+            </a:lvl7pPr>
+            <a:lvl8pPr marL="3429000" indent="-228600" algn="l" defTabSz="914400" rtl="0" eaLnBrk="1" latinLnBrk="0" hangingPunct="1">
+              <a:lnSpc>
+                <a:spcPct val="90000"/>
+              </a:lnSpc>
+              <a:spcBef>
+                <a:spcPts val="500"/>
+              </a:spcBef>
+              <a:buFont typeface="Arial" panose="020B0604020202020204" pitchFamily="34" charset="0"/>
+              <a:buChar char="•"/>
+              <a:defRPr sz="1800" kern="1200">
+                <a:solidFill>
+                  <a:schemeClr val="tx1"/>
+                </a:solidFill>
+                <a:latin typeface="+mn-lt"/>
+                <a:ea typeface="+mn-ea"/>
+                <a:cs typeface="+mn-cs"/>
+              </a:defRPr>
+            </a:lvl8pPr>
+            <a:lvl9pPr marL="3886200" indent="-228600" algn="l" defTabSz="914400" rtl="0" eaLnBrk="1" latinLnBrk="0" hangingPunct="1">
+              <a:lnSpc>
+                <a:spcPct val="90000"/>
+              </a:lnSpc>
+              <a:spcBef>
+                <a:spcPts val="500"/>
+              </a:spcBef>
+              <a:buFont typeface="Arial" panose="020B0604020202020204" pitchFamily="34" charset="0"/>
+              <a:buChar char="•"/>
+              <a:defRPr sz="1800" kern="1200">
+                <a:solidFill>
+                  <a:schemeClr val="tx1"/>
+                </a:solidFill>
+                <a:latin typeface="+mn-lt"/>
+                <a:ea typeface="+mn-ea"/>
+                <a:cs typeface="+mn-cs"/>
+              </a:defRPr>
+            </a:lvl9pPr>
+          </a:lstStyle>
+          <a:p>
+            <a:pPr marL="0" indent="0">
+              <a:buFont typeface="Arial" panose="020B0604020202020204" pitchFamily="34" charset="0"/>
+              <a:buNone/>
+            </a:pPr>
+            <a:r>
+              <a:rPr lang="en-US" sz="1000" b="1" dirty="0">
+                <a:solidFill>
+                  <a:schemeClr val="accent2">
+                    <a:lumMod val="75000"/>
+                  </a:schemeClr>
+                </a:solidFill>
+              </a:rPr>
+              <a:t>displays a variable importance table and plot</a:t>
+            </a:r>
+          </a:p>
+        </p:txBody>
+      </p:sp>
+      <p:sp>
+        <p:nvSpPr>
+          <p:cNvPr id="32" name="Right Arrow 27">
+            <a:extLst>
+              <a:ext uri="{FF2B5EF4-FFF2-40B4-BE49-F238E27FC236}">
+                <a16:creationId xmlns:a16="http://schemas.microsoft.com/office/drawing/2014/main" id="{A7460A9A-79C6-492B-9600-A53BF8C6168B}"/>
+              </a:ext>
+            </a:extLst>
+          </p:cNvPr>
+          <p:cNvSpPr/>
+          <p:nvPr/>
+        </p:nvSpPr>
+        <p:spPr>
+          <a:xfrm rot="10800000">
+            <a:off x="2097086" y="2680202"/>
+            <a:ext cx="382926" cy="152796"/>
+          </a:xfrm>
+          <a:prstGeom prst="rightArrow">
+            <a:avLst/>
+          </a:prstGeom>
+        </p:spPr>
+        <p:style>
+          <a:lnRef idx="2">
+            <a:schemeClr val="accent1">
+              <a:shade val="50000"/>
+            </a:schemeClr>
+          </a:lnRef>
+          <a:fillRef idx="1">
+            <a:schemeClr val="accent1"/>
+          </a:fillRef>
+          <a:effectRef idx="0">
+            <a:schemeClr val="accent1"/>
+          </a:effectRef>
+          <a:fontRef idx="minor">
+            <a:schemeClr val="lt1"/>
+          </a:fontRef>
+        </p:style>
+        <p:txBody>
+          <a:bodyPr rtlCol="0" anchor="ctr"/>
+          <a:lstStyle/>
+          <a:p>
+            <a:pPr algn="ctr"/>
+            <a:endParaRPr lang="en-US"/>
+          </a:p>
+        </p:txBody>
+      </p:sp>
+    </p:spTree>
+    <p:extLst>
+      <p:ext uri="{BB962C8B-B14F-4D97-AF65-F5344CB8AC3E}">
+        <p14:creationId xmlns:p14="http://schemas.microsoft.com/office/powerpoint/2010/main" val="809850394"/>
       </p:ext>
     </p:extLst>
   </p:cSld>

--- a/Track - Machine Learning/Tree-Based-Models-in-R/Tree-Based Model in R.pptx
+++ b/Track - Machine Learning/Tree-Based-Models-in-R/Tree-Based Model in R.pptx
@@ -263,7 +263,7 @@
             <a:fld id="{B61BEF0D-F0BB-DE4B-95CE-6DB70DBA9567}" type="datetimeFigureOut">
               <a:rPr lang="en-US" smtClean="0"/>
               <a:pPr/>
-              <a:t>6/12/2019</a:t>
+              <a:t>6/13/2019</a:t>
             </a:fld>
             <a:endParaRPr lang="en-US" dirty="0"/>
           </a:p>
@@ -435,7 +435,7 @@
             <a:fld id="{B61BEF0D-F0BB-DE4B-95CE-6DB70DBA9567}" type="datetimeFigureOut">
               <a:rPr lang="en-US" smtClean="0"/>
               <a:pPr/>
-              <a:t>6/12/2019</a:t>
+              <a:t>6/13/2019</a:t>
             </a:fld>
             <a:endParaRPr lang="en-US" dirty="0"/>
           </a:p>
@@ -617,7 +617,7 @@
             <a:fld id="{B61BEF0D-F0BB-DE4B-95CE-6DB70DBA9567}" type="datetimeFigureOut">
               <a:rPr lang="en-US" smtClean="0"/>
               <a:pPr/>
-              <a:t>6/12/2019</a:t>
+              <a:t>6/13/2019</a:t>
             </a:fld>
             <a:endParaRPr lang="en-US" dirty="0"/>
           </a:p>
@@ -789,7 +789,7 @@
             <a:fld id="{B61BEF0D-F0BB-DE4B-95CE-6DB70DBA9567}" type="datetimeFigureOut">
               <a:rPr lang="en-US" smtClean="0"/>
               <a:pPr/>
-              <a:t>6/12/2019</a:t>
+              <a:t>6/13/2019</a:t>
             </a:fld>
             <a:endParaRPr lang="en-US" dirty="0"/>
           </a:p>
@@ -1035,7 +1035,7 @@
             <a:fld id="{B61BEF0D-F0BB-DE4B-95CE-6DB70DBA9567}" type="datetimeFigureOut">
               <a:rPr lang="en-US" smtClean="0"/>
               <a:pPr/>
-              <a:t>6/12/2019</a:t>
+              <a:t>6/13/2019</a:t>
             </a:fld>
             <a:endParaRPr lang="en-US" dirty="0"/>
           </a:p>
@@ -1269,7 +1269,7 @@
             <a:fld id="{B61BEF0D-F0BB-DE4B-95CE-6DB70DBA9567}" type="datetimeFigureOut">
               <a:rPr lang="en-US" smtClean="0"/>
               <a:pPr/>
-              <a:t>6/12/2019</a:t>
+              <a:t>6/13/2019</a:t>
             </a:fld>
             <a:endParaRPr lang="en-US" dirty="0"/>
           </a:p>
@@ -1638,7 +1638,7 @@
             <a:fld id="{B61BEF0D-F0BB-DE4B-95CE-6DB70DBA9567}" type="datetimeFigureOut">
               <a:rPr lang="en-US" smtClean="0"/>
               <a:pPr/>
-              <a:t>6/12/2019</a:t>
+              <a:t>6/13/2019</a:t>
             </a:fld>
             <a:endParaRPr lang="en-US" dirty="0"/>
           </a:p>
@@ -1758,7 +1758,7 @@
             <a:fld id="{B61BEF0D-F0BB-DE4B-95CE-6DB70DBA9567}" type="datetimeFigureOut">
               <a:rPr lang="en-US" smtClean="0"/>
               <a:pPr/>
-              <a:t>6/12/2019</a:t>
+              <a:t>6/13/2019</a:t>
             </a:fld>
             <a:endParaRPr lang="en-US" dirty="0"/>
           </a:p>
@@ -1855,7 +1855,7 @@
             <a:fld id="{B61BEF0D-F0BB-DE4B-95CE-6DB70DBA9567}" type="datetimeFigureOut">
               <a:rPr lang="en-US" smtClean="0"/>
               <a:pPr/>
-              <a:t>6/12/2019</a:t>
+              <a:t>6/13/2019</a:t>
             </a:fld>
             <a:endParaRPr lang="en-US" dirty="0"/>
           </a:p>
@@ -2134,7 +2134,7 @@
             <a:fld id="{B61BEF0D-F0BB-DE4B-95CE-6DB70DBA9567}" type="datetimeFigureOut">
               <a:rPr lang="en-US" smtClean="0"/>
               <a:pPr/>
-              <a:t>6/12/2019</a:t>
+              <a:t>6/13/2019</a:t>
             </a:fld>
             <a:endParaRPr lang="en-US" dirty="0"/>
           </a:p>
@@ -2393,7 +2393,7 @@
             <a:fld id="{B61BEF0D-F0BB-DE4B-95CE-6DB70DBA9567}" type="datetimeFigureOut">
               <a:rPr lang="en-US" smtClean="0"/>
               <a:pPr/>
-              <a:t>6/12/2019</a:t>
+              <a:t>6/13/2019</a:t>
             </a:fld>
             <a:endParaRPr lang="en-US" dirty="0"/>
           </a:p>
@@ -2608,7 +2608,7 @@
             <a:fld id="{B61BEF0D-F0BB-DE4B-95CE-6DB70DBA9567}" type="datetimeFigureOut">
               <a:rPr lang="en-US" smtClean="0"/>
               <a:pPr/>
-              <a:t>6/12/2019</a:t>
+              <a:t>6/13/2019</a:t>
             </a:fld>
             <a:endParaRPr lang="en-US" dirty="0"/>
           </a:p>
@@ -6405,7 +6405,7 @@
         </p:spPr>
         <p:txBody>
           <a:bodyPr>
-            <a:normAutofit fontScale="92500" lnSpcReduction="20000"/>
+            <a:normAutofit fontScale="92500" lnSpcReduction="10000"/>
           </a:bodyPr>
           <a:lstStyle/>
           <a:p>
@@ -8137,7 +8137,7 @@
         <p:spPr>
           <a:xfrm>
             <a:off x="411873" y="862459"/>
-            <a:ext cx="5935139" cy="6394058"/>
+            <a:ext cx="5104409" cy="4293483"/>
           </a:xfrm>
           <a:prstGeom prst="rect">
             <a:avLst/>
@@ -8336,24 +8336,67 @@
             </a:r>
           </a:p>
           <a:p>
+            <a:endParaRPr lang="en-US" sz="1050" smtClean="0">
+              <a:latin typeface="Consolas" panose="020B0609020204030204" pitchFamily="49" charset="0"/>
+            </a:endParaRPr>
+          </a:p>
+          <a:p>
+            <a:r>
+              <a:rPr lang="en-US" sz="1050" smtClean="0">
+                <a:latin typeface="Consolas" panose="020B0609020204030204" pitchFamily="49" charset="0"/>
+              </a:rPr>
+              <a:t>credit_test$default &lt;- ifelse(credit_test$default == “yes”, 1, 0)</a:t>
+            </a:r>
+            <a:endParaRPr lang="en-US" sz="1050">
+              <a:latin typeface="Consolas" panose="020B0609020204030204" pitchFamily="49" charset="0"/>
+            </a:endParaRPr>
+          </a:p>
+          <a:p>
             <a:endParaRPr lang="en-US" sz="1050" dirty="0">
               <a:latin typeface="Consolas" panose="020B0609020204030204" pitchFamily="49" charset="0"/>
             </a:endParaRPr>
           </a:p>
           <a:p>
-            <a:endParaRPr lang="en-US" sz="1050" dirty="0">
-              <a:latin typeface="Consolas" panose="020B0609020204030204" pitchFamily="49" charset="0"/>
-            </a:endParaRPr>
-          </a:p>
-          <a:p>
-            <a:endParaRPr lang="en-US" sz="1050" dirty="0">
-              <a:latin typeface="Consolas" panose="020B0609020204030204" pitchFamily="49" charset="0"/>
-            </a:endParaRPr>
-          </a:p>
-          <a:p>
-            <a:endParaRPr lang="en-US" sz="1050" dirty="0">
-              <a:latin typeface="Consolas" panose="020B0609020204030204" pitchFamily="49" charset="0"/>
-            </a:endParaRPr>
+            <a:r>
+              <a:rPr lang="en-US" sz="1050">
+                <a:latin typeface="Consolas" panose="020B0609020204030204" pitchFamily="49" charset="0"/>
+              </a:rPr>
+              <a:t>credit_pred &lt;- predict(object = credit_model,</a:t>
+            </a:r>
+          </a:p>
+          <a:p>
+            <a:r>
+              <a:rPr lang="en-US" sz="1050">
+                <a:latin typeface="Consolas" panose="020B0609020204030204" pitchFamily="49" charset="0"/>
+              </a:rPr>
+              <a:t>			     newdata </a:t>
+            </a:r>
+            <a:r>
+              <a:rPr lang="en-US" sz="1050">
+                <a:latin typeface="Consolas" panose="020B0609020204030204" pitchFamily="49" charset="0"/>
+              </a:rPr>
+              <a:t>= </a:t>
+            </a:r>
+            <a:r>
+              <a:rPr lang="en-US" sz="1050" smtClean="0">
+                <a:latin typeface="Consolas" panose="020B0609020204030204" pitchFamily="49" charset="0"/>
+              </a:rPr>
+              <a:t>credit_test,</a:t>
+            </a:r>
+          </a:p>
+          <a:p>
+            <a:r>
+              <a:rPr lang="en-US" sz="1050">
+                <a:latin typeface="Consolas" panose="020B0609020204030204" pitchFamily="49" charset="0"/>
+              </a:rPr>
+              <a:t>	</a:t>
+            </a:r>
+            <a:r>
+              <a:rPr lang="en-US" sz="1050" smtClean="0">
+                <a:latin typeface="Consolas" panose="020B0609020204030204" pitchFamily="49" charset="0"/>
+              </a:rPr>
+              <a:t>		     n.trees = 10000)</a:t>
+            </a:r>
           </a:p>
           <a:p>
             <a:endParaRPr lang="en-US" sz="1050">
@@ -8365,462 +8408,64 @@
               <a:rPr lang="en-US" sz="1050">
                 <a:latin typeface="Consolas" panose="020B0609020204030204" pitchFamily="49" charset="0"/>
               </a:rPr>
-              <a:t>credit</a:t>
-            </a:r>
-            <a:r>
-              <a:rPr lang="en-US" sz="1050" dirty="0" err="1">
-                <a:latin typeface="Consolas" panose="020B0609020204030204" pitchFamily="49" charset="0"/>
-              </a:rPr>
-              <a:t>_pred</a:t>
-            </a:r>
-            <a:r>
-              <a:rPr lang="en-US" sz="1050" dirty="0">
-                <a:latin typeface="Consolas" panose="020B0609020204030204" pitchFamily="49" charset="0"/>
-              </a:rPr>
-              <a:t> &lt;- predict(object = </a:t>
-            </a:r>
-            <a:r>
-              <a:rPr lang="en-US" sz="1050" dirty="0" err="1">
-                <a:latin typeface="Consolas" panose="020B0609020204030204" pitchFamily="49" charset="0"/>
-              </a:rPr>
-              <a:t>credit_model</a:t>
-            </a:r>
-            <a:r>
-              <a:rPr lang="en-US" sz="1050" dirty="0">
-                <a:latin typeface="Consolas" panose="020B0609020204030204" pitchFamily="49" charset="0"/>
-              </a:rPr>
-              <a:t>,</a:t>
-            </a:r>
-          </a:p>
-          <a:p>
-            <a:r>
-              <a:rPr lang="en-US" sz="1050" dirty="0">
-                <a:latin typeface="Consolas" panose="020B0609020204030204" pitchFamily="49" charset="0"/>
-              </a:rPr>
-              <a:t>			     </a:t>
-            </a:r>
-            <a:r>
-              <a:rPr lang="en-US" sz="1050" dirty="0" err="1">
-                <a:latin typeface="Consolas" panose="020B0609020204030204" pitchFamily="49" charset="0"/>
-              </a:rPr>
-              <a:t>newdata</a:t>
-            </a:r>
-            <a:r>
-              <a:rPr lang="en-US" sz="1050" dirty="0">
-                <a:latin typeface="Consolas" panose="020B0609020204030204" pitchFamily="49" charset="0"/>
-              </a:rPr>
-              <a:t> = </a:t>
-            </a:r>
-            <a:r>
-              <a:rPr lang="en-US" sz="1050" dirty="0" err="1">
-                <a:latin typeface="Consolas" panose="020B0609020204030204" pitchFamily="49" charset="0"/>
-              </a:rPr>
-              <a:t>credit_test</a:t>
-            </a:r>
-            <a:r>
-              <a:rPr lang="en-US" sz="1050" dirty="0">
-                <a:latin typeface="Consolas" panose="020B0609020204030204" pitchFamily="49" charset="0"/>
-              </a:rPr>
-              <a:t>,  type = “class”)</a:t>
-            </a:r>
-          </a:p>
-          <a:p>
-            <a:endParaRPr lang="en-US" sz="1050" dirty="0">
+              <a:t>credit_pred &lt;- predict(object = credit_model,</a:t>
+            </a:r>
+          </a:p>
+          <a:p>
+            <a:r>
+              <a:rPr lang="en-US" sz="1050">
+                <a:latin typeface="Consolas" panose="020B0609020204030204" pitchFamily="49" charset="0"/>
+              </a:rPr>
+              <a:t>			     newdata = credit_test,</a:t>
+            </a:r>
+          </a:p>
+          <a:p>
+            <a:r>
+              <a:rPr lang="en-US" sz="1050">
+                <a:latin typeface="Consolas" panose="020B0609020204030204" pitchFamily="49" charset="0"/>
+              </a:rPr>
+              <a:t>			     n.trees </a:t>
+            </a:r>
+            <a:r>
+              <a:rPr lang="en-US" sz="1050">
+                <a:latin typeface="Consolas" panose="020B0609020204030204" pitchFamily="49" charset="0"/>
+              </a:rPr>
+              <a:t>= </a:t>
+            </a:r>
+            <a:r>
+              <a:rPr lang="en-US" sz="1050" smtClean="0">
+                <a:latin typeface="Consolas" panose="020B0609020204030204" pitchFamily="49" charset="0"/>
+              </a:rPr>
+              <a:t>10000,</a:t>
+            </a:r>
+          </a:p>
+          <a:p>
+            <a:r>
+              <a:rPr lang="en-US" sz="1050">
+                <a:latin typeface="Consolas" panose="020B0609020204030204" pitchFamily="49" charset="0"/>
+              </a:rPr>
+              <a:t>	</a:t>
+            </a:r>
+            <a:r>
+              <a:rPr lang="en-US" sz="1050" smtClean="0">
+                <a:latin typeface="Consolas" panose="020B0609020204030204" pitchFamily="49" charset="0"/>
+              </a:rPr>
+              <a:t>		     type = “response”)</a:t>
+            </a:r>
+          </a:p>
+          <a:p>
+            <a:endParaRPr lang="en-US" sz="1050">
               <a:latin typeface="Consolas" panose="020B0609020204030204" pitchFamily="49" charset="0"/>
             </a:endParaRPr>
           </a:p>
           <a:p>
             <a:r>
-              <a:rPr lang="en-US" sz="1050" dirty="0">
-                <a:latin typeface="Consolas" panose="020B0609020204030204" pitchFamily="49" charset="0"/>
-              </a:rPr>
-              <a:t>cm &lt;- </a:t>
-            </a:r>
-            <a:r>
-              <a:rPr lang="en-US" sz="1050" dirty="0" err="1">
-                <a:latin typeface="Consolas" panose="020B0609020204030204" pitchFamily="49" charset="0"/>
-              </a:rPr>
-              <a:t>confusionMatrix</a:t>
-            </a:r>
-            <a:r>
-              <a:rPr lang="en-US" sz="1050" dirty="0">
-                <a:latin typeface="Consolas" panose="020B0609020204030204" pitchFamily="49" charset="0"/>
-              </a:rPr>
-              <a:t>(data = </a:t>
-            </a:r>
-            <a:r>
-              <a:rPr lang="en-US" sz="1050" dirty="0" err="1">
-                <a:latin typeface="Consolas" panose="020B0609020204030204" pitchFamily="49" charset="0"/>
-              </a:rPr>
-              <a:t>class_prediction</a:t>
-            </a:r>
-            <a:r>
-              <a:rPr lang="en-US" sz="1050" dirty="0">
-                <a:latin typeface="Consolas" panose="020B0609020204030204" pitchFamily="49" charset="0"/>
-              </a:rPr>
-              <a:t>,</a:t>
-            </a:r>
-          </a:p>
-          <a:p>
-            <a:r>
-              <a:rPr lang="en-US" sz="1050" dirty="0">
-                <a:latin typeface="Consolas" panose="020B0609020204030204" pitchFamily="49" charset="0"/>
-              </a:rPr>
-              <a:t>			    reference = </a:t>
-            </a:r>
-            <a:r>
-              <a:rPr lang="en-US" sz="1050" dirty="0" err="1">
-                <a:latin typeface="Consolas" panose="020B0609020204030204" pitchFamily="49" charset="0"/>
-              </a:rPr>
-              <a:t>credit_test$default</a:t>
-            </a:r>
-            <a:r>
-              <a:rPr lang="en-US" sz="1050" dirty="0">
-                <a:latin typeface="Consolas" panose="020B0609020204030204" pitchFamily="49" charset="0"/>
-              </a:rPr>
-              <a:t>)</a:t>
-            </a:r>
-          </a:p>
-          <a:p>
-            <a:endParaRPr lang="en-US" sz="1050" dirty="0">
-              <a:latin typeface="Consolas" panose="020B0609020204030204" pitchFamily="49" charset="0"/>
-            </a:endParaRPr>
-          </a:p>
-          <a:p>
-            <a:r>
-              <a:rPr lang="en-US" sz="1050" dirty="0" err="1">
-                <a:latin typeface="Consolas" panose="020B0609020204030204" pitchFamily="49" charset="0"/>
-              </a:rPr>
-              <a:t>paste0</a:t>
-            </a:r>
-            <a:r>
-              <a:rPr lang="en-US" sz="1050" dirty="0">
-                <a:latin typeface="Consolas" panose="020B0609020204030204" pitchFamily="49" charset="0"/>
-              </a:rPr>
-              <a:t>(“Test Accuracy: ”, </a:t>
-            </a:r>
-            <a:r>
-              <a:rPr lang="en-US" sz="1050" dirty="0" err="1">
-                <a:latin typeface="Consolas" panose="020B0609020204030204" pitchFamily="49" charset="0"/>
-              </a:rPr>
-              <a:t>cm$overall</a:t>
-            </a:r>
-            <a:r>
-              <a:rPr lang="en-US" sz="1050" dirty="0">
-                <a:latin typeface="Consolas" panose="020B0609020204030204" pitchFamily="49" charset="0"/>
-              </a:rPr>
-              <a:t>[1])</a:t>
-            </a:r>
-          </a:p>
-          <a:p>
-            <a:r>
-              <a:rPr lang="en-US" sz="1050" dirty="0" err="1">
-                <a:latin typeface="Consolas" panose="020B0609020204030204" pitchFamily="49" charset="0"/>
-              </a:rPr>
-              <a:t>paste0</a:t>
-            </a:r>
-            <a:r>
-              <a:rPr lang="en-US" sz="1050" dirty="0">
-                <a:latin typeface="Consolas" panose="020B0609020204030204" pitchFamily="49" charset="0"/>
-              </a:rPr>
-              <a:t>(“</a:t>
-            </a:r>
-            <a:r>
-              <a:rPr lang="en-US" sz="1050" dirty="0" err="1">
-                <a:latin typeface="Consolas" panose="020B0609020204030204" pitchFamily="49" charset="0"/>
-              </a:rPr>
-              <a:t>OOB</a:t>
-            </a:r>
-            <a:r>
-              <a:rPr lang="en-US" sz="1050" dirty="0">
-                <a:latin typeface="Consolas" panose="020B0609020204030204" pitchFamily="49" charset="0"/>
-              </a:rPr>
-              <a:t> Accuracy: ”, 1 – </a:t>
-            </a:r>
-            <a:r>
-              <a:rPr lang="en-US" sz="1050" dirty="0" err="1">
-                <a:latin typeface="Consolas" panose="020B0609020204030204" pitchFamily="49" charset="0"/>
-              </a:rPr>
-              <a:t>obb_err</a:t>
-            </a:r>
-            <a:r>
-              <a:rPr lang="en-US" sz="1050" dirty="0">
-                <a:latin typeface="Consolas" panose="020B0609020204030204" pitchFamily="49" charset="0"/>
-              </a:rPr>
-              <a:t>)</a:t>
-            </a:r>
-          </a:p>
-          <a:p>
-            <a:endParaRPr lang="en-US" sz="1050" dirty="0">
-              <a:latin typeface="Consolas" panose="020B0609020204030204" pitchFamily="49" charset="0"/>
-            </a:endParaRPr>
-          </a:p>
-          <a:p>
-            <a:r>
-              <a:rPr lang="en-US" sz="1050" dirty="0" err="1">
-                <a:latin typeface="Consolas" panose="020B0609020204030204" pitchFamily="49" charset="0"/>
-              </a:rPr>
-              <a:t>credit_pred</a:t>
-            </a:r>
-            <a:r>
-              <a:rPr lang="en-US" sz="1050" dirty="0">
-                <a:latin typeface="Consolas" panose="020B0609020204030204" pitchFamily="49" charset="0"/>
-              </a:rPr>
-              <a:t> &lt;- predict(object = </a:t>
-            </a:r>
-            <a:r>
-              <a:rPr lang="en-US" sz="1050" dirty="0" err="1">
-                <a:latin typeface="Consolas" panose="020B0609020204030204" pitchFamily="49" charset="0"/>
-              </a:rPr>
-              <a:t>credit_caret_model</a:t>
-            </a:r>
-            <a:r>
-              <a:rPr lang="en-US" sz="1050" dirty="0">
-                <a:latin typeface="Consolas" panose="020B0609020204030204" pitchFamily="49" charset="0"/>
-              </a:rPr>
-              <a:t>,</a:t>
-            </a:r>
-          </a:p>
-          <a:p>
-            <a:r>
-              <a:rPr lang="en-US" sz="1050" dirty="0">
-                <a:latin typeface="Consolas" panose="020B0609020204030204" pitchFamily="49" charset="0"/>
-              </a:rPr>
-              <a:t>			     </a:t>
-            </a:r>
-            <a:r>
-              <a:rPr lang="en-US" sz="1050" dirty="0" err="1">
-                <a:latin typeface="Consolas" panose="020B0609020204030204" pitchFamily="49" charset="0"/>
-              </a:rPr>
-              <a:t>newdata</a:t>
-            </a:r>
-            <a:r>
-              <a:rPr lang="en-US" sz="1050" dirty="0">
-                <a:latin typeface="Consolas" panose="020B0609020204030204" pitchFamily="49" charset="0"/>
-              </a:rPr>
-              <a:t> = </a:t>
-            </a:r>
-            <a:r>
-              <a:rPr lang="en-US" sz="1050" dirty="0" err="1">
-                <a:latin typeface="Consolas" panose="020B0609020204030204" pitchFamily="49" charset="0"/>
-              </a:rPr>
-              <a:t>credit_test</a:t>
-            </a:r>
-            <a:r>
-              <a:rPr lang="en-US" sz="1050" dirty="0">
-                <a:latin typeface="Consolas" panose="020B0609020204030204" pitchFamily="49" charset="0"/>
-              </a:rPr>
-              <a:t>, type = “prob”)</a:t>
-            </a:r>
-          </a:p>
-          <a:p>
-            <a:endParaRPr lang="en-US" sz="1050" dirty="0">
-              <a:latin typeface="Consolas" panose="020B0609020204030204" pitchFamily="49" charset="0"/>
-            </a:endParaRPr>
-          </a:p>
-          <a:p>
-            <a:r>
-              <a:rPr lang="en-US" sz="1050" dirty="0" err="1">
-                <a:latin typeface="Consolas" panose="020B0609020204030204" pitchFamily="49" charset="0"/>
-              </a:rPr>
-              <a:t>auc</a:t>
-            </a:r>
-            <a:r>
-              <a:rPr lang="en-US" sz="1050" dirty="0">
-                <a:latin typeface="Consolas" panose="020B0609020204030204" pitchFamily="49" charset="0"/>
-              </a:rPr>
-              <a:t>(actual = </a:t>
-            </a:r>
-            <a:r>
-              <a:rPr lang="en-US" sz="1050" dirty="0" err="1">
-                <a:latin typeface="Consolas" panose="020B0609020204030204" pitchFamily="49" charset="0"/>
-              </a:rPr>
-              <a:t>ifelse</a:t>
-            </a:r>
-            <a:r>
-              <a:rPr lang="en-US" sz="1050" dirty="0">
-                <a:latin typeface="Consolas" panose="020B0609020204030204" pitchFamily="49" charset="0"/>
-              </a:rPr>
-              <a:t>(</a:t>
-            </a:r>
-            <a:r>
-              <a:rPr lang="en-US" sz="1050" dirty="0" err="1">
-                <a:latin typeface="Consolas" panose="020B0609020204030204" pitchFamily="49" charset="0"/>
-              </a:rPr>
-              <a:t>credit_test$default</a:t>
-            </a:r>
-            <a:r>
-              <a:rPr lang="en-US" sz="1050" dirty="0">
-                <a:latin typeface="Consolas" panose="020B0609020204030204" pitchFamily="49" charset="0"/>
-              </a:rPr>
-              <a:t> == “yes”, 1, 0),</a:t>
-            </a:r>
-          </a:p>
-          <a:p>
-            <a:r>
-              <a:rPr lang="en-US" sz="1050" dirty="0">
-                <a:latin typeface="Consolas" panose="020B0609020204030204" pitchFamily="49" charset="0"/>
-              </a:rPr>
-              <a:t>			  predict = </a:t>
-            </a:r>
-            <a:r>
-              <a:rPr lang="en-US" sz="1050" dirty="0" err="1">
-                <a:latin typeface="Consolas" panose="020B0609020204030204" pitchFamily="49" charset="0"/>
-              </a:rPr>
-              <a:t>pred</a:t>
-            </a:r>
-            <a:r>
-              <a:rPr lang="en-US" sz="1050" dirty="0">
-                <a:latin typeface="Consolas" panose="020B0609020204030204" pitchFamily="49" charset="0"/>
-              </a:rPr>
-              <a:t>[ , “yes”])</a:t>
-            </a:r>
-          </a:p>
-          <a:p>
-            <a:endParaRPr lang="en-US" sz="1050" dirty="0">
-              <a:latin typeface="Consolas" panose="020B0609020204030204" pitchFamily="49" charset="0"/>
-            </a:endParaRPr>
-          </a:p>
-          <a:p>
-            <a:r>
-              <a:rPr lang="en-US" sz="1050" dirty="0" err="1">
-                <a:latin typeface="Consolas" panose="020B0609020204030204" pitchFamily="49" charset="0"/>
-              </a:rPr>
-              <a:t>set.seed</a:t>
-            </a:r>
-            <a:r>
-              <a:rPr lang="en-US" sz="1050" dirty="0">
-                <a:latin typeface="Consolas" panose="020B0609020204030204" pitchFamily="49" charset="0"/>
-              </a:rPr>
-              <a:t>(1)</a:t>
-            </a:r>
-          </a:p>
-          <a:p>
-            <a:endParaRPr lang="en-US" sz="1050" dirty="0">
-              <a:latin typeface="Consolas" panose="020B0609020204030204" pitchFamily="49" charset="0"/>
-            </a:endParaRPr>
-          </a:p>
-          <a:p>
-            <a:r>
-              <a:rPr lang="en-US" sz="1050" dirty="0">
-                <a:latin typeface="Consolas" panose="020B0609020204030204" pitchFamily="49" charset="0"/>
-              </a:rPr>
-              <a:t>res &lt;- </a:t>
-            </a:r>
-            <a:r>
-              <a:rPr lang="en-US" sz="1050" dirty="0" err="1">
-                <a:latin typeface="Consolas" panose="020B0609020204030204" pitchFamily="49" charset="0"/>
-              </a:rPr>
-              <a:t>tuneRF</a:t>
-            </a:r>
-            <a:r>
-              <a:rPr lang="en-US" sz="1050" dirty="0">
-                <a:latin typeface="Consolas" panose="020B0609020204030204" pitchFamily="49" charset="0"/>
-              </a:rPr>
-              <a:t>(x = subset(</a:t>
-            </a:r>
-            <a:r>
-              <a:rPr lang="en-US" sz="1050" dirty="0" err="1">
-                <a:latin typeface="Consolas" panose="020B0609020204030204" pitchFamily="49" charset="0"/>
-              </a:rPr>
-              <a:t>credit_train</a:t>
-            </a:r>
-            <a:r>
-              <a:rPr lang="en-US" sz="1050" dirty="0">
-                <a:latin typeface="Consolas" panose="020B0609020204030204" pitchFamily="49" charset="0"/>
-              </a:rPr>
-              <a:t>, select = -default),</a:t>
-            </a:r>
-          </a:p>
-          <a:p>
-            <a:r>
-              <a:rPr lang="en-US" sz="1050" dirty="0">
-                <a:latin typeface="Consolas" panose="020B0609020204030204" pitchFamily="49" charset="0"/>
-              </a:rPr>
-              <a:t>		  y = </a:t>
-            </a:r>
-            <a:r>
-              <a:rPr lang="en-US" sz="1050" dirty="0" err="1">
-                <a:latin typeface="Consolas" panose="020B0609020204030204" pitchFamily="49" charset="0"/>
-              </a:rPr>
-              <a:t>credit_train$default</a:t>
-            </a:r>
-            <a:r>
-              <a:rPr lang="en-US" sz="1050" dirty="0">
-                <a:latin typeface="Consolas" panose="020B0609020204030204" pitchFamily="49" charset="0"/>
-              </a:rPr>
-              <a:t>, </a:t>
-            </a:r>
-            <a:r>
-              <a:rPr lang="en-US" sz="1050" dirty="0" err="1">
-                <a:latin typeface="Consolas" panose="020B0609020204030204" pitchFamily="49" charset="0"/>
-              </a:rPr>
-              <a:t>ntreeTry</a:t>
-            </a:r>
-            <a:r>
-              <a:rPr lang="en-US" sz="1050" dirty="0">
-                <a:latin typeface="Consolas" panose="020B0609020204030204" pitchFamily="49" charset="0"/>
-              </a:rPr>
-              <a:t> = 500)</a:t>
-            </a:r>
-          </a:p>
-          <a:p>
-            <a:endParaRPr lang="en-US" sz="1050" dirty="0">
-              <a:latin typeface="Consolas" panose="020B0609020204030204" pitchFamily="49" charset="0"/>
-            </a:endParaRPr>
-          </a:p>
-          <a:p>
-            <a:r>
-              <a:rPr lang="en-US" sz="1050" dirty="0" err="1">
-                <a:latin typeface="Consolas" panose="020B0609020204030204" pitchFamily="49" charset="0"/>
-              </a:rPr>
-              <a:t>mtry_opt</a:t>
-            </a:r>
-            <a:r>
-              <a:rPr lang="en-US" sz="1050" dirty="0">
-                <a:latin typeface="Consolas" panose="020B0609020204030204" pitchFamily="49" charset="0"/>
-              </a:rPr>
-              <a:t> &lt;- res[ , “</a:t>
-            </a:r>
-            <a:r>
-              <a:rPr lang="en-US" sz="1050" dirty="0" err="1">
-                <a:latin typeface="Consolas" panose="020B0609020204030204" pitchFamily="49" charset="0"/>
-              </a:rPr>
-              <a:t>mtry</a:t>
-            </a:r>
-            <a:r>
-              <a:rPr lang="en-US" sz="1050" dirty="0">
-                <a:latin typeface="Consolas" panose="020B0609020204030204" pitchFamily="49" charset="0"/>
-              </a:rPr>
-              <a:t>”][</a:t>
-            </a:r>
-            <a:r>
-              <a:rPr lang="en-US" sz="1050" dirty="0" err="1">
-                <a:latin typeface="Consolas" panose="020B0609020204030204" pitchFamily="49" charset="0"/>
-              </a:rPr>
-              <a:t>which.min</a:t>
-            </a:r>
-            <a:r>
-              <a:rPr lang="en-US" sz="1050" dirty="0">
-                <a:latin typeface="Consolas" panose="020B0609020204030204" pitchFamily="49" charset="0"/>
-              </a:rPr>
-              <a:t>(res[ , “</a:t>
-            </a:r>
-            <a:r>
-              <a:rPr lang="en-US" sz="1050" dirty="0" err="1">
-                <a:latin typeface="Consolas" panose="020B0609020204030204" pitchFamily="49" charset="0"/>
-              </a:rPr>
-              <a:t>OOBError</a:t>
-            </a:r>
-            <a:r>
-              <a:rPr lang="en-US" sz="1050" dirty="0">
-                <a:latin typeface="Consolas" panose="020B0609020204030204" pitchFamily="49" charset="0"/>
-              </a:rPr>
-              <a:t>”])]</a:t>
-            </a:r>
-          </a:p>
-          <a:p>
-            <a:endParaRPr lang="en-US" sz="1050" dirty="0">
+              <a:rPr lang="en-US" sz="1050" smtClean="0">
+                <a:latin typeface="Consolas" panose="020B0609020204030204" pitchFamily="49" charset="0"/>
+              </a:rPr>
+              <a:t>auc(actual = credit_test$default, predicted = credit_pred)</a:t>
+            </a:r>
+            <a:endParaRPr lang="en-US" sz="1050">
               <a:latin typeface="Consolas" panose="020B0609020204030204" pitchFamily="49" charset="0"/>
             </a:endParaRPr>
           </a:p>
@@ -8915,7 +8560,7 @@
               <a:t>libraries </a:t>
             </a:r>
             <a:r>
-              <a:rPr lang="en-US" sz="1000" b="1" dirty="0">
+              <a:rPr lang="en-US" sz="1000" b="1">
                 <a:solidFill>
                   <a:schemeClr val="accent2">
                     <a:lumMod val="75000"/>
@@ -8926,7 +8571,7 @@
               <a:t> </a:t>
             </a:r>
             <a:r>
-              <a:rPr lang="en-US" sz="1000" b="1" dirty="0" err="1">
+              <a:rPr lang="en-US" sz="1000" b="1" smtClean="0">
                 <a:solidFill>
                   <a:schemeClr val="accent2">
                     <a:lumMod val="75000"/>
@@ -8934,7 +8579,7 @@
                 </a:solidFill>
                 <a:sym typeface="Wingdings" panose="05000000000000000000" pitchFamily="2" charset="2"/>
               </a:rPr>
-              <a:t>gbm</a:t>
+              <a:t>gbm, ROCR</a:t>
             </a:r>
             <a:endParaRPr lang="en-US" sz="1000" b="1" dirty="0">
               <a:solidFill>
@@ -9475,6 +9120,554 @@
           </a:p>
         </p:txBody>
       </p:sp>
+      <p:pic>
+        <p:nvPicPr>
+          <p:cNvPr id="2" name="Picture 1"/>
+          <p:cNvPicPr>
+            <a:picLocks noChangeAspect="1"/>
+          </p:cNvPicPr>
+          <p:nvPr/>
+        </p:nvPicPr>
+        <p:blipFill>
+          <a:blip r:embed="rId2"/>
+          <a:stretch>
+            <a:fillRect/>
+          </a:stretch>
+        </p:blipFill>
+        <p:spPr>
+          <a:xfrm>
+            <a:off x="5573963" y="914777"/>
+            <a:ext cx="3276057" cy="1159120"/>
+          </a:xfrm>
+          <a:prstGeom prst="rect">
+            <a:avLst/>
+          </a:prstGeom>
+        </p:spPr>
+      </p:pic>
+      <p:sp>
+        <p:nvSpPr>
+          <p:cNvPr id="12" name="TextBox 11">
+            <a:extLst>
+              <a:ext uri="{FF2B5EF4-FFF2-40B4-BE49-F238E27FC236}">
+                <a16:creationId xmlns:a16="http://schemas.microsoft.com/office/drawing/2014/main" id="{8FA4E600-36BF-419F-B739-8B99F6702248}"/>
+              </a:ext>
+            </a:extLst>
+          </p:cNvPr>
+          <p:cNvSpPr txBox="1"/>
+          <p:nvPr/>
+        </p:nvSpPr>
+        <p:spPr>
+          <a:xfrm>
+            <a:off x="5573963" y="2956582"/>
+            <a:ext cx="3450508" cy="3046988"/>
+          </a:xfrm>
+          <a:prstGeom prst="rect">
+            <a:avLst/>
+          </a:prstGeom>
+          <a:noFill/>
+        </p:spPr>
+        <p:txBody>
+          <a:bodyPr wrap="square" rtlCol="0">
+            <a:spAutoFit/>
+          </a:bodyPr>
+          <a:lstStyle/>
+          <a:p>
+            <a:r>
+              <a:rPr lang="en-US" sz="800" smtClean="0">
+                <a:latin typeface="Consolas" panose="020B0609020204030204" pitchFamily="49" charset="0"/>
+              </a:rPr>
+              <a:t>ntree_opt_oob &lt;- gbm.perf(object = credit_model,</a:t>
+            </a:r>
+          </a:p>
+          <a:p>
+            <a:r>
+              <a:rPr lang="en-US" sz="800">
+                <a:latin typeface="Consolas" panose="020B0609020204030204" pitchFamily="49" charset="0"/>
+              </a:rPr>
+              <a:t>	</a:t>
+            </a:r>
+            <a:r>
+              <a:rPr lang="en-US" sz="800" smtClean="0">
+                <a:latin typeface="Consolas" panose="020B0609020204030204" pitchFamily="49" charset="0"/>
+              </a:rPr>
+              <a:t>			   method = “OOB”,</a:t>
+            </a:r>
+          </a:p>
+          <a:p>
+            <a:r>
+              <a:rPr lang="en-US" sz="800">
+                <a:latin typeface="Consolas" panose="020B0609020204030204" pitchFamily="49" charset="0"/>
+              </a:rPr>
+              <a:t>	</a:t>
+            </a:r>
+            <a:r>
+              <a:rPr lang="en-US" sz="800" smtClean="0">
+                <a:latin typeface="Consolas" panose="020B0609020204030204" pitchFamily="49" charset="0"/>
+              </a:rPr>
+              <a:t>			   oobag.curve = TRUE)</a:t>
+            </a:r>
+            <a:endParaRPr lang="en-US" sz="800" dirty="0">
+              <a:latin typeface="Consolas" panose="020B0609020204030204" pitchFamily="49" charset="0"/>
+            </a:endParaRPr>
+          </a:p>
+          <a:p>
+            <a:endParaRPr lang="en-US" sz="800" dirty="0">
+              <a:latin typeface="Consolas" panose="020B0609020204030204" pitchFamily="49" charset="0"/>
+            </a:endParaRPr>
+          </a:p>
+          <a:p>
+            <a:r>
+              <a:rPr lang="en-US" sz="800" smtClean="0">
+                <a:latin typeface="Consolas" panose="020B0609020204030204" pitchFamily="49" charset="0"/>
+              </a:rPr>
+              <a:t>set.seed(1</a:t>
+            </a:r>
+            <a:r>
+              <a:rPr lang="en-US" sz="800" dirty="0">
+                <a:latin typeface="Consolas" panose="020B0609020204030204" pitchFamily="49" charset="0"/>
+              </a:rPr>
+              <a:t>)</a:t>
+            </a:r>
+          </a:p>
+          <a:p>
+            <a:r>
+              <a:rPr lang="en-US" sz="800" smtClean="0">
+                <a:latin typeface="Consolas" panose="020B0609020204030204" pitchFamily="49" charset="0"/>
+              </a:rPr>
+              <a:t>credit_model_cv </a:t>
+            </a:r>
+            <a:r>
+              <a:rPr lang="en-US" sz="800" dirty="0">
+                <a:latin typeface="Consolas" panose="020B0609020204030204" pitchFamily="49" charset="0"/>
+              </a:rPr>
+              <a:t>&lt;- </a:t>
+            </a:r>
+            <a:r>
+              <a:rPr lang="en-US" sz="800" dirty="0" err="1">
+                <a:latin typeface="Consolas" panose="020B0609020204030204" pitchFamily="49" charset="0"/>
+              </a:rPr>
+              <a:t>gbm</a:t>
+            </a:r>
+            <a:r>
+              <a:rPr lang="en-US" sz="800" dirty="0">
+                <a:latin typeface="Consolas" panose="020B0609020204030204" pitchFamily="49" charset="0"/>
+              </a:rPr>
+              <a:t>(formula = default ~ .,</a:t>
+            </a:r>
+          </a:p>
+          <a:p>
+            <a:r>
+              <a:rPr lang="en-US" sz="800" dirty="0">
+                <a:latin typeface="Consolas" panose="020B0609020204030204" pitchFamily="49" charset="0"/>
+              </a:rPr>
+              <a:t>			  distribution = “Bernoulli”,</a:t>
+            </a:r>
+          </a:p>
+          <a:p>
+            <a:r>
+              <a:rPr lang="en-US" sz="800" dirty="0">
+                <a:latin typeface="Consolas" panose="020B0609020204030204" pitchFamily="49" charset="0"/>
+              </a:rPr>
+              <a:t>			  data = </a:t>
+            </a:r>
+            <a:r>
+              <a:rPr lang="en-US" sz="800" err="1">
+                <a:latin typeface="Consolas" panose="020B0609020204030204" pitchFamily="49" charset="0"/>
+              </a:rPr>
+              <a:t>credit_train</a:t>
+            </a:r>
+            <a:r>
+              <a:rPr lang="en-US" sz="800" smtClean="0">
+                <a:latin typeface="Consolas" panose="020B0609020204030204" pitchFamily="49" charset="0"/>
+              </a:rPr>
+              <a:t>,</a:t>
+            </a:r>
+          </a:p>
+          <a:p>
+            <a:r>
+              <a:rPr lang="en-US" sz="800">
+                <a:latin typeface="Consolas" panose="020B0609020204030204" pitchFamily="49" charset="0"/>
+              </a:rPr>
+              <a:t>	</a:t>
+            </a:r>
+            <a:r>
+              <a:rPr lang="en-US" sz="800" smtClean="0">
+                <a:latin typeface="Consolas" panose="020B0609020204030204" pitchFamily="49" charset="0"/>
+              </a:rPr>
+              <a:t>		  n.trees = 10000,</a:t>
+            </a:r>
+          </a:p>
+          <a:p>
+            <a:r>
+              <a:rPr lang="en-US" sz="800">
+                <a:latin typeface="Consolas" panose="020B0609020204030204" pitchFamily="49" charset="0"/>
+              </a:rPr>
+              <a:t>	</a:t>
+            </a:r>
+            <a:r>
+              <a:rPr lang="en-US" sz="800" smtClean="0">
+                <a:latin typeface="Consolas" panose="020B0609020204030204" pitchFamily="49" charset="0"/>
+              </a:rPr>
+              <a:t>		  cv.folds = 2)</a:t>
+            </a:r>
+          </a:p>
+          <a:p>
+            <a:endParaRPr lang="en-US" sz="800">
+              <a:latin typeface="Consolas" panose="020B0609020204030204" pitchFamily="49" charset="0"/>
+            </a:endParaRPr>
+          </a:p>
+          <a:p>
+            <a:r>
+              <a:rPr lang="en-US" sz="800" smtClean="0">
+                <a:latin typeface="Consolas" panose="020B0609020204030204" pitchFamily="49" charset="0"/>
+              </a:rPr>
+              <a:t>ntree_opt_cv &lt;- gbm.perf(object = credit_model,</a:t>
+            </a:r>
+          </a:p>
+          <a:p>
+            <a:r>
+              <a:rPr lang="en-US" sz="800">
+                <a:latin typeface="Consolas" panose="020B0609020204030204" pitchFamily="49" charset="0"/>
+              </a:rPr>
+              <a:t>	</a:t>
+            </a:r>
+            <a:r>
+              <a:rPr lang="en-US" sz="800" smtClean="0">
+                <a:latin typeface="Consolas" panose="020B0609020204030204" pitchFamily="49" charset="0"/>
+              </a:rPr>
+              <a:t>		    method = “cv”)</a:t>
+            </a:r>
+          </a:p>
+          <a:p>
+            <a:endParaRPr lang="en-US" sz="800">
+              <a:latin typeface="Consolas" panose="020B0609020204030204" pitchFamily="49" charset="0"/>
+            </a:endParaRPr>
+          </a:p>
+          <a:p>
+            <a:r>
+              <a:rPr lang="en-US" sz="800" smtClean="0">
+                <a:latin typeface="Consolas" panose="020B0609020204030204" pitchFamily="49" charset="0"/>
+              </a:rPr>
+              <a:t>pr1 </a:t>
+            </a:r>
+            <a:r>
+              <a:rPr lang="en-US" sz="800">
+                <a:latin typeface="Consolas" panose="020B0609020204030204" pitchFamily="49" charset="0"/>
+              </a:rPr>
+              <a:t>&lt;- predict(object = credit_model,</a:t>
+            </a:r>
+          </a:p>
+          <a:p>
+            <a:r>
+              <a:rPr lang="en-US" sz="800" smtClean="0">
+                <a:latin typeface="Consolas" panose="020B0609020204030204" pitchFamily="49" charset="0"/>
+              </a:rPr>
+              <a:t>		newdata </a:t>
+            </a:r>
+            <a:r>
+              <a:rPr lang="en-US" sz="800">
+                <a:latin typeface="Consolas" panose="020B0609020204030204" pitchFamily="49" charset="0"/>
+              </a:rPr>
+              <a:t>= credit_test,</a:t>
+            </a:r>
+          </a:p>
+          <a:p>
+            <a:r>
+              <a:rPr lang="en-US" sz="800">
+                <a:latin typeface="Consolas" panose="020B0609020204030204" pitchFamily="49" charset="0"/>
+              </a:rPr>
+              <a:t>		</a:t>
+            </a:r>
+            <a:r>
+              <a:rPr lang="en-US" sz="800" smtClean="0">
+                <a:latin typeface="Consolas" panose="020B0609020204030204" pitchFamily="49" charset="0"/>
+              </a:rPr>
+              <a:t>n.trees </a:t>
+            </a:r>
+            <a:r>
+              <a:rPr lang="en-US" sz="800">
+                <a:latin typeface="Consolas" panose="020B0609020204030204" pitchFamily="49" charset="0"/>
+              </a:rPr>
+              <a:t>= ntree_opt_oob)</a:t>
+            </a:r>
+          </a:p>
+          <a:p>
+            <a:endParaRPr lang="en-US" sz="800">
+              <a:latin typeface="Consolas" panose="020B0609020204030204" pitchFamily="49" charset="0"/>
+            </a:endParaRPr>
+          </a:p>
+          <a:p>
+            <a:r>
+              <a:rPr lang="en-US" sz="800" smtClean="0">
+                <a:latin typeface="Consolas" panose="020B0609020204030204" pitchFamily="49" charset="0"/>
+              </a:rPr>
+              <a:t>pr2 </a:t>
+            </a:r>
+            <a:r>
+              <a:rPr lang="en-US" sz="800">
+                <a:latin typeface="Consolas" panose="020B0609020204030204" pitchFamily="49" charset="0"/>
+              </a:rPr>
+              <a:t>&lt;- predict(object = credit_model,</a:t>
+            </a:r>
+          </a:p>
+          <a:p>
+            <a:r>
+              <a:rPr lang="en-US" sz="800">
+                <a:latin typeface="Consolas" panose="020B0609020204030204" pitchFamily="49" charset="0"/>
+              </a:rPr>
+              <a:t>		</a:t>
+            </a:r>
+            <a:r>
+              <a:rPr lang="en-US" sz="800" smtClean="0">
+                <a:latin typeface="Consolas" panose="020B0609020204030204" pitchFamily="49" charset="0"/>
+              </a:rPr>
+              <a:t>newdata </a:t>
+            </a:r>
+            <a:r>
+              <a:rPr lang="en-US" sz="800">
+                <a:latin typeface="Consolas" panose="020B0609020204030204" pitchFamily="49" charset="0"/>
+              </a:rPr>
+              <a:t>= credit_test,</a:t>
+            </a:r>
+          </a:p>
+          <a:p>
+            <a:r>
+              <a:rPr lang="en-US" sz="800">
+                <a:latin typeface="Consolas" panose="020B0609020204030204" pitchFamily="49" charset="0"/>
+              </a:rPr>
+              <a:t>		</a:t>
+            </a:r>
+            <a:r>
+              <a:rPr lang="en-US" sz="800" smtClean="0">
+                <a:latin typeface="Consolas" panose="020B0609020204030204" pitchFamily="49" charset="0"/>
+              </a:rPr>
+              <a:t>n.trees </a:t>
+            </a:r>
+            <a:r>
+              <a:rPr lang="en-US" sz="800">
+                <a:latin typeface="Consolas" panose="020B0609020204030204" pitchFamily="49" charset="0"/>
+              </a:rPr>
+              <a:t>= ntree_opt_cv)</a:t>
+            </a:r>
+          </a:p>
+          <a:p>
+            <a:endParaRPr lang="en-US" sz="800">
+              <a:latin typeface="Consolas" panose="020B0609020204030204" pitchFamily="49" charset="0"/>
+            </a:endParaRPr>
+          </a:p>
+          <a:p>
+            <a:r>
+              <a:rPr lang="en-US" sz="800">
+                <a:latin typeface="Consolas" panose="020B0609020204030204" pitchFamily="49" charset="0"/>
+              </a:rPr>
+              <a:t>auc1 &lt;- auc(actual = credit_test$default, </a:t>
+            </a:r>
+            <a:r>
+              <a:rPr lang="en-US" sz="800">
+                <a:latin typeface="Consolas" panose="020B0609020204030204" pitchFamily="49" charset="0"/>
+              </a:rPr>
+              <a:t>predicted </a:t>
+            </a:r>
+            <a:r>
+              <a:rPr lang="en-US" sz="800" smtClean="0">
+                <a:latin typeface="Consolas" panose="020B0609020204030204" pitchFamily="49" charset="0"/>
+              </a:rPr>
+              <a:t>= pr1</a:t>
+            </a:r>
+            <a:r>
+              <a:rPr lang="en-US" sz="800">
+                <a:latin typeface="Consolas" panose="020B0609020204030204" pitchFamily="49" charset="0"/>
+              </a:rPr>
+              <a:t>)</a:t>
+            </a:r>
+          </a:p>
+          <a:p>
+            <a:r>
+              <a:rPr lang="en-US" sz="800">
+                <a:latin typeface="Consolas" panose="020B0609020204030204" pitchFamily="49" charset="0"/>
+              </a:rPr>
+              <a:t>auc2 &lt;- auc(actual = credit_test$default, predicted </a:t>
+            </a:r>
+            <a:r>
+              <a:rPr lang="en-US" sz="800">
+                <a:latin typeface="Consolas" panose="020B0609020204030204" pitchFamily="49" charset="0"/>
+              </a:rPr>
+              <a:t>= </a:t>
+            </a:r>
+            <a:r>
+              <a:rPr lang="en-US" sz="800" smtClean="0">
+                <a:latin typeface="Consolas" panose="020B0609020204030204" pitchFamily="49" charset="0"/>
+              </a:rPr>
+              <a:t>pr2)</a:t>
+            </a:r>
+            <a:endParaRPr lang="en-US" sz="800">
+              <a:latin typeface="Consolas" panose="020B0609020204030204" pitchFamily="49" charset="0"/>
+            </a:endParaRPr>
+          </a:p>
+        </p:txBody>
+      </p:sp>
+      <p:pic>
+        <p:nvPicPr>
+          <p:cNvPr id="3" name="Picture 2"/>
+          <p:cNvPicPr>
+            <a:picLocks noChangeAspect="1"/>
+          </p:cNvPicPr>
+          <p:nvPr/>
+        </p:nvPicPr>
+        <p:blipFill>
+          <a:blip r:embed="rId3"/>
+          <a:stretch>
+            <a:fillRect/>
+          </a:stretch>
+        </p:blipFill>
+        <p:spPr>
+          <a:xfrm>
+            <a:off x="7451783" y="1743224"/>
+            <a:ext cx="1614523" cy="1213358"/>
+          </a:xfrm>
+          <a:prstGeom prst="rect">
+            <a:avLst/>
+          </a:prstGeom>
+        </p:spPr>
+      </p:pic>
+      <p:sp>
+        <p:nvSpPr>
+          <p:cNvPr id="14" name="TextBox 13">
+            <a:extLst>
+              <a:ext uri="{FF2B5EF4-FFF2-40B4-BE49-F238E27FC236}">
+                <a16:creationId xmlns:a16="http://schemas.microsoft.com/office/drawing/2014/main" id="{8FA4E600-36BF-419F-B739-8B99F6702248}"/>
+              </a:ext>
+            </a:extLst>
+          </p:cNvPr>
+          <p:cNvSpPr txBox="1"/>
+          <p:nvPr/>
+        </p:nvSpPr>
+        <p:spPr>
+          <a:xfrm>
+            <a:off x="563293" y="5227937"/>
+            <a:ext cx="6303672" cy="1446550"/>
+          </a:xfrm>
+          <a:prstGeom prst="rect">
+            <a:avLst/>
+          </a:prstGeom>
+          <a:noFill/>
+        </p:spPr>
+        <p:txBody>
+          <a:bodyPr wrap="square" rtlCol="0">
+            <a:spAutoFit/>
+          </a:bodyPr>
+          <a:lstStyle/>
+          <a:p>
+            <a:r>
+              <a:rPr lang="en-US" sz="800" smtClean="0">
+                <a:latin typeface="Consolas" panose="020B0609020204030204" pitchFamily="49" charset="0"/>
+              </a:rPr>
+              <a:t>preds_list &lt;- list(dt_pred, bag_preds, rf_preds, gbm_preds)</a:t>
+            </a:r>
+          </a:p>
+          <a:p>
+            <a:endParaRPr lang="en-US" sz="800">
+              <a:latin typeface="Consolas" panose="020B0609020204030204" pitchFamily="49" charset="0"/>
+            </a:endParaRPr>
+          </a:p>
+          <a:p>
+            <a:r>
+              <a:rPr lang="en-US" sz="800" smtClean="0">
+                <a:latin typeface="Consolas" panose="020B0609020204030204" pitchFamily="49" charset="0"/>
+              </a:rPr>
+              <a:t>m &lt;- length(preds_list)</a:t>
+            </a:r>
+          </a:p>
+          <a:p>
+            <a:r>
+              <a:rPr lang="en-US" sz="800" smtClean="0">
+                <a:latin typeface="Consolas" panose="020B0609020204030204" pitchFamily="49" charset="0"/>
+              </a:rPr>
+              <a:t>actuals_list &lt;- rep(list(credit_test$default), m)</a:t>
+            </a:r>
+          </a:p>
+          <a:p>
+            <a:endParaRPr lang="en-US" sz="800">
+              <a:latin typeface="Consolas" panose="020B0609020204030204" pitchFamily="49" charset="0"/>
+            </a:endParaRPr>
+          </a:p>
+          <a:p>
+            <a:r>
+              <a:rPr lang="en-US" sz="800" smtClean="0">
+                <a:latin typeface="Consolas" panose="020B0609020204030204" pitchFamily="49" charset="0"/>
+              </a:rPr>
+              <a:t>preds &lt;- prediction(preds_list, actuals_list)</a:t>
+            </a:r>
+          </a:p>
+          <a:p>
+            <a:r>
+              <a:rPr lang="en-US" sz="800" smtClean="0">
+                <a:latin typeface="Consolas" panose="020B0609020204030204" pitchFamily="49" charset="0"/>
+              </a:rPr>
+              <a:t>rocs &lt;- performance(pred, “tpr”, “fpr”)</a:t>
+            </a:r>
+          </a:p>
+          <a:p>
+            <a:endParaRPr lang="en-US" sz="800">
+              <a:latin typeface="Consolas" panose="020B0609020204030204" pitchFamily="49" charset="0"/>
+            </a:endParaRPr>
+          </a:p>
+          <a:p>
+            <a:r>
+              <a:rPr lang="en-US" sz="800" smtClean="0">
+                <a:latin typeface="Consolas" panose="020B0609020204030204" pitchFamily="49" charset="0"/>
+              </a:rPr>
+              <a:t>plot(rocs, col = as.list(1:m), main = “Test Set ROC Curves”)</a:t>
+            </a:r>
+          </a:p>
+          <a:p>
+            <a:endParaRPr lang="en-US" sz="800" smtClean="0">
+              <a:latin typeface="Consolas" panose="020B0609020204030204" pitchFamily="49" charset="0"/>
+            </a:endParaRPr>
+          </a:p>
+          <a:p>
+            <a:r>
+              <a:rPr lang="en-US" sz="800" smtClean="0">
+                <a:latin typeface="Consolas" panose="020B0609020204030204" pitchFamily="49" charset="0"/>
+              </a:rPr>
+              <a:t>legend(x = “bottomright”, legend = c(“Decision Tree”, “Bagged Trees”, “Random Forest”, “GBM”), fill = 1:m)	</a:t>
+            </a:r>
+            <a:endParaRPr lang="en-US" sz="800">
+              <a:latin typeface="Consolas" panose="020B0609020204030204" pitchFamily="49" charset="0"/>
+            </a:endParaRPr>
+          </a:p>
+        </p:txBody>
+      </p:sp>
+      <p:cxnSp>
+        <p:nvCxnSpPr>
+          <p:cNvPr id="6" name="Straight Connector 5"/>
+          <p:cNvCxnSpPr/>
+          <p:nvPr/>
+        </p:nvCxnSpPr>
+        <p:spPr>
+          <a:xfrm>
+            <a:off x="573741" y="5155942"/>
+            <a:ext cx="4201459" cy="0"/>
+          </a:xfrm>
+          <a:prstGeom prst="line">
+            <a:avLst/>
+          </a:prstGeom>
+        </p:spPr>
+        <p:style>
+          <a:lnRef idx="1">
+            <a:schemeClr val="accent1"/>
+          </a:lnRef>
+          <a:fillRef idx="0">
+            <a:schemeClr val="accent1"/>
+          </a:fillRef>
+          <a:effectRef idx="0">
+            <a:schemeClr val="accent1"/>
+          </a:effectRef>
+          <a:fontRef idx="minor">
+            <a:schemeClr val="tx1"/>
+          </a:fontRef>
+        </p:style>
+      </p:cxnSp>
     </p:spTree>
     <p:extLst>
       <p:ext uri="{BB962C8B-B14F-4D97-AF65-F5344CB8AC3E}">
